--- a/doc/CR-20210202.pptx
+++ b/doc/CR-20210202.pptx
@@ -11,6 +11,8 @@
     <p:sldId id="258" r:id="rId5"/>
     <p:sldId id="259" r:id="rId6"/>
     <p:sldId id="262" r:id="rId7"/>
+    <p:sldId id="263" r:id="rId8"/>
+    <p:sldId id="264" r:id="rId9"/>
   </p:sldIdLst>
   <p:sldSz cx="12192000" cy="6858000"/>
   <p:notesSz cx="6858000" cy="9144000"/>
@@ -109,6 +111,11 @@
       </a:defRPr>
     </a:lvl9pPr>
   </p:defaultTextStyle>
+  <p:extLst>
+    <p:ext uri="{EFAFB233-063F-42B5-8137-9DF3F51BA10A}">
+      <p15:sldGuideLst xmlns:p15="http://schemas.microsoft.com/office/powerpoint/2012/main"/>
+    </p:ext>
+  </p:extLst>
 </p:presentation>
 </file>
 
@@ -6243,7 +6250,7 @@
           <a:p>
             <a:fld id="{403374F6-491B-4410-BF99-DF51E2A038AC}" type="datetimeFigureOut">
               <a:rPr lang="zh-CN" altLang="en-US" smtClean="0"/>
-              <a:t>2021/2/1</a:t>
+              <a:t>2021/2/5</a:t>
             </a:fld>
             <a:endParaRPr lang="zh-CN" altLang="en-US"/>
           </a:p>
@@ -6443,7 +6450,7 @@
           <a:p>
             <a:fld id="{403374F6-491B-4410-BF99-DF51E2A038AC}" type="datetimeFigureOut">
               <a:rPr lang="zh-CN" altLang="en-US" smtClean="0"/>
-              <a:t>2021/2/1</a:t>
+              <a:t>2021/2/5</a:t>
             </a:fld>
             <a:endParaRPr lang="zh-CN" altLang="en-US"/>
           </a:p>
@@ -6653,7 +6660,7 @@
           <a:p>
             <a:fld id="{403374F6-491B-4410-BF99-DF51E2A038AC}" type="datetimeFigureOut">
               <a:rPr lang="zh-CN" altLang="en-US" smtClean="0"/>
-              <a:t>2021/2/1</a:t>
+              <a:t>2021/2/5</a:t>
             </a:fld>
             <a:endParaRPr lang="zh-CN" altLang="en-US"/>
           </a:p>
@@ -6853,7 +6860,7 @@
           <a:p>
             <a:fld id="{403374F6-491B-4410-BF99-DF51E2A038AC}" type="datetimeFigureOut">
               <a:rPr lang="zh-CN" altLang="en-US" smtClean="0"/>
-              <a:t>2021/2/1</a:t>
+              <a:t>2021/2/5</a:t>
             </a:fld>
             <a:endParaRPr lang="zh-CN" altLang="en-US"/>
           </a:p>
@@ -7129,7 +7136,7 @@
           <a:p>
             <a:fld id="{403374F6-491B-4410-BF99-DF51E2A038AC}" type="datetimeFigureOut">
               <a:rPr lang="zh-CN" altLang="en-US" smtClean="0"/>
-              <a:t>2021/2/1</a:t>
+              <a:t>2021/2/5</a:t>
             </a:fld>
             <a:endParaRPr lang="zh-CN" altLang="en-US"/>
           </a:p>
@@ -7397,7 +7404,7 @@
           <a:p>
             <a:fld id="{403374F6-491B-4410-BF99-DF51E2A038AC}" type="datetimeFigureOut">
               <a:rPr lang="zh-CN" altLang="en-US" smtClean="0"/>
-              <a:t>2021/2/1</a:t>
+              <a:t>2021/2/5</a:t>
             </a:fld>
             <a:endParaRPr lang="zh-CN" altLang="en-US"/>
           </a:p>
@@ -7812,7 +7819,7 @@
           <a:p>
             <a:fld id="{403374F6-491B-4410-BF99-DF51E2A038AC}" type="datetimeFigureOut">
               <a:rPr lang="zh-CN" altLang="en-US" smtClean="0"/>
-              <a:t>2021/2/1</a:t>
+              <a:t>2021/2/5</a:t>
             </a:fld>
             <a:endParaRPr lang="zh-CN" altLang="en-US"/>
           </a:p>
@@ -7954,7 +7961,7 @@
           <a:p>
             <a:fld id="{403374F6-491B-4410-BF99-DF51E2A038AC}" type="datetimeFigureOut">
               <a:rPr lang="zh-CN" altLang="en-US" smtClean="0"/>
-              <a:t>2021/2/1</a:t>
+              <a:t>2021/2/5</a:t>
             </a:fld>
             <a:endParaRPr lang="zh-CN" altLang="en-US"/>
           </a:p>
@@ -8067,7 +8074,7 @@
           <a:p>
             <a:fld id="{403374F6-491B-4410-BF99-DF51E2A038AC}" type="datetimeFigureOut">
               <a:rPr lang="zh-CN" altLang="en-US" smtClean="0"/>
-              <a:t>2021/2/1</a:t>
+              <a:t>2021/2/5</a:t>
             </a:fld>
             <a:endParaRPr lang="zh-CN" altLang="en-US"/>
           </a:p>
@@ -8380,7 +8387,7 @@
           <a:p>
             <a:fld id="{403374F6-491B-4410-BF99-DF51E2A038AC}" type="datetimeFigureOut">
               <a:rPr lang="zh-CN" altLang="en-US" smtClean="0"/>
-              <a:t>2021/2/1</a:t>
+              <a:t>2021/2/5</a:t>
             </a:fld>
             <a:endParaRPr lang="zh-CN" altLang="en-US"/>
           </a:p>
@@ -8669,7 +8676,7 @@
           <a:p>
             <a:fld id="{403374F6-491B-4410-BF99-DF51E2A038AC}" type="datetimeFigureOut">
               <a:rPr lang="zh-CN" altLang="en-US" smtClean="0"/>
-              <a:t>2021/2/1</a:t>
+              <a:t>2021/2/5</a:t>
             </a:fld>
             <a:endParaRPr lang="zh-CN" altLang="en-US"/>
           </a:p>
@@ -8912,7 +8919,7 @@
           <a:p>
             <a:fld id="{403374F6-491B-4410-BF99-DF51E2A038AC}" type="datetimeFigureOut">
               <a:rPr lang="zh-CN" altLang="en-US" smtClean="0"/>
-              <a:t>2021/2/1</a:t>
+              <a:t>2021/2/5</a:t>
             </a:fld>
             <a:endParaRPr lang="zh-CN" altLang="en-US"/>
           </a:p>
@@ -9998,6 +10005,303 @@
 </p:sld>
 </file>
 
+<file path=ppt/slides/slide7.xml><?xml version="1.0" encoding="utf-8"?>
+<p:sld xmlns:a="http://schemas.openxmlformats.org/drawingml/2006/main" xmlns:r="http://schemas.openxmlformats.org/officeDocument/2006/relationships" xmlns:p="http://schemas.openxmlformats.org/presentationml/2006/main">
+  <p:cSld>
+    <p:spTree>
+      <p:nvGrpSpPr>
+        <p:cNvPr id="1" name=""/>
+        <p:cNvGrpSpPr/>
+        <p:nvPr/>
+      </p:nvGrpSpPr>
+      <p:grpSpPr>
+        <a:xfrm>
+          <a:off x="0" y="0"/>
+          <a:ext cx="0" cy="0"/>
+          <a:chOff x="0" y="0"/>
+          <a:chExt cx="0" cy="0"/>
+        </a:xfrm>
+      </p:grpSpPr>
+      <p:sp>
+        <p:nvSpPr>
+          <p:cNvPr id="2" name="Title 1">
+            <a:extLst>
+              <a:ext uri="{FF2B5EF4-FFF2-40B4-BE49-F238E27FC236}">
+                <a16:creationId xmlns:a16="http://schemas.microsoft.com/office/drawing/2014/main" id="{60A650ED-FADA-400A-8C37-0FF94CD40500}"/>
+              </a:ext>
+            </a:extLst>
+          </p:cNvPr>
+          <p:cNvSpPr>
+            <a:spLocks noGrp="1"/>
+          </p:cNvSpPr>
+          <p:nvPr>
+            <p:ph type="title"/>
+          </p:nvPr>
+        </p:nvSpPr>
+        <p:spPr/>
+        <p:txBody>
+          <a:bodyPr/>
+          <a:lstStyle/>
+          <a:p>
+            <a:r>
+              <a:rPr lang="en-US" altLang="zh-CN" dirty="0"/>
+              <a:t>Peak pick</a:t>
+            </a:r>
+            <a:endParaRPr lang="zh-CN" altLang="en-US" dirty="0"/>
+          </a:p>
+        </p:txBody>
+      </p:sp>
+      <p:sp>
+        <p:nvSpPr>
+          <p:cNvPr id="3" name="Content Placeholder 2">
+            <a:extLst>
+              <a:ext uri="{FF2B5EF4-FFF2-40B4-BE49-F238E27FC236}">
+                <a16:creationId xmlns:a16="http://schemas.microsoft.com/office/drawing/2014/main" id="{7A0D5356-E4EE-4CBE-BB4B-00E939CFD61F}"/>
+              </a:ext>
+            </a:extLst>
+          </p:cNvPr>
+          <p:cNvSpPr>
+            <a:spLocks noGrp="1"/>
+          </p:cNvSpPr>
+          <p:nvPr>
+            <p:ph idx="1"/>
+          </p:nvPr>
+        </p:nvSpPr>
+        <p:spPr/>
+        <p:txBody>
+          <a:bodyPr/>
+          <a:lstStyle/>
+          <a:p>
+            <a:endParaRPr lang="zh-CN" altLang="en-US" dirty="0"/>
+          </a:p>
+          <a:p>
+            <a:endParaRPr lang="zh-CN" altLang="en-US" dirty="0"/>
+          </a:p>
+        </p:txBody>
+      </p:sp>
+      <p:pic>
+        <p:nvPicPr>
+          <p:cNvPr id="5" name="Picture 4" descr="Text&#10;&#10;Description automatically generated with medium confidence">
+            <a:extLst>
+              <a:ext uri="{FF2B5EF4-FFF2-40B4-BE49-F238E27FC236}">
+                <a16:creationId xmlns:a16="http://schemas.microsoft.com/office/drawing/2014/main" id="{84702097-5AC6-481E-AF8D-C4DB6A25FC4D}"/>
+              </a:ext>
+            </a:extLst>
+          </p:cNvPr>
+          <p:cNvPicPr>
+            <a:picLocks noChangeAspect="1"/>
+          </p:cNvPicPr>
+          <p:nvPr/>
+        </p:nvPicPr>
+        <p:blipFill>
+          <a:blip r:embed="rId2">
+            <a:extLst>
+              <a:ext uri="{28A0092B-C50C-407E-A947-70E740481C1C}">
+                <a14:useLocalDpi xmlns:a14="http://schemas.microsoft.com/office/drawing/2010/main" val="0"/>
+              </a:ext>
+            </a:extLst>
+          </a:blip>
+          <a:stretch>
+            <a:fillRect/>
+          </a:stretch>
+        </p:blipFill>
+        <p:spPr>
+          <a:xfrm>
+            <a:off x="5965900" y="2057556"/>
+            <a:ext cx="6555781" cy="4175232"/>
+          </a:xfrm>
+          <a:prstGeom prst="rect">
+            <a:avLst/>
+          </a:prstGeom>
+        </p:spPr>
+      </p:pic>
+      <p:pic>
+        <p:nvPicPr>
+          <p:cNvPr id="7" name="Picture 6">
+            <a:extLst>
+              <a:ext uri="{FF2B5EF4-FFF2-40B4-BE49-F238E27FC236}">
+                <a16:creationId xmlns:a16="http://schemas.microsoft.com/office/drawing/2014/main" id="{BFA941A4-20AF-457F-91B6-0873840B0E3F}"/>
+              </a:ext>
+            </a:extLst>
+          </p:cNvPr>
+          <p:cNvPicPr>
+            <a:picLocks noChangeAspect="1"/>
+          </p:cNvPicPr>
+          <p:nvPr/>
+        </p:nvPicPr>
+        <p:blipFill>
+          <a:blip r:embed="rId3"/>
+          <a:stretch>
+            <a:fillRect/>
+          </a:stretch>
+        </p:blipFill>
+        <p:spPr>
+          <a:xfrm>
+            <a:off x="5476237" y="425495"/>
+            <a:ext cx="2228571" cy="780952"/>
+          </a:xfrm>
+          <a:prstGeom prst="rect">
+            <a:avLst/>
+          </a:prstGeom>
+        </p:spPr>
+      </p:pic>
+      <p:pic>
+        <p:nvPicPr>
+          <p:cNvPr id="9" name="Picture 8">
+            <a:extLst>
+              <a:ext uri="{FF2B5EF4-FFF2-40B4-BE49-F238E27FC236}">
+                <a16:creationId xmlns:a16="http://schemas.microsoft.com/office/drawing/2014/main" id="{16CF4B3C-024F-4C0E-A5C5-1915DF035DAF}"/>
+              </a:ext>
+            </a:extLst>
+          </p:cNvPr>
+          <p:cNvPicPr>
+            <a:picLocks noChangeAspect="1"/>
+          </p:cNvPicPr>
+          <p:nvPr/>
+        </p:nvPicPr>
+        <p:blipFill>
+          <a:blip r:embed="rId4"/>
+          <a:stretch>
+            <a:fillRect/>
+          </a:stretch>
+        </p:blipFill>
+        <p:spPr>
+          <a:xfrm>
+            <a:off x="0" y="2519265"/>
+            <a:ext cx="5724145" cy="3308394"/>
+          </a:xfrm>
+          <a:prstGeom prst="rect">
+            <a:avLst/>
+          </a:prstGeom>
+        </p:spPr>
+      </p:pic>
+    </p:spTree>
+    <p:extLst>
+      <p:ext uri="{BB962C8B-B14F-4D97-AF65-F5344CB8AC3E}">
+        <p14:creationId xmlns:p14="http://schemas.microsoft.com/office/powerpoint/2010/main" val="3288743308"/>
+      </p:ext>
+    </p:extLst>
+  </p:cSld>
+  <p:clrMapOvr>
+    <a:masterClrMapping/>
+  </p:clrMapOvr>
+</p:sld>
+</file>
+
+<file path=ppt/slides/slide8.xml><?xml version="1.0" encoding="utf-8"?>
+<p:sld xmlns:a="http://schemas.openxmlformats.org/drawingml/2006/main" xmlns:r="http://schemas.openxmlformats.org/officeDocument/2006/relationships" xmlns:p="http://schemas.openxmlformats.org/presentationml/2006/main">
+  <p:cSld>
+    <p:spTree>
+      <p:nvGrpSpPr>
+        <p:cNvPr id="1" name=""/>
+        <p:cNvGrpSpPr/>
+        <p:nvPr/>
+      </p:nvGrpSpPr>
+      <p:grpSpPr>
+        <a:xfrm>
+          <a:off x="0" y="0"/>
+          <a:ext cx="0" cy="0"/>
+          <a:chOff x="0" y="0"/>
+          <a:chExt cx="0" cy="0"/>
+        </a:xfrm>
+      </p:grpSpPr>
+      <p:sp>
+        <p:nvSpPr>
+          <p:cNvPr id="2" name="Title 1">
+            <a:extLst>
+              <a:ext uri="{FF2B5EF4-FFF2-40B4-BE49-F238E27FC236}">
+                <a16:creationId xmlns:a16="http://schemas.microsoft.com/office/drawing/2014/main" id="{2E11327B-23B4-4B4D-9509-085FA32EE35C}"/>
+              </a:ext>
+            </a:extLst>
+          </p:cNvPr>
+          <p:cNvSpPr>
+            <a:spLocks noGrp="1"/>
+          </p:cNvSpPr>
+          <p:nvPr>
+            <p:ph type="title"/>
+          </p:nvPr>
+        </p:nvSpPr>
+        <p:spPr/>
+        <p:txBody>
+          <a:bodyPr/>
+          <a:lstStyle/>
+          <a:p>
+            <a:r>
+              <a:rPr lang="en-US" altLang="zh-CN" dirty="0"/>
+              <a:t>Peak list</a:t>
+            </a:r>
+            <a:endParaRPr lang="zh-CN" altLang="en-US" dirty="0"/>
+          </a:p>
+        </p:txBody>
+      </p:sp>
+      <p:sp>
+        <p:nvSpPr>
+          <p:cNvPr id="3" name="Content Placeholder 2">
+            <a:extLst>
+              <a:ext uri="{FF2B5EF4-FFF2-40B4-BE49-F238E27FC236}">
+                <a16:creationId xmlns:a16="http://schemas.microsoft.com/office/drawing/2014/main" id="{52031413-F69F-4048-85E1-23F842A113A2}"/>
+              </a:ext>
+            </a:extLst>
+          </p:cNvPr>
+          <p:cNvSpPr>
+            <a:spLocks noGrp="1"/>
+          </p:cNvSpPr>
+          <p:nvPr>
+            <p:ph idx="1"/>
+          </p:nvPr>
+        </p:nvSpPr>
+        <p:spPr/>
+        <p:txBody>
+          <a:bodyPr/>
+          <a:lstStyle/>
+          <a:p>
+            <a:endParaRPr lang="zh-CN" altLang="en-US"/>
+          </a:p>
+        </p:txBody>
+      </p:sp>
+      <p:pic>
+        <p:nvPicPr>
+          <p:cNvPr id="5" name="Picture 4">
+            <a:extLst>
+              <a:ext uri="{FF2B5EF4-FFF2-40B4-BE49-F238E27FC236}">
+                <a16:creationId xmlns:a16="http://schemas.microsoft.com/office/drawing/2014/main" id="{4F54CE70-E61F-4E87-B1AD-53903325040F}"/>
+              </a:ext>
+            </a:extLst>
+          </p:cNvPr>
+          <p:cNvPicPr>
+            <a:picLocks noChangeAspect="1"/>
+          </p:cNvPicPr>
+          <p:nvPr/>
+        </p:nvPicPr>
+        <p:blipFill>
+          <a:blip r:embed="rId2"/>
+          <a:stretch>
+            <a:fillRect/>
+          </a:stretch>
+        </p:blipFill>
+        <p:spPr>
+          <a:xfrm>
+            <a:off x="2756355" y="0"/>
+            <a:ext cx="6679290" cy="6858000"/>
+          </a:xfrm>
+          <a:prstGeom prst="rect">
+            <a:avLst/>
+          </a:prstGeom>
+        </p:spPr>
+      </p:pic>
+    </p:spTree>
+    <p:extLst>
+      <p:ext uri="{BB962C8B-B14F-4D97-AF65-F5344CB8AC3E}">
+        <p14:creationId xmlns:p14="http://schemas.microsoft.com/office/powerpoint/2010/main" val="445471126"/>
+      </p:ext>
+    </p:extLst>
+  </p:cSld>
+  <p:clrMapOvr>
+    <a:masterClrMapping/>
+  </p:clrMapOvr>
+</p:sld>
+</file>
+
 <file path=ppt/theme/theme1.xml><?xml version="1.0" encoding="utf-8"?>
 <a:theme xmlns:a="http://schemas.openxmlformats.org/drawingml/2006/main" name="Office Theme">
   <a:themeElements>

--- a/doc/CR-20210202.pptx
+++ b/doc/CR-20210202.pptx
@@ -13,6 +13,7 @@
     <p:sldId id="262" r:id="rId7"/>
     <p:sldId id="263" r:id="rId8"/>
     <p:sldId id="264" r:id="rId9"/>
+    <p:sldId id="265" r:id="rId10"/>
   </p:sldIdLst>
   <p:sldSz cx="12192000" cy="6858000"/>
   <p:notesSz cx="6858000" cy="9144000"/>
@@ -867,6 +868,753 @@
 </file>
 
 <file path=ppt/diagrams/colors2.xml><?xml version="1.0" encoding="utf-8"?>
+<dgm:colorsDef xmlns:dgm="http://schemas.openxmlformats.org/drawingml/2006/diagram" xmlns:a="http://schemas.openxmlformats.org/drawingml/2006/main" uniqueId="urn:microsoft.com/office/officeart/2005/8/colors/accent1_2">
+  <dgm:title val=""/>
+  <dgm:desc val=""/>
+  <dgm:catLst>
+    <dgm:cat type="accent1" pri="11200"/>
+  </dgm:catLst>
+  <dgm:styleLbl name="node0">
+    <dgm:fillClrLst meth="repeat">
+      <a:schemeClr val="accent1"/>
+    </dgm:fillClrLst>
+    <dgm:linClrLst meth="repeat">
+      <a:schemeClr val="lt1"/>
+    </dgm:linClrLst>
+    <dgm:effectClrLst/>
+    <dgm:txLinClrLst/>
+    <dgm:txFillClrLst/>
+    <dgm:txEffectClrLst/>
+  </dgm:styleLbl>
+  <dgm:styleLbl name="alignNode1">
+    <dgm:fillClrLst meth="repeat">
+      <a:schemeClr val="accent1"/>
+    </dgm:fillClrLst>
+    <dgm:linClrLst meth="repeat">
+      <a:schemeClr val="accent1"/>
+    </dgm:linClrLst>
+    <dgm:effectClrLst/>
+    <dgm:txLinClrLst/>
+    <dgm:txFillClrLst/>
+    <dgm:txEffectClrLst/>
+  </dgm:styleLbl>
+  <dgm:styleLbl name="node1">
+    <dgm:fillClrLst meth="repeat">
+      <a:schemeClr val="accent1"/>
+    </dgm:fillClrLst>
+    <dgm:linClrLst meth="repeat">
+      <a:schemeClr val="lt1"/>
+    </dgm:linClrLst>
+    <dgm:effectClrLst/>
+    <dgm:txLinClrLst/>
+    <dgm:txFillClrLst/>
+    <dgm:txEffectClrLst/>
+  </dgm:styleLbl>
+  <dgm:styleLbl name="lnNode1">
+    <dgm:fillClrLst meth="repeat">
+      <a:schemeClr val="accent1"/>
+    </dgm:fillClrLst>
+    <dgm:linClrLst meth="repeat">
+      <a:schemeClr val="lt1"/>
+    </dgm:linClrLst>
+    <dgm:effectClrLst/>
+    <dgm:txLinClrLst/>
+    <dgm:txFillClrLst/>
+    <dgm:txEffectClrLst/>
+  </dgm:styleLbl>
+  <dgm:styleLbl name="vennNode1">
+    <dgm:fillClrLst meth="repeat">
+      <a:schemeClr val="accent1">
+        <a:alpha val="50000"/>
+      </a:schemeClr>
+    </dgm:fillClrLst>
+    <dgm:linClrLst meth="repeat">
+      <a:schemeClr val="lt1"/>
+    </dgm:linClrLst>
+    <dgm:effectClrLst/>
+    <dgm:txLinClrLst/>
+    <dgm:txFillClrLst/>
+    <dgm:txEffectClrLst/>
+  </dgm:styleLbl>
+  <dgm:styleLbl name="node2">
+    <dgm:fillClrLst meth="repeat">
+      <a:schemeClr val="accent1"/>
+    </dgm:fillClrLst>
+    <dgm:linClrLst meth="repeat">
+      <a:schemeClr val="lt1"/>
+    </dgm:linClrLst>
+    <dgm:effectClrLst/>
+    <dgm:txLinClrLst/>
+    <dgm:txFillClrLst/>
+    <dgm:txEffectClrLst/>
+  </dgm:styleLbl>
+  <dgm:styleLbl name="node3">
+    <dgm:fillClrLst meth="repeat">
+      <a:schemeClr val="accent1"/>
+    </dgm:fillClrLst>
+    <dgm:linClrLst meth="repeat">
+      <a:schemeClr val="lt1"/>
+    </dgm:linClrLst>
+    <dgm:effectClrLst/>
+    <dgm:txLinClrLst/>
+    <dgm:txFillClrLst/>
+    <dgm:txEffectClrLst/>
+  </dgm:styleLbl>
+  <dgm:styleLbl name="node4">
+    <dgm:fillClrLst meth="repeat">
+      <a:schemeClr val="accent1"/>
+    </dgm:fillClrLst>
+    <dgm:linClrLst meth="repeat">
+      <a:schemeClr val="lt1"/>
+    </dgm:linClrLst>
+    <dgm:effectClrLst/>
+    <dgm:txLinClrLst/>
+    <dgm:txFillClrLst/>
+    <dgm:txEffectClrLst/>
+  </dgm:styleLbl>
+  <dgm:styleLbl name="fgImgPlace1">
+    <dgm:fillClrLst meth="repeat">
+      <a:schemeClr val="accent1">
+        <a:tint val="50000"/>
+      </a:schemeClr>
+    </dgm:fillClrLst>
+    <dgm:linClrLst meth="repeat">
+      <a:schemeClr val="lt1"/>
+    </dgm:linClrLst>
+    <dgm:effectClrLst/>
+    <dgm:txLinClrLst/>
+    <dgm:txFillClrLst meth="repeat">
+      <a:schemeClr val="lt1"/>
+    </dgm:txFillClrLst>
+    <dgm:txEffectClrLst/>
+  </dgm:styleLbl>
+  <dgm:styleLbl name="alignImgPlace1">
+    <dgm:fillClrLst meth="repeat">
+      <a:schemeClr val="accent1">
+        <a:tint val="50000"/>
+      </a:schemeClr>
+    </dgm:fillClrLst>
+    <dgm:linClrLst meth="repeat">
+      <a:schemeClr val="lt1"/>
+    </dgm:linClrLst>
+    <dgm:effectClrLst/>
+    <dgm:txLinClrLst/>
+    <dgm:txFillClrLst meth="repeat">
+      <a:schemeClr val="lt1"/>
+    </dgm:txFillClrLst>
+    <dgm:txEffectClrLst/>
+  </dgm:styleLbl>
+  <dgm:styleLbl name="bgImgPlace1">
+    <dgm:fillClrLst meth="repeat">
+      <a:schemeClr val="accent1">
+        <a:tint val="50000"/>
+      </a:schemeClr>
+    </dgm:fillClrLst>
+    <dgm:linClrLst meth="repeat">
+      <a:schemeClr val="lt1"/>
+    </dgm:linClrLst>
+    <dgm:effectClrLst/>
+    <dgm:txLinClrLst/>
+    <dgm:txFillClrLst meth="repeat">
+      <a:schemeClr val="lt1"/>
+    </dgm:txFillClrLst>
+    <dgm:txEffectClrLst/>
+  </dgm:styleLbl>
+  <dgm:styleLbl name="sibTrans2D1">
+    <dgm:fillClrLst meth="repeat">
+      <a:schemeClr val="accent1">
+        <a:tint val="60000"/>
+      </a:schemeClr>
+    </dgm:fillClrLst>
+    <dgm:linClrLst meth="repeat">
+      <a:schemeClr val="accent1">
+        <a:tint val="60000"/>
+      </a:schemeClr>
+    </dgm:linClrLst>
+    <dgm:effectClrLst/>
+    <dgm:txLinClrLst/>
+    <dgm:txFillClrLst/>
+    <dgm:txEffectClrLst/>
+  </dgm:styleLbl>
+  <dgm:styleLbl name="fgSibTrans2D1">
+    <dgm:fillClrLst meth="repeat">
+      <a:schemeClr val="accent1">
+        <a:tint val="60000"/>
+      </a:schemeClr>
+    </dgm:fillClrLst>
+    <dgm:linClrLst meth="repeat">
+      <a:schemeClr val="accent1">
+        <a:tint val="60000"/>
+      </a:schemeClr>
+    </dgm:linClrLst>
+    <dgm:effectClrLst/>
+    <dgm:txLinClrLst/>
+    <dgm:txFillClrLst/>
+    <dgm:txEffectClrLst/>
+  </dgm:styleLbl>
+  <dgm:styleLbl name="bgSibTrans2D1">
+    <dgm:fillClrLst meth="repeat">
+      <a:schemeClr val="accent1">
+        <a:tint val="60000"/>
+      </a:schemeClr>
+    </dgm:fillClrLst>
+    <dgm:linClrLst meth="repeat">
+      <a:schemeClr val="accent1">
+        <a:tint val="60000"/>
+      </a:schemeClr>
+    </dgm:linClrLst>
+    <dgm:effectClrLst/>
+    <dgm:txLinClrLst/>
+    <dgm:txFillClrLst/>
+    <dgm:txEffectClrLst/>
+  </dgm:styleLbl>
+  <dgm:styleLbl name="sibTrans1D1">
+    <dgm:fillClrLst meth="repeat">
+      <a:schemeClr val="accent1"/>
+    </dgm:fillClrLst>
+    <dgm:linClrLst meth="repeat">
+      <a:schemeClr val="accent1"/>
+    </dgm:linClrLst>
+    <dgm:effectClrLst/>
+    <dgm:txLinClrLst/>
+    <dgm:txFillClrLst meth="repeat">
+      <a:schemeClr val="tx1"/>
+    </dgm:txFillClrLst>
+    <dgm:txEffectClrLst/>
+  </dgm:styleLbl>
+  <dgm:styleLbl name="callout">
+    <dgm:fillClrLst meth="repeat">
+      <a:schemeClr val="accent1"/>
+    </dgm:fillClrLst>
+    <dgm:linClrLst meth="repeat">
+      <a:schemeClr val="accent1">
+        <a:tint val="50000"/>
+      </a:schemeClr>
+    </dgm:linClrLst>
+    <dgm:effectClrLst/>
+    <dgm:txLinClrLst/>
+    <dgm:txFillClrLst meth="repeat">
+      <a:schemeClr val="tx1"/>
+    </dgm:txFillClrLst>
+    <dgm:txEffectClrLst/>
+  </dgm:styleLbl>
+  <dgm:styleLbl name="asst0">
+    <dgm:fillClrLst meth="repeat">
+      <a:schemeClr val="accent1"/>
+    </dgm:fillClrLst>
+    <dgm:linClrLst meth="repeat">
+      <a:schemeClr val="lt1"/>
+    </dgm:linClrLst>
+    <dgm:effectClrLst/>
+    <dgm:txLinClrLst/>
+    <dgm:txFillClrLst/>
+    <dgm:txEffectClrLst/>
+  </dgm:styleLbl>
+  <dgm:styleLbl name="asst1">
+    <dgm:fillClrLst meth="repeat">
+      <a:schemeClr val="accent1"/>
+    </dgm:fillClrLst>
+    <dgm:linClrLst meth="repeat">
+      <a:schemeClr val="lt1"/>
+    </dgm:linClrLst>
+    <dgm:effectClrLst/>
+    <dgm:txLinClrLst/>
+    <dgm:txFillClrLst/>
+    <dgm:txEffectClrLst/>
+  </dgm:styleLbl>
+  <dgm:styleLbl name="asst2">
+    <dgm:fillClrLst meth="repeat">
+      <a:schemeClr val="accent1"/>
+    </dgm:fillClrLst>
+    <dgm:linClrLst meth="repeat">
+      <a:schemeClr val="lt1"/>
+    </dgm:linClrLst>
+    <dgm:effectClrLst/>
+    <dgm:txLinClrLst/>
+    <dgm:txFillClrLst/>
+    <dgm:txEffectClrLst/>
+  </dgm:styleLbl>
+  <dgm:styleLbl name="asst3">
+    <dgm:fillClrLst meth="repeat">
+      <a:schemeClr val="accent1"/>
+    </dgm:fillClrLst>
+    <dgm:linClrLst meth="repeat">
+      <a:schemeClr val="lt1"/>
+    </dgm:linClrLst>
+    <dgm:effectClrLst/>
+    <dgm:txLinClrLst/>
+    <dgm:txFillClrLst/>
+    <dgm:txEffectClrLst/>
+  </dgm:styleLbl>
+  <dgm:styleLbl name="asst4">
+    <dgm:fillClrLst meth="repeat">
+      <a:schemeClr val="accent1"/>
+    </dgm:fillClrLst>
+    <dgm:linClrLst meth="repeat">
+      <a:schemeClr val="lt1"/>
+    </dgm:linClrLst>
+    <dgm:effectClrLst/>
+    <dgm:txLinClrLst/>
+    <dgm:txFillClrLst/>
+    <dgm:txEffectClrLst/>
+  </dgm:styleLbl>
+  <dgm:styleLbl name="parChTrans2D1">
+    <dgm:fillClrLst meth="repeat">
+      <a:schemeClr val="accent1">
+        <a:tint val="60000"/>
+      </a:schemeClr>
+    </dgm:fillClrLst>
+    <dgm:linClrLst meth="repeat">
+      <a:schemeClr val="accent1">
+        <a:tint val="60000"/>
+      </a:schemeClr>
+    </dgm:linClrLst>
+    <dgm:effectClrLst/>
+    <dgm:txLinClrLst/>
+    <dgm:txFillClrLst meth="repeat">
+      <a:schemeClr val="lt1"/>
+    </dgm:txFillClrLst>
+    <dgm:txEffectClrLst/>
+  </dgm:styleLbl>
+  <dgm:styleLbl name="parChTrans2D2">
+    <dgm:fillClrLst meth="repeat">
+      <a:schemeClr val="accent1"/>
+    </dgm:fillClrLst>
+    <dgm:linClrLst meth="repeat">
+      <a:schemeClr val="accent1"/>
+    </dgm:linClrLst>
+    <dgm:effectClrLst/>
+    <dgm:txLinClrLst/>
+    <dgm:txFillClrLst meth="repeat">
+      <a:schemeClr val="lt1"/>
+    </dgm:txFillClrLst>
+    <dgm:txEffectClrLst/>
+  </dgm:styleLbl>
+  <dgm:styleLbl name="parChTrans2D3">
+    <dgm:fillClrLst meth="repeat">
+      <a:schemeClr val="accent1"/>
+    </dgm:fillClrLst>
+    <dgm:linClrLst meth="repeat">
+      <a:schemeClr val="accent1"/>
+    </dgm:linClrLst>
+    <dgm:effectClrLst/>
+    <dgm:txLinClrLst/>
+    <dgm:txFillClrLst meth="repeat">
+      <a:schemeClr val="lt1"/>
+    </dgm:txFillClrLst>
+    <dgm:txEffectClrLst/>
+  </dgm:styleLbl>
+  <dgm:styleLbl name="parChTrans2D4">
+    <dgm:fillClrLst meth="repeat">
+      <a:schemeClr val="accent1"/>
+    </dgm:fillClrLst>
+    <dgm:linClrLst meth="repeat">
+      <a:schemeClr val="accent1"/>
+    </dgm:linClrLst>
+    <dgm:effectClrLst/>
+    <dgm:txLinClrLst/>
+    <dgm:txFillClrLst meth="repeat">
+      <a:schemeClr val="lt1"/>
+    </dgm:txFillClrLst>
+    <dgm:txEffectClrLst/>
+  </dgm:styleLbl>
+  <dgm:styleLbl name="parChTrans1D1">
+    <dgm:fillClrLst meth="repeat">
+      <a:schemeClr val="accent1"/>
+    </dgm:fillClrLst>
+    <dgm:linClrLst meth="repeat">
+      <a:schemeClr val="accent1">
+        <a:shade val="60000"/>
+      </a:schemeClr>
+    </dgm:linClrLst>
+    <dgm:effectClrLst/>
+    <dgm:txLinClrLst/>
+    <dgm:txFillClrLst meth="repeat">
+      <a:schemeClr val="tx1"/>
+    </dgm:txFillClrLst>
+    <dgm:txEffectClrLst/>
+  </dgm:styleLbl>
+  <dgm:styleLbl name="parChTrans1D2">
+    <dgm:fillClrLst meth="repeat">
+      <a:schemeClr val="accent1"/>
+    </dgm:fillClrLst>
+    <dgm:linClrLst meth="repeat">
+      <a:schemeClr val="accent1">
+        <a:shade val="60000"/>
+      </a:schemeClr>
+    </dgm:linClrLst>
+    <dgm:effectClrLst/>
+    <dgm:txLinClrLst/>
+    <dgm:txFillClrLst meth="repeat">
+      <a:schemeClr val="tx1"/>
+    </dgm:txFillClrLst>
+    <dgm:txEffectClrLst/>
+  </dgm:styleLbl>
+  <dgm:styleLbl name="parChTrans1D3">
+    <dgm:fillClrLst meth="repeat">
+      <a:schemeClr val="accent1"/>
+    </dgm:fillClrLst>
+    <dgm:linClrLst meth="repeat">
+      <a:schemeClr val="accent1">
+        <a:shade val="80000"/>
+      </a:schemeClr>
+    </dgm:linClrLst>
+    <dgm:effectClrLst/>
+    <dgm:txLinClrLst/>
+    <dgm:txFillClrLst meth="repeat">
+      <a:schemeClr val="tx1"/>
+    </dgm:txFillClrLst>
+    <dgm:txEffectClrLst/>
+  </dgm:styleLbl>
+  <dgm:styleLbl name="parChTrans1D4">
+    <dgm:fillClrLst meth="repeat">
+      <a:schemeClr val="accent1"/>
+    </dgm:fillClrLst>
+    <dgm:linClrLst meth="repeat">
+      <a:schemeClr val="accent1">
+        <a:shade val="80000"/>
+      </a:schemeClr>
+    </dgm:linClrLst>
+    <dgm:effectClrLst/>
+    <dgm:txLinClrLst/>
+    <dgm:txFillClrLst meth="repeat">
+      <a:schemeClr val="tx1"/>
+    </dgm:txFillClrLst>
+    <dgm:txEffectClrLst/>
+  </dgm:styleLbl>
+  <dgm:styleLbl name="fgAcc1">
+    <dgm:fillClrLst meth="repeat">
+      <a:schemeClr val="lt1">
+        <a:alpha val="90000"/>
+      </a:schemeClr>
+    </dgm:fillClrLst>
+    <dgm:linClrLst meth="repeat">
+      <a:schemeClr val="accent1"/>
+    </dgm:linClrLst>
+    <dgm:effectClrLst/>
+    <dgm:txLinClrLst/>
+    <dgm:txFillClrLst meth="repeat">
+      <a:schemeClr val="dk1"/>
+    </dgm:txFillClrLst>
+    <dgm:txEffectClrLst/>
+  </dgm:styleLbl>
+  <dgm:styleLbl name="conFgAcc1">
+    <dgm:fillClrLst meth="repeat">
+      <a:schemeClr val="lt1">
+        <a:alpha val="90000"/>
+      </a:schemeClr>
+    </dgm:fillClrLst>
+    <dgm:linClrLst meth="repeat">
+      <a:schemeClr val="accent1"/>
+    </dgm:linClrLst>
+    <dgm:effectClrLst/>
+    <dgm:txLinClrLst/>
+    <dgm:txFillClrLst meth="repeat">
+      <a:schemeClr val="dk1"/>
+    </dgm:txFillClrLst>
+    <dgm:txEffectClrLst/>
+  </dgm:styleLbl>
+  <dgm:styleLbl name="alignAcc1">
+    <dgm:fillClrLst meth="repeat">
+      <a:schemeClr val="lt1">
+        <a:alpha val="90000"/>
+      </a:schemeClr>
+    </dgm:fillClrLst>
+    <dgm:linClrLst meth="repeat">
+      <a:schemeClr val="accent1"/>
+    </dgm:linClrLst>
+    <dgm:effectClrLst/>
+    <dgm:txLinClrLst/>
+    <dgm:txFillClrLst meth="repeat">
+      <a:schemeClr val="dk1"/>
+    </dgm:txFillClrLst>
+    <dgm:txEffectClrLst/>
+  </dgm:styleLbl>
+  <dgm:styleLbl name="trAlignAcc1">
+    <dgm:fillClrLst meth="repeat">
+      <a:schemeClr val="lt1">
+        <a:alpha val="40000"/>
+      </a:schemeClr>
+    </dgm:fillClrLst>
+    <dgm:linClrLst meth="repeat">
+      <a:schemeClr val="accent1"/>
+    </dgm:linClrLst>
+    <dgm:effectClrLst/>
+    <dgm:txLinClrLst/>
+    <dgm:txFillClrLst meth="repeat">
+      <a:schemeClr val="dk1"/>
+    </dgm:txFillClrLst>
+    <dgm:txEffectClrLst/>
+  </dgm:styleLbl>
+  <dgm:styleLbl name="bgAcc1">
+    <dgm:fillClrLst meth="repeat">
+      <a:schemeClr val="lt1">
+        <a:alpha val="90000"/>
+      </a:schemeClr>
+    </dgm:fillClrLst>
+    <dgm:linClrLst meth="repeat">
+      <a:schemeClr val="accent1"/>
+    </dgm:linClrLst>
+    <dgm:effectClrLst/>
+    <dgm:txLinClrLst/>
+    <dgm:txFillClrLst meth="repeat">
+      <a:schemeClr val="dk1"/>
+    </dgm:txFillClrLst>
+    <dgm:txEffectClrLst/>
+  </dgm:styleLbl>
+  <dgm:styleLbl name="solidFgAcc1">
+    <dgm:fillClrLst meth="repeat">
+      <a:schemeClr val="lt1"/>
+    </dgm:fillClrLst>
+    <dgm:linClrLst meth="repeat">
+      <a:schemeClr val="accent1"/>
+    </dgm:linClrLst>
+    <dgm:effectClrLst/>
+    <dgm:txLinClrLst/>
+    <dgm:txFillClrLst meth="repeat">
+      <a:schemeClr val="dk1"/>
+    </dgm:txFillClrLst>
+    <dgm:txEffectClrLst/>
+  </dgm:styleLbl>
+  <dgm:styleLbl name="solidAlignAcc1">
+    <dgm:fillClrLst meth="repeat">
+      <a:schemeClr val="lt1"/>
+    </dgm:fillClrLst>
+    <dgm:linClrLst meth="repeat">
+      <a:schemeClr val="accent1"/>
+    </dgm:linClrLst>
+    <dgm:effectClrLst/>
+    <dgm:txLinClrLst/>
+    <dgm:txFillClrLst meth="repeat">
+      <a:schemeClr val="dk1"/>
+    </dgm:txFillClrLst>
+    <dgm:txEffectClrLst/>
+  </dgm:styleLbl>
+  <dgm:styleLbl name="solidBgAcc1">
+    <dgm:fillClrLst meth="repeat">
+      <a:schemeClr val="lt1"/>
+    </dgm:fillClrLst>
+    <dgm:linClrLst meth="repeat">
+      <a:schemeClr val="accent1"/>
+    </dgm:linClrLst>
+    <dgm:effectClrLst/>
+    <dgm:txLinClrLst/>
+    <dgm:txFillClrLst meth="repeat">
+      <a:schemeClr val="dk1"/>
+    </dgm:txFillClrLst>
+    <dgm:txEffectClrLst/>
+  </dgm:styleLbl>
+  <dgm:styleLbl name="fgAccFollowNode1">
+    <dgm:fillClrLst meth="repeat">
+      <a:schemeClr val="accent1">
+        <a:alpha val="90000"/>
+        <a:tint val="40000"/>
+      </a:schemeClr>
+    </dgm:fillClrLst>
+    <dgm:linClrLst meth="repeat">
+      <a:schemeClr val="accent1">
+        <a:alpha val="90000"/>
+        <a:tint val="40000"/>
+      </a:schemeClr>
+    </dgm:linClrLst>
+    <dgm:effectClrLst/>
+    <dgm:txLinClrLst/>
+    <dgm:txFillClrLst meth="repeat">
+      <a:schemeClr val="dk1"/>
+    </dgm:txFillClrLst>
+    <dgm:txEffectClrLst/>
+  </dgm:styleLbl>
+  <dgm:styleLbl name="alignAccFollowNode1">
+    <dgm:fillClrLst meth="repeat">
+      <a:schemeClr val="accent1">
+        <a:alpha val="90000"/>
+        <a:tint val="40000"/>
+      </a:schemeClr>
+    </dgm:fillClrLst>
+    <dgm:linClrLst meth="repeat">
+      <a:schemeClr val="accent1">
+        <a:alpha val="90000"/>
+        <a:tint val="40000"/>
+      </a:schemeClr>
+    </dgm:linClrLst>
+    <dgm:effectClrLst/>
+    <dgm:txLinClrLst/>
+    <dgm:txFillClrLst meth="repeat">
+      <a:schemeClr val="dk1"/>
+    </dgm:txFillClrLst>
+    <dgm:txEffectClrLst/>
+  </dgm:styleLbl>
+  <dgm:styleLbl name="bgAccFollowNode1">
+    <dgm:fillClrLst meth="repeat">
+      <a:schemeClr val="accent1">
+        <a:alpha val="90000"/>
+        <a:tint val="40000"/>
+      </a:schemeClr>
+    </dgm:fillClrLst>
+    <dgm:linClrLst meth="repeat">
+      <a:schemeClr val="accent1">
+        <a:alpha val="90000"/>
+        <a:tint val="40000"/>
+      </a:schemeClr>
+    </dgm:linClrLst>
+    <dgm:effectClrLst/>
+    <dgm:txLinClrLst/>
+    <dgm:txFillClrLst meth="repeat">
+      <a:schemeClr val="dk1"/>
+    </dgm:txFillClrLst>
+    <dgm:txEffectClrLst/>
+  </dgm:styleLbl>
+  <dgm:styleLbl name="fgAcc0">
+    <dgm:fillClrLst meth="repeat">
+      <a:schemeClr val="lt1">
+        <a:alpha val="90000"/>
+      </a:schemeClr>
+    </dgm:fillClrLst>
+    <dgm:linClrLst meth="repeat">
+      <a:schemeClr val="accent1"/>
+    </dgm:linClrLst>
+    <dgm:effectClrLst/>
+    <dgm:txLinClrLst/>
+    <dgm:txFillClrLst meth="repeat">
+      <a:schemeClr val="dk1"/>
+    </dgm:txFillClrLst>
+    <dgm:txEffectClrLst/>
+  </dgm:styleLbl>
+  <dgm:styleLbl name="fgAcc2">
+    <dgm:fillClrLst meth="repeat">
+      <a:schemeClr val="lt1">
+        <a:alpha val="90000"/>
+      </a:schemeClr>
+    </dgm:fillClrLst>
+    <dgm:linClrLst meth="repeat">
+      <a:schemeClr val="accent1"/>
+    </dgm:linClrLst>
+    <dgm:effectClrLst/>
+    <dgm:txLinClrLst/>
+    <dgm:txFillClrLst meth="repeat">
+      <a:schemeClr val="dk1"/>
+    </dgm:txFillClrLst>
+    <dgm:txEffectClrLst/>
+  </dgm:styleLbl>
+  <dgm:styleLbl name="fgAcc3">
+    <dgm:fillClrLst meth="repeat">
+      <a:schemeClr val="lt1">
+        <a:alpha val="90000"/>
+      </a:schemeClr>
+    </dgm:fillClrLst>
+    <dgm:linClrLst meth="repeat">
+      <a:schemeClr val="accent1"/>
+    </dgm:linClrLst>
+    <dgm:effectClrLst/>
+    <dgm:txLinClrLst/>
+    <dgm:txFillClrLst meth="repeat">
+      <a:schemeClr val="dk1"/>
+    </dgm:txFillClrLst>
+    <dgm:txEffectClrLst/>
+  </dgm:styleLbl>
+  <dgm:styleLbl name="fgAcc4">
+    <dgm:fillClrLst meth="repeat">
+      <a:schemeClr val="lt1">
+        <a:alpha val="90000"/>
+      </a:schemeClr>
+    </dgm:fillClrLst>
+    <dgm:linClrLst meth="repeat">
+      <a:schemeClr val="accent1"/>
+    </dgm:linClrLst>
+    <dgm:effectClrLst/>
+    <dgm:txLinClrLst/>
+    <dgm:txFillClrLst meth="repeat">
+      <a:schemeClr val="dk1"/>
+    </dgm:txFillClrLst>
+    <dgm:txEffectClrLst/>
+  </dgm:styleLbl>
+  <dgm:styleLbl name="bgShp">
+    <dgm:fillClrLst meth="repeat">
+      <a:schemeClr val="accent1">
+        <a:tint val="40000"/>
+      </a:schemeClr>
+    </dgm:fillClrLst>
+    <dgm:linClrLst meth="repeat">
+      <a:schemeClr val="accent1"/>
+    </dgm:linClrLst>
+    <dgm:effectClrLst/>
+    <dgm:txLinClrLst/>
+    <dgm:txFillClrLst meth="repeat">
+      <a:schemeClr val="dk1"/>
+    </dgm:txFillClrLst>
+    <dgm:txEffectClrLst/>
+  </dgm:styleLbl>
+  <dgm:styleLbl name="dkBgShp">
+    <dgm:fillClrLst meth="repeat">
+      <a:schemeClr val="accent1">
+        <a:shade val="80000"/>
+      </a:schemeClr>
+    </dgm:fillClrLst>
+    <dgm:linClrLst meth="repeat">
+      <a:schemeClr val="accent1"/>
+    </dgm:linClrLst>
+    <dgm:effectClrLst/>
+    <dgm:txLinClrLst/>
+    <dgm:txFillClrLst meth="repeat">
+      <a:schemeClr val="lt1"/>
+    </dgm:txFillClrLst>
+    <dgm:txEffectClrLst/>
+  </dgm:styleLbl>
+  <dgm:styleLbl name="trBgShp">
+    <dgm:fillClrLst meth="repeat">
+      <a:schemeClr val="accent1">
+        <a:tint val="50000"/>
+        <a:alpha val="40000"/>
+      </a:schemeClr>
+    </dgm:fillClrLst>
+    <dgm:linClrLst meth="repeat">
+      <a:schemeClr val="accent1"/>
+    </dgm:linClrLst>
+    <dgm:effectClrLst/>
+    <dgm:txLinClrLst/>
+    <dgm:txFillClrLst meth="repeat">
+      <a:schemeClr val="lt1"/>
+    </dgm:txFillClrLst>
+    <dgm:txEffectClrLst/>
+  </dgm:styleLbl>
+  <dgm:styleLbl name="fgShp">
+    <dgm:fillClrLst meth="repeat">
+      <a:schemeClr val="accent1">
+        <a:tint val="60000"/>
+      </a:schemeClr>
+    </dgm:fillClrLst>
+    <dgm:linClrLst meth="repeat">
+      <a:schemeClr val="lt1"/>
+    </dgm:linClrLst>
+    <dgm:effectClrLst/>
+    <dgm:txLinClrLst/>
+    <dgm:txFillClrLst meth="repeat">
+      <a:schemeClr val="dk1"/>
+    </dgm:txFillClrLst>
+    <dgm:txEffectClrLst/>
+  </dgm:styleLbl>
+  <dgm:styleLbl name="revTx">
+    <dgm:fillClrLst meth="repeat">
+      <a:schemeClr val="lt1">
+        <a:alpha val="0"/>
+      </a:schemeClr>
+    </dgm:fillClrLst>
+    <dgm:linClrLst meth="repeat">
+      <a:schemeClr val="dk1">
+        <a:alpha val="0"/>
+      </a:schemeClr>
+    </dgm:linClrLst>
+    <dgm:effectClrLst/>
+    <dgm:txLinClrLst/>
+    <dgm:txFillClrLst meth="repeat">
+      <a:schemeClr val="tx1"/>
+    </dgm:txFillClrLst>
+    <dgm:txEffectClrLst/>
+  </dgm:styleLbl>
+</dgm:colorsDef>
+</file>
+
+<file path=ppt/diagrams/colors3.xml><?xml version="1.0" encoding="utf-8"?>
 <dgm:colorsDef xmlns:dgm="http://schemas.openxmlformats.org/drawingml/2006/diagram" xmlns:a="http://schemas.openxmlformats.org/drawingml/2006/main" uniqueId="urn:microsoft.com/office/officeart/2005/8/colors/accent1_2">
   <dgm:title val=""/>
   <dgm:desc val=""/>
@@ -2262,6 +3010,635 @@
     <dgm:cxn modelId="{C1C66276-F478-4813-A423-A9D252F5A5B6}" type="presParOf" srcId="{3D4CAAD9-2F5D-45D9-A2E0-080F33164A7E}" destId="{FF31DE07-F304-4BD2-98EB-AE66AAB5DEFE}" srcOrd="5" destOrd="0" presId="urn:microsoft.com/office/officeart/2005/8/layout/process5"/>
     <dgm:cxn modelId="{269F9044-CDD8-4560-A7F2-BF99F442C6C3}" type="presParOf" srcId="{FF31DE07-F304-4BD2-98EB-AE66AAB5DEFE}" destId="{07962FCB-BB72-4D68-A061-76ECA919E920}" srcOrd="0" destOrd="0" presId="urn:microsoft.com/office/officeart/2005/8/layout/process5"/>
     <dgm:cxn modelId="{BD368421-A980-46D4-B399-5280E099902E}" type="presParOf" srcId="{3D4CAAD9-2F5D-45D9-A2E0-080F33164A7E}" destId="{C07E6714-726A-4FEF-997D-9365F341E764}" srcOrd="6" destOrd="0" presId="urn:microsoft.com/office/officeart/2005/8/layout/process5"/>
+  </dgm:cxnLst>
+  <dgm:bg/>
+  <dgm:whole/>
+  <dgm:extLst>
+    <a:ext uri="http://schemas.microsoft.com/office/drawing/2008/diagram">
+      <dsp:dataModelExt xmlns:dsp="http://schemas.microsoft.com/office/drawing/2008/diagram" relId="rId6" minVer="http://schemas.openxmlformats.org/drawingml/2006/diagram"/>
+    </a:ext>
+  </dgm:extLst>
+</dgm:dataModel>
+</file>
+
+<file path=ppt/diagrams/data3.xml><?xml version="1.0" encoding="utf-8"?>
+<dgm:dataModel xmlns:dgm="http://schemas.openxmlformats.org/drawingml/2006/diagram" xmlns:a="http://schemas.openxmlformats.org/drawingml/2006/main">
+  <dgm:ptLst>
+    <dgm:pt modelId="{C54B57FA-9B54-426D-938D-08A3D68C3A1A}" type="doc">
+      <dgm:prSet loTypeId="urn:microsoft.com/office/officeart/2008/layout/NameandTitleOrganizationalChart" loCatId="hierarchy" qsTypeId="urn:microsoft.com/office/officeart/2005/8/quickstyle/simple1" qsCatId="simple" csTypeId="urn:microsoft.com/office/officeart/2005/8/colors/accent1_2" csCatId="accent1" phldr="1"/>
+      <dgm:spPr/>
+      <dgm:t>
+        <a:bodyPr/>
+        <a:lstStyle/>
+        <a:p>
+          <a:endParaRPr lang="zh-CN" altLang="en-US"/>
+        </a:p>
+      </dgm:t>
+    </dgm:pt>
+    <dgm:pt modelId="{BA6991BD-2CF1-4A43-A225-074FCF27A4A6}">
+      <dgm:prSet phldrT="[Text]"/>
+      <dgm:spPr/>
+      <dgm:t>
+        <a:bodyPr/>
+        <a:lstStyle/>
+        <a:p>
+          <a:r>
+            <a:rPr lang="en-US" altLang="zh-CN" dirty="0" err="1"/>
+            <a:t>Peak_list</a:t>
+          </a:r>
+          <a:endParaRPr lang="zh-CN" altLang="en-US" dirty="0"/>
+        </a:p>
+      </dgm:t>
+    </dgm:pt>
+    <dgm:pt modelId="{C5D7EC88-9F57-4763-9F1E-12083DBE23BB}" type="parTrans" cxnId="{2C8DFEAF-901E-4113-8683-93B1D0BFF26C}">
+      <dgm:prSet/>
+      <dgm:spPr/>
+      <dgm:t>
+        <a:bodyPr/>
+        <a:lstStyle/>
+        <a:p>
+          <a:endParaRPr lang="zh-CN" altLang="en-US"/>
+        </a:p>
+      </dgm:t>
+    </dgm:pt>
+    <dgm:pt modelId="{D42726DF-3C58-4F87-9591-48338A9017A6}" type="sibTrans" cxnId="{2C8DFEAF-901E-4113-8683-93B1D0BFF26C}">
+      <dgm:prSet/>
+      <dgm:spPr/>
+      <dgm:t>
+        <a:bodyPr/>
+        <a:lstStyle/>
+        <a:p>
+          <a:endParaRPr lang="zh-CN" altLang="en-US" dirty="0"/>
+        </a:p>
+      </dgm:t>
+    </dgm:pt>
+    <dgm:pt modelId="{F1D60E77-CEBF-441B-988E-D914F86C20E7}">
+      <dgm:prSet phldrT="[Text]"/>
+      <dgm:spPr/>
+      <dgm:t>
+        <a:bodyPr/>
+        <a:lstStyle/>
+        <a:p>
+          <a:r>
+            <a:rPr lang="en-US" altLang="zh-CN" dirty="0" err="1"/>
+            <a:t>Peak_pick</a:t>
+          </a:r>
+          <a:endParaRPr lang="zh-CN" altLang="en-US" dirty="0"/>
+        </a:p>
+      </dgm:t>
+    </dgm:pt>
+    <dgm:pt modelId="{0D914089-7B5E-4C07-9776-F300A5F0DBF3}" type="parTrans" cxnId="{A137694D-4563-45FC-B015-13476E6B8F94}">
+      <dgm:prSet/>
+      <dgm:spPr/>
+      <dgm:t>
+        <a:bodyPr/>
+        <a:lstStyle/>
+        <a:p>
+          <a:endParaRPr lang="zh-CN" altLang="en-US"/>
+        </a:p>
+      </dgm:t>
+    </dgm:pt>
+    <dgm:pt modelId="{30E99CA0-26D0-4754-B79B-47B004B0A0B4}" type="sibTrans" cxnId="{A137694D-4563-45FC-B015-13476E6B8F94}">
+      <dgm:prSet/>
+      <dgm:spPr/>
+      <dgm:t>
+        <a:bodyPr/>
+        <a:lstStyle/>
+        <a:p>
+          <a:r>
+            <a:rPr lang="en-US" altLang="zh-CN" dirty="0"/>
+            <a:t>64% time</a:t>
+          </a:r>
+        </a:p>
+      </dgm:t>
+    </dgm:pt>
+    <dgm:pt modelId="{3EE36582-A645-459B-A7D1-9FBF8DFBD8C7}">
+      <dgm:prSet phldrT="[Text]"/>
+      <dgm:spPr/>
+      <dgm:t>
+        <a:bodyPr/>
+        <a:lstStyle/>
+        <a:p>
+          <a:r>
+            <a:rPr lang="en-US" altLang="zh-CN" dirty="0" err="1"/>
+            <a:t>mzgen</a:t>
+          </a:r>
+          <a:endParaRPr lang="zh-CN" altLang="en-US" dirty="0"/>
+        </a:p>
+      </dgm:t>
+    </dgm:pt>
+    <dgm:pt modelId="{9A4BCDE8-972E-44BC-ADEC-4534BB3838A0}" type="parTrans" cxnId="{3A440C6B-4AB4-4B72-A48B-9B651CDB0CD1}">
+      <dgm:prSet/>
+      <dgm:spPr/>
+      <dgm:t>
+        <a:bodyPr/>
+        <a:lstStyle/>
+        <a:p>
+          <a:endParaRPr lang="zh-CN" altLang="en-US"/>
+        </a:p>
+      </dgm:t>
+    </dgm:pt>
+    <dgm:pt modelId="{C1597A47-0B95-425C-83D2-966431603D29}" type="sibTrans" cxnId="{3A440C6B-4AB4-4B72-A48B-9B651CDB0CD1}">
+      <dgm:prSet/>
+      <dgm:spPr/>
+      <dgm:t>
+        <a:bodyPr/>
+        <a:lstStyle/>
+        <a:p>
+          <a:r>
+            <a:rPr lang="en-US" altLang="zh-CN" dirty="0"/>
+            <a:t>36% time</a:t>
+          </a:r>
+          <a:endParaRPr lang="zh-CN" altLang="en-US" dirty="0"/>
+        </a:p>
+      </dgm:t>
+    </dgm:pt>
+    <dgm:pt modelId="{C8DC0812-B76E-49D4-A00E-81FB9084B08B}">
+      <dgm:prSet phldrT="[Text]"/>
+      <dgm:spPr/>
+      <dgm:t>
+        <a:bodyPr/>
+        <a:lstStyle/>
+        <a:p>
+          <a:r>
+            <a:rPr lang="en-US" altLang="zh-CN" dirty="0" err="1"/>
+            <a:t>Ms_chromatogram_list</a:t>
+          </a:r>
+          <a:endParaRPr lang="zh-CN" altLang="en-US" dirty="0"/>
+        </a:p>
+      </dgm:t>
+    </dgm:pt>
+    <dgm:pt modelId="{E6F3158D-2201-4038-854A-30349FD453B5}" type="parTrans" cxnId="{5979DC31-94F2-429F-BDDB-12481D14FB92}">
+      <dgm:prSet/>
+      <dgm:spPr/>
+      <dgm:t>
+        <a:bodyPr/>
+        <a:lstStyle/>
+        <a:p>
+          <a:endParaRPr lang="zh-CN" altLang="en-US"/>
+        </a:p>
+      </dgm:t>
+    </dgm:pt>
+    <dgm:pt modelId="{4A24B8D9-E7B5-474A-B47F-A614BC31589B}" type="sibTrans" cxnId="{5979DC31-94F2-429F-BDDB-12481D14FB92}">
+      <dgm:prSet/>
+      <dgm:spPr/>
+      <dgm:t>
+        <a:bodyPr/>
+        <a:lstStyle/>
+        <a:p>
+          <a:r>
+            <a:rPr lang="en-US" altLang="zh-CN" dirty="0"/>
+            <a:t>81.5% time</a:t>
+          </a:r>
+          <a:endParaRPr lang="zh-CN" altLang="en-US" dirty="0"/>
+        </a:p>
+      </dgm:t>
+    </dgm:pt>
+    <dgm:pt modelId="{D410B340-8638-4FDC-9D56-C38BBB7EB962}">
+      <dgm:prSet phldrT="[Text]"/>
+      <dgm:spPr/>
+      <dgm:t>
+        <a:bodyPr/>
+        <a:lstStyle/>
+        <a:p>
+          <a:r>
+            <a:rPr lang="en-US" altLang="zh-CN" dirty="0" err="1"/>
+            <a:t>Mz_locator</a:t>
+          </a:r>
+          <a:endParaRPr lang="zh-CN" altLang="en-US" dirty="0"/>
+        </a:p>
+      </dgm:t>
+    </dgm:pt>
+    <dgm:pt modelId="{777AC2AD-1B47-4071-855A-FE50A8112543}" type="parTrans" cxnId="{CF5E2CF1-B3C7-4DA6-A939-3FA8CC68E432}">
+      <dgm:prSet/>
+      <dgm:spPr/>
+      <dgm:t>
+        <a:bodyPr/>
+        <a:lstStyle/>
+        <a:p>
+          <a:endParaRPr lang="zh-CN" altLang="en-US"/>
+        </a:p>
+      </dgm:t>
+    </dgm:pt>
+    <dgm:pt modelId="{8C5B97C1-1D7B-4049-A79E-B8C0C883C98B}" type="sibTrans" cxnId="{CF5E2CF1-B3C7-4DA6-A939-3FA8CC68E432}">
+      <dgm:prSet/>
+      <dgm:spPr/>
+      <dgm:t>
+        <a:bodyPr/>
+        <a:lstStyle/>
+        <a:p>
+          <a:r>
+            <a:rPr lang="en-US" altLang="zh-CN" dirty="0"/>
+            <a:t>71% time</a:t>
+          </a:r>
+        </a:p>
+      </dgm:t>
+    </dgm:pt>
+    <dgm:pt modelId="{5C50A951-423A-4172-8397-2B5C79DEF975}">
+      <dgm:prSet phldrT="[Text]"/>
+      <dgm:spPr/>
+      <dgm:t>
+        <a:bodyPr/>
+        <a:lstStyle/>
+        <a:p>
+          <a:r>
+            <a:rPr lang="en-US" altLang="zh-CN" dirty="0"/>
+            <a:t>List appending</a:t>
+          </a:r>
+          <a:endParaRPr lang="zh-CN" altLang="en-US" dirty="0"/>
+        </a:p>
+      </dgm:t>
+    </dgm:pt>
+    <dgm:pt modelId="{208F9EFB-F251-4C93-B91A-6DC1C371C751}" type="parTrans" cxnId="{826F69E4-D5B5-4704-997F-71D2FC0027AB}">
+      <dgm:prSet/>
+      <dgm:spPr/>
+      <dgm:t>
+        <a:bodyPr/>
+        <a:lstStyle/>
+        <a:p>
+          <a:endParaRPr lang="zh-CN" altLang="en-US"/>
+        </a:p>
+      </dgm:t>
+    </dgm:pt>
+    <dgm:pt modelId="{A5C30BFC-2370-4B4B-B997-94F9648E542D}" type="sibTrans" cxnId="{826F69E4-D5B5-4704-997F-71D2FC0027AB}">
+      <dgm:prSet/>
+      <dgm:spPr/>
+      <dgm:t>
+        <a:bodyPr/>
+        <a:lstStyle/>
+        <a:p>
+          <a:r>
+            <a:rPr lang="en-US" altLang="zh-CN" dirty="0"/>
+            <a:t>26% time</a:t>
+          </a:r>
+          <a:endParaRPr lang="zh-CN" altLang="en-US" dirty="0"/>
+        </a:p>
+      </dgm:t>
+    </dgm:pt>
+    <dgm:pt modelId="{4AA85890-21A0-40DF-B62D-89AFF5918D1B}" type="pres">
+      <dgm:prSet presAssocID="{C54B57FA-9B54-426D-938D-08A3D68C3A1A}" presName="hierChild1" presStyleCnt="0">
+        <dgm:presLayoutVars>
+          <dgm:orgChart val="1"/>
+          <dgm:chPref val="1"/>
+          <dgm:dir/>
+          <dgm:animOne val="branch"/>
+          <dgm:animLvl val="lvl"/>
+          <dgm:resizeHandles/>
+        </dgm:presLayoutVars>
+      </dgm:prSet>
+      <dgm:spPr/>
+    </dgm:pt>
+    <dgm:pt modelId="{DA558D6F-E8E7-4260-9263-65EF53DC530B}" type="pres">
+      <dgm:prSet presAssocID="{BA6991BD-2CF1-4A43-A225-074FCF27A4A6}" presName="hierRoot1" presStyleCnt="0">
+        <dgm:presLayoutVars>
+          <dgm:hierBranch val="init"/>
+        </dgm:presLayoutVars>
+      </dgm:prSet>
+      <dgm:spPr/>
+    </dgm:pt>
+    <dgm:pt modelId="{07613046-93A2-4668-80F0-8D52D01A2E8C}" type="pres">
+      <dgm:prSet presAssocID="{BA6991BD-2CF1-4A43-A225-074FCF27A4A6}" presName="rootComposite1" presStyleCnt="0"/>
+      <dgm:spPr/>
+    </dgm:pt>
+    <dgm:pt modelId="{7B7FAD46-31E7-4B44-B742-13BA0266C647}" type="pres">
+      <dgm:prSet presAssocID="{BA6991BD-2CF1-4A43-A225-074FCF27A4A6}" presName="rootText1" presStyleLbl="node0" presStyleIdx="0" presStyleCnt="1">
+        <dgm:presLayoutVars>
+          <dgm:chMax/>
+          <dgm:chPref val="3"/>
+        </dgm:presLayoutVars>
+      </dgm:prSet>
+      <dgm:spPr/>
+    </dgm:pt>
+    <dgm:pt modelId="{0A69EDD3-4191-426A-9EBF-4B8737F75D11}" type="pres">
+      <dgm:prSet presAssocID="{BA6991BD-2CF1-4A43-A225-074FCF27A4A6}" presName="titleText1" presStyleLbl="fgAcc0" presStyleIdx="0" presStyleCnt="1">
+        <dgm:presLayoutVars>
+          <dgm:chMax val="0"/>
+          <dgm:chPref val="0"/>
+        </dgm:presLayoutVars>
+      </dgm:prSet>
+      <dgm:spPr/>
+    </dgm:pt>
+    <dgm:pt modelId="{7529C78E-82FE-409A-9CD8-1C9A6CBE6C87}" type="pres">
+      <dgm:prSet presAssocID="{BA6991BD-2CF1-4A43-A225-074FCF27A4A6}" presName="rootConnector1" presStyleLbl="node1" presStyleIdx="0" presStyleCnt="5"/>
+      <dgm:spPr/>
+    </dgm:pt>
+    <dgm:pt modelId="{4E26E63B-2042-4AE4-B9EC-FFB0E382BE58}" type="pres">
+      <dgm:prSet presAssocID="{BA6991BD-2CF1-4A43-A225-074FCF27A4A6}" presName="hierChild2" presStyleCnt="0"/>
+      <dgm:spPr/>
+    </dgm:pt>
+    <dgm:pt modelId="{624B2BA2-CA77-4909-AB6F-E086D4FD0F3D}" type="pres">
+      <dgm:prSet presAssocID="{0D914089-7B5E-4C07-9776-F300A5F0DBF3}" presName="Name37" presStyleLbl="parChTrans1D2" presStyleIdx="0" presStyleCnt="2"/>
+      <dgm:spPr/>
+    </dgm:pt>
+    <dgm:pt modelId="{9D5A22A3-E92B-4DC2-88F7-F8C9773B95F4}" type="pres">
+      <dgm:prSet presAssocID="{F1D60E77-CEBF-441B-988E-D914F86C20E7}" presName="hierRoot2" presStyleCnt="0">
+        <dgm:presLayoutVars>
+          <dgm:hierBranch val="init"/>
+        </dgm:presLayoutVars>
+      </dgm:prSet>
+      <dgm:spPr/>
+    </dgm:pt>
+    <dgm:pt modelId="{787322B4-7F33-4E75-905E-54003B3DC25D}" type="pres">
+      <dgm:prSet presAssocID="{F1D60E77-CEBF-441B-988E-D914F86C20E7}" presName="rootComposite" presStyleCnt="0"/>
+      <dgm:spPr/>
+    </dgm:pt>
+    <dgm:pt modelId="{D7DD0747-A64A-4D2E-BC89-DFD875DA8238}" type="pres">
+      <dgm:prSet presAssocID="{F1D60E77-CEBF-441B-988E-D914F86C20E7}" presName="rootText" presStyleLbl="node1" presStyleIdx="0" presStyleCnt="5">
+        <dgm:presLayoutVars>
+          <dgm:chMax/>
+          <dgm:chPref val="3"/>
+        </dgm:presLayoutVars>
+      </dgm:prSet>
+      <dgm:spPr/>
+    </dgm:pt>
+    <dgm:pt modelId="{76046E0B-2B47-423B-828D-587DA21F40F3}" type="pres">
+      <dgm:prSet presAssocID="{F1D60E77-CEBF-441B-988E-D914F86C20E7}" presName="titleText2" presStyleLbl="fgAcc1" presStyleIdx="0" presStyleCnt="5">
+        <dgm:presLayoutVars>
+          <dgm:chMax val="0"/>
+          <dgm:chPref val="0"/>
+        </dgm:presLayoutVars>
+      </dgm:prSet>
+      <dgm:spPr/>
+    </dgm:pt>
+    <dgm:pt modelId="{EF650132-8AAF-4167-88A5-35FF447089C5}" type="pres">
+      <dgm:prSet presAssocID="{F1D60E77-CEBF-441B-988E-D914F86C20E7}" presName="rootConnector" presStyleLbl="node2" presStyleIdx="0" presStyleCnt="0"/>
+      <dgm:spPr/>
+    </dgm:pt>
+    <dgm:pt modelId="{B13B7FFE-672C-45F4-8273-1330440AB792}" type="pres">
+      <dgm:prSet presAssocID="{F1D60E77-CEBF-441B-988E-D914F86C20E7}" presName="hierChild4" presStyleCnt="0"/>
+      <dgm:spPr/>
+    </dgm:pt>
+    <dgm:pt modelId="{2DCB7720-6C20-49C9-9303-7A3599277A55}" type="pres">
+      <dgm:prSet presAssocID="{E6F3158D-2201-4038-854A-30349FD453B5}" presName="Name37" presStyleLbl="parChTrans1D3" presStyleIdx="0" presStyleCnt="1"/>
+      <dgm:spPr/>
+    </dgm:pt>
+    <dgm:pt modelId="{872514BE-6CB0-443C-9CCC-51DA2F118442}" type="pres">
+      <dgm:prSet presAssocID="{C8DC0812-B76E-49D4-A00E-81FB9084B08B}" presName="hierRoot2" presStyleCnt="0">
+        <dgm:presLayoutVars>
+          <dgm:hierBranch val="init"/>
+        </dgm:presLayoutVars>
+      </dgm:prSet>
+      <dgm:spPr/>
+    </dgm:pt>
+    <dgm:pt modelId="{52664EC5-B941-43AF-873F-742AD53B4E48}" type="pres">
+      <dgm:prSet presAssocID="{C8DC0812-B76E-49D4-A00E-81FB9084B08B}" presName="rootComposite" presStyleCnt="0"/>
+      <dgm:spPr/>
+    </dgm:pt>
+    <dgm:pt modelId="{8D89ABA1-4CC0-4135-AD2E-EDB6AE12FE7D}" type="pres">
+      <dgm:prSet presAssocID="{C8DC0812-B76E-49D4-A00E-81FB9084B08B}" presName="rootText" presStyleLbl="node1" presStyleIdx="1" presStyleCnt="5">
+        <dgm:presLayoutVars>
+          <dgm:chMax/>
+          <dgm:chPref val="3"/>
+        </dgm:presLayoutVars>
+      </dgm:prSet>
+      <dgm:spPr/>
+    </dgm:pt>
+    <dgm:pt modelId="{AE98993E-7E2D-4F62-9682-4F3828326461}" type="pres">
+      <dgm:prSet presAssocID="{C8DC0812-B76E-49D4-A00E-81FB9084B08B}" presName="titleText2" presStyleLbl="fgAcc1" presStyleIdx="1" presStyleCnt="5">
+        <dgm:presLayoutVars>
+          <dgm:chMax val="0"/>
+          <dgm:chPref val="0"/>
+        </dgm:presLayoutVars>
+      </dgm:prSet>
+      <dgm:spPr/>
+    </dgm:pt>
+    <dgm:pt modelId="{95DADF18-EA28-469A-9756-43E273DCD979}" type="pres">
+      <dgm:prSet presAssocID="{C8DC0812-B76E-49D4-A00E-81FB9084B08B}" presName="rootConnector" presStyleLbl="node3" presStyleIdx="0" presStyleCnt="0"/>
+      <dgm:spPr/>
+    </dgm:pt>
+    <dgm:pt modelId="{011D0F6B-77D5-4227-9C17-3A7CE67D20F0}" type="pres">
+      <dgm:prSet presAssocID="{C8DC0812-B76E-49D4-A00E-81FB9084B08B}" presName="hierChild4" presStyleCnt="0"/>
+      <dgm:spPr/>
+    </dgm:pt>
+    <dgm:pt modelId="{B6DBE7D9-A73B-42BC-B8C1-D4D14E0DF7B4}" type="pres">
+      <dgm:prSet presAssocID="{208F9EFB-F251-4C93-B91A-6DC1C371C751}" presName="Name37" presStyleLbl="parChTrans1D4" presStyleIdx="0" presStyleCnt="2"/>
+      <dgm:spPr/>
+    </dgm:pt>
+    <dgm:pt modelId="{BD3E372D-FD83-4A8D-A145-0A2DA0779EA2}" type="pres">
+      <dgm:prSet presAssocID="{5C50A951-423A-4172-8397-2B5C79DEF975}" presName="hierRoot2" presStyleCnt="0">
+        <dgm:presLayoutVars>
+          <dgm:hierBranch val="init"/>
+        </dgm:presLayoutVars>
+      </dgm:prSet>
+      <dgm:spPr/>
+    </dgm:pt>
+    <dgm:pt modelId="{D376054F-4805-47DE-AD0B-787E5E8699CF}" type="pres">
+      <dgm:prSet presAssocID="{5C50A951-423A-4172-8397-2B5C79DEF975}" presName="rootComposite" presStyleCnt="0"/>
+      <dgm:spPr/>
+    </dgm:pt>
+    <dgm:pt modelId="{77BABBD4-8A94-4B01-9FA0-5308CEC2041B}" type="pres">
+      <dgm:prSet presAssocID="{5C50A951-423A-4172-8397-2B5C79DEF975}" presName="rootText" presStyleLbl="node1" presStyleIdx="2" presStyleCnt="5">
+        <dgm:presLayoutVars>
+          <dgm:chMax/>
+          <dgm:chPref val="3"/>
+        </dgm:presLayoutVars>
+      </dgm:prSet>
+      <dgm:spPr/>
+    </dgm:pt>
+    <dgm:pt modelId="{AF040155-5CE2-45C0-B5FD-B406DAF4F1B1}" type="pres">
+      <dgm:prSet presAssocID="{5C50A951-423A-4172-8397-2B5C79DEF975}" presName="titleText2" presStyleLbl="fgAcc1" presStyleIdx="2" presStyleCnt="5">
+        <dgm:presLayoutVars>
+          <dgm:chMax val="0"/>
+          <dgm:chPref val="0"/>
+        </dgm:presLayoutVars>
+      </dgm:prSet>
+      <dgm:spPr/>
+    </dgm:pt>
+    <dgm:pt modelId="{DAF6039B-A027-4DEE-B923-5C3D01E3E0B9}" type="pres">
+      <dgm:prSet presAssocID="{5C50A951-423A-4172-8397-2B5C79DEF975}" presName="rootConnector" presStyleLbl="node4" presStyleIdx="0" presStyleCnt="0"/>
+      <dgm:spPr/>
+    </dgm:pt>
+    <dgm:pt modelId="{704E2524-E7CB-4A09-AB7C-E4E8FC08EBBF}" type="pres">
+      <dgm:prSet presAssocID="{5C50A951-423A-4172-8397-2B5C79DEF975}" presName="hierChild4" presStyleCnt="0"/>
+      <dgm:spPr/>
+    </dgm:pt>
+    <dgm:pt modelId="{554D879B-FFDB-4A1B-9812-ADF1CEF74FE6}" type="pres">
+      <dgm:prSet presAssocID="{5C50A951-423A-4172-8397-2B5C79DEF975}" presName="hierChild5" presStyleCnt="0"/>
+      <dgm:spPr/>
+    </dgm:pt>
+    <dgm:pt modelId="{60276837-860A-479C-9D93-8CF079D0588F}" type="pres">
+      <dgm:prSet presAssocID="{777AC2AD-1B47-4071-855A-FE50A8112543}" presName="Name37" presStyleLbl="parChTrans1D4" presStyleIdx="1" presStyleCnt="2"/>
+      <dgm:spPr/>
+    </dgm:pt>
+    <dgm:pt modelId="{E908C9C9-B21F-45C4-8DCC-A6713A266058}" type="pres">
+      <dgm:prSet presAssocID="{D410B340-8638-4FDC-9D56-C38BBB7EB962}" presName="hierRoot2" presStyleCnt="0">
+        <dgm:presLayoutVars>
+          <dgm:hierBranch val="init"/>
+        </dgm:presLayoutVars>
+      </dgm:prSet>
+      <dgm:spPr/>
+    </dgm:pt>
+    <dgm:pt modelId="{C28EBAA3-B23E-4F66-A384-18F173437DBB}" type="pres">
+      <dgm:prSet presAssocID="{D410B340-8638-4FDC-9D56-C38BBB7EB962}" presName="rootComposite" presStyleCnt="0"/>
+      <dgm:spPr/>
+    </dgm:pt>
+    <dgm:pt modelId="{D9CACA32-B712-48C3-971A-0871CEF2A981}" type="pres">
+      <dgm:prSet presAssocID="{D410B340-8638-4FDC-9D56-C38BBB7EB962}" presName="rootText" presStyleLbl="node1" presStyleIdx="3" presStyleCnt="5">
+        <dgm:presLayoutVars>
+          <dgm:chMax/>
+          <dgm:chPref val="3"/>
+        </dgm:presLayoutVars>
+      </dgm:prSet>
+      <dgm:spPr/>
+    </dgm:pt>
+    <dgm:pt modelId="{0E69FCBC-9632-460E-BA51-BA15C72AD96D}" type="pres">
+      <dgm:prSet presAssocID="{D410B340-8638-4FDC-9D56-C38BBB7EB962}" presName="titleText2" presStyleLbl="fgAcc1" presStyleIdx="3" presStyleCnt="5">
+        <dgm:presLayoutVars>
+          <dgm:chMax val="0"/>
+          <dgm:chPref val="0"/>
+        </dgm:presLayoutVars>
+      </dgm:prSet>
+      <dgm:spPr/>
+    </dgm:pt>
+    <dgm:pt modelId="{CF799BF7-B4D5-461F-B3F0-00A26DDE0AC5}" type="pres">
+      <dgm:prSet presAssocID="{D410B340-8638-4FDC-9D56-C38BBB7EB962}" presName="rootConnector" presStyleLbl="node4" presStyleIdx="0" presStyleCnt="0"/>
+      <dgm:spPr/>
+    </dgm:pt>
+    <dgm:pt modelId="{330B08EC-A06A-4835-91C6-8065B260554A}" type="pres">
+      <dgm:prSet presAssocID="{D410B340-8638-4FDC-9D56-C38BBB7EB962}" presName="hierChild4" presStyleCnt="0"/>
+      <dgm:spPr/>
+    </dgm:pt>
+    <dgm:pt modelId="{2EF3BB88-91F8-4866-B46C-8CE1042202D8}" type="pres">
+      <dgm:prSet presAssocID="{D410B340-8638-4FDC-9D56-C38BBB7EB962}" presName="hierChild5" presStyleCnt="0"/>
+      <dgm:spPr/>
+    </dgm:pt>
+    <dgm:pt modelId="{26920D20-E591-49D0-A8B0-206C7AB0C297}" type="pres">
+      <dgm:prSet presAssocID="{C8DC0812-B76E-49D4-A00E-81FB9084B08B}" presName="hierChild5" presStyleCnt="0"/>
+      <dgm:spPr/>
+    </dgm:pt>
+    <dgm:pt modelId="{92252781-17FF-4D01-94F8-5761F2A793DB}" type="pres">
+      <dgm:prSet presAssocID="{F1D60E77-CEBF-441B-988E-D914F86C20E7}" presName="hierChild5" presStyleCnt="0"/>
+      <dgm:spPr/>
+    </dgm:pt>
+    <dgm:pt modelId="{96A0C398-C0AE-4649-9611-6FFABC51B713}" type="pres">
+      <dgm:prSet presAssocID="{9A4BCDE8-972E-44BC-ADEC-4534BB3838A0}" presName="Name37" presStyleLbl="parChTrans1D2" presStyleIdx="1" presStyleCnt="2"/>
+      <dgm:spPr/>
+    </dgm:pt>
+    <dgm:pt modelId="{C8447F47-80DE-4F3F-86AD-5876D978B2CA}" type="pres">
+      <dgm:prSet presAssocID="{3EE36582-A645-459B-A7D1-9FBF8DFBD8C7}" presName="hierRoot2" presStyleCnt="0">
+        <dgm:presLayoutVars>
+          <dgm:hierBranch val="init"/>
+        </dgm:presLayoutVars>
+      </dgm:prSet>
+      <dgm:spPr/>
+    </dgm:pt>
+    <dgm:pt modelId="{09665902-A77C-46EF-8604-1E46A5E310B4}" type="pres">
+      <dgm:prSet presAssocID="{3EE36582-A645-459B-A7D1-9FBF8DFBD8C7}" presName="rootComposite" presStyleCnt="0"/>
+      <dgm:spPr/>
+    </dgm:pt>
+    <dgm:pt modelId="{3BB3506F-01DF-43B9-BEDD-7B0039F06E4E}" type="pres">
+      <dgm:prSet presAssocID="{3EE36582-A645-459B-A7D1-9FBF8DFBD8C7}" presName="rootText" presStyleLbl="node1" presStyleIdx="4" presStyleCnt="5">
+        <dgm:presLayoutVars>
+          <dgm:chMax/>
+          <dgm:chPref val="3"/>
+        </dgm:presLayoutVars>
+      </dgm:prSet>
+      <dgm:spPr/>
+    </dgm:pt>
+    <dgm:pt modelId="{87950F71-2FF2-4DB7-8E0A-CA5504F8B76E}" type="pres">
+      <dgm:prSet presAssocID="{3EE36582-A645-459B-A7D1-9FBF8DFBD8C7}" presName="titleText2" presStyleLbl="fgAcc1" presStyleIdx="4" presStyleCnt="5">
+        <dgm:presLayoutVars>
+          <dgm:chMax val="0"/>
+          <dgm:chPref val="0"/>
+        </dgm:presLayoutVars>
+      </dgm:prSet>
+      <dgm:spPr/>
+    </dgm:pt>
+    <dgm:pt modelId="{11828661-E9F9-418B-BF32-98BF82A5D89C}" type="pres">
+      <dgm:prSet presAssocID="{3EE36582-A645-459B-A7D1-9FBF8DFBD8C7}" presName="rootConnector" presStyleLbl="node2" presStyleIdx="0" presStyleCnt="0"/>
+      <dgm:spPr/>
+    </dgm:pt>
+    <dgm:pt modelId="{3DD1FDBF-7E11-4B33-B32C-4567A67D587D}" type="pres">
+      <dgm:prSet presAssocID="{3EE36582-A645-459B-A7D1-9FBF8DFBD8C7}" presName="hierChild4" presStyleCnt="0"/>
+      <dgm:spPr/>
+    </dgm:pt>
+    <dgm:pt modelId="{9BE09A55-4326-40D5-B725-40EABA068172}" type="pres">
+      <dgm:prSet presAssocID="{3EE36582-A645-459B-A7D1-9FBF8DFBD8C7}" presName="hierChild5" presStyleCnt="0"/>
+      <dgm:spPr/>
+    </dgm:pt>
+    <dgm:pt modelId="{ED8F1FA5-C1D0-409F-8771-8A344E8DA363}" type="pres">
+      <dgm:prSet presAssocID="{BA6991BD-2CF1-4A43-A225-074FCF27A4A6}" presName="hierChild3" presStyleCnt="0"/>
+      <dgm:spPr/>
+    </dgm:pt>
+  </dgm:ptLst>
+  <dgm:cxnLst>
+    <dgm:cxn modelId="{00365906-568C-4997-845B-04E99ACE188F}" type="presOf" srcId="{5C50A951-423A-4172-8397-2B5C79DEF975}" destId="{77BABBD4-8A94-4B01-9FA0-5308CEC2041B}" srcOrd="0" destOrd="0" presId="urn:microsoft.com/office/officeart/2008/layout/NameandTitleOrganizationalChart"/>
+    <dgm:cxn modelId="{34675927-8D6A-4CFC-9CE3-E683AA9233B1}" type="presOf" srcId="{BA6991BD-2CF1-4A43-A225-074FCF27A4A6}" destId="{7B7FAD46-31E7-4B44-B742-13BA0266C647}" srcOrd="0" destOrd="0" presId="urn:microsoft.com/office/officeart/2008/layout/NameandTitleOrganizationalChart"/>
+    <dgm:cxn modelId="{8F923130-DA4D-4A36-832C-65232CDCF53A}" type="presOf" srcId="{30E99CA0-26D0-4754-B79B-47B004B0A0B4}" destId="{76046E0B-2B47-423B-828D-587DA21F40F3}" srcOrd="0" destOrd="0" presId="urn:microsoft.com/office/officeart/2008/layout/NameandTitleOrganizationalChart"/>
+    <dgm:cxn modelId="{5979DC31-94F2-429F-BDDB-12481D14FB92}" srcId="{F1D60E77-CEBF-441B-988E-D914F86C20E7}" destId="{C8DC0812-B76E-49D4-A00E-81FB9084B08B}" srcOrd="0" destOrd="0" parTransId="{E6F3158D-2201-4038-854A-30349FD453B5}" sibTransId="{4A24B8D9-E7B5-474A-B47F-A614BC31589B}"/>
+    <dgm:cxn modelId="{F71B8D3D-6391-4F0A-8A59-B132C6AF731B}" type="presOf" srcId="{D410B340-8638-4FDC-9D56-C38BBB7EB962}" destId="{CF799BF7-B4D5-461F-B3F0-00A26DDE0AC5}" srcOrd="1" destOrd="0" presId="urn:microsoft.com/office/officeart/2008/layout/NameandTitleOrganizationalChart"/>
+    <dgm:cxn modelId="{6EA3D264-580F-420E-9159-86C54B718047}" type="presOf" srcId="{208F9EFB-F251-4C93-B91A-6DC1C371C751}" destId="{B6DBE7D9-A73B-42BC-B8C1-D4D14E0DF7B4}" srcOrd="0" destOrd="0" presId="urn:microsoft.com/office/officeart/2008/layout/NameandTitleOrganizationalChart"/>
+    <dgm:cxn modelId="{12E05F6A-135A-48F7-9304-615BCFC7727B}" type="presOf" srcId="{C8DC0812-B76E-49D4-A00E-81FB9084B08B}" destId="{8D89ABA1-4CC0-4135-AD2E-EDB6AE12FE7D}" srcOrd="0" destOrd="0" presId="urn:microsoft.com/office/officeart/2008/layout/NameandTitleOrganizationalChart"/>
+    <dgm:cxn modelId="{3AA8734A-DCEA-42F4-B498-55F81FB2CCC3}" type="presOf" srcId="{4A24B8D9-E7B5-474A-B47F-A614BC31589B}" destId="{AE98993E-7E2D-4F62-9682-4F3828326461}" srcOrd="0" destOrd="0" presId="urn:microsoft.com/office/officeart/2008/layout/NameandTitleOrganizationalChart"/>
+    <dgm:cxn modelId="{3A440C6B-4AB4-4B72-A48B-9B651CDB0CD1}" srcId="{BA6991BD-2CF1-4A43-A225-074FCF27A4A6}" destId="{3EE36582-A645-459B-A7D1-9FBF8DFBD8C7}" srcOrd="1" destOrd="0" parTransId="{9A4BCDE8-972E-44BC-ADEC-4534BB3838A0}" sibTransId="{C1597A47-0B95-425C-83D2-966431603D29}"/>
+    <dgm:cxn modelId="{A137694D-4563-45FC-B015-13476E6B8F94}" srcId="{BA6991BD-2CF1-4A43-A225-074FCF27A4A6}" destId="{F1D60E77-CEBF-441B-988E-D914F86C20E7}" srcOrd="0" destOrd="0" parTransId="{0D914089-7B5E-4C07-9776-F300A5F0DBF3}" sibTransId="{30E99CA0-26D0-4754-B79B-47B004B0A0B4}"/>
+    <dgm:cxn modelId="{DC803D82-5D74-4719-AEA9-024704F48BEF}" type="presOf" srcId="{3EE36582-A645-459B-A7D1-9FBF8DFBD8C7}" destId="{3BB3506F-01DF-43B9-BEDD-7B0039F06E4E}" srcOrd="0" destOrd="0" presId="urn:microsoft.com/office/officeart/2008/layout/NameandTitleOrganizationalChart"/>
+    <dgm:cxn modelId="{20153184-C6BF-4F43-9097-5D197B3CE12C}" type="presOf" srcId="{F1D60E77-CEBF-441B-988E-D914F86C20E7}" destId="{D7DD0747-A64A-4D2E-BC89-DFD875DA8238}" srcOrd="0" destOrd="0" presId="urn:microsoft.com/office/officeart/2008/layout/NameandTitleOrganizationalChart"/>
+    <dgm:cxn modelId="{16BCE389-2A82-4B3F-89B1-72DEAE9E093A}" type="presOf" srcId="{E6F3158D-2201-4038-854A-30349FD453B5}" destId="{2DCB7720-6C20-49C9-9303-7A3599277A55}" srcOrd="0" destOrd="0" presId="urn:microsoft.com/office/officeart/2008/layout/NameandTitleOrganizationalChart"/>
+    <dgm:cxn modelId="{11CDC88B-C08B-4B6B-B4AE-0F68D9E23907}" type="presOf" srcId="{A5C30BFC-2370-4B4B-B997-94F9648E542D}" destId="{AF040155-5CE2-45C0-B5FD-B406DAF4F1B1}" srcOrd="0" destOrd="0" presId="urn:microsoft.com/office/officeart/2008/layout/NameandTitleOrganizationalChart"/>
+    <dgm:cxn modelId="{A13BEE8B-87ED-46D1-A7BF-810685ECD768}" type="presOf" srcId="{777AC2AD-1B47-4071-855A-FE50A8112543}" destId="{60276837-860A-479C-9D93-8CF079D0588F}" srcOrd="0" destOrd="0" presId="urn:microsoft.com/office/officeart/2008/layout/NameandTitleOrganizationalChart"/>
+    <dgm:cxn modelId="{B29632AF-7925-4BF5-B804-9FAE4D279298}" type="presOf" srcId="{C1597A47-0B95-425C-83D2-966431603D29}" destId="{87950F71-2FF2-4DB7-8E0A-CA5504F8B76E}" srcOrd="0" destOrd="0" presId="urn:microsoft.com/office/officeart/2008/layout/NameandTitleOrganizationalChart"/>
+    <dgm:cxn modelId="{2C8DFEAF-901E-4113-8683-93B1D0BFF26C}" srcId="{C54B57FA-9B54-426D-938D-08A3D68C3A1A}" destId="{BA6991BD-2CF1-4A43-A225-074FCF27A4A6}" srcOrd="0" destOrd="0" parTransId="{C5D7EC88-9F57-4763-9F1E-12083DBE23BB}" sibTransId="{D42726DF-3C58-4F87-9591-48338A9017A6}"/>
+    <dgm:cxn modelId="{5F1DDBBC-BE81-43E6-9F31-3CDE23FBEFA5}" type="presOf" srcId="{8C5B97C1-1D7B-4049-A79E-B8C0C883C98B}" destId="{0E69FCBC-9632-460E-BA51-BA15C72AD96D}" srcOrd="0" destOrd="0" presId="urn:microsoft.com/office/officeart/2008/layout/NameandTitleOrganizationalChart"/>
+    <dgm:cxn modelId="{86A8A3C0-0CFC-4F25-9E91-EC1CECFAE6DC}" type="presOf" srcId="{0D914089-7B5E-4C07-9776-F300A5F0DBF3}" destId="{624B2BA2-CA77-4909-AB6F-E086D4FD0F3D}" srcOrd="0" destOrd="0" presId="urn:microsoft.com/office/officeart/2008/layout/NameandTitleOrganizationalChart"/>
+    <dgm:cxn modelId="{29749EC4-6717-4F82-9BDB-8FBC733D21BD}" type="presOf" srcId="{F1D60E77-CEBF-441B-988E-D914F86C20E7}" destId="{EF650132-8AAF-4167-88A5-35FF447089C5}" srcOrd="1" destOrd="0" presId="urn:microsoft.com/office/officeart/2008/layout/NameandTitleOrganizationalChart"/>
+    <dgm:cxn modelId="{70CB04C7-1ED2-4A4E-8038-700A9B4B9A4C}" type="presOf" srcId="{3EE36582-A645-459B-A7D1-9FBF8DFBD8C7}" destId="{11828661-E9F9-418B-BF32-98BF82A5D89C}" srcOrd="1" destOrd="0" presId="urn:microsoft.com/office/officeart/2008/layout/NameandTitleOrganizationalChart"/>
+    <dgm:cxn modelId="{82857BC8-5B54-4760-A004-50EC2402EA88}" type="presOf" srcId="{C8DC0812-B76E-49D4-A00E-81FB9084B08B}" destId="{95DADF18-EA28-469A-9756-43E273DCD979}" srcOrd="1" destOrd="0" presId="urn:microsoft.com/office/officeart/2008/layout/NameandTitleOrganizationalChart"/>
+    <dgm:cxn modelId="{5F8356CC-6718-4CF7-BDB1-9B518576FCD3}" type="presOf" srcId="{BA6991BD-2CF1-4A43-A225-074FCF27A4A6}" destId="{7529C78E-82FE-409A-9CD8-1C9A6CBE6C87}" srcOrd="1" destOrd="0" presId="urn:microsoft.com/office/officeart/2008/layout/NameandTitleOrganizationalChart"/>
+    <dgm:cxn modelId="{8CB3D6CD-2994-45CF-943E-E1BE4E04FEBE}" type="presOf" srcId="{D410B340-8638-4FDC-9D56-C38BBB7EB962}" destId="{D9CACA32-B712-48C3-971A-0871CEF2A981}" srcOrd="0" destOrd="0" presId="urn:microsoft.com/office/officeart/2008/layout/NameandTitleOrganizationalChart"/>
+    <dgm:cxn modelId="{C0D5FCCF-3851-4B3E-93ED-44AF6C5B1D72}" type="presOf" srcId="{C54B57FA-9B54-426D-938D-08A3D68C3A1A}" destId="{4AA85890-21A0-40DF-B62D-89AFF5918D1B}" srcOrd="0" destOrd="0" presId="urn:microsoft.com/office/officeart/2008/layout/NameandTitleOrganizationalChart"/>
+    <dgm:cxn modelId="{CA9C21D4-E8DD-48D0-8151-97FDBE147A04}" type="presOf" srcId="{D42726DF-3C58-4F87-9591-48338A9017A6}" destId="{0A69EDD3-4191-426A-9EBF-4B8737F75D11}" srcOrd="0" destOrd="0" presId="urn:microsoft.com/office/officeart/2008/layout/NameandTitleOrganizationalChart"/>
+    <dgm:cxn modelId="{FAF19AD9-783F-414A-8B72-405E5F7667F0}" type="presOf" srcId="{9A4BCDE8-972E-44BC-ADEC-4534BB3838A0}" destId="{96A0C398-C0AE-4649-9611-6FFABC51B713}" srcOrd="0" destOrd="0" presId="urn:microsoft.com/office/officeart/2008/layout/NameandTitleOrganizationalChart"/>
+    <dgm:cxn modelId="{F096A1DA-AC8A-4E1D-ACAC-1C6E1462CF2E}" type="presOf" srcId="{5C50A951-423A-4172-8397-2B5C79DEF975}" destId="{DAF6039B-A027-4DEE-B923-5C3D01E3E0B9}" srcOrd="1" destOrd="0" presId="urn:microsoft.com/office/officeart/2008/layout/NameandTitleOrganizationalChart"/>
+    <dgm:cxn modelId="{826F69E4-D5B5-4704-997F-71D2FC0027AB}" srcId="{C8DC0812-B76E-49D4-A00E-81FB9084B08B}" destId="{5C50A951-423A-4172-8397-2B5C79DEF975}" srcOrd="0" destOrd="0" parTransId="{208F9EFB-F251-4C93-B91A-6DC1C371C751}" sibTransId="{A5C30BFC-2370-4B4B-B997-94F9648E542D}"/>
+    <dgm:cxn modelId="{CF5E2CF1-B3C7-4DA6-A939-3FA8CC68E432}" srcId="{C8DC0812-B76E-49D4-A00E-81FB9084B08B}" destId="{D410B340-8638-4FDC-9D56-C38BBB7EB962}" srcOrd="1" destOrd="0" parTransId="{777AC2AD-1B47-4071-855A-FE50A8112543}" sibTransId="{8C5B97C1-1D7B-4049-A79E-B8C0C883C98B}"/>
+    <dgm:cxn modelId="{40886FC9-1DCA-4723-8E89-5D2C849B04F1}" type="presParOf" srcId="{4AA85890-21A0-40DF-B62D-89AFF5918D1B}" destId="{DA558D6F-E8E7-4260-9263-65EF53DC530B}" srcOrd="0" destOrd="0" presId="urn:microsoft.com/office/officeart/2008/layout/NameandTitleOrganizationalChart"/>
+    <dgm:cxn modelId="{7849A841-8770-4C43-90D8-8CA475116C5F}" type="presParOf" srcId="{DA558D6F-E8E7-4260-9263-65EF53DC530B}" destId="{07613046-93A2-4668-80F0-8D52D01A2E8C}" srcOrd="0" destOrd="0" presId="urn:microsoft.com/office/officeart/2008/layout/NameandTitleOrganizationalChart"/>
+    <dgm:cxn modelId="{351FAE73-F905-424E-AB4E-074FB7303EBD}" type="presParOf" srcId="{07613046-93A2-4668-80F0-8D52D01A2E8C}" destId="{7B7FAD46-31E7-4B44-B742-13BA0266C647}" srcOrd="0" destOrd="0" presId="urn:microsoft.com/office/officeart/2008/layout/NameandTitleOrganizationalChart"/>
+    <dgm:cxn modelId="{6394B1A1-8E3C-4B11-9527-A035BE02B35A}" type="presParOf" srcId="{07613046-93A2-4668-80F0-8D52D01A2E8C}" destId="{0A69EDD3-4191-426A-9EBF-4B8737F75D11}" srcOrd="1" destOrd="0" presId="urn:microsoft.com/office/officeart/2008/layout/NameandTitleOrganizationalChart"/>
+    <dgm:cxn modelId="{4A57A270-4EEE-49B6-BEBE-543A81C94F76}" type="presParOf" srcId="{07613046-93A2-4668-80F0-8D52D01A2E8C}" destId="{7529C78E-82FE-409A-9CD8-1C9A6CBE6C87}" srcOrd="2" destOrd="0" presId="urn:microsoft.com/office/officeart/2008/layout/NameandTitleOrganizationalChart"/>
+    <dgm:cxn modelId="{AD3844CF-349C-4E80-8CA6-26A0A8A1C59F}" type="presParOf" srcId="{DA558D6F-E8E7-4260-9263-65EF53DC530B}" destId="{4E26E63B-2042-4AE4-B9EC-FFB0E382BE58}" srcOrd="1" destOrd="0" presId="urn:microsoft.com/office/officeart/2008/layout/NameandTitleOrganizationalChart"/>
+    <dgm:cxn modelId="{7BED31F9-FC99-4277-861E-7E26E2350808}" type="presParOf" srcId="{4E26E63B-2042-4AE4-B9EC-FFB0E382BE58}" destId="{624B2BA2-CA77-4909-AB6F-E086D4FD0F3D}" srcOrd="0" destOrd="0" presId="urn:microsoft.com/office/officeart/2008/layout/NameandTitleOrganizationalChart"/>
+    <dgm:cxn modelId="{5EFE2EE8-C347-40D5-9C2D-8D12F172269F}" type="presParOf" srcId="{4E26E63B-2042-4AE4-B9EC-FFB0E382BE58}" destId="{9D5A22A3-E92B-4DC2-88F7-F8C9773B95F4}" srcOrd="1" destOrd="0" presId="urn:microsoft.com/office/officeart/2008/layout/NameandTitleOrganizationalChart"/>
+    <dgm:cxn modelId="{FE33FB3F-F8AA-4995-B7A1-A3DE8EC4181F}" type="presParOf" srcId="{9D5A22A3-E92B-4DC2-88F7-F8C9773B95F4}" destId="{787322B4-7F33-4E75-905E-54003B3DC25D}" srcOrd="0" destOrd="0" presId="urn:microsoft.com/office/officeart/2008/layout/NameandTitleOrganizationalChart"/>
+    <dgm:cxn modelId="{DF2EB0F0-F8C2-40AA-8E75-701E22FFFA1D}" type="presParOf" srcId="{787322B4-7F33-4E75-905E-54003B3DC25D}" destId="{D7DD0747-A64A-4D2E-BC89-DFD875DA8238}" srcOrd="0" destOrd="0" presId="urn:microsoft.com/office/officeart/2008/layout/NameandTitleOrganizationalChart"/>
+    <dgm:cxn modelId="{FB209121-70CC-4EC0-BF68-1A2451C94642}" type="presParOf" srcId="{787322B4-7F33-4E75-905E-54003B3DC25D}" destId="{76046E0B-2B47-423B-828D-587DA21F40F3}" srcOrd="1" destOrd="0" presId="urn:microsoft.com/office/officeart/2008/layout/NameandTitleOrganizationalChart"/>
+    <dgm:cxn modelId="{CD104B2D-744E-47D9-95BC-8D2F7D104B77}" type="presParOf" srcId="{787322B4-7F33-4E75-905E-54003B3DC25D}" destId="{EF650132-8AAF-4167-88A5-35FF447089C5}" srcOrd="2" destOrd="0" presId="urn:microsoft.com/office/officeart/2008/layout/NameandTitleOrganizationalChart"/>
+    <dgm:cxn modelId="{F34F9255-504D-467E-A4E8-2B4D76F9E63A}" type="presParOf" srcId="{9D5A22A3-E92B-4DC2-88F7-F8C9773B95F4}" destId="{B13B7FFE-672C-45F4-8273-1330440AB792}" srcOrd="1" destOrd="0" presId="urn:microsoft.com/office/officeart/2008/layout/NameandTitleOrganizationalChart"/>
+    <dgm:cxn modelId="{F8366656-FE85-4400-BB01-7B6CC05A5F41}" type="presParOf" srcId="{B13B7FFE-672C-45F4-8273-1330440AB792}" destId="{2DCB7720-6C20-49C9-9303-7A3599277A55}" srcOrd="0" destOrd="0" presId="urn:microsoft.com/office/officeart/2008/layout/NameandTitleOrganizationalChart"/>
+    <dgm:cxn modelId="{7883F486-0038-4052-B337-65C1BF2272D1}" type="presParOf" srcId="{B13B7FFE-672C-45F4-8273-1330440AB792}" destId="{872514BE-6CB0-443C-9CCC-51DA2F118442}" srcOrd="1" destOrd="0" presId="urn:microsoft.com/office/officeart/2008/layout/NameandTitleOrganizationalChart"/>
+    <dgm:cxn modelId="{3A2F446A-CFE0-4CF0-9EFB-4AEA7C2D43CC}" type="presParOf" srcId="{872514BE-6CB0-443C-9CCC-51DA2F118442}" destId="{52664EC5-B941-43AF-873F-742AD53B4E48}" srcOrd="0" destOrd="0" presId="urn:microsoft.com/office/officeart/2008/layout/NameandTitleOrganizationalChart"/>
+    <dgm:cxn modelId="{CED134AB-13D8-4EA9-89D3-DED6E48CF636}" type="presParOf" srcId="{52664EC5-B941-43AF-873F-742AD53B4E48}" destId="{8D89ABA1-4CC0-4135-AD2E-EDB6AE12FE7D}" srcOrd="0" destOrd="0" presId="urn:microsoft.com/office/officeart/2008/layout/NameandTitleOrganizationalChart"/>
+    <dgm:cxn modelId="{CB26437A-0611-4855-BD7D-5BCC688D8F40}" type="presParOf" srcId="{52664EC5-B941-43AF-873F-742AD53B4E48}" destId="{AE98993E-7E2D-4F62-9682-4F3828326461}" srcOrd="1" destOrd="0" presId="urn:microsoft.com/office/officeart/2008/layout/NameandTitleOrganizationalChart"/>
+    <dgm:cxn modelId="{13C96C6D-206D-4444-977B-9FA762877736}" type="presParOf" srcId="{52664EC5-B941-43AF-873F-742AD53B4E48}" destId="{95DADF18-EA28-469A-9756-43E273DCD979}" srcOrd="2" destOrd="0" presId="urn:microsoft.com/office/officeart/2008/layout/NameandTitleOrganizationalChart"/>
+    <dgm:cxn modelId="{51231F57-F7F6-4AB5-86E4-2D4E6A670E98}" type="presParOf" srcId="{872514BE-6CB0-443C-9CCC-51DA2F118442}" destId="{011D0F6B-77D5-4227-9C17-3A7CE67D20F0}" srcOrd="1" destOrd="0" presId="urn:microsoft.com/office/officeart/2008/layout/NameandTitleOrganizationalChart"/>
+    <dgm:cxn modelId="{0D4D7648-07FB-4AF9-8AA1-A9296520FDBD}" type="presParOf" srcId="{011D0F6B-77D5-4227-9C17-3A7CE67D20F0}" destId="{B6DBE7D9-A73B-42BC-B8C1-D4D14E0DF7B4}" srcOrd="0" destOrd="0" presId="urn:microsoft.com/office/officeart/2008/layout/NameandTitleOrganizationalChart"/>
+    <dgm:cxn modelId="{2FF2CD4E-A65B-41EF-9344-57955292EF87}" type="presParOf" srcId="{011D0F6B-77D5-4227-9C17-3A7CE67D20F0}" destId="{BD3E372D-FD83-4A8D-A145-0A2DA0779EA2}" srcOrd="1" destOrd="0" presId="urn:microsoft.com/office/officeart/2008/layout/NameandTitleOrganizationalChart"/>
+    <dgm:cxn modelId="{3CCC0F70-C278-474C-AD71-656121996DDF}" type="presParOf" srcId="{BD3E372D-FD83-4A8D-A145-0A2DA0779EA2}" destId="{D376054F-4805-47DE-AD0B-787E5E8699CF}" srcOrd="0" destOrd="0" presId="urn:microsoft.com/office/officeart/2008/layout/NameandTitleOrganizationalChart"/>
+    <dgm:cxn modelId="{FDC7AFE6-7DB3-4EC7-B9A7-635C42C0D1BF}" type="presParOf" srcId="{D376054F-4805-47DE-AD0B-787E5E8699CF}" destId="{77BABBD4-8A94-4B01-9FA0-5308CEC2041B}" srcOrd="0" destOrd="0" presId="urn:microsoft.com/office/officeart/2008/layout/NameandTitleOrganizationalChart"/>
+    <dgm:cxn modelId="{CBB44054-6EF3-4A0C-83DF-2E8DD403CC7B}" type="presParOf" srcId="{D376054F-4805-47DE-AD0B-787E5E8699CF}" destId="{AF040155-5CE2-45C0-B5FD-B406DAF4F1B1}" srcOrd="1" destOrd="0" presId="urn:microsoft.com/office/officeart/2008/layout/NameandTitleOrganizationalChart"/>
+    <dgm:cxn modelId="{7BB73793-F21B-4467-A39A-453094A70BE9}" type="presParOf" srcId="{D376054F-4805-47DE-AD0B-787E5E8699CF}" destId="{DAF6039B-A027-4DEE-B923-5C3D01E3E0B9}" srcOrd="2" destOrd="0" presId="urn:microsoft.com/office/officeart/2008/layout/NameandTitleOrganizationalChart"/>
+    <dgm:cxn modelId="{367A1A23-D97A-4656-A7BC-20FA9011D59E}" type="presParOf" srcId="{BD3E372D-FD83-4A8D-A145-0A2DA0779EA2}" destId="{704E2524-E7CB-4A09-AB7C-E4E8FC08EBBF}" srcOrd="1" destOrd="0" presId="urn:microsoft.com/office/officeart/2008/layout/NameandTitleOrganizationalChart"/>
+    <dgm:cxn modelId="{217BB694-0031-4B1A-8636-6D5ACCB33C53}" type="presParOf" srcId="{BD3E372D-FD83-4A8D-A145-0A2DA0779EA2}" destId="{554D879B-FFDB-4A1B-9812-ADF1CEF74FE6}" srcOrd="2" destOrd="0" presId="urn:microsoft.com/office/officeart/2008/layout/NameandTitleOrganizationalChart"/>
+    <dgm:cxn modelId="{4511C7E8-293B-463D-82C8-8D1E043734C2}" type="presParOf" srcId="{011D0F6B-77D5-4227-9C17-3A7CE67D20F0}" destId="{60276837-860A-479C-9D93-8CF079D0588F}" srcOrd="2" destOrd="0" presId="urn:microsoft.com/office/officeart/2008/layout/NameandTitleOrganizationalChart"/>
+    <dgm:cxn modelId="{61C62723-90D3-4A76-AF2A-F895E17A87A4}" type="presParOf" srcId="{011D0F6B-77D5-4227-9C17-3A7CE67D20F0}" destId="{E908C9C9-B21F-45C4-8DCC-A6713A266058}" srcOrd="3" destOrd="0" presId="urn:microsoft.com/office/officeart/2008/layout/NameandTitleOrganizationalChart"/>
+    <dgm:cxn modelId="{C0246FCF-F206-40FD-9ACD-3B3E106C1D47}" type="presParOf" srcId="{E908C9C9-B21F-45C4-8DCC-A6713A266058}" destId="{C28EBAA3-B23E-4F66-A384-18F173437DBB}" srcOrd="0" destOrd="0" presId="urn:microsoft.com/office/officeart/2008/layout/NameandTitleOrganizationalChart"/>
+    <dgm:cxn modelId="{4016F572-00DD-48A7-BF58-960CAC09C99D}" type="presParOf" srcId="{C28EBAA3-B23E-4F66-A384-18F173437DBB}" destId="{D9CACA32-B712-48C3-971A-0871CEF2A981}" srcOrd="0" destOrd="0" presId="urn:microsoft.com/office/officeart/2008/layout/NameandTitleOrganizationalChart"/>
+    <dgm:cxn modelId="{BB2E440A-6DAA-4792-84D4-0BB7AB24C814}" type="presParOf" srcId="{C28EBAA3-B23E-4F66-A384-18F173437DBB}" destId="{0E69FCBC-9632-460E-BA51-BA15C72AD96D}" srcOrd="1" destOrd="0" presId="urn:microsoft.com/office/officeart/2008/layout/NameandTitleOrganizationalChart"/>
+    <dgm:cxn modelId="{093402E6-81D3-4519-A973-E427BA91AE58}" type="presParOf" srcId="{C28EBAA3-B23E-4F66-A384-18F173437DBB}" destId="{CF799BF7-B4D5-461F-B3F0-00A26DDE0AC5}" srcOrd="2" destOrd="0" presId="urn:microsoft.com/office/officeart/2008/layout/NameandTitleOrganizationalChart"/>
+    <dgm:cxn modelId="{0F1CA47C-1077-4BC3-8994-72F8F312CA8D}" type="presParOf" srcId="{E908C9C9-B21F-45C4-8DCC-A6713A266058}" destId="{330B08EC-A06A-4835-91C6-8065B260554A}" srcOrd="1" destOrd="0" presId="urn:microsoft.com/office/officeart/2008/layout/NameandTitleOrganizationalChart"/>
+    <dgm:cxn modelId="{557ADF31-3743-4DE8-9BBB-71086A1B91B3}" type="presParOf" srcId="{E908C9C9-B21F-45C4-8DCC-A6713A266058}" destId="{2EF3BB88-91F8-4866-B46C-8CE1042202D8}" srcOrd="2" destOrd="0" presId="urn:microsoft.com/office/officeart/2008/layout/NameandTitleOrganizationalChart"/>
+    <dgm:cxn modelId="{017DCADB-87D1-4F89-96A7-0FD2ACF92896}" type="presParOf" srcId="{872514BE-6CB0-443C-9CCC-51DA2F118442}" destId="{26920D20-E591-49D0-A8B0-206C7AB0C297}" srcOrd="2" destOrd="0" presId="urn:microsoft.com/office/officeart/2008/layout/NameandTitleOrganizationalChart"/>
+    <dgm:cxn modelId="{20EFBA9B-1D0F-453A-AC84-65BEF398D31D}" type="presParOf" srcId="{9D5A22A3-E92B-4DC2-88F7-F8C9773B95F4}" destId="{92252781-17FF-4D01-94F8-5761F2A793DB}" srcOrd="2" destOrd="0" presId="urn:microsoft.com/office/officeart/2008/layout/NameandTitleOrganizationalChart"/>
+    <dgm:cxn modelId="{04643B06-558B-43A6-A2CC-3DC083582E41}" type="presParOf" srcId="{4E26E63B-2042-4AE4-B9EC-FFB0E382BE58}" destId="{96A0C398-C0AE-4649-9611-6FFABC51B713}" srcOrd="2" destOrd="0" presId="urn:microsoft.com/office/officeart/2008/layout/NameandTitleOrganizationalChart"/>
+    <dgm:cxn modelId="{BF3A3DF7-41D6-44E5-83C7-00DA47B5809D}" type="presParOf" srcId="{4E26E63B-2042-4AE4-B9EC-FFB0E382BE58}" destId="{C8447F47-80DE-4F3F-86AD-5876D978B2CA}" srcOrd="3" destOrd="0" presId="urn:microsoft.com/office/officeart/2008/layout/NameandTitleOrganizationalChart"/>
+    <dgm:cxn modelId="{D89041F5-251B-4597-B6A7-B2F35E243ECE}" type="presParOf" srcId="{C8447F47-80DE-4F3F-86AD-5876D978B2CA}" destId="{09665902-A77C-46EF-8604-1E46A5E310B4}" srcOrd="0" destOrd="0" presId="urn:microsoft.com/office/officeart/2008/layout/NameandTitleOrganizationalChart"/>
+    <dgm:cxn modelId="{1677F4AF-B7C8-4682-856E-6D3BB7BCDBCC}" type="presParOf" srcId="{09665902-A77C-46EF-8604-1E46A5E310B4}" destId="{3BB3506F-01DF-43B9-BEDD-7B0039F06E4E}" srcOrd="0" destOrd="0" presId="urn:microsoft.com/office/officeart/2008/layout/NameandTitleOrganizationalChart"/>
+    <dgm:cxn modelId="{D331364D-C52A-4E87-8453-ED73705035F9}" type="presParOf" srcId="{09665902-A77C-46EF-8604-1E46A5E310B4}" destId="{87950F71-2FF2-4DB7-8E0A-CA5504F8B76E}" srcOrd="1" destOrd="0" presId="urn:microsoft.com/office/officeart/2008/layout/NameandTitleOrganizationalChart"/>
+    <dgm:cxn modelId="{3E98CA1C-4AA0-473A-9F1B-3AAD6EEA0631}" type="presParOf" srcId="{09665902-A77C-46EF-8604-1E46A5E310B4}" destId="{11828661-E9F9-418B-BF32-98BF82A5D89C}" srcOrd="2" destOrd="0" presId="urn:microsoft.com/office/officeart/2008/layout/NameandTitleOrganizationalChart"/>
+    <dgm:cxn modelId="{EC996F11-CB79-49E5-BEA0-967E29FB2BE8}" type="presParOf" srcId="{C8447F47-80DE-4F3F-86AD-5876D978B2CA}" destId="{3DD1FDBF-7E11-4B33-B32C-4567A67D587D}" srcOrd="1" destOrd="0" presId="urn:microsoft.com/office/officeart/2008/layout/NameandTitleOrganizationalChart"/>
+    <dgm:cxn modelId="{9BBFFCBD-D6C7-46F5-9101-F1FC564A15B9}" type="presParOf" srcId="{C8447F47-80DE-4F3F-86AD-5876D978B2CA}" destId="{9BE09A55-4326-40D5-B725-40EABA068172}" srcOrd="2" destOrd="0" presId="urn:microsoft.com/office/officeart/2008/layout/NameandTitleOrganizationalChart"/>
+    <dgm:cxn modelId="{0D4344BA-B3F7-468C-A18A-E872D451DB3E}" type="presParOf" srcId="{DA558D6F-E8E7-4260-9263-65EF53DC530B}" destId="{ED8F1FA5-C1D0-409F-8771-8A344E8DA363}" srcOrd="2" destOrd="0" presId="urn:microsoft.com/office/officeart/2008/layout/NameandTitleOrganizationalChart"/>
   </dgm:cxnLst>
   <dgm:bg/>
   <dgm:whole/>
@@ -3691,6 +5068,1258 @@
 </dsp:drawing>
 </file>
 
+<file path=ppt/diagrams/drawing3.xml><?xml version="1.0" encoding="utf-8"?>
+<dsp:drawing xmlns:dgm="http://schemas.openxmlformats.org/drawingml/2006/diagram" xmlns:dsp="http://schemas.microsoft.com/office/drawing/2008/diagram" xmlns:a="http://schemas.openxmlformats.org/drawingml/2006/main">
+  <dsp:spTree>
+    <dsp:nvGrpSpPr>
+      <dsp:cNvPr id="0" name=""/>
+      <dsp:cNvGrpSpPr/>
+    </dsp:nvGrpSpPr>
+    <dsp:grpSpPr/>
+    <dsp:sp modelId="{96A0C398-C0AE-4649-9611-6FFABC51B713}">
+      <dsp:nvSpPr>
+        <dsp:cNvPr id="0" name=""/>
+        <dsp:cNvSpPr/>
+      </dsp:nvSpPr>
+      <dsp:spPr>
+        <a:xfrm>
+          <a:off x="5904181" y="1174987"/>
+          <a:ext cx="1519242" cy="677506"/>
+        </a:xfrm>
+        <a:custGeom>
+          <a:avLst/>
+          <a:gdLst/>
+          <a:ahLst/>
+          <a:cxnLst/>
+          <a:rect l="0" t="0" r="0" b="0"/>
+          <a:pathLst>
+            <a:path>
+              <a:moveTo>
+                <a:pt x="0" y="0"/>
+              </a:moveTo>
+              <a:lnTo>
+                <a:pt x="0" y="403898"/>
+              </a:lnTo>
+              <a:lnTo>
+                <a:pt x="1519242" y="403898"/>
+              </a:lnTo>
+              <a:lnTo>
+                <a:pt x="1519242" y="677506"/>
+              </a:lnTo>
+            </a:path>
+          </a:pathLst>
+        </a:custGeom>
+        <a:noFill/>
+        <a:ln w="12700" cap="flat" cmpd="sng" algn="ctr">
+          <a:solidFill>
+            <a:schemeClr val="accent1">
+              <a:shade val="60000"/>
+              <a:hueOff val="0"/>
+              <a:satOff val="0"/>
+              <a:lumOff val="0"/>
+              <a:alphaOff val="0"/>
+            </a:schemeClr>
+          </a:solidFill>
+          <a:prstDash val="solid"/>
+          <a:miter lim="800000"/>
+        </a:ln>
+        <a:effectLst/>
+      </dsp:spPr>
+      <dsp:style>
+        <a:lnRef idx="2">
+          <a:scrgbClr r="0" g="0" b="0"/>
+        </a:lnRef>
+        <a:fillRef idx="0">
+          <a:scrgbClr r="0" g="0" b="0"/>
+        </a:fillRef>
+        <a:effectRef idx="0">
+          <a:scrgbClr r="0" g="0" b="0"/>
+        </a:effectRef>
+        <a:fontRef idx="minor"/>
+      </dsp:style>
+    </dsp:sp>
+    <dsp:sp modelId="{60276837-860A-479C-9D93-8CF079D0588F}">
+      <dsp:nvSpPr>
+        <dsp:cNvPr id="0" name=""/>
+        <dsp:cNvSpPr/>
+      </dsp:nvSpPr>
+      <dsp:spPr>
+        <a:xfrm>
+          <a:off x="4384939" y="4875215"/>
+          <a:ext cx="1519242" cy="677506"/>
+        </a:xfrm>
+        <a:custGeom>
+          <a:avLst/>
+          <a:gdLst/>
+          <a:ahLst/>
+          <a:cxnLst/>
+          <a:rect l="0" t="0" r="0" b="0"/>
+          <a:pathLst>
+            <a:path>
+              <a:moveTo>
+                <a:pt x="0" y="0"/>
+              </a:moveTo>
+              <a:lnTo>
+                <a:pt x="0" y="403898"/>
+              </a:lnTo>
+              <a:lnTo>
+                <a:pt x="1519242" y="403898"/>
+              </a:lnTo>
+              <a:lnTo>
+                <a:pt x="1519242" y="677506"/>
+              </a:lnTo>
+            </a:path>
+          </a:pathLst>
+        </a:custGeom>
+        <a:noFill/>
+        <a:ln w="12700" cap="flat" cmpd="sng" algn="ctr">
+          <a:solidFill>
+            <a:schemeClr val="accent1">
+              <a:shade val="80000"/>
+              <a:hueOff val="0"/>
+              <a:satOff val="0"/>
+              <a:lumOff val="0"/>
+              <a:alphaOff val="0"/>
+            </a:schemeClr>
+          </a:solidFill>
+          <a:prstDash val="solid"/>
+          <a:miter lim="800000"/>
+        </a:ln>
+        <a:effectLst/>
+      </dsp:spPr>
+      <dsp:style>
+        <a:lnRef idx="2">
+          <a:scrgbClr r="0" g="0" b="0"/>
+        </a:lnRef>
+        <a:fillRef idx="0">
+          <a:scrgbClr r="0" g="0" b="0"/>
+        </a:fillRef>
+        <a:effectRef idx="0">
+          <a:scrgbClr r="0" g="0" b="0"/>
+        </a:effectRef>
+        <a:fontRef idx="minor"/>
+      </dsp:style>
+    </dsp:sp>
+    <dsp:sp modelId="{B6DBE7D9-A73B-42BC-B8C1-D4D14E0DF7B4}">
+      <dsp:nvSpPr>
+        <dsp:cNvPr id="0" name=""/>
+        <dsp:cNvSpPr/>
+      </dsp:nvSpPr>
+      <dsp:spPr>
+        <a:xfrm>
+          <a:off x="2865696" y="4875215"/>
+          <a:ext cx="1519242" cy="677506"/>
+        </a:xfrm>
+        <a:custGeom>
+          <a:avLst/>
+          <a:gdLst/>
+          <a:ahLst/>
+          <a:cxnLst/>
+          <a:rect l="0" t="0" r="0" b="0"/>
+          <a:pathLst>
+            <a:path>
+              <a:moveTo>
+                <a:pt x="1519242" y="0"/>
+              </a:moveTo>
+              <a:lnTo>
+                <a:pt x="1519242" y="403898"/>
+              </a:lnTo>
+              <a:lnTo>
+                <a:pt x="0" y="403898"/>
+              </a:lnTo>
+              <a:lnTo>
+                <a:pt x="0" y="677506"/>
+              </a:lnTo>
+            </a:path>
+          </a:pathLst>
+        </a:custGeom>
+        <a:noFill/>
+        <a:ln w="12700" cap="flat" cmpd="sng" algn="ctr">
+          <a:solidFill>
+            <a:schemeClr val="accent1">
+              <a:shade val="80000"/>
+              <a:hueOff val="0"/>
+              <a:satOff val="0"/>
+              <a:lumOff val="0"/>
+              <a:alphaOff val="0"/>
+            </a:schemeClr>
+          </a:solidFill>
+          <a:prstDash val="solid"/>
+          <a:miter lim="800000"/>
+        </a:ln>
+        <a:effectLst/>
+      </dsp:spPr>
+      <dsp:style>
+        <a:lnRef idx="2">
+          <a:scrgbClr r="0" g="0" b="0"/>
+        </a:lnRef>
+        <a:fillRef idx="0">
+          <a:scrgbClr r="0" g="0" b="0"/>
+        </a:fillRef>
+        <a:effectRef idx="0">
+          <a:scrgbClr r="0" g="0" b="0"/>
+        </a:effectRef>
+        <a:fontRef idx="minor"/>
+      </dsp:style>
+    </dsp:sp>
+    <dsp:sp modelId="{2DCB7720-6C20-49C9-9303-7A3599277A55}">
+      <dsp:nvSpPr>
+        <dsp:cNvPr id="0" name=""/>
+        <dsp:cNvSpPr/>
+      </dsp:nvSpPr>
+      <dsp:spPr>
+        <a:xfrm>
+          <a:off x="4339219" y="3025101"/>
+          <a:ext cx="91440" cy="677506"/>
+        </a:xfrm>
+        <a:custGeom>
+          <a:avLst/>
+          <a:gdLst/>
+          <a:ahLst/>
+          <a:cxnLst/>
+          <a:rect l="0" t="0" r="0" b="0"/>
+          <a:pathLst>
+            <a:path>
+              <a:moveTo>
+                <a:pt x="45720" y="0"/>
+              </a:moveTo>
+              <a:lnTo>
+                <a:pt x="45720" y="677506"/>
+              </a:lnTo>
+            </a:path>
+          </a:pathLst>
+        </a:custGeom>
+        <a:noFill/>
+        <a:ln w="12700" cap="flat" cmpd="sng" algn="ctr">
+          <a:solidFill>
+            <a:schemeClr val="accent1">
+              <a:shade val="80000"/>
+              <a:hueOff val="0"/>
+              <a:satOff val="0"/>
+              <a:lumOff val="0"/>
+              <a:alphaOff val="0"/>
+            </a:schemeClr>
+          </a:solidFill>
+          <a:prstDash val="solid"/>
+          <a:miter lim="800000"/>
+        </a:ln>
+        <a:effectLst/>
+      </dsp:spPr>
+      <dsp:style>
+        <a:lnRef idx="2">
+          <a:scrgbClr r="0" g="0" b="0"/>
+        </a:lnRef>
+        <a:fillRef idx="0">
+          <a:scrgbClr r="0" g="0" b="0"/>
+        </a:fillRef>
+        <a:effectRef idx="0">
+          <a:scrgbClr r="0" g="0" b="0"/>
+        </a:effectRef>
+        <a:fontRef idx="minor"/>
+      </dsp:style>
+    </dsp:sp>
+    <dsp:sp modelId="{624B2BA2-CA77-4909-AB6F-E086D4FD0F3D}">
+      <dsp:nvSpPr>
+        <dsp:cNvPr id="0" name=""/>
+        <dsp:cNvSpPr/>
+      </dsp:nvSpPr>
+      <dsp:spPr>
+        <a:xfrm>
+          <a:off x="4384939" y="1174987"/>
+          <a:ext cx="1519242" cy="677506"/>
+        </a:xfrm>
+        <a:custGeom>
+          <a:avLst/>
+          <a:gdLst/>
+          <a:ahLst/>
+          <a:cxnLst/>
+          <a:rect l="0" t="0" r="0" b="0"/>
+          <a:pathLst>
+            <a:path>
+              <a:moveTo>
+                <a:pt x="1519242" y="0"/>
+              </a:moveTo>
+              <a:lnTo>
+                <a:pt x="1519242" y="403898"/>
+              </a:lnTo>
+              <a:lnTo>
+                <a:pt x="0" y="403898"/>
+              </a:lnTo>
+              <a:lnTo>
+                <a:pt x="0" y="677506"/>
+              </a:lnTo>
+            </a:path>
+          </a:pathLst>
+        </a:custGeom>
+        <a:noFill/>
+        <a:ln w="12700" cap="flat" cmpd="sng" algn="ctr">
+          <a:solidFill>
+            <a:schemeClr val="accent1">
+              <a:shade val="60000"/>
+              <a:hueOff val="0"/>
+              <a:satOff val="0"/>
+              <a:lumOff val="0"/>
+              <a:alphaOff val="0"/>
+            </a:schemeClr>
+          </a:solidFill>
+          <a:prstDash val="solid"/>
+          <a:miter lim="800000"/>
+        </a:ln>
+        <a:effectLst/>
+      </dsp:spPr>
+      <dsp:style>
+        <a:lnRef idx="2">
+          <a:scrgbClr r="0" g="0" b="0"/>
+        </a:lnRef>
+        <a:fillRef idx="0">
+          <a:scrgbClr r="0" g="0" b="0"/>
+        </a:fillRef>
+        <a:effectRef idx="0">
+          <a:scrgbClr r="0" g="0" b="0"/>
+        </a:effectRef>
+        <a:fontRef idx="minor"/>
+      </dsp:style>
+    </dsp:sp>
+    <dsp:sp modelId="{7B7FAD46-31E7-4B44-B742-13BA0266C647}">
+      <dsp:nvSpPr>
+        <dsp:cNvPr id="0" name=""/>
+        <dsp:cNvSpPr/>
+      </dsp:nvSpPr>
+      <dsp:spPr>
+        <a:xfrm>
+          <a:off x="4771787" y="2380"/>
+          <a:ext cx="2264789" cy="1172607"/>
+        </a:xfrm>
+        <a:prstGeom prst="rect">
+          <a:avLst/>
+        </a:prstGeom>
+        <a:solidFill>
+          <a:schemeClr val="accent1">
+            <a:hueOff val="0"/>
+            <a:satOff val="0"/>
+            <a:lumOff val="0"/>
+            <a:alphaOff val="0"/>
+          </a:schemeClr>
+        </a:solidFill>
+        <a:ln w="12700" cap="flat" cmpd="sng" algn="ctr">
+          <a:solidFill>
+            <a:schemeClr val="lt1">
+              <a:hueOff val="0"/>
+              <a:satOff val="0"/>
+              <a:lumOff val="0"/>
+              <a:alphaOff val="0"/>
+            </a:schemeClr>
+          </a:solidFill>
+          <a:prstDash val="solid"/>
+          <a:miter lim="800000"/>
+        </a:ln>
+        <a:effectLst/>
+      </dsp:spPr>
+      <dsp:style>
+        <a:lnRef idx="2">
+          <a:scrgbClr r="0" g="0" b="0"/>
+        </a:lnRef>
+        <a:fillRef idx="1">
+          <a:scrgbClr r="0" g="0" b="0"/>
+        </a:fillRef>
+        <a:effectRef idx="0">
+          <a:scrgbClr r="0" g="0" b="0"/>
+        </a:effectRef>
+        <a:fontRef idx="minor">
+          <a:schemeClr val="lt1"/>
+        </a:fontRef>
+      </dsp:style>
+      <dsp:txBody>
+        <a:bodyPr spcFirstLastPara="0" vert="horz" wrap="square" lIns="11430" tIns="11430" rIns="11430" bIns="165468" numCol="1" spcCol="1270" anchor="ctr" anchorCtr="0">
+          <a:noAutofit/>
+        </a:bodyPr>
+        <a:lstStyle/>
+        <a:p>
+          <a:pPr marL="0" lvl="0" indent="0" algn="ctr" defTabSz="800100">
+            <a:lnSpc>
+              <a:spcPct val="90000"/>
+            </a:lnSpc>
+            <a:spcBef>
+              <a:spcPct val="0"/>
+            </a:spcBef>
+            <a:spcAft>
+              <a:spcPct val="35000"/>
+            </a:spcAft>
+            <a:buNone/>
+          </a:pPr>
+          <a:r>
+            <a:rPr lang="en-US" altLang="zh-CN" sz="1800" kern="1200" dirty="0" err="1"/>
+            <a:t>Peak_list</a:t>
+          </a:r>
+          <a:endParaRPr lang="zh-CN" altLang="en-US" sz="1800" kern="1200" dirty="0"/>
+        </a:p>
+      </dsp:txBody>
+      <dsp:txXfrm>
+        <a:off x="4771787" y="2380"/>
+        <a:ext cx="2264789" cy="1172607"/>
+      </dsp:txXfrm>
+    </dsp:sp>
+    <dsp:sp modelId="{0A69EDD3-4191-426A-9EBF-4B8737F75D11}">
+      <dsp:nvSpPr>
+        <dsp:cNvPr id="0" name=""/>
+        <dsp:cNvSpPr/>
+      </dsp:nvSpPr>
+      <dsp:spPr>
+        <a:xfrm>
+          <a:off x="5224745" y="914408"/>
+          <a:ext cx="2038310" cy="390869"/>
+        </a:xfrm>
+        <a:prstGeom prst="rect">
+          <a:avLst/>
+        </a:prstGeom>
+        <a:solidFill>
+          <a:schemeClr val="lt1">
+            <a:alpha val="90000"/>
+            <a:hueOff val="0"/>
+            <a:satOff val="0"/>
+            <a:lumOff val="0"/>
+            <a:alphaOff val="0"/>
+          </a:schemeClr>
+        </a:solidFill>
+        <a:ln w="12700" cap="flat" cmpd="sng" algn="ctr">
+          <a:solidFill>
+            <a:schemeClr val="accent1">
+              <a:hueOff val="0"/>
+              <a:satOff val="0"/>
+              <a:lumOff val="0"/>
+              <a:alphaOff val="0"/>
+            </a:schemeClr>
+          </a:solidFill>
+          <a:prstDash val="solid"/>
+          <a:miter lim="800000"/>
+        </a:ln>
+        <a:effectLst/>
+      </dsp:spPr>
+      <dsp:style>
+        <a:lnRef idx="2">
+          <a:scrgbClr r="0" g="0" b="0"/>
+        </a:lnRef>
+        <a:fillRef idx="1">
+          <a:scrgbClr r="0" g="0" b="0"/>
+        </a:fillRef>
+        <a:effectRef idx="0">
+          <a:scrgbClr r="0" g="0" b="0"/>
+        </a:effectRef>
+        <a:fontRef idx="minor"/>
+      </dsp:style>
+      <dsp:txBody>
+        <a:bodyPr spcFirstLastPara="0" vert="horz" wrap="square" lIns="55880" tIns="13970" rIns="55880" bIns="13970" numCol="1" spcCol="1270" anchor="ctr" anchorCtr="0">
+          <a:noAutofit/>
+        </a:bodyPr>
+        <a:lstStyle/>
+        <a:p>
+          <a:pPr marL="0" lvl="0" indent="0" algn="r" defTabSz="977900">
+            <a:lnSpc>
+              <a:spcPct val="90000"/>
+            </a:lnSpc>
+            <a:spcBef>
+              <a:spcPct val="0"/>
+            </a:spcBef>
+            <a:spcAft>
+              <a:spcPct val="35000"/>
+            </a:spcAft>
+            <a:buNone/>
+          </a:pPr>
+          <a:endParaRPr lang="zh-CN" altLang="en-US" sz="2200" kern="1200" dirty="0"/>
+        </a:p>
+      </dsp:txBody>
+      <dsp:txXfrm>
+        <a:off x="5224745" y="914408"/>
+        <a:ext cx="2038310" cy="390869"/>
+      </dsp:txXfrm>
+    </dsp:sp>
+    <dsp:sp modelId="{D7DD0747-A64A-4D2E-BC89-DFD875DA8238}">
+      <dsp:nvSpPr>
+        <dsp:cNvPr id="0" name=""/>
+        <dsp:cNvSpPr/>
+      </dsp:nvSpPr>
+      <dsp:spPr>
+        <a:xfrm>
+          <a:off x="3252544" y="1852494"/>
+          <a:ext cx="2264789" cy="1172607"/>
+        </a:xfrm>
+        <a:prstGeom prst="rect">
+          <a:avLst/>
+        </a:prstGeom>
+        <a:solidFill>
+          <a:schemeClr val="accent1">
+            <a:hueOff val="0"/>
+            <a:satOff val="0"/>
+            <a:lumOff val="0"/>
+            <a:alphaOff val="0"/>
+          </a:schemeClr>
+        </a:solidFill>
+        <a:ln w="12700" cap="flat" cmpd="sng" algn="ctr">
+          <a:solidFill>
+            <a:schemeClr val="lt1">
+              <a:hueOff val="0"/>
+              <a:satOff val="0"/>
+              <a:lumOff val="0"/>
+              <a:alphaOff val="0"/>
+            </a:schemeClr>
+          </a:solidFill>
+          <a:prstDash val="solid"/>
+          <a:miter lim="800000"/>
+        </a:ln>
+        <a:effectLst/>
+      </dsp:spPr>
+      <dsp:style>
+        <a:lnRef idx="2">
+          <a:scrgbClr r="0" g="0" b="0"/>
+        </a:lnRef>
+        <a:fillRef idx="1">
+          <a:scrgbClr r="0" g="0" b="0"/>
+        </a:fillRef>
+        <a:effectRef idx="0">
+          <a:scrgbClr r="0" g="0" b="0"/>
+        </a:effectRef>
+        <a:fontRef idx="minor">
+          <a:schemeClr val="lt1"/>
+        </a:fontRef>
+      </dsp:style>
+      <dsp:txBody>
+        <a:bodyPr spcFirstLastPara="0" vert="horz" wrap="square" lIns="11430" tIns="11430" rIns="11430" bIns="165468" numCol="1" spcCol="1270" anchor="ctr" anchorCtr="0">
+          <a:noAutofit/>
+        </a:bodyPr>
+        <a:lstStyle/>
+        <a:p>
+          <a:pPr marL="0" lvl="0" indent="0" algn="ctr" defTabSz="800100">
+            <a:lnSpc>
+              <a:spcPct val="90000"/>
+            </a:lnSpc>
+            <a:spcBef>
+              <a:spcPct val="0"/>
+            </a:spcBef>
+            <a:spcAft>
+              <a:spcPct val="35000"/>
+            </a:spcAft>
+            <a:buNone/>
+          </a:pPr>
+          <a:r>
+            <a:rPr lang="en-US" altLang="zh-CN" sz="1800" kern="1200" dirty="0" err="1"/>
+            <a:t>Peak_pick</a:t>
+          </a:r>
+          <a:endParaRPr lang="zh-CN" altLang="en-US" sz="1800" kern="1200" dirty="0"/>
+        </a:p>
+      </dsp:txBody>
+      <dsp:txXfrm>
+        <a:off x="3252544" y="1852494"/>
+        <a:ext cx="2264789" cy="1172607"/>
+      </dsp:txXfrm>
+    </dsp:sp>
+    <dsp:sp modelId="{76046E0B-2B47-423B-828D-587DA21F40F3}">
+      <dsp:nvSpPr>
+        <dsp:cNvPr id="0" name=""/>
+        <dsp:cNvSpPr/>
+      </dsp:nvSpPr>
+      <dsp:spPr>
+        <a:xfrm>
+          <a:off x="3705502" y="2764522"/>
+          <a:ext cx="2038310" cy="390869"/>
+        </a:xfrm>
+        <a:prstGeom prst="rect">
+          <a:avLst/>
+        </a:prstGeom>
+        <a:solidFill>
+          <a:schemeClr val="lt1">
+            <a:alpha val="90000"/>
+            <a:hueOff val="0"/>
+            <a:satOff val="0"/>
+            <a:lumOff val="0"/>
+            <a:alphaOff val="0"/>
+          </a:schemeClr>
+        </a:solidFill>
+        <a:ln w="12700" cap="flat" cmpd="sng" algn="ctr">
+          <a:solidFill>
+            <a:schemeClr val="accent1">
+              <a:hueOff val="0"/>
+              <a:satOff val="0"/>
+              <a:lumOff val="0"/>
+              <a:alphaOff val="0"/>
+            </a:schemeClr>
+          </a:solidFill>
+          <a:prstDash val="solid"/>
+          <a:miter lim="800000"/>
+        </a:ln>
+        <a:effectLst/>
+      </dsp:spPr>
+      <dsp:style>
+        <a:lnRef idx="2">
+          <a:scrgbClr r="0" g="0" b="0"/>
+        </a:lnRef>
+        <a:fillRef idx="1">
+          <a:scrgbClr r="0" g="0" b="0"/>
+        </a:fillRef>
+        <a:effectRef idx="0">
+          <a:scrgbClr r="0" g="0" b="0"/>
+        </a:effectRef>
+        <a:fontRef idx="minor"/>
+      </dsp:style>
+      <dsp:txBody>
+        <a:bodyPr spcFirstLastPara="0" vert="horz" wrap="square" lIns="55880" tIns="13970" rIns="55880" bIns="13970" numCol="1" spcCol="1270" anchor="ctr" anchorCtr="0">
+          <a:noAutofit/>
+        </a:bodyPr>
+        <a:lstStyle/>
+        <a:p>
+          <a:pPr marL="0" lvl="0" indent="0" algn="r" defTabSz="977900">
+            <a:lnSpc>
+              <a:spcPct val="90000"/>
+            </a:lnSpc>
+            <a:spcBef>
+              <a:spcPct val="0"/>
+            </a:spcBef>
+            <a:spcAft>
+              <a:spcPct val="35000"/>
+            </a:spcAft>
+            <a:buNone/>
+          </a:pPr>
+          <a:r>
+            <a:rPr lang="en-US" altLang="zh-CN" sz="2200" kern="1200" dirty="0"/>
+            <a:t>64% time</a:t>
+          </a:r>
+        </a:p>
+      </dsp:txBody>
+      <dsp:txXfrm>
+        <a:off x="3705502" y="2764522"/>
+        <a:ext cx="2038310" cy="390869"/>
+      </dsp:txXfrm>
+    </dsp:sp>
+    <dsp:sp modelId="{8D89ABA1-4CC0-4135-AD2E-EDB6AE12FE7D}">
+      <dsp:nvSpPr>
+        <dsp:cNvPr id="0" name=""/>
+        <dsp:cNvSpPr/>
+      </dsp:nvSpPr>
+      <dsp:spPr>
+        <a:xfrm>
+          <a:off x="3252544" y="3702608"/>
+          <a:ext cx="2264789" cy="1172607"/>
+        </a:xfrm>
+        <a:prstGeom prst="rect">
+          <a:avLst/>
+        </a:prstGeom>
+        <a:solidFill>
+          <a:schemeClr val="accent1">
+            <a:hueOff val="0"/>
+            <a:satOff val="0"/>
+            <a:lumOff val="0"/>
+            <a:alphaOff val="0"/>
+          </a:schemeClr>
+        </a:solidFill>
+        <a:ln w="12700" cap="flat" cmpd="sng" algn="ctr">
+          <a:solidFill>
+            <a:schemeClr val="lt1">
+              <a:hueOff val="0"/>
+              <a:satOff val="0"/>
+              <a:lumOff val="0"/>
+              <a:alphaOff val="0"/>
+            </a:schemeClr>
+          </a:solidFill>
+          <a:prstDash val="solid"/>
+          <a:miter lim="800000"/>
+        </a:ln>
+        <a:effectLst/>
+      </dsp:spPr>
+      <dsp:style>
+        <a:lnRef idx="2">
+          <a:scrgbClr r="0" g="0" b="0"/>
+        </a:lnRef>
+        <a:fillRef idx="1">
+          <a:scrgbClr r="0" g="0" b="0"/>
+        </a:fillRef>
+        <a:effectRef idx="0">
+          <a:scrgbClr r="0" g="0" b="0"/>
+        </a:effectRef>
+        <a:fontRef idx="minor">
+          <a:schemeClr val="lt1"/>
+        </a:fontRef>
+      </dsp:style>
+      <dsp:txBody>
+        <a:bodyPr spcFirstLastPara="0" vert="horz" wrap="square" lIns="11430" tIns="11430" rIns="11430" bIns="165468" numCol="1" spcCol="1270" anchor="ctr" anchorCtr="0">
+          <a:noAutofit/>
+        </a:bodyPr>
+        <a:lstStyle/>
+        <a:p>
+          <a:pPr marL="0" lvl="0" indent="0" algn="ctr" defTabSz="800100">
+            <a:lnSpc>
+              <a:spcPct val="90000"/>
+            </a:lnSpc>
+            <a:spcBef>
+              <a:spcPct val="0"/>
+            </a:spcBef>
+            <a:spcAft>
+              <a:spcPct val="35000"/>
+            </a:spcAft>
+            <a:buNone/>
+          </a:pPr>
+          <a:r>
+            <a:rPr lang="en-US" altLang="zh-CN" sz="1800" kern="1200" dirty="0" err="1"/>
+            <a:t>Ms_chromatogram_list</a:t>
+          </a:r>
+          <a:endParaRPr lang="zh-CN" altLang="en-US" sz="1800" kern="1200" dirty="0"/>
+        </a:p>
+      </dsp:txBody>
+      <dsp:txXfrm>
+        <a:off x="3252544" y="3702608"/>
+        <a:ext cx="2264789" cy="1172607"/>
+      </dsp:txXfrm>
+    </dsp:sp>
+    <dsp:sp modelId="{AE98993E-7E2D-4F62-9682-4F3828326461}">
+      <dsp:nvSpPr>
+        <dsp:cNvPr id="0" name=""/>
+        <dsp:cNvSpPr/>
+      </dsp:nvSpPr>
+      <dsp:spPr>
+        <a:xfrm>
+          <a:off x="3705502" y="4614636"/>
+          <a:ext cx="2038310" cy="390869"/>
+        </a:xfrm>
+        <a:prstGeom prst="rect">
+          <a:avLst/>
+        </a:prstGeom>
+        <a:solidFill>
+          <a:schemeClr val="lt1">
+            <a:alpha val="90000"/>
+            <a:hueOff val="0"/>
+            <a:satOff val="0"/>
+            <a:lumOff val="0"/>
+            <a:alphaOff val="0"/>
+          </a:schemeClr>
+        </a:solidFill>
+        <a:ln w="12700" cap="flat" cmpd="sng" algn="ctr">
+          <a:solidFill>
+            <a:schemeClr val="accent1">
+              <a:hueOff val="0"/>
+              <a:satOff val="0"/>
+              <a:lumOff val="0"/>
+              <a:alphaOff val="0"/>
+            </a:schemeClr>
+          </a:solidFill>
+          <a:prstDash val="solid"/>
+          <a:miter lim="800000"/>
+        </a:ln>
+        <a:effectLst/>
+      </dsp:spPr>
+      <dsp:style>
+        <a:lnRef idx="2">
+          <a:scrgbClr r="0" g="0" b="0"/>
+        </a:lnRef>
+        <a:fillRef idx="1">
+          <a:scrgbClr r="0" g="0" b="0"/>
+        </a:fillRef>
+        <a:effectRef idx="0">
+          <a:scrgbClr r="0" g="0" b="0"/>
+        </a:effectRef>
+        <a:fontRef idx="minor"/>
+      </dsp:style>
+      <dsp:txBody>
+        <a:bodyPr spcFirstLastPara="0" vert="horz" wrap="square" lIns="55880" tIns="13970" rIns="55880" bIns="13970" numCol="1" spcCol="1270" anchor="ctr" anchorCtr="0">
+          <a:noAutofit/>
+        </a:bodyPr>
+        <a:lstStyle/>
+        <a:p>
+          <a:pPr marL="0" lvl="0" indent="0" algn="r" defTabSz="977900">
+            <a:lnSpc>
+              <a:spcPct val="90000"/>
+            </a:lnSpc>
+            <a:spcBef>
+              <a:spcPct val="0"/>
+            </a:spcBef>
+            <a:spcAft>
+              <a:spcPct val="35000"/>
+            </a:spcAft>
+            <a:buNone/>
+          </a:pPr>
+          <a:r>
+            <a:rPr lang="en-US" altLang="zh-CN" sz="2200" kern="1200" dirty="0"/>
+            <a:t>81.5% time</a:t>
+          </a:r>
+          <a:endParaRPr lang="zh-CN" altLang="en-US" sz="2200" kern="1200" dirty="0"/>
+        </a:p>
+      </dsp:txBody>
+      <dsp:txXfrm>
+        <a:off x="3705502" y="4614636"/>
+        <a:ext cx="2038310" cy="390869"/>
+      </dsp:txXfrm>
+    </dsp:sp>
+    <dsp:sp modelId="{77BABBD4-8A94-4B01-9FA0-5308CEC2041B}">
+      <dsp:nvSpPr>
+        <dsp:cNvPr id="0" name=""/>
+        <dsp:cNvSpPr/>
+      </dsp:nvSpPr>
+      <dsp:spPr>
+        <a:xfrm>
+          <a:off x="1733302" y="5552722"/>
+          <a:ext cx="2264789" cy="1172607"/>
+        </a:xfrm>
+        <a:prstGeom prst="rect">
+          <a:avLst/>
+        </a:prstGeom>
+        <a:solidFill>
+          <a:schemeClr val="accent1">
+            <a:hueOff val="0"/>
+            <a:satOff val="0"/>
+            <a:lumOff val="0"/>
+            <a:alphaOff val="0"/>
+          </a:schemeClr>
+        </a:solidFill>
+        <a:ln w="12700" cap="flat" cmpd="sng" algn="ctr">
+          <a:solidFill>
+            <a:schemeClr val="lt1">
+              <a:hueOff val="0"/>
+              <a:satOff val="0"/>
+              <a:lumOff val="0"/>
+              <a:alphaOff val="0"/>
+            </a:schemeClr>
+          </a:solidFill>
+          <a:prstDash val="solid"/>
+          <a:miter lim="800000"/>
+        </a:ln>
+        <a:effectLst/>
+      </dsp:spPr>
+      <dsp:style>
+        <a:lnRef idx="2">
+          <a:scrgbClr r="0" g="0" b="0"/>
+        </a:lnRef>
+        <a:fillRef idx="1">
+          <a:scrgbClr r="0" g="0" b="0"/>
+        </a:fillRef>
+        <a:effectRef idx="0">
+          <a:scrgbClr r="0" g="0" b="0"/>
+        </a:effectRef>
+        <a:fontRef idx="minor">
+          <a:schemeClr val="lt1"/>
+        </a:fontRef>
+      </dsp:style>
+      <dsp:txBody>
+        <a:bodyPr spcFirstLastPara="0" vert="horz" wrap="square" lIns="11430" tIns="11430" rIns="11430" bIns="165468" numCol="1" spcCol="1270" anchor="ctr" anchorCtr="0">
+          <a:noAutofit/>
+        </a:bodyPr>
+        <a:lstStyle/>
+        <a:p>
+          <a:pPr marL="0" lvl="0" indent="0" algn="ctr" defTabSz="800100">
+            <a:lnSpc>
+              <a:spcPct val="90000"/>
+            </a:lnSpc>
+            <a:spcBef>
+              <a:spcPct val="0"/>
+            </a:spcBef>
+            <a:spcAft>
+              <a:spcPct val="35000"/>
+            </a:spcAft>
+            <a:buNone/>
+          </a:pPr>
+          <a:r>
+            <a:rPr lang="en-US" altLang="zh-CN" sz="1800" kern="1200" dirty="0"/>
+            <a:t>List appending</a:t>
+          </a:r>
+          <a:endParaRPr lang="zh-CN" altLang="en-US" sz="1800" kern="1200" dirty="0"/>
+        </a:p>
+      </dsp:txBody>
+      <dsp:txXfrm>
+        <a:off x="1733302" y="5552722"/>
+        <a:ext cx="2264789" cy="1172607"/>
+      </dsp:txXfrm>
+    </dsp:sp>
+    <dsp:sp modelId="{AF040155-5CE2-45C0-B5FD-B406DAF4F1B1}">
+      <dsp:nvSpPr>
+        <dsp:cNvPr id="0" name=""/>
+        <dsp:cNvSpPr/>
+      </dsp:nvSpPr>
+      <dsp:spPr>
+        <a:xfrm>
+          <a:off x="2186260" y="6464750"/>
+          <a:ext cx="2038310" cy="390869"/>
+        </a:xfrm>
+        <a:prstGeom prst="rect">
+          <a:avLst/>
+        </a:prstGeom>
+        <a:solidFill>
+          <a:schemeClr val="lt1">
+            <a:alpha val="90000"/>
+            <a:hueOff val="0"/>
+            <a:satOff val="0"/>
+            <a:lumOff val="0"/>
+            <a:alphaOff val="0"/>
+          </a:schemeClr>
+        </a:solidFill>
+        <a:ln w="12700" cap="flat" cmpd="sng" algn="ctr">
+          <a:solidFill>
+            <a:schemeClr val="accent1">
+              <a:hueOff val="0"/>
+              <a:satOff val="0"/>
+              <a:lumOff val="0"/>
+              <a:alphaOff val="0"/>
+            </a:schemeClr>
+          </a:solidFill>
+          <a:prstDash val="solid"/>
+          <a:miter lim="800000"/>
+        </a:ln>
+        <a:effectLst/>
+      </dsp:spPr>
+      <dsp:style>
+        <a:lnRef idx="2">
+          <a:scrgbClr r="0" g="0" b="0"/>
+        </a:lnRef>
+        <a:fillRef idx="1">
+          <a:scrgbClr r="0" g="0" b="0"/>
+        </a:fillRef>
+        <a:effectRef idx="0">
+          <a:scrgbClr r="0" g="0" b="0"/>
+        </a:effectRef>
+        <a:fontRef idx="minor"/>
+      </dsp:style>
+      <dsp:txBody>
+        <a:bodyPr spcFirstLastPara="0" vert="horz" wrap="square" lIns="55880" tIns="13970" rIns="55880" bIns="13970" numCol="1" spcCol="1270" anchor="ctr" anchorCtr="0">
+          <a:noAutofit/>
+        </a:bodyPr>
+        <a:lstStyle/>
+        <a:p>
+          <a:pPr marL="0" lvl="0" indent="0" algn="r" defTabSz="977900">
+            <a:lnSpc>
+              <a:spcPct val="90000"/>
+            </a:lnSpc>
+            <a:spcBef>
+              <a:spcPct val="0"/>
+            </a:spcBef>
+            <a:spcAft>
+              <a:spcPct val="35000"/>
+            </a:spcAft>
+            <a:buNone/>
+          </a:pPr>
+          <a:r>
+            <a:rPr lang="en-US" altLang="zh-CN" sz="2200" kern="1200" dirty="0"/>
+            <a:t>26% time</a:t>
+          </a:r>
+          <a:endParaRPr lang="zh-CN" altLang="en-US" sz="2200" kern="1200" dirty="0"/>
+        </a:p>
+      </dsp:txBody>
+      <dsp:txXfrm>
+        <a:off x="2186260" y="6464750"/>
+        <a:ext cx="2038310" cy="390869"/>
+      </dsp:txXfrm>
+    </dsp:sp>
+    <dsp:sp modelId="{D9CACA32-B712-48C3-971A-0871CEF2A981}">
+      <dsp:nvSpPr>
+        <dsp:cNvPr id="0" name=""/>
+        <dsp:cNvSpPr/>
+      </dsp:nvSpPr>
+      <dsp:spPr>
+        <a:xfrm>
+          <a:off x="4771787" y="5552722"/>
+          <a:ext cx="2264789" cy="1172607"/>
+        </a:xfrm>
+        <a:prstGeom prst="rect">
+          <a:avLst/>
+        </a:prstGeom>
+        <a:solidFill>
+          <a:schemeClr val="accent1">
+            <a:hueOff val="0"/>
+            <a:satOff val="0"/>
+            <a:lumOff val="0"/>
+            <a:alphaOff val="0"/>
+          </a:schemeClr>
+        </a:solidFill>
+        <a:ln w="12700" cap="flat" cmpd="sng" algn="ctr">
+          <a:solidFill>
+            <a:schemeClr val="lt1">
+              <a:hueOff val="0"/>
+              <a:satOff val="0"/>
+              <a:lumOff val="0"/>
+              <a:alphaOff val="0"/>
+            </a:schemeClr>
+          </a:solidFill>
+          <a:prstDash val="solid"/>
+          <a:miter lim="800000"/>
+        </a:ln>
+        <a:effectLst/>
+      </dsp:spPr>
+      <dsp:style>
+        <a:lnRef idx="2">
+          <a:scrgbClr r="0" g="0" b="0"/>
+        </a:lnRef>
+        <a:fillRef idx="1">
+          <a:scrgbClr r="0" g="0" b="0"/>
+        </a:fillRef>
+        <a:effectRef idx="0">
+          <a:scrgbClr r="0" g="0" b="0"/>
+        </a:effectRef>
+        <a:fontRef idx="minor">
+          <a:schemeClr val="lt1"/>
+        </a:fontRef>
+      </dsp:style>
+      <dsp:txBody>
+        <a:bodyPr spcFirstLastPara="0" vert="horz" wrap="square" lIns="11430" tIns="11430" rIns="11430" bIns="165468" numCol="1" spcCol="1270" anchor="ctr" anchorCtr="0">
+          <a:noAutofit/>
+        </a:bodyPr>
+        <a:lstStyle/>
+        <a:p>
+          <a:pPr marL="0" lvl="0" indent="0" algn="ctr" defTabSz="800100">
+            <a:lnSpc>
+              <a:spcPct val="90000"/>
+            </a:lnSpc>
+            <a:spcBef>
+              <a:spcPct val="0"/>
+            </a:spcBef>
+            <a:spcAft>
+              <a:spcPct val="35000"/>
+            </a:spcAft>
+            <a:buNone/>
+          </a:pPr>
+          <a:r>
+            <a:rPr lang="en-US" altLang="zh-CN" sz="1800" kern="1200" dirty="0" err="1"/>
+            <a:t>Mz_locator</a:t>
+          </a:r>
+          <a:endParaRPr lang="zh-CN" altLang="en-US" sz="1800" kern="1200" dirty="0"/>
+        </a:p>
+      </dsp:txBody>
+      <dsp:txXfrm>
+        <a:off x="4771787" y="5552722"/>
+        <a:ext cx="2264789" cy="1172607"/>
+      </dsp:txXfrm>
+    </dsp:sp>
+    <dsp:sp modelId="{0E69FCBC-9632-460E-BA51-BA15C72AD96D}">
+      <dsp:nvSpPr>
+        <dsp:cNvPr id="0" name=""/>
+        <dsp:cNvSpPr/>
+      </dsp:nvSpPr>
+      <dsp:spPr>
+        <a:xfrm>
+          <a:off x="5224745" y="6464750"/>
+          <a:ext cx="2038310" cy="390869"/>
+        </a:xfrm>
+        <a:prstGeom prst="rect">
+          <a:avLst/>
+        </a:prstGeom>
+        <a:solidFill>
+          <a:schemeClr val="lt1">
+            <a:alpha val="90000"/>
+            <a:hueOff val="0"/>
+            <a:satOff val="0"/>
+            <a:lumOff val="0"/>
+            <a:alphaOff val="0"/>
+          </a:schemeClr>
+        </a:solidFill>
+        <a:ln w="12700" cap="flat" cmpd="sng" algn="ctr">
+          <a:solidFill>
+            <a:schemeClr val="accent1">
+              <a:hueOff val="0"/>
+              <a:satOff val="0"/>
+              <a:lumOff val="0"/>
+              <a:alphaOff val="0"/>
+            </a:schemeClr>
+          </a:solidFill>
+          <a:prstDash val="solid"/>
+          <a:miter lim="800000"/>
+        </a:ln>
+        <a:effectLst/>
+      </dsp:spPr>
+      <dsp:style>
+        <a:lnRef idx="2">
+          <a:scrgbClr r="0" g="0" b="0"/>
+        </a:lnRef>
+        <a:fillRef idx="1">
+          <a:scrgbClr r="0" g="0" b="0"/>
+        </a:fillRef>
+        <a:effectRef idx="0">
+          <a:scrgbClr r="0" g="0" b="0"/>
+        </a:effectRef>
+        <a:fontRef idx="minor"/>
+      </dsp:style>
+      <dsp:txBody>
+        <a:bodyPr spcFirstLastPara="0" vert="horz" wrap="square" lIns="55880" tIns="13970" rIns="55880" bIns="13970" numCol="1" spcCol="1270" anchor="ctr" anchorCtr="0">
+          <a:noAutofit/>
+        </a:bodyPr>
+        <a:lstStyle/>
+        <a:p>
+          <a:pPr marL="0" lvl="0" indent="0" algn="r" defTabSz="977900">
+            <a:lnSpc>
+              <a:spcPct val="90000"/>
+            </a:lnSpc>
+            <a:spcBef>
+              <a:spcPct val="0"/>
+            </a:spcBef>
+            <a:spcAft>
+              <a:spcPct val="35000"/>
+            </a:spcAft>
+            <a:buNone/>
+          </a:pPr>
+          <a:r>
+            <a:rPr lang="en-US" altLang="zh-CN" sz="2200" kern="1200" dirty="0"/>
+            <a:t>71% time</a:t>
+          </a:r>
+        </a:p>
+      </dsp:txBody>
+      <dsp:txXfrm>
+        <a:off x="5224745" y="6464750"/>
+        <a:ext cx="2038310" cy="390869"/>
+      </dsp:txXfrm>
+    </dsp:sp>
+    <dsp:sp modelId="{3BB3506F-01DF-43B9-BEDD-7B0039F06E4E}">
+      <dsp:nvSpPr>
+        <dsp:cNvPr id="0" name=""/>
+        <dsp:cNvSpPr/>
+      </dsp:nvSpPr>
+      <dsp:spPr>
+        <a:xfrm>
+          <a:off x="6291029" y="1852494"/>
+          <a:ext cx="2264789" cy="1172607"/>
+        </a:xfrm>
+        <a:prstGeom prst="rect">
+          <a:avLst/>
+        </a:prstGeom>
+        <a:solidFill>
+          <a:schemeClr val="accent1">
+            <a:hueOff val="0"/>
+            <a:satOff val="0"/>
+            <a:lumOff val="0"/>
+            <a:alphaOff val="0"/>
+          </a:schemeClr>
+        </a:solidFill>
+        <a:ln w="12700" cap="flat" cmpd="sng" algn="ctr">
+          <a:solidFill>
+            <a:schemeClr val="lt1">
+              <a:hueOff val="0"/>
+              <a:satOff val="0"/>
+              <a:lumOff val="0"/>
+              <a:alphaOff val="0"/>
+            </a:schemeClr>
+          </a:solidFill>
+          <a:prstDash val="solid"/>
+          <a:miter lim="800000"/>
+        </a:ln>
+        <a:effectLst/>
+      </dsp:spPr>
+      <dsp:style>
+        <a:lnRef idx="2">
+          <a:scrgbClr r="0" g="0" b="0"/>
+        </a:lnRef>
+        <a:fillRef idx="1">
+          <a:scrgbClr r="0" g="0" b="0"/>
+        </a:fillRef>
+        <a:effectRef idx="0">
+          <a:scrgbClr r="0" g="0" b="0"/>
+        </a:effectRef>
+        <a:fontRef idx="minor">
+          <a:schemeClr val="lt1"/>
+        </a:fontRef>
+      </dsp:style>
+      <dsp:txBody>
+        <a:bodyPr spcFirstLastPara="0" vert="horz" wrap="square" lIns="11430" tIns="11430" rIns="11430" bIns="165468" numCol="1" spcCol="1270" anchor="ctr" anchorCtr="0">
+          <a:noAutofit/>
+        </a:bodyPr>
+        <a:lstStyle/>
+        <a:p>
+          <a:pPr marL="0" lvl="0" indent="0" algn="ctr" defTabSz="800100">
+            <a:lnSpc>
+              <a:spcPct val="90000"/>
+            </a:lnSpc>
+            <a:spcBef>
+              <a:spcPct val="0"/>
+            </a:spcBef>
+            <a:spcAft>
+              <a:spcPct val="35000"/>
+            </a:spcAft>
+            <a:buNone/>
+          </a:pPr>
+          <a:r>
+            <a:rPr lang="en-US" altLang="zh-CN" sz="1800" kern="1200" dirty="0" err="1"/>
+            <a:t>mzgen</a:t>
+          </a:r>
+          <a:endParaRPr lang="zh-CN" altLang="en-US" sz="1800" kern="1200" dirty="0"/>
+        </a:p>
+      </dsp:txBody>
+      <dsp:txXfrm>
+        <a:off x="6291029" y="1852494"/>
+        <a:ext cx="2264789" cy="1172607"/>
+      </dsp:txXfrm>
+    </dsp:sp>
+    <dsp:sp modelId="{87950F71-2FF2-4DB7-8E0A-CA5504F8B76E}">
+      <dsp:nvSpPr>
+        <dsp:cNvPr id="0" name=""/>
+        <dsp:cNvSpPr/>
+      </dsp:nvSpPr>
+      <dsp:spPr>
+        <a:xfrm>
+          <a:off x="6743987" y="2764522"/>
+          <a:ext cx="2038310" cy="390869"/>
+        </a:xfrm>
+        <a:prstGeom prst="rect">
+          <a:avLst/>
+        </a:prstGeom>
+        <a:solidFill>
+          <a:schemeClr val="lt1">
+            <a:alpha val="90000"/>
+            <a:hueOff val="0"/>
+            <a:satOff val="0"/>
+            <a:lumOff val="0"/>
+            <a:alphaOff val="0"/>
+          </a:schemeClr>
+        </a:solidFill>
+        <a:ln w="12700" cap="flat" cmpd="sng" algn="ctr">
+          <a:solidFill>
+            <a:schemeClr val="accent1">
+              <a:hueOff val="0"/>
+              <a:satOff val="0"/>
+              <a:lumOff val="0"/>
+              <a:alphaOff val="0"/>
+            </a:schemeClr>
+          </a:solidFill>
+          <a:prstDash val="solid"/>
+          <a:miter lim="800000"/>
+        </a:ln>
+        <a:effectLst/>
+      </dsp:spPr>
+      <dsp:style>
+        <a:lnRef idx="2">
+          <a:scrgbClr r="0" g="0" b="0"/>
+        </a:lnRef>
+        <a:fillRef idx="1">
+          <a:scrgbClr r="0" g="0" b="0"/>
+        </a:fillRef>
+        <a:effectRef idx="0">
+          <a:scrgbClr r="0" g="0" b="0"/>
+        </a:effectRef>
+        <a:fontRef idx="minor"/>
+      </dsp:style>
+      <dsp:txBody>
+        <a:bodyPr spcFirstLastPara="0" vert="horz" wrap="square" lIns="55880" tIns="13970" rIns="55880" bIns="13970" numCol="1" spcCol="1270" anchor="ctr" anchorCtr="0">
+          <a:noAutofit/>
+        </a:bodyPr>
+        <a:lstStyle/>
+        <a:p>
+          <a:pPr marL="0" lvl="0" indent="0" algn="r" defTabSz="977900">
+            <a:lnSpc>
+              <a:spcPct val="90000"/>
+            </a:lnSpc>
+            <a:spcBef>
+              <a:spcPct val="0"/>
+            </a:spcBef>
+            <a:spcAft>
+              <a:spcPct val="35000"/>
+            </a:spcAft>
+            <a:buNone/>
+          </a:pPr>
+          <a:r>
+            <a:rPr lang="en-US" altLang="zh-CN" sz="2200" kern="1200" dirty="0"/>
+            <a:t>36% time</a:t>
+          </a:r>
+          <a:endParaRPr lang="zh-CN" altLang="en-US" sz="2200" kern="1200" dirty="0"/>
+        </a:p>
+      </dsp:txBody>
+      <dsp:txXfrm>
+        <a:off x="6743987" y="2764522"/>
+        <a:ext cx="2038310" cy="390869"/>
+      </dsp:txXfrm>
+    </dsp:sp>
+  </dsp:spTree>
+</dsp:drawing>
+</file>
+
 <file path=ppt/diagrams/layout1.xml><?xml version="1.0" encoding="utf-8"?>
 <dgm:layoutDef xmlns:dgm="http://schemas.openxmlformats.org/drawingml/2006/diagram" xmlns:a="http://schemas.openxmlformats.org/drawingml/2006/main" uniqueId="urn:microsoft.com/office/officeart/2005/8/layout/process5">
   <dgm:title val=""/>
@@ -4033,6 +6662,1187 @@
 </dgm:layoutDef>
 </file>
 
+<file path=ppt/diagrams/layout3.xml><?xml version="1.0" encoding="utf-8"?>
+<dgm:layoutDef xmlns:dgm="http://schemas.openxmlformats.org/drawingml/2006/diagram" xmlns:a="http://schemas.openxmlformats.org/drawingml/2006/main" uniqueId="urn:microsoft.com/office/officeart/2008/layout/NameandTitleOrganizationalChart">
+  <dgm:title val=""/>
+  <dgm:desc val=""/>
+  <dgm:catLst>
+    <dgm:cat type="hierarchy" pri="1250"/>
+  </dgm:catLst>
+  <dgm:sampData>
+    <dgm:dataModel>
+      <dgm:ptLst>
+        <dgm:pt modelId="0" type="doc"/>
+        <dgm:pt modelId="1">
+          <dgm:prSet phldr="1"/>
+        </dgm:pt>
+        <dgm:pt modelId="2" type="asst">
+          <dgm:prSet phldr="1"/>
+        </dgm:pt>
+        <dgm:pt modelId="3">
+          <dgm:prSet phldr="1"/>
+        </dgm:pt>
+        <dgm:pt modelId="4">
+          <dgm:prSet phldr="1"/>
+        </dgm:pt>
+        <dgm:pt modelId="5">
+          <dgm:prSet phldr="1"/>
+        </dgm:pt>
+      </dgm:ptLst>
+      <dgm:cxnLst>
+        <dgm:cxn modelId="5" srcId="0" destId="1" srcOrd="0" destOrd="0"/>
+        <dgm:cxn modelId="6" srcId="1" destId="2" srcOrd="0" destOrd="0"/>
+        <dgm:cxn modelId="7" srcId="1" destId="3" srcOrd="1" destOrd="0"/>
+        <dgm:cxn modelId="8" srcId="1" destId="4" srcOrd="2" destOrd="0"/>
+        <dgm:cxn modelId="9" srcId="1" destId="5" srcOrd="3" destOrd="0"/>
+      </dgm:cxnLst>
+      <dgm:bg/>
+      <dgm:whole/>
+    </dgm:dataModel>
+  </dgm:sampData>
+  <dgm:styleData>
+    <dgm:dataModel>
+      <dgm:ptLst>
+        <dgm:pt modelId="0" type="doc"/>
+        <dgm:pt modelId="1"/>
+        <dgm:pt modelId="12"/>
+        <dgm:pt modelId="13"/>
+      </dgm:ptLst>
+      <dgm:cxnLst>
+        <dgm:cxn modelId="2" srcId="0" destId="1" srcOrd="0" destOrd="0"/>
+        <dgm:cxn modelId="16" srcId="1" destId="12" srcOrd="1" destOrd="0"/>
+        <dgm:cxn modelId="17" srcId="1" destId="13" srcOrd="2" destOrd="0"/>
+      </dgm:cxnLst>
+      <dgm:bg/>
+      <dgm:whole/>
+    </dgm:dataModel>
+  </dgm:styleData>
+  <dgm:clrData>
+    <dgm:dataModel>
+      <dgm:ptLst>
+        <dgm:pt modelId="0" type="doc"/>
+        <dgm:pt modelId="1"/>
+        <dgm:pt modelId="11" type="asst"/>
+        <dgm:pt modelId="12"/>
+        <dgm:pt modelId="13"/>
+        <dgm:pt modelId="14"/>
+      </dgm:ptLst>
+      <dgm:cxnLst>
+        <dgm:cxn modelId="2" srcId="0" destId="1" srcOrd="0" destOrd="0"/>
+        <dgm:cxn modelId="15" srcId="1" destId="11" srcOrd="0" destOrd="0"/>
+        <dgm:cxn modelId="16" srcId="1" destId="12" srcOrd="1" destOrd="0"/>
+        <dgm:cxn modelId="17" srcId="1" destId="13" srcOrd="2" destOrd="0"/>
+        <dgm:cxn modelId="18" srcId="1" destId="14" srcOrd="2" destOrd="0"/>
+      </dgm:cxnLst>
+      <dgm:bg/>
+      <dgm:whole/>
+    </dgm:dataModel>
+  </dgm:clrData>
+  <dgm:layoutNode name="hierChild1">
+    <dgm:varLst>
+      <dgm:orgChart val="1"/>
+      <dgm:chPref val="1"/>
+      <dgm:dir/>
+      <dgm:animOne val="branch"/>
+      <dgm:animLvl val="lvl"/>
+      <dgm:resizeHandles/>
+    </dgm:varLst>
+    <dgm:choose name="Name0">
+      <dgm:if name="Name1" func="var" arg="dir" op="equ" val="norm">
+        <dgm:alg type="hierChild">
+          <dgm:param type="linDir" val="fromL"/>
+        </dgm:alg>
+      </dgm:if>
+      <dgm:else name="Name2">
+        <dgm:alg type="hierChild">
+          <dgm:param type="linDir" val="fromR"/>
+        </dgm:alg>
+      </dgm:else>
+    </dgm:choose>
+    <dgm:shape xmlns:r="http://schemas.openxmlformats.org/officeDocument/2006/relationships" r:blip="">
+      <dgm:adjLst/>
+    </dgm:shape>
+    <dgm:presOf/>
+    <dgm:constrLst>
+      <dgm:constr type="w" for="des" forName="rootComposite1" refType="w" fact="10"/>
+      <dgm:constr type="h" for="des" forName="rootComposite1" refType="w" refFor="des" refForName="rootComposite1" fact="0.5"/>
+      <dgm:constr type="w" for="des" forName="rootComposite" refType="w" fact="10"/>
+      <dgm:constr type="h" for="des" forName="rootComposite" refType="w" refFor="des" refForName="rootComposite1" fact="0.5"/>
+      <dgm:constr type="w" for="des" forName="rootComposite3" refType="w" fact="10"/>
+      <dgm:constr type="h" for="des" forName="rootComposite3" refType="w" refFor="des" refForName="rootComposite1" fact="0.5"/>
+      <dgm:constr type="primFontSz" for="des" ptType="node" op="equ"/>
+      <dgm:constr type="sp" for="des" op="equ"/>
+      <dgm:constr type="sp" for="des" forName="hierRoot1" refType="w" refFor="des" refForName="rootComposite1" fact="0.21"/>
+      <dgm:constr type="sp" for="des" forName="hierRoot2" refType="sp" refFor="des" refForName="hierRoot1"/>
+      <dgm:constr type="sp" for="des" forName="hierRoot3" refType="sp" refFor="des" refForName="hierRoot1"/>
+      <dgm:constr type="sibSp" refType="w" refFor="des" refForName="rootComposite1" fact="0.21"/>
+      <dgm:constr type="sibSp" for="des" forName="hierChild2" refType="sibSp"/>
+      <dgm:constr type="sibSp" for="des" forName="hierChild3" refType="sibSp"/>
+      <dgm:constr type="sibSp" for="des" forName="hierChild4" refType="sibSp"/>
+      <dgm:constr type="sibSp" for="des" forName="hierChild5" refType="sibSp"/>
+      <dgm:constr type="sibSp" for="des" forName="hierChild6" refType="sibSp"/>
+      <dgm:constr type="sibSp" for="des" forName="hierChild7" refType="sibSp"/>
+      <dgm:constr type="secSibSp" refType="w" refFor="des" refForName="rootComposite1" fact="0.21"/>
+      <dgm:constr type="secSibSp" for="des" forName="hierChild2" refType="secSibSp"/>
+      <dgm:constr type="secSibSp" for="des" forName="hierChild3" refType="secSibSp"/>
+      <dgm:constr type="secSibSp" for="des" forName="hierChild4" refType="secSibSp"/>
+      <dgm:constr type="secSibSp" for="des" forName="hierChild5" refType="secSibSp"/>
+      <dgm:constr type="secSibSp" for="des" forName="hierChild6" refType="secSibSp"/>
+      <dgm:constr type="secSibSp" for="des" forName="hierChild7" refType="secSibSp"/>
+    </dgm:constrLst>
+    <dgm:ruleLst/>
+    <dgm:forEach name="Name3" axis="ch">
+      <dgm:forEach name="Name4" axis="self" ptType="node">
+        <dgm:layoutNode name="hierRoot1">
+          <dgm:varLst>
+            <dgm:hierBranch val="init"/>
+          </dgm:varLst>
+          <dgm:choose name="Name5">
+            <dgm:if name="Name6" func="var" arg="hierBranch" op="equ" val="l">
+              <dgm:choose name="Name7">
+                <dgm:if name="Name8" axis="ch" ptType="asst" func="cnt" op="gte" val="1">
+                  <dgm:alg type="hierRoot">
+                    <dgm:param type="hierAlign" val="tR"/>
+                  </dgm:alg>
+                  <dgm:constrLst>
+                    <dgm:constr type="alignOff" val="0.65"/>
+                  </dgm:constrLst>
+                </dgm:if>
+                <dgm:else name="Name9">
+                  <dgm:alg type="hierRoot">
+                    <dgm:param type="hierAlign" val="tR"/>
+                  </dgm:alg>
+                  <dgm:constrLst>
+                    <dgm:constr type="alignOff" val="0.25"/>
+                  </dgm:constrLst>
+                </dgm:else>
+              </dgm:choose>
+            </dgm:if>
+            <dgm:if name="Name10" func="var" arg="hierBranch" op="equ" val="r">
+              <dgm:choose name="Name11">
+                <dgm:if name="Name12" axis="ch" ptType="asst" func="cnt" op="gte" val="1">
+                  <dgm:alg type="hierRoot">
+                    <dgm:param type="hierAlign" val="tL"/>
+                  </dgm:alg>
+                  <dgm:constrLst>
+                    <dgm:constr type="alignOff" val="0.65"/>
+                  </dgm:constrLst>
+                </dgm:if>
+                <dgm:else name="Name13">
+                  <dgm:alg type="hierRoot">
+                    <dgm:param type="hierAlign" val="tL"/>
+                  </dgm:alg>
+                  <dgm:constrLst>
+                    <dgm:constr type="alignOff" val="0.25"/>
+                  </dgm:constrLst>
+                </dgm:else>
+              </dgm:choose>
+            </dgm:if>
+            <dgm:if name="Name14" func="var" arg="hierBranch" op="equ" val="hang">
+              <dgm:alg type="hierRoot"/>
+              <dgm:constrLst>
+                <dgm:constr type="alignOff" val="0.65"/>
+              </dgm:constrLst>
+            </dgm:if>
+            <dgm:else name="Name15">
+              <dgm:alg type="hierRoot"/>
+              <dgm:constrLst>
+                <dgm:constr type="alignOff"/>
+                <dgm:constr type="bendDist" for="des" ptType="parTrans" refType="sp" fact="0.5"/>
+              </dgm:constrLst>
+            </dgm:else>
+          </dgm:choose>
+          <dgm:shape xmlns:r="http://schemas.openxmlformats.org/officeDocument/2006/relationships" r:blip="">
+            <dgm:adjLst/>
+          </dgm:shape>
+          <dgm:presOf/>
+          <dgm:ruleLst/>
+          <dgm:layoutNode name="rootComposite1">
+            <dgm:alg type="composite"/>
+            <dgm:shape xmlns:r="http://schemas.openxmlformats.org/officeDocument/2006/relationships" r:blip="">
+              <dgm:adjLst/>
+            </dgm:shape>
+            <dgm:presOf axis="self" ptType="node" cnt="1"/>
+            <dgm:choose name="Name16">
+              <dgm:if name="Name17" func="var" arg="hierBranch" op="equ" val="init">
+                <dgm:constrLst>
+                  <dgm:constr type="l" for="ch" forName="rootText1"/>
+                  <dgm:constr type="t" for="ch" forName="rootText1"/>
+                  <dgm:constr type="w" for="ch" forName="rootText1" refType="w"/>
+                  <dgm:constr type="h" for="ch" forName="rootText1" refType="h" fact="0.9"/>
+                  <dgm:constr type="l" for="ch" forName="titleText1" refType="w" fact="0.2"/>
+                  <dgm:constr type="t" for="ch" forName="titleText1" refType="h" fact="0.7"/>
+                  <dgm:constr type="w" for="ch" forName="titleText1" refType="w" fact="0.9"/>
+                  <dgm:constr type="h" for="ch" forName="titleText1" refType="h" fact="0.3"/>
+                  <dgm:constr type="primFontSz" for="des" forName="titleText1" refType="primFontSz" refFor="des" refForName="rootText1" op="lte"/>
+                  <dgm:constr type="l" for="ch" forName="rootConnector1"/>
+                  <dgm:constr type="t" for="ch" forName="rootConnector1"/>
+                  <dgm:constr type="w" for="ch" forName="rootConnector1" refType="w" refFor="ch" refForName="rootText1" fact="0.2"/>
+                  <dgm:constr type="h" for="ch" forName="rootConnector1" refType="h" refFor="ch" refForName="rootText1"/>
+                </dgm:constrLst>
+              </dgm:if>
+              <dgm:if name="Name18" func="var" arg="hierBranch" op="equ" val="l">
+                <dgm:constrLst>
+                  <dgm:constr type="l" for="ch" forName="rootText1"/>
+                  <dgm:constr type="t" for="ch" forName="rootText1"/>
+                  <dgm:constr type="w" for="ch" forName="rootText1" refType="w"/>
+                  <dgm:constr type="h" for="ch" forName="rootText1" refType="h" fact="0.9"/>
+                  <dgm:constr type="l" for="ch" forName="titleText1" refType="w" fact="0.2"/>
+                  <dgm:constr type="t" for="ch" forName="titleText1" refType="h" fact="0.7"/>
+                  <dgm:constr type="w" for="ch" forName="titleText1" refType="w" fact="0.9"/>
+                  <dgm:constr type="h" for="ch" forName="titleText1" refType="h" fact="0.3"/>
+                  <dgm:constr type="primFontSz" for="des" forName="titleText1" refType="primFontSz" refFor="des" refForName="rootText1" op="lte"/>
+                  <dgm:constr type="r" for="ch" forName="rootConnector1" refType="w"/>
+                  <dgm:constr type="t" for="ch" forName="rootConnector1"/>
+                  <dgm:constr type="w" for="ch" forName="rootConnector1" refType="w" refFor="ch" refForName="rootText1" fact="0.2"/>
+                  <dgm:constr type="h" for="ch" forName="rootConnector1" refType="h" refFor="ch" refForName="rootText1"/>
+                </dgm:constrLst>
+              </dgm:if>
+              <dgm:if name="Name19" func="var" arg="hierBranch" op="equ" val="r">
+                <dgm:constrLst>
+                  <dgm:constr type="l" for="ch" forName="rootText1"/>
+                  <dgm:constr type="t" for="ch" forName="rootText1"/>
+                  <dgm:constr type="w" for="ch" forName="rootText1" refType="w"/>
+                  <dgm:constr type="h" for="ch" forName="rootText1" refType="h" fact="0.9"/>
+                  <dgm:constr type="l" for="ch" forName="titleText1" refType="w" fact="0.2"/>
+                  <dgm:constr type="t" for="ch" forName="titleText1" refType="h" fact="0.7"/>
+                  <dgm:constr type="w" for="ch" forName="titleText1" refType="w" fact="0.9"/>
+                  <dgm:constr type="h" for="ch" forName="titleText1" refType="h" fact="0.3"/>
+                  <dgm:constr type="primFontSz" for="des" forName="titleText1" refType="primFontSz" refFor="des" refForName="rootText1" op="lte"/>
+                  <dgm:constr type="l" for="ch" forName="rootConnector1"/>
+                  <dgm:constr type="t" for="ch" forName="rootConnector1"/>
+                  <dgm:constr type="w" for="ch" forName="rootConnector1" refType="w" refFor="ch" refForName="rootText1" fact="0.2"/>
+                  <dgm:constr type="h" for="ch" forName="rootConnector1" refType="h" refFor="ch" refForName="rootText1"/>
+                </dgm:constrLst>
+              </dgm:if>
+              <dgm:else name="Name20">
+                <dgm:constrLst>
+                  <dgm:constr type="l" for="ch" forName="rootText1"/>
+                  <dgm:constr type="t" for="ch" forName="rootText1"/>
+                  <dgm:constr type="w" for="ch" forName="rootText1" refType="w"/>
+                  <dgm:constr type="h" for="ch" forName="rootText1" refType="h" fact="0.9"/>
+                  <dgm:constr type="l" for="ch" forName="titleText1" refType="w" fact="0.2"/>
+                  <dgm:constr type="t" for="ch" forName="titleText1" refType="h" fact="0.7"/>
+                  <dgm:constr type="w" for="ch" forName="titleText1" refType="w" fact="0.9"/>
+                  <dgm:constr type="h" for="ch" forName="titleText1" refType="h" fact="0.3"/>
+                  <dgm:constr type="primFontSz" for="des" forName="titleText1" refType="primFontSz" refFor="des" refForName="rootText1" op="lte"/>
+                  <dgm:constr type="r" for="ch" forName="rootConnector1" refType="w"/>
+                  <dgm:constr type="t" for="ch" forName="rootConnector1"/>
+                  <dgm:constr type="w" for="ch" forName="rootConnector1" refType="w" refFor="ch" refForName="rootText1" fact="0.2"/>
+                  <dgm:constr type="h" for="ch" forName="rootConnector1" refType="h" refFor="ch" refForName="rootText1"/>
+                </dgm:constrLst>
+              </dgm:else>
+            </dgm:choose>
+            <dgm:ruleLst/>
+            <dgm:layoutNode name="rootText1" styleLbl="node0">
+              <dgm:varLst>
+                <dgm:chMax/>
+                <dgm:chPref val="3"/>
+              </dgm:varLst>
+              <dgm:alg type="tx"/>
+              <dgm:shape xmlns:r="http://schemas.openxmlformats.org/officeDocument/2006/relationships" type="rect" r:blip="">
+                <dgm:adjLst/>
+              </dgm:shape>
+              <dgm:presOf axis="self" ptType="node" cnt="1"/>
+              <dgm:constrLst>
+                <dgm:constr type="primFontSz" val="65"/>
+                <dgm:constr type="lMarg" refType="primFontSz" fact="0.05"/>
+                <dgm:constr type="rMarg" refType="primFontSz" fact="0.05"/>
+                <dgm:constr type="tMarg" refType="primFontSz" fact="0.05"/>
+                <dgm:constr type="bMarg" refType="h" fact="0.4"/>
+              </dgm:constrLst>
+              <dgm:ruleLst>
+                <dgm:rule type="primFontSz" val="5" fact="NaN" max="NaN"/>
+              </dgm:ruleLst>
+            </dgm:layoutNode>
+            <dgm:layoutNode name="titleText1" styleLbl="fgAcc0">
+              <dgm:varLst>
+                <dgm:chMax val="0"/>
+                <dgm:chPref val="0"/>
+              </dgm:varLst>
+              <dgm:alg type="tx">
+                <dgm:param type="parTxLTRAlign" val="r"/>
+              </dgm:alg>
+              <dgm:shape xmlns:r="http://schemas.openxmlformats.org/officeDocument/2006/relationships" type="rect" r:blip="">
+                <dgm:adjLst/>
+              </dgm:shape>
+              <dgm:presOf axis="followSib" ptType="sibTrans" hideLastTrans="0" cnt="1"/>
+              <dgm:constrLst>
+                <dgm:constr type="primFontSz" val="65"/>
+                <dgm:constr type="lMarg" refType="primFontSz" fact="0.2"/>
+                <dgm:constr type="rMarg" refType="primFontSz" fact="0.2"/>
+                <dgm:constr type="tMarg" refType="primFontSz" fact="0.05"/>
+                <dgm:constr type="bMarg" refType="primFontSz" fact="0.05"/>
+              </dgm:constrLst>
+              <dgm:ruleLst>
+                <dgm:rule type="primFontSz" val="5" fact="NaN" max="NaN"/>
+              </dgm:ruleLst>
+            </dgm:layoutNode>
+            <dgm:layoutNode name="rootConnector1" moveWith="rootText1">
+              <dgm:alg type="sp"/>
+              <dgm:shape xmlns:r="http://schemas.openxmlformats.org/officeDocument/2006/relationships" type="rect" r:blip="" hideGeom="1">
+                <dgm:adjLst/>
+              </dgm:shape>
+              <dgm:presOf axis="self" ptType="node" cnt="1"/>
+              <dgm:constrLst/>
+              <dgm:ruleLst/>
+            </dgm:layoutNode>
+          </dgm:layoutNode>
+          <dgm:layoutNode name="hierChild2">
+            <dgm:choose name="Name21">
+              <dgm:if name="Name22" func="var" arg="hierBranch" op="equ" val="l">
+                <dgm:alg type="hierChild">
+                  <dgm:param type="chAlign" val="r"/>
+                  <dgm:param type="linDir" val="fromT"/>
+                </dgm:alg>
+              </dgm:if>
+              <dgm:if name="Name23" func="var" arg="hierBranch" op="equ" val="r">
+                <dgm:alg type="hierChild">
+                  <dgm:param type="chAlign" val="l"/>
+                  <dgm:param type="linDir" val="fromT"/>
+                </dgm:alg>
+              </dgm:if>
+              <dgm:if name="Name24" func="var" arg="hierBranch" op="equ" val="hang">
+                <dgm:choose name="Name25">
+                  <dgm:if name="Name26" func="var" arg="dir" op="equ" val="norm">
+                    <dgm:alg type="hierChild">
+                      <dgm:param type="chAlign" val="l"/>
+                      <dgm:param type="linDir" val="fromL"/>
+                      <dgm:param type="secChAlign" val="t"/>
+                      <dgm:param type="secLinDir" val="fromT"/>
+                    </dgm:alg>
+                  </dgm:if>
+                  <dgm:else name="Name27">
+                    <dgm:alg type="hierChild">
+                      <dgm:param type="chAlign" val="l"/>
+                      <dgm:param type="linDir" val="fromR"/>
+                      <dgm:param type="secChAlign" val="t"/>
+                      <dgm:param type="secLinDir" val="fromT"/>
+                    </dgm:alg>
+                  </dgm:else>
+                </dgm:choose>
+              </dgm:if>
+              <dgm:else name="Name28">
+                <dgm:choose name="Name29">
+                  <dgm:if name="Name30" func="var" arg="dir" op="equ" val="norm">
+                    <dgm:alg type="hierChild"/>
+                  </dgm:if>
+                  <dgm:else name="Name31">
+                    <dgm:alg type="hierChild">
+                      <dgm:param type="linDir" val="fromR"/>
+                    </dgm:alg>
+                  </dgm:else>
+                </dgm:choose>
+              </dgm:else>
+            </dgm:choose>
+            <dgm:shape xmlns:r="http://schemas.openxmlformats.org/officeDocument/2006/relationships" r:blip="">
+              <dgm:adjLst/>
+            </dgm:shape>
+            <dgm:presOf/>
+            <dgm:constrLst/>
+            <dgm:ruleLst/>
+            <dgm:forEach name="rep2a" axis="ch" ptType="nonAsst">
+              <dgm:forEach name="Name32" axis="precedSib" ptType="parTrans" st="-1" cnt="1">
+                <dgm:choose name="Name33">
+                  <dgm:if name="Name34" func="var" arg="hierBranch" op="equ" val="std">
+                    <dgm:layoutNode name="Name35">
+                      <dgm:alg type="conn">
+                        <dgm:param type="connRout" val="bend"/>
+                        <dgm:param type="dim" val="1D"/>
+                        <dgm:param type="endSty" val="noArr"/>
+                        <dgm:param type="begPts" val="bCtr"/>
+                        <dgm:param type="endPts" val="tCtr"/>
+                        <dgm:param type="bendPt" val="end"/>
+                      </dgm:alg>
+                      <dgm:shape xmlns:r="http://schemas.openxmlformats.org/officeDocument/2006/relationships" type="conn" r:blip="" zOrderOff="-99999">
+                        <dgm:adjLst/>
+                      </dgm:shape>
+                      <dgm:presOf axis="self"/>
+                      <dgm:constrLst>
+                        <dgm:constr type="begPad"/>
+                        <dgm:constr type="endPad"/>
+                      </dgm:constrLst>
+                      <dgm:ruleLst/>
+                    </dgm:layoutNode>
+                  </dgm:if>
+                  <dgm:if name="Name36" func="var" arg="hierBranch" op="equ" val="init">
+                    <dgm:layoutNode name="Name37">
+                      <dgm:choose name="Name38">
+                        <dgm:if name="Name39" axis="self" func="depth" op="lte" val="2">
+                          <dgm:alg type="conn">
+                            <dgm:param type="connRout" val="bend"/>
+                            <dgm:param type="dim" val="1D"/>
+                            <dgm:param type="endSty" val="noArr"/>
+                            <dgm:param type="begPts" val="bCtr"/>
+                            <dgm:param type="endPts" val="tCtr"/>
+                            <dgm:param type="bendPt" val="end"/>
+                          </dgm:alg>
+                        </dgm:if>
+                        <dgm:else name="Name40">
+                          <dgm:alg type="conn">
+                            <dgm:param type="connRout" val="bend"/>
+                            <dgm:param type="dim" val="1D"/>
+                            <dgm:param type="endSty" val="noArr"/>
+                            <dgm:param type="begPts" val="bCtr"/>
+                            <dgm:param type="endPts" val="tCtr"/>
+                            <dgm:param type="bendPt" val="end"/>
+                          </dgm:alg>
+                        </dgm:else>
+                      </dgm:choose>
+                      <dgm:shape xmlns:r="http://schemas.openxmlformats.org/officeDocument/2006/relationships" type="conn" r:blip="" zOrderOff="-99999">
+                        <dgm:adjLst/>
+                      </dgm:shape>
+                      <dgm:presOf axis="self"/>
+                      <dgm:constrLst>
+                        <dgm:constr type="begPad"/>
+                        <dgm:constr type="endPad"/>
+                      </dgm:constrLst>
+                      <dgm:ruleLst/>
+                    </dgm:layoutNode>
+                  </dgm:if>
+                  <dgm:if name="Name41" func="var" arg="hierBranch" op="equ" val="hang">
+                    <dgm:layoutNode name="Name42">
+                      <dgm:alg type="conn">
+                        <dgm:param type="connRout" val="bend"/>
+                        <dgm:param type="dim" val="1D"/>
+                        <dgm:param type="endSty" val="noArr"/>
+                        <dgm:param type="begPts" val="bCtr"/>
+                        <dgm:param type="endPts" val="midL midR"/>
+                      </dgm:alg>
+                      <dgm:shape xmlns:r="http://schemas.openxmlformats.org/officeDocument/2006/relationships" type="conn" r:blip="" zOrderOff="-99999">
+                        <dgm:adjLst/>
+                      </dgm:shape>
+                      <dgm:presOf axis="self"/>
+                      <dgm:constrLst>
+                        <dgm:constr type="begPad"/>
+                        <dgm:constr type="endPad"/>
+                      </dgm:constrLst>
+                      <dgm:ruleLst/>
+                    </dgm:layoutNode>
+                  </dgm:if>
+                  <dgm:else name="Name43">
+                    <dgm:layoutNode name="Name44">
+                      <dgm:choose name="Name45">
+                        <dgm:if name="Name46" axis="self" func="depth" op="lte" val="2">
+                          <dgm:choose name="Name47">
+                            <dgm:if name="Name48" axis="par ch" ptType="node asst" func="cnt" op="gte" val="1">
+                              <dgm:alg type="conn">
+                                <dgm:param type="connRout" val="bend"/>
+                                <dgm:param type="dim" val="1D"/>
+                                <dgm:param type="endSty" val="noArr"/>
+                                <dgm:param type="begPts" val="bCtr"/>
+                                <dgm:param type="endPts" val="midL midR"/>
+                              </dgm:alg>
+                            </dgm:if>
+                            <dgm:else name="Name49">
+                              <dgm:alg type="conn">
+                                <dgm:param type="connRout" val="bend"/>
+                                <dgm:param type="dim" val="1D"/>
+                                <dgm:param type="endSty" val="noArr"/>
+                                <dgm:param type="begPts" val="bCtr"/>
+                                <dgm:param type="endPts" val="midL midR"/>
+                                <dgm:param type="srcNode" val="rootConnector1"/>
+                              </dgm:alg>
+                            </dgm:else>
+                          </dgm:choose>
+                        </dgm:if>
+                        <dgm:else name="Name50">
+                          <dgm:choose name="Name51">
+                            <dgm:if name="Name52" axis="par ch" ptType="node asst" func="cnt" op="gte" val="1">
+                              <dgm:alg type="conn">
+                                <dgm:param type="connRout" val="bend"/>
+                                <dgm:param type="dim" val="1D"/>
+                                <dgm:param type="endSty" val="noArr"/>
+                                <dgm:param type="begPts" val="bCtr"/>
+                                <dgm:param type="endPts" val="midL midR"/>
+                              </dgm:alg>
+                            </dgm:if>
+                            <dgm:else name="Name53">
+                              <dgm:alg type="conn">
+                                <dgm:param type="connRout" val="bend"/>
+                                <dgm:param type="dim" val="1D"/>
+                                <dgm:param type="endSty" val="noArr"/>
+                                <dgm:param type="begPts" val="bCtr"/>
+                                <dgm:param type="endPts" val="midL midR"/>
+                                <dgm:param type="srcNode" val="rootConnector"/>
+                              </dgm:alg>
+                            </dgm:else>
+                          </dgm:choose>
+                        </dgm:else>
+                      </dgm:choose>
+                      <dgm:shape xmlns:r="http://schemas.openxmlformats.org/officeDocument/2006/relationships" type="conn" r:blip="" zOrderOff="-99999">
+                        <dgm:adjLst/>
+                      </dgm:shape>
+                      <dgm:presOf axis="self"/>
+                      <dgm:constrLst>
+                        <dgm:constr type="begPad"/>
+                        <dgm:constr type="endPad"/>
+                      </dgm:constrLst>
+                      <dgm:ruleLst/>
+                    </dgm:layoutNode>
+                  </dgm:else>
+                </dgm:choose>
+              </dgm:forEach>
+              <dgm:layoutNode name="hierRoot2">
+                <dgm:varLst>
+                  <dgm:hierBranch val="init"/>
+                </dgm:varLst>
+                <dgm:choose name="Name54">
+                  <dgm:if name="Name55" func="var" arg="hierBranch" op="equ" val="l">
+                    <dgm:choose name="Name56">
+                      <dgm:if name="Name57" axis="ch" ptType="asst" func="cnt" op="gte" val="1">
+                        <dgm:alg type="hierRoot">
+                          <dgm:param type="hierAlign" val="tR"/>
+                        </dgm:alg>
+                        <dgm:shape xmlns:r="http://schemas.openxmlformats.org/officeDocument/2006/relationships" r:blip="">
+                          <dgm:adjLst/>
+                        </dgm:shape>
+                        <dgm:presOf/>
+                        <dgm:constrLst>
+                          <dgm:constr type="alignOff" val="0.65"/>
+                        </dgm:constrLst>
+                      </dgm:if>
+                      <dgm:else name="Name58">
+                        <dgm:alg type="hierRoot">
+                          <dgm:param type="hierAlign" val="tR"/>
+                        </dgm:alg>
+                        <dgm:shape xmlns:r="http://schemas.openxmlformats.org/officeDocument/2006/relationships" r:blip="">
+                          <dgm:adjLst/>
+                        </dgm:shape>
+                        <dgm:presOf/>
+                        <dgm:constrLst>
+                          <dgm:constr type="alignOff" val="0.25"/>
+                        </dgm:constrLst>
+                      </dgm:else>
+                    </dgm:choose>
+                  </dgm:if>
+                  <dgm:if name="Name59" func="var" arg="hierBranch" op="equ" val="r">
+                    <dgm:choose name="Name60">
+                      <dgm:if name="Name61" axis="ch" ptType="asst" func="cnt" op="gte" val="1">
+                        <dgm:alg type="hierRoot">
+                          <dgm:param type="hierAlign" val="tL"/>
+                        </dgm:alg>
+                        <dgm:shape xmlns:r="http://schemas.openxmlformats.org/officeDocument/2006/relationships" r:blip="">
+                          <dgm:adjLst/>
+                        </dgm:shape>
+                        <dgm:presOf/>
+                        <dgm:constrLst>
+                          <dgm:constr type="alignOff" val="0.65"/>
+                        </dgm:constrLst>
+                      </dgm:if>
+                      <dgm:else name="Name62">
+                        <dgm:alg type="hierRoot">
+                          <dgm:param type="hierAlign" val="tL"/>
+                        </dgm:alg>
+                        <dgm:shape xmlns:r="http://schemas.openxmlformats.org/officeDocument/2006/relationships" r:blip="">
+                          <dgm:adjLst/>
+                        </dgm:shape>
+                        <dgm:presOf/>
+                        <dgm:constrLst>
+                          <dgm:constr type="alignOff" val="0.25"/>
+                        </dgm:constrLst>
+                      </dgm:else>
+                    </dgm:choose>
+                  </dgm:if>
+                  <dgm:if name="Name63" func="var" arg="hierBranch" op="equ" val="std">
+                    <dgm:alg type="hierRoot"/>
+                    <dgm:shape xmlns:r="http://schemas.openxmlformats.org/officeDocument/2006/relationships" r:blip="">
+                      <dgm:adjLst/>
+                    </dgm:shape>
+                    <dgm:presOf/>
+                    <dgm:constrLst>
+                      <dgm:constr type="alignOff"/>
+                      <dgm:constr type="bendDist" for="des" ptType="parTrans" refType="sp" fact="0.5"/>
+                    </dgm:constrLst>
+                  </dgm:if>
+                  <dgm:if name="Name64" func="var" arg="hierBranch" op="equ" val="init">
+                    <dgm:alg type="hierRoot"/>
+                    <dgm:shape xmlns:r="http://schemas.openxmlformats.org/officeDocument/2006/relationships" r:blip="">
+                      <dgm:adjLst/>
+                    </dgm:shape>
+                    <dgm:presOf/>
+                    <dgm:constrLst>
+                      <dgm:constr type="alignOff"/>
+                      <dgm:constr type="bendDist" for="des" ptType="parTrans" refType="sp" fact="0.5"/>
+                    </dgm:constrLst>
+                  </dgm:if>
+                  <dgm:else name="Name65">
+                    <dgm:alg type="hierRoot"/>
+                    <dgm:shape xmlns:r="http://schemas.openxmlformats.org/officeDocument/2006/relationships" r:blip="">
+                      <dgm:adjLst/>
+                    </dgm:shape>
+                    <dgm:presOf/>
+                    <dgm:constrLst>
+                      <dgm:constr type="alignOff" val="0.65"/>
+                    </dgm:constrLst>
+                  </dgm:else>
+                </dgm:choose>
+                <dgm:ruleLst/>
+                <dgm:layoutNode name="rootComposite">
+                  <dgm:alg type="composite"/>
+                  <dgm:shape xmlns:r="http://schemas.openxmlformats.org/officeDocument/2006/relationships" r:blip="">
+                    <dgm:adjLst/>
+                  </dgm:shape>
+                  <dgm:presOf axis="self" ptType="node" cnt="1"/>
+                  <dgm:choose name="Name66">
+                    <dgm:if name="Name67" func="var" arg="hierBranch" op="equ" val="init">
+                      <dgm:constrLst>
+                        <dgm:constr type="l" for="ch" forName="rootText"/>
+                        <dgm:constr type="t" for="ch" forName="rootText"/>
+                        <dgm:constr type="w" for="ch" forName="rootText" refType="w"/>
+                        <dgm:constr type="h" for="ch" forName="rootText" refType="h" fact="0.9"/>
+                        <dgm:constr type="l" for="ch" forName="titleText2" refType="w" fact="0.2"/>
+                        <dgm:constr type="t" for="ch" forName="titleText2" refType="h" fact="0.7"/>
+                        <dgm:constr type="w" for="ch" forName="titleText2" refType="w" fact="0.9"/>
+                        <dgm:constr type="h" for="ch" forName="titleText2" refType="h" fact="0.3"/>
+                        <dgm:constr type="primFontSz" for="des" forName="titleText2" refType="primFontSz" refFor="des" refForName="rootText1" op="lte"/>
+                        <dgm:constr type="l" for="ch" forName="rootConnector"/>
+                        <dgm:constr type="t" for="ch" forName="rootConnector"/>
+                        <dgm:constr type="w" for="ch" forName="rootConnector" refType="w" refFor="ch" refForName="rootText" fact="0.2"/>
+                        <dgm:constr type="h" for="ch" forName="rootConnector" refType="h" refFor="ch" refForName="rootText"/>
+                      </dgm:constrLst>
+                    </dgm:if>
+                    <dgm:if name="Name68" func="var" arg="hierBranch" op="equ" val="l">
+                      <dgm:constrLst>
+                        <dgm:constr type="l" for="ch" forName="rootText"/>
+                        <dgm:constr type="t" for="ch" forName="rootText"/>
+                        <dgm:constr type="w" for="ch" forName="rootText" refType="w"/>
+                        <dgm:constr type="h" for="ch" forName="rootText" refType="h" fact="0.9"/>
+                        <dgm:constr type="l" for="ch" forName="titleText2" refType="w" fact="0.2"/>
+                        <dgm:constr type="t" for="ch" forName="titleText2" refType="h" fact="0.7"/>
+                        <dgm:constr type="w" for="ch" forName="titleText2" refType="w" fact="0.9"/>
+                        <dgm:constr type="h" for="ch" forName="titleText2" refType="h" fact="0.3"/>
+                        <dgm:constr type="primFontSz" for="des" forName="titleText2" refType="primFontSz" refFor="des" refForName="rootText1" op="lte"/>
+                        <dgm:constr type="r" for="ch" forName="rootConnector" refType="w"/>
+                        <dgm:constr type="t" for="ch" forName="rootConnector"/>
+                        <dgm:constr type="w" for="ch" forName="rootConnector" refType="w" refFor="ch" refForName="rootText" fact="0.2"/>
+                        <dgm:constr type="h" for="ch" forName="rootConnector" refType="h" refFor="ch" refForName="rootText"/>
+                      </dgm:constrLst>
+                    </dgm:if>
+                    <dgm:if name="Name69" func="var" arg="hierBranch" op="equ" val="r">
+                      <dgm:constrLst>
+                        <dgm:constr type="l" for="ch" forName="rootText"/>
+                        <dgm:constr type="t" for="ch" forName="rootText"/>
+                        <dgm:constr type="w" for="ch" forName="rootText" refType="w"/>
+                        <dgm:constr type="h" for="ch" forName="rootText" refType="h" fact="0.9"/>
+                        <dgm:constr type="l" for="ch" forName="titleText2" refType="w" fact="0.2"/>
+                        <dgm:constr type="t" for="ch" forName="titleText2" refType="h" fact="0.7"/>
+                        <dgm:constr type="w" for="ch" forName="titleText2" refType="w" fact="0.9"/>
+                        <dgm:constr type="h" for="ch" forName="titleText2" refType="h" fact="0.3"/>
+                        <dgm:constr type="primFontSz" for="des" forName="titleText2" refType="primFontSz" refFor="des" refForName="rootText1" op="lte"/>
+                        <dgm:constr type="l" for="ch" forName="rootConnector"/>
+                        <dgm:constr type="t" for="ch" forName="rootConnector"/>
+                        <dgm:constr type="w" for="ch" forName="rootConnector" refType="w" refFor="ch" refForName="rootText" fact="0.2"/>
+                        <dgm:constr type="h" for="ch" forName="rootConnector" refType="h" refFor="ch" refForName="rootText"/>
+                      </dgm:constrLst>
+                    </dgm:if>
+                    <dgm:else name="Name70">
+                      <dgm:constrLst>
+                        <dgm:constr type="l" for="ch" forName="rootText"/>
+                        <dgm:constr type="t" for="ch" forName="rootText"/>
+                        <dgm:constr type="w" for="ch" forName="rootText" refType="w"/>
+                        <dgm:constr type="h" for="ch" forName="rootText" refType="h" fact="0.9"/>
+                        <dgm:constr type="l" for="ch" forName="titleText2" refType="w" fact="0.2"/>
+                        <dgm:constr type="t" for="ch" forName="titleText2" refType="h" fact="0.7"/>
+                        <dgm:constr type="w" for="ch" forName="titleText2" refType="w" fact="0.9"/>
+                        <dgm:constr type="h" for="ch" forName="titleText2" refType="h" fact="0.3"/>
+                        <dgm:constr type="primFontSz" for="des" forName="titleText2" refType="primFontSz" refFor="des" refForName="rootText1" op="lte"/>
+                        <dgm:constr type="r" for="ch" forName="rootConnector" refType="w"/>
+                        <dgm:constr type="t" for="ch" forName="rootConnector"/>
+                        <dgm:constr type="w" for="ch" forName="rootConnector" refType="w" refFor="ch" refForName="rootText" fact="0.2"/>
+                        <dgm:constr type="h" for="ch" forName="rootConnector" refType="h" refFor="ch" refForName="rootText"/>
+                      </dgm:constrLst>
+                    </dgm:else>
+                  </dgm:choose>
+                  <dgm:ruleLst/>
+                  <dgm:layoutNode name="rootText" styleLbl="node1">
+                    <dgm:varLst>
+                      <dgm:chMax/>
+                      <dgm:chPref val="3"/>
+                    </dgm:varLst>
+                    <dgm:alg type="tx"/>
+                    <dgm:shape xmlns:r="http://schemas.openxmlformats.org/officeDocument/2006/relationships" type="rect" r:blip="">
+                      <dgm:adjLst/>
+                    </dgm:shape>
+                    <dgm:presOf axis="self" ptType="node" cnt="1"/>
+                    <dgm:constrLst>
+                      <dgm:constr type="primFontSz" val="65"/>
+                      <dgm:constr type="lMarg" refType="primFontSz" fact="0.05"/>
+                      <dgm:constr type="rMarg" refType="primFontSz" fact="0.05"/>
+                      <dgm:constr type="tMarg" refType="primFontSz" fact="0.05"/>
+                      <dgm:constr type="bMarg" refType="h" fact="0.4"/>
+                    </dgm:constrLst>
+                    <dgm:ruleLst>
+                      <dgm:rule type="primFontSz" val="5" fact="NaN" max="NaN"/>
+                    </dgm:ruleLst>
+                  </dgm:layoutNode>
+                  <dgm:layoutNode name="titleText2" styleLbl="fgAcc1">
+                    <dgm:varLst>
+                      <dgm:chMax val="0"/>
+                      <dgm:chPref val="0"/>
+                    </dgm:varLst>
+                    <dgm:alg type="tx">
+                      <dgm:param type="parTxLTRAlign" val="r"/>
+                    </dgm:alg>
+                    <dgm:shape xmlns:r="http://schemas.openxmlformats.org/officeDocument/2006/relationships" type="rect" r:blip="">
+                      <dgm:adjLst/>
+                    </dgm:shape>
+                    <dgm:presOf axis="followSib" ptType="sibTrans" hideLastTrans="0" cnt="1"/>
+                    <dgm:constrLst>
+                      <dgm:constr type="primFontSz" val="65"/>
+                      <dgm:constr type="lMarg" refType="primFontSz" fact="0.2"/>
+                      <dgm:constr type="rMarg" refType="primFontSz" fact="0.2"/>
+                      <dgm:constr type="tMarg" refType="primFontSz" fact="0.05"/>
+                      <dgm:constr type="bMarg" refType="primFontSz" fact="0.05"/>
+                    </dgm:constrLst>
+                    <dgm:ruleLst>
+                      <dgm:rule type="primFontSz" val="5" fact="NaN" max="NaN"/>
+                    </dgm:ruleLst>
+                  </dgm:layoutNode>
+                  <dgm:layoutNode name="rootConnector" moveWith="rootText">
+                    <dgm:alg type="sp"/>
+                    <dgm:shape xmlns:r="http://schemas.openxmlformats.org/officeDocument/2006/relationships" type="rect" r:blip="" hideGeom="1">
+                      <dgm:adjLst/>
+                    </dgm:shape>
+                    <dgm:presOf axis="self" ptType="node" cnt="1"/>
+                    <dgm:constrLst/>
+                    <dgm:ruleLst/>
+                  </dgm:layoutNode>
+                </dgm:layoutNode>
+                <dgm:layoutNode name="hierChild4">
+                  <dgm:choose name="Name71">
+                    <dgm:if name="Name72" func="var" arg="hierBranch" op="equ" val="l">
+                      <dgm:alg type="hierChild">
+                        <dgm:param type="chAlign" val="r"/>
+                        <dgm:param type="linDir" val="fromT"/>
+                      </dgm:alg>
+                    </dgm:if>
+                    <dgm:if name="Name73" func="var" arg="hierBranch" op="equ" val="r">
+                      <dgm:alg type="hierChild">
+                        <dgm:param type="chAlign" val="l"/>
+                        <dgm:param type="linDir" val="fromT"/>
+                      </dgm:alg>
+                    </dgm:if>
+                    <dgm:if name="Name74" func="var" arg="hierBranch" op="equ" val="hang">
+                      <dgm:choose name="Name75">
+                        <dgm:if name="Name76" func="var" arg="dir" op="equ" val="norm">
+                          <dgm:alg type="hierChild">
+                            <dgm:param type="chAlign" val="l"/>
+                            <dgm:param type="linDir" val="fromL"/>
+                            <dgm:param type="secChAlign" val="t"/>
+                            <dgm:param type="secLinDir" val="fromT"/>
+                          </dgm:alg>
+                        </dgm:if>
+                        <dgm:else name="Name77">
+                          <dgm:alg type="hierChild">
+                            <dgm:param type="chAlign" val="l"/>
+                            <dgm:param type="linDir" val="fromR"/>
+                            <dgm:param type="secChAlign" val="t"/>
+                            <dgm:param type="secLinDir" val="fromT"/>
+                          </dgm:alg>
+                        </dgm:else>
+                      </dgm:choose>
+                    </dgm:if>
+                    <dgm:if name="Name78" func="var" arg="hierBranch" op="equ" val="std">
+                      <dgm:choose name="Name79">
+                        <dgm:if name="Name80" func="var" arg="dir" op="equ" val="norm">
+                          <dgm:alg type="hierChild"/>
+                        </dgm:if>
+                        <dgm:else name="Name81">
+                          <dgm:alg type="hierChild">
+                            <dgm:param type="linDir" val="fromR"/>
+                          </dgm:alg>
+                        </dgm:else>
+                      </dgm:choose>
+                    </dgm:if>
+                    <dgm:if name="Name82" func="var" arg="hierBranch" op="equ" val="init">
+                      <dgm:choose name="Name83">
+                        <dgm:if name="Name84" func="var" arg="dir" op="equ" val="norm">
+                          <dgm:alg type="hierChild"/>
+                        </dgm:if>
+                        <dgm:else name="Name85">
+                          <dgm:alg type="hierChild">
+                            <dgm:param type="linDir" val="fromR"/>
+                          </dgm:alg>
+                        </dgm:else>
+                      </dgm:choose>
+                    </dgm:if>
+                    <dgm:else name="Name86"/>
+                  </dgm:choose>
+                  <dgm:shape xmlns:r="http://schemas.openxmlformats.org/officeDocument/2006/relationships" r:blip="">
+                    <dgm:adjLst/>
+                  </dgm:shape>
+                  <dgm:presOf/>
+                  <dgm:constrLst/>
+                  <dgm:ruleLst/>
+                  <dgm:forEach name="Name87" ref="rep2a"/>
+                </dgm:layoutNode>
+                <dgm:layoutNode name="hierChild5">
+                  <dgm:choose name="Name88">
+                    <dgm:if name="Name89" func="var" arg="dir" op="equ" val="norm">
+                      <dgm:alg type="hierChild">
+                        <dgm:param type="chAlign" val="l"/>
+                        <dgm:param type="linDir" val="fromL"/>
+                        <dgm:param type="secChAlign" val="t"/>
+                        <dgm:param type="secLinDir" val="fromT"/>
+                      </dgm:alg>
+                    </dgm:if>
+                    <dgm:else name="Name90">
+                      <dgm:alg type="hierChild">
+                        <dgm:param type="chAlign" val="l"/>
+                        <dgm:param type="linDir" val="fromR"/>
+                        <dgm:param type="secChAlign" val="t"/>
+                        <dgm:param type="secLinDir" val="fromT"/>
+                      </dgm:alg>
+                    </dgm:else>
+                  </dgm:choose>
+                  <dgm:shape xmlns:r="http://schemas.openxmlformats.org/officeDocument/2006/relationships" r:blip="">
+                    <dgm:adjLst/>
+                  </dgm:shape>
+                  <dgm:presOf/>
+                  <dgm:constrLst/>
+                  <dgm:ruleLst/>
+                  <dgm:forEach name="Name91" ref="rep2b"/>
+                </dgm:layoutNode>
+              </dgm:layoutNode>
+            </dgm:forEach>
+          </dgm:layoutNode>
+          <dgm:layoutNode name="hierChild3">
+            <dgm:choose name="Name92">
+              <dgm:if name="Name93" func="var" arg="dir" op="equ" val="norm">
+                <dgm:alg type="hierChild">
+                  <dgm:param type="chAlign" val="l"/>
+                  <dgm:param type="linDir" val="fromL"/>
+                  <dgm:param type="secChAlign" val="t"/>
+                  <dgm:param type="secLinDir" val="fromT"/>
+                </dgm:alg>
+              </dgm:if>
+              <dgm:else name="Name94">
+                <dgm:alg type="hierChild">
+                  <dgm:param type="chAlign" val="l"/>
+                  <dgm:param type="linDir" val="fromR"/>
+                  <dgm:param type="secChAlign" val="t"/>
+                  <dgm:param type="secLinDir" val="fromT"/>
+                </dgm:alg>
+              </dgm:else>
+            </dgm:choose>
+            <dgm:shape xmlns:r="http://schemas.openxmlformats.org/officeDocument/2006/relationships" r:blip="">
+              <dgm:adjLst/>
+            </dgm:shape>
+            <dgm:presOf/>
+            <dgm:constrLst/>
+            <dgm:ruleLst/>
+            <dgm:forEach name="rep2b" axis="ch" ptType="asst">
+              <dgm:forEach name="Name95" axis="precedSib" ptType="parTrans" st="-1" cnt="1">
+                <dgm:layoutNode name="Name96">
+                  <dgm:alg type="conn">
+                    <dgm:param type="connRout" val="bend"/>
+                    <dgm:param type="dim" val="1D"/>
+                    <dgm:param type="endSty" val="noArr"/>
+                    <dgm:param type="begPts" val="bCtr"/>
+                    <dgm:param type="endPts" val="midL midR"/>
+                  </dgm:alg>
+                  <dgm:shape xmlns:r="http://schemas.openxmlformats.org/officeDocument/2006/relationships" type="conn" r:blip="" zOrderOff="-99999">
+                    <dgm:adjLst/>
+                  </dgm:shape>
+                  <dgm:presOf axis="self"/>
+                  <dgm:constrLst>
+                    <dgm:constr type="begPad"/>
+                    <dgm:constr type="endPad"/>
+                  </dgm:constrLst>
+                  <dgm:ruleLst/>
+                </dgm:layoutNode>
+              </dgm:forEach>
+              <dgm:layoutNode name="hierRoot3">
+                <dgm:varLst>
+                  <dgm:hierBranch val="init"/>
+                </dgm:varLst>
+                <dgm:choose name="Name97">
+                  <dgm:if name="Name98" func="var" arg="hierBranch" op="equ" val="l">
+                    <dgm:alg type="hierRoot">
+                      <dgm:param type="hierAlign" val="tR"/>
+                    </dgm:alg>
+                    <dgm:shape xmlns:r="http://schemas.openxmlformats.org/officeDocument/2006/relationships" r:blip="">
+                      <dgm:adjLst/>
+                    </dgm:shape>
+                    <dgm:presOf/>
+                    <dgm:constrLst>
+                      <dgm:constr type="alignOff" val="0.65"/>
+                    </dgm:constrLst>
+                  </dgm:if>
+                  <dgm:if name="Name99" func="var" arg="hierBranch" op="equ" val="r">
+                    <dgm:alg type="hierRoot">
+                      <dgm:param type="hierAlign" val="tL"/>
+                    </dgm:alg>
+                    <dgm:shape xmlns:r="http://schemas.openxmlformats.org/officeDocument/2006/relationships" r:blip="">
+                      <dgm:adjLst/>
+                    </dgm:shape>
+                    <dgm:presOf/>
+                    <dgm:constrLst>
+                      <dgm:constr type="alignOff" val="0.65"/>
+                    </dgm:constrLst>
+                  </dgm:if>
+                  <dgm:if name="Name100" func="var" arg="hierBranch" op="equ" val="hang">
+                    <dgm:alg type="hierRoot"/>
+                    <dgm:shape xmlns:r="http://schemas.openxmlformats.org/officeDocument/2006/relationships" r:blip="">
+                      <dgm:adjLst/>
+                    </dgm:shape>
+                    <dgm:presOf/>
+                    <dgm:constrLst>
+                      <dgm:constr type="alignOff" val="0.65"/>
+                    </dgm:constrLst>
+                  </dgm:if>
+                  <dgm:if name="Name101" func="var" arg="hierBranch" op="equ" val="std">
+                    <dgm:alg type="hierRoot"/>
+                    <dgm:shape xmlns:r="http://schemas.openxmlformats.org/officeDocument/2006/relationships" r:blip="">
+                      <dgm:adjLst/>
+                    </dgm:shape>
+                    <dgm:presOf/>
+                    <dgm:constrLst>
+                      <dgm:constr type="alignOff"/>
+                      <dgm:constr type="bendDist" for="des" ptType="parTrans" refType="sp" fact="0.5"/>
+                    </dgm:constrLst>
+                  </dgm:if>
+                  <dgm:if name="Name102" func="var" arg="hierBranch" op="equ" val="init">
+                    <dgm:alg type="hierRoot"/>
+                    <dgm:shape xmlns:r="http://schemas.openxmlformats.org/officeDocument/2006/relationships" r:blip="">
+                      <dgm:adjLst/>
+                    </dgm:shape>
+                    <dgm:presOf/>
+                    <dgm:constrLst>
+                      <dgm:constr type="alignOff"/>
+                      <dgm:constr type="bendDist" for="des" ptType="parTrans" refType="sp" fact="0.5"/>
+                    </dgm:constrLst>
+                  </dgm:if>
+                  <dgm:else name="Name103"/>
+                </dgm:choose>
+                <dgm:ruleLst/>
+                <dgm:layoutNode name="rootComposite3">
+                  <dgm:alg type="composite"/>
+                  <dgm:shape xmlns:r="http://schemas.openxmlformats.org/officeDocument/2006/relationships" r:blip="">
+                    <dgm:adjLst/>
+                  </dgm:shape>
+                  <dgm:presOf axis="self" ptType="node" cnt="1"/>
+                  <dgm:choose name="Name104">
+                    <dgm:if name="Name105" func="var" arg="hierBranch" op="equ" val="init">
+                      <dgm:constrLst>
+                        <dgm:constr type="l" for="ch" forName="rootText3"/>
+                        <dgm:constr type="t" for="ch" forName="rootText3"/>
+                        <dgm:constr type="w" for="ch" forName="rootText3" refType="w"/>
+                        <dgm:constr type="h" for="ch" forName="rootText3" refType="h" fact="0.9"/>
+                        <dgm:constr type="l" for="ch" forName="titleText3" refType="w" fact="0.2"/>
+                        <dgm:constr type="t" for="ch" forName="titleText3" refType="h" fact="0.7"/>
+                        <dgm:constr type="w" for="ch" forName="titleText3" refType="w" fact="0.9"/>
+                        <dgm:constr type="h" for="ch" forName="titleText3" refType="h" fact="0.3"/>
+                        <dgm:constr type="primFontSz" for="des" forName="titleText3" refType="primFontSz" refFor="des" refForName="rootText3" op="lte"/>
+                        <dgm:constr type="l" for="ch" forName="rootConnector3"/>
+                        <dgm:constr type="t" for="ch" forName="rootConnector3"/>
+                        <dgm:constr type="w" for="ch" forName="rootConnector3" refType="w" refFor="ch" refForName="rootText3" fact="0.2"/>
+                        <dgm:constr type="h" for="ch" forName="rootConnector3" refType="h" refFor="ch" refForName="rootText3"/>
+                      </dgm:constrLst>
+                    </dgm:if>
+                    <dgm:if name="Name106" func="var" arg="hierBranch" op="equ" val="l">
+                      <dgm:constrLst>
+                        <dgm:constr type="l" for="ch" forName="rootText3"/>
+                        <dgm:constr type="t" for="ch" forName="rootText3"/>
+                        <dgm:constr type="w" for="ch" forName="rootText3" refType="w"/>
+                        <dgm:constr type="h" for="ch" forName="rootText3" refType="h" fact="0.9"/>
+                        <dgm:constr type="l" for="ch" forName="titleText3" refType="w" fact="0.2"/>
+                        <dgm:constr type="t" for="ch" forName="titleText3" refType="h" fact="0.7"/>
+                        <dgm:constr type="w" for="ch" forName="titleText3" refType="w" fact="0.9"/>
+                        <dgm:constr type="h" for="ch" forName="titleText3" refType="h" fact="0.3"/>
+                        <dgm:constr type="primFontSz" for="des" forName="titleText3" refType="primFontSz" refFor="des" refForName="rootText3" op="lte"/>
+                        <dgm:constr type="r" for="ch" forName="rootConnector3" refType="w"/>
+                        <dgm:constr type="t" for="ch" forName="rootConnector3"/>
+                        <dgm:constr type="w" for="ch" forName="rootConnector3" refType="w" refFor="ch" refForName="rootText3" fact="0.2"/>
+                        <dgm:constr type="h" for="ch" forName="rootConnector3" refType="h" refFor="ch" refForName="rootText3"/>
+                      </dgm:constrLst>
+                    </dgm:if>
+                    <dgm:if name="Name107" func="var" arg="hierBranch" op="equ" val="r">
+                      <dgm:constrLst>
+                        <dgm:constr type="l" for="ch" forName="rootText3"/>
+                        <dgm:constr type="t" for="ch" forName="rootText3"/>
+                        <dgm:constr type="w" for="ch" forName="rootText3" refType="w"/>
+                        <dgm:constr type="h" for="ch" forName="rootText3" refType="h" fact="0.9"/>
+                        <dgm:constr type="l" for="ch" forName="titleText3" refType="w" fact="0.2"/>
+                        <dgm:constr type="t" for="ch" forName="titleText3" refType="h" fact="0.7"/>
+                        <dgm:constr type="w" for="ch" forName="titleText3" refType="w" fact="0.9"/>
+                        <dgm:constr type="h" for="ch" forName="titleText3" refType="h" fact="0.3"/>
+                        <dgm:constr type="primFontSz" for="des" forName="titleText3" refType="primFontSz" refFor="des" refForName="rootText3" op="lte"/>
+                        <dgm:constr type="l" for="ch" forName="rootConnector3"/>
+                        <dgm:constr type="t" for="ch" forName="rootConnector3"/>
+                        <dgm:constr type="w" for="ch" forName="rootConnector3" refType="w" refFor="ch" refForName="rootText3" fact="0.2"/>
+                        <dgm:constr type="h" for="ch" forName="rootConnector3" refType="h" refFor="ch" refForName="rootText3"/>
+                      </dgm:constrLst>
+                    </dgm:if>
+                    <dgm:else name="Name108">
+                      <dgm:constrLst>
+                        <dgm:constr type="l" for="ch" forName="rootText3"/>
+                        <dgm:constr type="t" for="ch" forName="rootText3"/>
+                        <dgm:constr type="w" for="ch" forName="rootText3" refType="w"/>
+                        <dgm:constr type="h" for="ch" forName="rootText3" refType="h" fact="0.9"/>
+                        <dgm:constr type="l" for="ch" forName="titleText3" refType="w" fact="0.2"/>
+                        <dgm:constr type="t" for="ch" forName="titleText3" refType="h" fact="0.7"/>
+                        <dgm:constr type="w" for="ch" forName="titleText3" refType="w" fact="0.9"/>
+                        <dgm:constr type="h" for="ch" forName="titleText3" refType="h" fact="0.3"/>
+                        <dgm:constr type="primFontSz" for="des" forName="titleText3" refType="primFontSz" refFor="des" refForName="rootText3" op="lte"/>
+                        <dgm:constr type="r" for="ch" forName="rootConnector3" refType="w"/>
+                        <dgm:constr type="t" for="ch" forName="rootConnector3"/>
+                        <dgm:constr type="w" for="ch" forName="rootConnector3" refType="w" refFor="ch" refForName="rootText3" fact="0.2"/>
+                        <dgm:constr type="h" for="ch" forName="rootConnector3" refType="h" refFor="ch" refForName="rootText3"/>
+                      </dgm:constrLst>
+                    </dgm:else>
+                  </dgm:choose>
+                  <dgm:ruleLst/>
+                  <dgm:layoutNode name="rootText3" styleLbl="asst1">
+                    <dgm:varLst>
+                      <dgm:chPref val="3"/>
+                    </dgm:varLst>
+                    <dgm:alg type="tx"/>
+                    <dgm:shape xmlns:r="http://schemas.openxmlformats.org/officeDocument/2006/relationships" type="rect" r:blip="">
+                      <dgm:adjLst/>
+                    </dgm:shape>
+                    <dgm:presOf axis="self" ptType="node" cnt="1"/>
+                    <dgm:constrLst>
+                      <dgm:constr type="primFontSz" val="65"/>
+                      <dgm:constr type="lMarg" refType="primFontSz" fact="0.05"/>
+                      <dgm:constr type="rMarg" refType="primFontSz" fact="0.05"/>
+                      <dgm:constr type="tMarg" refType="primFontSz" fact="0.05"/>
+                      <dgm:constr type="bMarg" refType="h" fact="0.4"/>
+                    </dgm:constrLst>
+                    <dgm:ruleLst>
+                      <dgm:rule type="primFontSz" val="5" fact="NaN" max="NaN"/>
+                    </dgm:ruleLst>
+                  </dgm:layoutNode>
+                  <dgm:layoutNode name="titleText3" styleLbl="fgAcc2">
+                    <dgm:varLst>
+                      <dgm:chMax val="0"/>
+                      <dgm:chPref val="0"/>
+                    </dgm:varLst>
+                    <dgm:alg type="tx">
+                      <dgm:param type="parTxLTRAlign" val="r"/>
+                    </dgm:alg>
+                    <dgm:shape xmlns:r="http://schemas.openxmlformats.org/officeDocument/2006/relationships" type="rect" r:blip="">
+                      <dgm:adjLst/>
+                    </dgm:shape>
+                    <dgm:presOf axis="followSib" ptType="sibTrans" hideLastTrans="0" cnt="1"/>
+                    <dgm:constrLst>
+                      <dgm:constr type="primFontSz" val="65"/>
+                      <dgm:constr type="lMarg" refType="primFontSz" fact="0.2"/>
+                      <dgm:constr type="rMarg" refType="primFontSz" fact="0.2"/>
+                      <dgm:constr type="tMarg" refType="primFontSz" fact="0.05"/>
+                      <dgm:constr type="bMarg" refType="primFontSz" fact="0.05"/>
+                    </dgm:constrLst>
+                    <dgm:ruleLst>
+                      <dgm:rule type="primFontSz" val="5" fact="NaN" max="NaN"/>
+                    </dgm:ruleLst>
+                  </dgm:layoutNode>
+                  <dgm:layoutNode name="rootConnector3" moveWith="rootText1">
+                    <dgm:alg type="sp"/>
+                    <dgm:shape xmlns:r="http://schemas.openxmlformats.org/officeDocument/2006/relationships" type="rect" r:blip="" hideGeom="1">
+                      <dgm:adjLst/>
+                    </dgm:shape>
+                    <dgm:presOf axis="self" ptType="node" cnt="1"/>
+                    <dgm:constrLst/>
+                    <dgm:ruleLst/>
+                  </dgm:layoutNode>
+                </dgm:layoutNode>
+                <dgm:layoutNode name="hierChild6">
+                  <dgm:choose name="Name109">
+                    <dgm:if name="Name110" func="var" arg="hierBranch" op="equ" val="l">
+                      <dgm:alg type="hierChild">
+                        <dgm:param type="chAlign" val="r"/>
+                        <dgm:param type="linDir" val="fromT"/>
+                      </dgm:alg>
+                    </dgm:if>
+                    <dgm:if name="Name111" func="var" arg="hierBranch" op="equ" val="r">
+                      <dgm:alg type="hierChild">
+                        <dgm:param type="chAlign" val="l"/>
+                        <dgm:param type="linDir" val="fromT"/>
+                      </dgm:alg>
+                    </dgm:if>
+                    <dgm:if name="Name112" func="var" arg="hierBranch" op="equ" val="hang">
+                      <dgm:choose name="Name113">
+                        <dgm:if name="Name114" func="var" arg="dir" op="equ" val="norm">
+                          <dgm:alg type="hierChild">
+                            <dgm:param type="chAlign" val="l"/>
+                            <dgm:param type="linDir" val="fromL"/>
+                            <dgm:param type="secChAlign" val="t"/>
+                            <dgm:param type="secLinDir" val="fromT"/>
+                          </dgm:alg>
+                        </dgm:if>
+                        <dgm:else name="Name115">
+                          <dgm:alg type="hierChild">
+                            <dgm:param type="chAlign" val="l"/>
+                            <dgm:param type="linDir" val="fromR"/>
+                            <dgm:param type="secChAlign" val="t"/>
+                            <dgm:param type="secLinDir" val="fromT"/>
+                          </dgm:alg>
+                        </dgm:else>
+                      </dgm:choose>
+                    </dgm:if>
+                    <dgm:if name="Name116" func="var" arg="hierBranch" op="equ" val="std">
+                      <dgm:choose name="Name117">
+                        <dgm:if name="Name118" func="var" arg="dir" op="equ" val="norm">
+                          <dgm:alg type="hierChild"/>
+                        </dgm:if>
+                        <dgm:else name="Name119">
+                          <dgm:alg type="hierChild">
+                            <dgm:param type="linDir" val="fromR"/>
+                          </dgm:alg>
+                        </dgm:else>
+                      </dgm:choose>
+                    </dgm:if>
+                    <dgm:if name="Name120" func="var" arg="hierBranch" op="equ" val="init">
+                      <dgm:alg type="hierChild"/>
+                    </dgm:if>
+                    <dgm:else name="Name121"/>
+                  </dgm:choose>
+                  <dgm:shape xmlns:r="http://schemas.openxmlformats.org/officeDocument/2006/relationships" r:blip="">
+                    <dgm:adjLst/>
+                  </dgm:shape>
+                  <dgm:presOf/>
+                  <dgm:constrLst/>
+                  <dgm:ruleLst/>
+                  <dgm:forEach name="Name122" ref="rep2a"/>
+                </dgm:layoutNode>
+                <dgm:layoutNode name="hierChild7">
+                  <dgm:choose name="Name123">
+                    <dgm:if name="Name124" func="var" arg="dir" op="equ" val="norm">
+                      <dgm:alg type="hierChild">
+                        <dgm:param type="chAlign" val="l"/>
+                        <dgm:param type="linDir" val="fromL"/>
+                        <dgm:param type="secChAlign" val="t"/>
+                        <dgm:param type="secLinDir" val="fromT"/>
+                      </dgm:alg>
+                    </dgm:if>
+                    <dgm:else name="Name125">
+                      <dgm:alg type="hierChild">
+                        <dgm:param type="chAlign" val="l"/>
+                        <dgm:param type="linDir" val="fromR"/>
+                        <dgm:param type="secChAlign" val="t"/>
+                        <dgm:param type="secLinDir" val="fromT"/>
+                      </dgm:alg>
+                    </dgm:else>
+                  </dgm:choose>
+                  <dgm:shape xmlns:r="http://schemas.openxmlformats.org/officeDocument/2006/relationships" r:blip="">
+                    <dgm:adjLst/>
+                  </dgm:shape>
+                  <dgm:presOf/>
+                  <dgm:constrLst/>
+                  <dgm:ruleLst/>
+                  <dgm:forEach name="Name126" ref="rep2b"/>
+                </dgm:layoutNode>
+              </dgm:layoutNode>
+            </dgm:forEach>
+          </dgm:layoutNode>
+        </dgm:layoutNode>
+      </dgm:forEach>
+    </dgm:forEach>
+  </dgm:layoutNode>
+</dgm:layoutDef>
+</file>
+
 <file path=ppt/diagrams/quickStyle1.xml><?xml version="1.0" encoding="utf-8"?>
 <dgm:styleDef xmlns:dgm="http://schemas.openxmlformats.org/drawingml/2006/diagram" xmlns:a="http://schemas.openxmlformats.org/drawingml/2006/main" uniqueId="urn:microsoft.com/office/officeart/2005/8/quickstyle/simple1">
   <dgm:title val=""/>
@@ -5068,6 +8878,1040 @@
 </file>
 
 <file path=ppt/diagrams/quickStyle2.xml><?xml version="1.0" encoding="utf-8"?>
+<dgm:styleDef xmlns:dgm="http://schemas.openxmlformats.org/drawingml/2006/diagram" xmlns:a="http://schemas.openxmlformats.org/drawingml/2006/main" uniqueId="urn:microsoft.com/office/officeart/2005/8/quickstyle/simple1">
+  <dgm:title val=""/>
+  <dgm:desc val=""/>
+  <dgm:catLst>
+    <dgm:cat type="simple" pri="10100"/>
+  </dgm:catLst>
+  <dgm:scene3d>
+    <a:camera prst="orthographicFront"/>
+    <a:lightRig rig="threePt" dir="t"/>
+  </dgm:scene3d>
+  <dgm:styleLbl name="node0">
+    <dgm:scene3d>
+      <a:camera prst="orthographicFront"/>
+      <a:lightRig rig="threePt" dir="t"/>
+    </dgm:scene3d>
+    <dgm:sp3d/>
+    <dgm:txPr/>
+    <dgm:style>
+      <a:lnRef idx="2">
+        <a:scrgbClr r="0" g="0" b="0"/>
+      </a:lnRef>
+      <a:fillRef idx="1">
+        <a:scrgbClr r="0" g="0" b="0"/>
+      </a:fillRef>
+      <a:effectRef idx="0">
+        <a:scrgbClr r="0" g="0" b="0"/>
+      </a:effectRef>
+      <a:fontRef idx="minor">
+        <a:schemeClr val="lt1"/>
+      </a:fontRef>
+    </dgm:style>
+  </dgm:styleLbl>
+  <dgm:styleLbl name="lnNode1">
+    <dgm:scene3d>
+      <a:camera prst="orthographicFront"/>
+      <a:lightRig rig="threePt" dir="t"/>
+    </dgm:scene3d>
+    <dgm:sp3d/>
+    <dgm:txPr/>
+    <dgm:style>
+      <a:lnRef idx="2">
+        <a:scrgbClr r="0" g="0" b="0"/>
+      </a:lnRef>
+      <a:fillRef idx="1">
+        <a:scrgbClr r="0" g="0" b="0"/>
+      </a:fillRef>
+      <a:effectRef idx="0">
+        <a:scrgbClr r="0" g="0" b="0"/>
+      </a:effectRef>
+      <a:fontRef idx="minor">
+        <a:schemeClr val="lt1"/>
+      </a:fontRef>
+    </dgm:style>
+  </dgm:styleLbl>
+  <dgm:styleLbl name="vennNode1">
+    <dgm:scene3d>
+      <a:camera prst="orthographicFront"/>
+      <a:lightRig rig="threePt" dir="t"/>
+    </dgm:scene3d>
+    <dgm:sp3d/>
+    <dgm:txPr/>
+    <dgm:style>
+      <a:lnRef idx="2">
+        <a:scrgbClr r="0" g="0" b="0"/>
+      </a:lnRef>
+      <a:fillRef idx="1">
+        <a:scrgbClr r="0" g="0" b="0"/>
+      </a:fillRef>
+      <a:effectRef idx="0">
+        <a:scrgbClr r="0" g="0" b="0"/>
+      </a:effectRef>
+      <a:fontRef idx="minor">
+        <a:schemeClr val="tx1"/>
+      </a:fontRef>
+    </dgm:style>
+  </dgm:styleLbl>
+  <dgm:styleLbl name="alignNode1">
+    <dgm:scene3d>
+      <a:camera prst="orthographicFront"/>
+      <a:lightRig rig="threePt" dir="t"/>
+    </dgm:scene3d>
+    <dgm:sp3d/>
+    <dgm:txPr/>
+    <dgm:style>
+      <a:lnRef idx="2">
+        <a:scrgbClr r="0" g="0" b="0"/>
+      </a:lnRef>
+      <a:fillRef idx="1">
+        <a:scrgbClr r="0" g="0" b="0"/>
+      </a:fillRef>
+      <a:effectRef idx="0">
+        <a:scrgbClr r="0" g="0" b="0"/>
+      </a:effectRef>
+      <a:fontRef idx="minor">
+        <a:schemeClr val="lt1"/>
+      </a:fontRef>
+    </dgm:style>
+  </dgm:styleLbl>
+  <dgm:styleLbl name="node1">
+    <dgm:scene3d>
+      <a:camera prst="orthographicFront"/>
+      <a:lightRig rig="threePt" dir="t"/>
+    </dgm:scene3d>
+    <dgm:sp3d/>
+    <dgm:txPr/>
+    <dgm:style>
+      <a:lnRef idx="2">
+        <a:scrgbClr r="0" g="0" b="0"/>
+      </a:lnRef>
+      <a:fillRef idx="1">
+        <a:scrgbClr r="0" g="0" b="0"/>
+      </a:fillRef>
+      <a:effectRef idx="0">
+        <a:scrgbClr r="0" g="0" b="0"/>
+      </a:effectRef>
+      <a:fontRef idx="minor">
+        <a:schemeClr val="lt1"/>
+      </a:fontRef>
+    </dgm:style>
+  </dgm:styleLbl>
+  <dgm:styleLbl name="node2">
+    <dgm:scene3d>
+      <a:camera prst="orthographicFront"/>
+      <a:lightRig rig="threePt" dir="t"/>
+    </dgm:scene3d>
+    <dgm:sp3d/>
+    <dgm:txPr/>
+    <dgm:style>
+      <a:lnRef idx="2">
+        <a:scrgbClr r="0" g="0" b="0"/>
+      </a:lnRef>
+      <a:fillRef idx="1">
+        <a:scrgbClr r="0" g="0" b="0"/>
+      </a:fillRef>
+      <a:effectRef idx="0">
+        <a:scrgbClr r="0" g="0" b="0"/>
+      </a:effectRef>
+      <a:fontRef idx="minor">
+        <a:schemeClr val="lt1"/>
+      </a:fontRef>
+    </dgm:style>
+  </dgm:styleLbl>
+  <dgm:styleLbl name="node3">
+    <dgm:scene3d>
+      <a:camera prst="orthographicFront"/>
+      <a:lightRig rig="threePt" dir="t"/>
+    </dgm:scene3d>
+    <dgm:sp3d/>
+    <dgm:txPr/>
+    <dgm:style>
+      <a:lnRef idx="2">
+        <a:scrgbClr r="0" g="0" b="0"/>
+      </a:lnRef>
+      <a:fillRef idx="1">
+        <a:scrgbClr r="0" g="0" b="0"/>
+      </a:fillRef>
+      <a:effectRef idx="0">
+        <a:scrgbClr r="0" g="0" b="0"/>
+      </a:effectRef>
+      <a:fontRef idx="minor">
+        <a:schemeClr val="lt1"/>
+      </a:fontRef>
+    </dgm:style>
+  </dgm:styleLbl>
+  <dgm:styleLbl name="node4">
+    <dgm:scene3d>
+      <a:camera prst="orthographicFront"/>
+      <a:lightRig rig="threePt" dir="t"/>
+    </dgm:scene3d>
+    <dgm:sp3d/>
+    <dgm:txPr/>
+    <dgm:style>
+      <a:lnRef idx="2">
+        <a:scrgbClr r="0" g="0" b="0"/>
+      </a:lnRef>
+      <a:fillRef idx="1">
+        <a:scrgbClr r="0" g="0" b="0"/>
+      </a:fillRef>
+      <a:effectRef idx="0">
+        <a:scrgbClr r="0" g="0" b="0"/>
+      </a:effectRef>
+      <a:fontRef idx="minor">
+        <a:schemeClr val="lt1"/>
+      </a:fontRef>
+    </dgm:style>
+  </dgm:styleLbl>
+  <dgm:styleLbl name="fgImgPlace1">
+    <dgm:scene3d>
+      <a:camera prst="orthographicFront"/>
+      <a:lightRig rig="threePt" dir="t"/>
+    </dgm:scene3d>
+    <dgm:sp3d/>
+    <dgm:txPr/>
+    <dgm:style>
+      <a:lnRef idx="2">
+        <a:scrgbClr r="0" g="0" b="0"/>
+      </a:lnRef>
+      <a:fillRef idx="1">
+        <a:scrgbClr r="0" g="0" b="0"/>
+      </a:fillRef>
+      <a:effectRef idx="0">
+        <a:scrgbClr r="0" g="0" b="0"/>
+      </a:effectRef>
+      <a:fontRef idx="minor"/>
+    </dgm:style>
+  </dgm:styleLbl>
+  <dgm:styleLbl name="alignImgPlace1">
+    <dgm:scene3d>
+      <a:camera prst="orthographicFront"/>
+      <a:lightRig rig="threePt" dir="t"/>
+    </dgm:scene3d>
+    <dgm:sp3d/>
+    <dgm:txPr/>
+    <dgm:style>
+      <a:lnRef idx="2">
+        <a:scrgbClr r="0" g="0" b="0"/>
+      </a:lnRef>
+      <a:fillRef idx="1">
+        <a:scrgbClr r="0" g="0" b="0"/>
+      </a:fillRef>
+      <a:effectRef idx="0">
+        <a:scrgbClr r="0" g="0" b="0"/>
+      </a:effectRef>
+      <a:fontRef idx="minor"/>
+    </dgm:style>
+  </dgm:styleLbl>
+  <dgm:styleLbl name="bgImgPlace1">
+    <dgm:scene3d>
+      <a:camera prst="orthographicFront"/>
+      <a:lightRig rig="threePt" dir="t"/>
+    </dgm:scene3d>
+    <dgm:sp3d/>
+    <dgm:txPr/>
+    <dgm:style>
+      <a:lnRef idx="2">
+        <a:scrgbClr r="0" g="0" b="0"/>
+      </a:lnRef>
+      <a:fillRef idx="1">
+        <a:scrgbClr r="0" g="0" b="0"/>
+      </a:fillRef>
+      <a:effectRef idx="0">
+        <a:scrgbClr r="0" g="0" b="0"/>
+      </a:effectRef>
+      <a:fontRef idx="minor"/>
+    </dgm:style>
+  </dgm:styleLbl>
+  <dgm:styleLbl name="sibTrans2D1">
+    <dgm:scene3d>
+      <a:camera prst="orthographicFront"/>
+      <a:lightRig rig="threePt" dir="t"/>
+    </dgm:scene3d>
+    <dgm:sp3d/>
+    <dgm:txPr/>
+    <dgm:style>
+      <a:lnRef idx="0">
+        <a:scrgbClr r="0" g="0" b="0"/>
+      </a:lnRef>
+      <a:fillRef idx="1">
+        <a:scrgbClr r="0" g="0" b="0"/>
+      </a:fillRef>
+      <a:effectRef idx="0">
+        <a:scrgbClr r="0" g="0" b="0"/>
+      </a:effectRef>
+      <a:fontRef idx="minor">
+        <a:schemeClr val="lt1"/>
+      </a:fontRef>
+    </dgm:style>
+  </dgm:styleLbl>
+  <dgm:styleLbl name="fgSibTrans2D1">
+    <dgm:scene3d>
+      <a:camera prst="orthographicFront"/>
+      <a:lightRig rig="threePt" dir="t"/>
+    </dgm:scene3d>
+    <dgm:sp3d/>
+    <dgm:txPr/>
+    <dgm:style>
+      <a:lnRef idx="0">
+        <a:scrgbClr r="0" g="0" b="0"/>
+      </a:lnRef>
+      <a:fillRef idx="1">
+        <a:scrgbClr r="0" g="0" b="0"/>
+      </a:fillRef>
+      <a:effectRef idx="0">
+        <a:scrgbClr r="0" g="0" b="0"/>
+      </a:effectRef>
+      <a:fontRef idx="minor">
+        <a:schemeClr val="lt1"/>
+      </a:fontRef>
+    </dgm:style>
+  </dgm:styleLbl>
+  <dgm:styleLbl name="bgSibTrans2D1">
+    <dgm:scene3d>
+      <a:camera prst="orthographicFront"/>
+      <a:lightRig rig="threePt" dir="t"/>
+    </dgm:scene3d>
+    <dgm:sp3d/>
+    <dgm:txPr/>
+    <dgm:style>
+      <a:lnRef idx="0">
+        <a:scrgbClr r="0" g="0" b="0"/>
+      </a:lnRef>
+      <a:fillRef idx="1">
+        <a:scrgbClr r="0" g="0" b="0"/>
+      </a:fillRef>
+      <a:effectRef idx="0">
+        <a:scrgbClr r="0" g="0" b="0"/>
+      </a:effectRef>
+      <a:fontRef idx="minor">
+        <a:schemeClr val="lt1"/>
+      </a:fontRef>
+    </dgm:style>
+  </dgm:styleLbl>
+  <dgm:styleLbl name="sibTrans1D1">
+    <dgm:scene3d>
+      <a:camera prst="orthographicFront"/>
+      <a:lightRig rig="threePt" dir="t"/>
+    </dgm:scene3d>
+    <dgm:sp3d/>
+    <dgm:txPr/>
+    <dgm:style>
+      <a:lnRef idx="1">
+        <a:scrgbClr r="0" g="0" b="0"/>
+      </a:lnRef>
+      <a:fillRef idx="0">
+        <a:scrgbClr r="0" g="0" b="0"/>
+      </a:fillRef>
+      <a:effectRef idx="0">
+        <a:scrgbClr r="0" g="0" b="0"/>
+      </a:effectRef>
+      <a:fontRef idx="minor"/>
+    </dgm:style>
+  </dgm:styleLbl>
+  <dgm:styleLbl name="callout">
+    <dgm:scene3d>
+      <a:camera prst="orthographicFront"/>
+      <a:lightRig rig="threePt" dir="t"/>
+    </dgm:scene3d>
+    <dgm:sp3d/>
+    <dgm:txPr/>
+    <dgm:style>
+      <a:lnRef idx="2">
+        <a:scrgbClr r="0" g="0" b="0"/>
+      </a:lnRef>
+      <a:fillRef idx="1">
+        <a:scrgbClr r="0" g="0" b="0"/>
+      </a:fillRef>
+      <a:effectRef idx="0">
+        <a:scrgbClr r="0" g="0" b="0"/>
+      </a:effectRef>
+      <a:fontRef idx="minor"/>
+    </dgm:style>
+  </dgm:styleLbl>
+  <dgm:styleLbl name="asst0">
+    <dgm:scene3d>
+      <a:camera prst="orthographicFront"/>
+      <a:lightRig rig="threePt" dir="t"/>
+    </dgm:scene3d>
+    <dgm:sp3d/>
+    <dgm:txPr/>
+    <dgm:style>
+      <a:lnRef idx="2">
+        <a:scrgbClr r="0" g="0" b="0"/>
+      </a:lnRef>
+      <a:fillRef idx="1">
+        <a:scrgbClr r="0" g="0" b="0"/>
+      </a:fillRef>
+      <a:effectRef idx="0">
+        <a:scrgbClr r="0" g="0" b="0"/>
+      </a:effectRef>
+      <a:fontRef idx="minor">
+        <a:schemeClr val="lt1"/>
+      </a:fontRef>
+    </dgm:style>
+  </dgm:styleLbl>
+  <dgm:styleLbl name="asst1">
+    <dgm:scene3d>
+      <a:camera prst="orthographicFront"/>
+      <a:lightRig rig="threePt" dir="t"/>
+    </dgm:scene3d>
+    <dgm:sp3d/>
+    <dgm:txPr/>
+    <dgm:style>
+      <a:lnRef idx="2">
+        <a:scrgbClr r="0" g="0" b="0"/>
+      </a:lnRef>
+      <a:fillRef idx="1">
+        <a:scrgbClr r="0" g="0" b="0"/>
+      </a:fillRef>
+      <a:effectRef idx="0">
+        <a:scrgbClr r="0" g="0" b="0"/>
+      </a:effectRef>
+      <a:fontRef idx="minor">
+        <a:schemeClr val="lt1"/>
+      </a:fontRef>
+    </dgm:style>
+  </dgm:styleLbl>
+  <dgm:styleLbl name="asst2">
+    <dgm:scene3d>
+      <a:camera prst="orthographicFront"/>
+      <a:lightRig rig="threePt" dir="t"/>
+    </dgm:scene3d>
+    <dgm:sp3d/>
+    <dgm:txPr/>
+    <dgm:style>
+      <a:lnRef idx="2">
+        <a:scrgbClr r="0" g="0" b="0"/>
+      </a:lnRef>
+      <a:fillRef idx="1">
+        <a:scrgbClr r="0" g="0" b="0"/>
+      </a:fillRef>
+      <a:effectRef idx="0">
+        <a:scrgbClr r="0" g="0" b="0"/>
+      </a:effectRef>
+      <a:fontRef idx="minor">
+        <a:schemeClr val="lt1"/>
+      </a:fontRef>
+    </dgm:style>
+  </dgm:styleLbl>
+  <dgm:styleLbl name="asst3">
+    <dgm:scene3d>
+      <a:camera prst="orthographicFront"/>
+      <a:lightRig rig="threePt" dir="t"/>
+    </dgm:scene3d>
+    <dgm:sp3d/>
+    <dgm:txPr/>
+    <dgm:style>
+      <a:lnRef idx="2">
+        <a:scrgbClr r="0" g="0" b="0"/>
+      </a:lnRef>
+      <a:fillRef idx="1">
+        <a:scrgbClr r="0" g="0" b="0"/>
+      </a:fillRef>
+      <a:effectRef idx="0">
+        <a:scrgbClr r="0" g="0" b="0"/>
+      </a:effectRef>
+      <a:fontRef idx="minor">
+        <a:schemeClr val="lt1"/>
+      </a:fontRef>
+    </dgm:style>
+  </dgm:styleLbl>
+  <dgm:styleLbl name="asst4">
+    <dgm:scene3d>
+      <a:camera prst="orthographicFront"/>
+      <a:lightRig rig="threePt" dir="t"/>
+    </dgm:scene3d>
+    <dgm:sp3d/>
+    <dgm:txPr/>
+    <dgm:style>
+      <a:lnRef idx="2">
+        <a:scrgbClr r="0" g="0" b="0"/>
+      </a:lnRef>
+      <a:fillRef idx="1">
+        <a:scrgbClr r="0" g="0" b="0"/>
+      </a:fillRef>
+      <a:effectRef idx="0">
+        <a:scrgbClr r="0" g="0" b="0"/>
+      </a:effectRef>
+      <a:fontRef idx="minor">
+        <a:schemeClr val="lt1"/>
+      </a:fontRef>
+    </dgm:style>
+  </dgm:styleLbl>
+  <dgm:styleLbl name="parChTrans2D1">
+    <dgm:scene3d>
+      <a:camera prst="orthographicFront"/>
+      <a:lightRig rig="threePt" dir="t"/>
+    </dgm:scene3d>
+    <dgm:sp3d/>
+    <dgm:txPr/>
+    <dgm:style>
+      <a:lnRef idx="2">
+        <a:scrgbClr r="0" g="0" b="0"/>
+      </a:lnRef>
+      <a:fillRef idx="1">
+        <a:scrgbClr r="0" g="0" b="0"/>
+      </a:fillRef>
+      <a:effectRef idx="0">
+        <a:scrgbClr r="0" g="0" b="0"/>
+      </a:effectRef>
+      <a:fontRef idx="minor">
+        <a:schemeClr val="lt1"/>
+      </a:fontRef>
+    </dgm:style>
+  </dgm:styleLbl>
+  <dgm:styleLbl name="parChTrans2D2">
+    <dgm:scene3d>
+      <a:camera prst="orthographicFront"/>
+      <a:lightRig rig="threePt" dir="t"/>
+    </dgm:scene3d>
+    <dgm:sp3d/>
+    <dgm:txPr/>
+    <dgm:style>
+      <a:lnRef idx="2">
+        <a:scrgbClr r="0" g="0" b="0"/>
+      </a:lnRef>
+      <a:fillRef idx="1">
+        <a:scrgbClr r="0" g="0" b="0"/>
+      </a:fillRef>
+      <a:effectRef idx="0">
+        <a:scrgbClr r="0" g="0" b="0"/>
+      </a:effectRef>
+      <a:fontRef idx="minor">
+        <a:schemeClr val="lt1"/>
+      </a:fontRef>
+    </dgm:style>
+  </dgm:styleLbl>
+  <dgm:styleLbl name="parChTrans2D3">
+    <dgm:scene3d>
+      <a:camera prst="orthographicFront"/>
+      <a:lightRig rig="threePt" dir="t"/>
+    </dgm:scene3d>
+    <dgm:sp3d/>
+    <dgm:txPr/>
+    <dgm:style>
+      <a:lnRef idx="2">
+        <a:scrgbClr r="0" g="0" b="0"/>
+      </a:lnRef>
+      <a:fillRef idx="1">
+        <a:scrgbClr r="0" g="0" b="0"/>
+      </a:fillRef>
+      <a:effectRef idx="0">
+        <a:scrgbClr r="0" g="0" b="0"/>
+      </a:effectRef>
+      <a:fontRef idx="minor">
+        <a:schemeClr val="lt1"/>
+      </a:fontRef>
+    </dgm:style>
+  </dgm:styleLbl>
+  <dgm:styleLbl name="parChTrans2D4">
+    <dgm:scene3d>
+      <a:camera prst="orthographicFront"/>
+      <a:lightRig rig="threePt" dir="t"/>
+    </dgm:scene3d>
+    <dgm:sp3d/>
+    <dgm:txPr/>
+    <dgm:style>
+      <a:lnRef idx="2">
+        <a:scrgbClr r="0" g="0" b="0"/>
+      </a:lnRef>
+      <a:fillRef idx="1">
+        <a:scrgbClr r="0" g="0" b="0"/>
+      </a:fillRef>
+      <a:effectRef idx="0">
+        <a:scrgbClr r="0" g="0" b="0"/>
+      </a:effectRef>
+      <a:fontRef idx="minor">
+        <a:schemeClr val="lt1"/>
+      </a:fontRef>
+    </dgm:style>
+  </dgm:styleLbl>
+  <dgm:styleLbl name="parChTrans1D1">
+    <dgm:scene3d>
+      <a:camera prst="orthographicFront"/>
+      <a:lightRig rig="threePt" dir="t"/>
+    </dgm:scene3d>
+    <dgm:sp3d/>
+    <dgm:txPr/>
+    <dgm:style>
+      <a:lnRef idx="2">
+        <a:scrgbClr r="0" g="0" b="0"/>
+      </a:lnRef>
+      <a:fillRef idx="0">
+        <a:scrgbClr r="0" g="0" b="0"/>
+      </a:fillRef>
+      <a:effectRef idx="0">
+        <a:scrgbClr r="0" g="0" b="0"/>
+      </a:effectRef>
+      <a:fontRef idx="minor"/>
+    </dgm:style>
+  </dgm:styleLbl>
+  <dgm:styleLbl name="parChTrans1D2">
+    <dgm:scene3d>
+      <a:camera prst="orthographicFront"/>
+      <a:lightRig rig="threePt" dir="t"/>
+    </dgm:scene3d>
+    <dgm:sp3d/>
+    <dgm:txPr/>
+    <dgm:style>
+      <a:lnRef idx="2">
+        <a:scrgbClr r="0" g="0" b="0"/>
+      </a:lnRef>
+      <a:fillRef idx="0">
+        <a:scrgbClr r="0" g="0" b="0"/>
+      </a:fillRef>
+      <a:effectRef idx="0">
+        <a:scrgbClr r="0" g="0" b="0"/>
+      </a:effectRef>
+      <a:fontRef idx="minor"/>
+    </dgm:style>
+  </dgm:styleLbl>
+  <dgm:styleLbl name="parChTrans1D3">
+    <dgm:scene3d>
+      <a:camera prst="orthographicFront"/>
+      <a:lightRig rig="threePt" dir="t"/>
+    </dgm:scene3d>
+    <dgm:sp3d/>
+    <dgm:txPr/>
+    <dgm:style>
+      <a:lnRef idx="2">
+        <a:scrgbClr r="0" g="0" b="0"/>
+      </a:lnRef>
+      <a:fillRef idx="0">
+        <a:scrgbClr r="0" g="0" b="0"/>
+      </a:fillRef>
+      <a:effectRef idx="0">
+        <a:scrgbClr r="0" g="0" b="0"/>
+      </a:effectRef>
+      <a:fontRef idx="minor"/>
+    </dgm:style>
+  </dgm:styleLbl>
+  <dgm:styleLbl name="parChTrans1D4">
+    <dgm:scene3d>
+      <a:camera prst="orthographicFront"/>
+      <a:lightRig rig="threePt" dir="t"/>
+    </dgm:scene3d>
+    <dgm:sp3d/>
+    <dgm:txPr/>
+    <dgm:style>
+      <a:lnRef idx="2">
+        <a:scrgbClr r="0" g="0" b="0"/>
+      </a:lnRef>
+      <a:fillRef idx="0">
+        <a:scrgbClr r="0" g="0" b="0"/>
+      </a:fillRef>
+      <a:effectRef idx="0">
+        <a:scrgbClr r="0" g="0" b="0"/>
+      </a:effectRef>
+      <a:fontRef idx="minor"/>
+    </dgm:style>
+  </dgm:styleLbl>
+  <dgm:styleLbl name="fgAcc1">
+    <dgm:scene3d>
+      <a:camera prst="orthographicFront"/>
+      <a:lightRig rig="threePt" dir="t"/>
+    </dgm:scene3d>
+    <dgm:sp3d/>
+    <dgm:txPr/>
+    <dgm:style>
+      <a:lnRef idx="2">
+        <a:scrgbClr r="0" g="0" b="0"/>
+      </a:lnRef>
+      <a:fillRef idx="1">
+        <a:scrgbClr r="0" g="0" b="0"/>
+      </a:fillRef>
+      <a:effectRef idx="0">
+        <a:scrgbClr r="0" g="0" b="0"/>
+      </a:effectRef>
+      <a:fontRef idx="minor"/>
+    </dgm:style>
+  </dgm:styleLbl>
+  <dgm:styleLbl name="conFgAcc1">
+    <dgm:scene3d>
+      <a:camera prst="orthographicFront"/>
+      <a:lightRig rig="threePt" dir="t"/>
+    </dgm:scene3d>
+    <dgm:sp3d/>
+    <dgm:txPr/>
+    <dgm:style>
+      <a:lnRef idx="2">
+        <a:scrgbClr r="0" g="0" b="0"/>
+      </a:lnRef>
+      <a:fillRef idx="1">
+        <a:scrgbClr r="0" g="0" b="0"/>
+      </a:fillRef>
+      <a:effectRef idx="0">
+        <a:scrgbClr r="0" g="0" b="0"/>
+      </a:effectRef>
+      <a:fontRef idx="minor"/>
+    </dgm:style>
+  </dgm:styleLbl>
+  <dgm:styleLbl name="alignAcc1">
+    <dgm:scene3d>
+      <a:camera prst="orthographicFront"/>
+      <a:lightRig rig="threePt" dir="t"/>
+    </dgm:scene3d>
+    <dgm:sp3d/>
+    <dgm:txPr/>
+    <dgm:style>
+      <a:lnRef idx="2">
+        <a:scrgbClr r="0" g="0" b="0"/>
+      </a:lnRef>
+      <a:fillRef idx="1">
+        <a:scrgbClr r="0" g="0" b="0"/>
+      </a:fillRef>
+      <a:effectRef idx="0">
+        <a:scrgbClr r="0" g="0" b="0"/>
+      </a:effectRef>
+      <a:fontRef idx="minor"/>
+    </dgm:style>
+  </dgm:styleLbl>
+  <dgm:styleLbl name="trAlignAcc1">
+    <dgm:scene3d>
+      <a:camera prst="orthographicFront"/>
+      <a:lightRig rig="threePt" dir="t"/>
+    </dgm:scene3d>
+    <dgm:sp3d/>
+    <dgm:txPr/>
+    <dgm:style>
+      <a:lnRef idx="1">
+        <a:scrgbClr r="0" g="0" b="0"/>
+      </a:lnRef>
+      <a:fillRef idx="1">
+        <a:scrgbClr r="0" g="0" b="0"/>
+      </a:fillRef>
+      <a:effectRef idx="0">
+        <a:scrgbClr r="0" g="0" b="0"/>
+      </a:effectRef>
+      <a:fontRef idx="minor"/>
+    </dgm:style>
+  </dgm:styleLbl>
+  <dgm:styleLbl name="bgAcc1">
+    <dgm:scene3d>
+      <a:camera prst="orthographicFront"/>
+      <a:lightRig rig="threePt" dir="t"/>
+    </dgm:scene3d>
+    <dgm:sp3d/>
+    <dgm:txPr/>
+    <dgm:style>
+      <a:lnRef idx="2">
+        <a:scrgbClr r="0" g="0" b="0"/>
+      </a:lnRef>
+      <a:fillRef idx="1">
+        <a:scrgbClr r="0" g="0" b="0"/>
+      </a:fillRef>
+      <a:effectRef idx="0">
+        <a:scrgbClr r="0" g="0" b="0"/>
+      </a:effectRef>
+      <a:fontRef idx="minor"/>
+    </dgm:style>
+  </dgm:styleLbl>
+  <dgm:styleLbl name="solidFgAcc1">
+    <dgm:scene3d>
+      <a:camera prst="orthographicFront"/>
+      <a:lightRig rig="threePt" dir="t"/>
+    </dgm:scene3d>
+    <dgm:sp3d/>
+    <dgm:txPr/>
+    <dgm:style>
+      <a:lnRef idx="2">
+        <a:scrgbClr r="0" g="0" b="0"/>
+      </a:lnRef>
+      <a:fillRef idx="1">
+        <a:scrgbClr r="0" g="0" b="0"/>
+      </a:fillRef>
+      <a:effectRef idx="0">
+        <a:scrgbClr r="0" g="0" b="0"/>
+      </a:effectRef>
+      <a:fontRef idx="minor"/>
+    </dgm:style>
+  </dgm:styleLbl>
+  <dgm:styleLbl name="solidAlignAcc1">
+    <dgm:scene3d>
+      <a:camera prst="orthographicFront"/>
+      <a:lightRig rig="threePt" dir="t"/>
+    </dgm:scene3d>
+    <dgm:sp3d/>
+    <dgm:txPr/>
+    <dgm:style>
+      <a:lnRef idx="2">
+        <a:scrgbClr r="0" g="0" b="0"/>
+      </a:lnRef>
+      <a:fillRef idx="1">
+        <a:scrgbClr r="0" g="0" b="0"/>
+      </a:fillRef>
+      <a:effectRef idx="0">
+        <a:scrgbClr r="0" g="0" b="0"/>
+      </a:effectRef>
+      <a:fontRef idx="minor"/>
+    </dgm:style>
+  </dgm:styleLbl>
+  <dgm:styleLbl name="solidBgAcc1">
+    <dgm:scene3d>
+      <a:camera prst="orthographicFront"/>
+      <a:lightRig rig="threePt" dir="t"/>
+    </dgm:scene3d>
+    <dgm:sp3d/>
+    <dgm:txPr/>
+    <dgm:style>
+      <a:lnRef idx="2">
+        <a:scrgbClr r="0" g="0" b="0"/>
+      </a:lnRef>
+      <a:fillRef idx="1">
+        <a:scrgbClr r="0" g="0" b="0"/>
+      </a:fillRef>
+      <a:effectRef idx="0">
+        <a:scrgbClr r="0" g="0" b="0"/>
+      </a:effectRef>
+      <a:fontRef idx="minor"/>
+    </dgm:style>
+  </dgm:styleLbl>
+  <dgm:styleLbl name="fgAccFollowNode1">
+    <dgm:scene3d>
+      <a:camera prst="orthographicFront"/>
+      <a:lightRig rig="threePt" dir="t"/>
+    </dgm:scene3d>
+    <dgm:sp3d/>
+    <dgm:txPr/>
+    <dgm:style>
+      <a:lnRef idx="2">
+        <a:scrgbClr r="0" g="0" b="0"/>
+      </a:lnRef>
+      <a:fillRef idx="1">
+        <a:scrgbClr r="0" g="0" b="0"/>
+      </a:fillRef>
+      <a:effectRef idx="0">
+        <a:scrgbClr r="0" g="0" b="0"/>
+      </a:effectRef>
+      <a:fontRef idx="minor"/>
+    </dgm:style>
+  </dgm:styleLbl>
+  <dgm:styleLbl name="alignAccFollowNode1">
+    <dgm:scene3d>
+      <a:camera prst="orthographicFront"/>
+      <a:lightRig rig="threePt" dir="t"/>
+    </dgm:scene3d>
+    <dgm:sp3d/>
+    <dgm:txPr/>
+    <dgm:style>
+      <a:lnRef idx="2">
+        <a:scrgbClr r="0" g="0" b="0"/>
+      </a:lnRef>
+      <a:fillRef idx="1">
+        <a:scrgbClr r="0" g="0" b="0"/>
+      </a:fillRef>
+      <a:effectRef idx="0">
+        <a:scrgbClr r="0" g="0" b="0"/>
+      </a:effectRef>
+      <a:fontRef idx="minor"/>
+    </dgm:style>
+  </dgm:styleLbl>
+  <dgm:styleLbl name="bgAccFollowNode1">
+    <dgm:scene3d>
+      <a:camera prst="orthographicFront"/>
+      <a:lightRig rig="threePt" dir="t"/>
+    </dgm:scene3d>
+    <dgm:sp3d/>
+    <dgm:txPr/>
+    <dgm:style>
+      <a:lnRef idx="2">
+        <a:scrgbClr r="0" g="0" b="0"/>
+      </a:lnRef>
+      <a:fillRef idx="1">
+        <a:scrgbClr r="0" g="0" b="0"/>
+      </a:fillRef>
+      <a:effectRef idx="0">
+        <a:scrgbClr r="0" g="0" b="0"/>
+      </a:effectRef>
+      <a:fontRef idx="minor"/>
+    </dgm:style>
+  </dgm:styleLbl>
+  <dgm:styleLbl name="fgAcc0">
+    <dgm:scene3d>
+      <a:camera prst="orthographicFront"/>
+      <a:lightRig rig="threePt" dir="t"/>
+    </dgm:scene3d>
+    <dgm:sp3d/>
+    <dgm:txPr/>
+    <dgm:style>
+      <a:lnRef idx="2">
+        <a:scrgbClr r="0" g="0" b="0"/>
+      </a:lnRef>
+      <a:fillRef idx="1">
+        <a:scrgbClr r="0" g="0" b="0"/>
+      </a:fillRef>
+      <a:effectRef idx="0">
+        <a:scrgbClr r="0" g="0" b="0"/>
+      </a:effectRef>
+      <a:fontRef idx="minor"/>
+    </dgm:style>
+  </dgm:styleLbl>
+  <dgm:styleLbl name="fgAcc2">
+    <dgm:scene3d>
+      <a:camera prst="orthographicFront"/>
+      <a:lightRig rig="threePt" dir="t"/>
+    </dgm:scene3d>
+    <dgm:sp3d/>
+    <dgm:txPr/>
+    <dgm:style>
+      <a:lnRef idx="2">
+        <a:scrgbClr r="0" g="0" b="0"/>
+      </a:lnRef>
+      <a:fillRef idx="1">
+        <a:scrgbClr r="0" g="0" b="0"/>
+      </a:fillRef>
+      <a:effectRef idx="0">
+        <a:scrgbClr r="0" g="0" b="0"/>
+      </a:effectRef>
+      <a:fontRef idx="minor"/>
+    </dgm:style>
+  </dgm:styleLbl>
+  <dgm:styleLbl name="fgAcc3">
+    <dgm:scene3d>
+      <a:camera prst="orthographicFront"/>
+      <a:lightRig rig="threePt" dir="t"/>
+    </dgm:scene3d>
+    <dgm:sp3d/>
+    <dgm:txPr/>
+    <dgm:style>
+      <a:lnRef idx="2">
+        <a:scrgbClr r="0" g="0" b="0"/>
+      </a:lnRef>
+      <a:fillRef idx="1">
+        <a:scrgbClr r="0" g="0" b="0"/>
+      </a:fillRef>
+      <a:effectRef idx="0">
+        <a:scrgbClr r="0" g="0" b="0"/>
+      </a:effectRef>
+      <a:fontRef idx="minor"/>
+    </dgm:style>
+  </dgm:styleLbl>
+  <dgm:styleLbl name="fgAcc4">
+    <dgm:scene3d>
+      <a:camera prst="orthographicFront"/>
+      <a:lightRig rig="threePt" dir="t"/>
+    </dgm:scene3d>
+    <dgm:sp3d/>
+    <dgm:txPr/>
+    <dgm:style>
+      <a:lnRef idx="2">
+        <a:scrgbClr r="0" g="0" b="0"/>
+      </a:lnRef>
+      <a:fillRef idx="1">
+        <a:scrgbClr r="0" g="0" b="0"/>
+      </a:fillRef>
+      <a:effectRef idx="0">
+        <a:scrgbClr r="0" g="0" b="0"/>
+      </a:effectRef>
+      <a:fontRef idx="minor"/>
+    </dgm:style>
+  </dgm:styleLbl>
+  <dgm:styleLbl name="bgShp">
+    <dgm:scene3d>
+      <a:camera prst="orthographicFront"/>
+      <a:lightRig rig="threePt" dir="t"/>
+    </dgm:scene3d>
+    <dgm:sp3d/>
+    <dgm:txPr/>
+    <dgm:style>
+      <a:lnRef idx="0">
+        <a:scrgbClr r="0" g="0" b="0"/>
+      </a:lnRef>
+      <a:fillRef idx="1">
+        <a:scrgbClr r="0" g="0" b="0"/>
+      </a:fillRef>
+      <a:effectRef idx="0">
+        <a:scrgbClr r="0" g="0" b="0"/>
+      </a:effectRef>
+      <a:fontRef idx="minor"/>
+    </dgm:style>
+  </dgm:styleLbl>
+  <dgm:styleLbl name="dkBgShp">
+    <dgm:scene3d>
+      <a:camera prst="orthographicFront"/>
+      <a:lightRig rig="threePt" dir="t"/>
+    </dgm:scene3d>
+    <dgm:sp3d/>
+    <dgm:txPr/>
+    <dgm:style>
+      <a:lnRef idx="0">
+        <a:scrgbClr r="0" g="0" b="0"/>
+      </a:lnRef>
+      <a:fillRef idx="1">
+        <a:scrgbClr r="0" g="0" b="0"/>
+      </a:fillRef>
+      <a:effectRef idx="0">
+        <a:scrgbClr r="0" g="0" b="0"/>
+      </a:effectRef>
+      <a:fontRef idx="minor"/>
+    </dgm:style>
+  </dgm:styleLbl>
+  <dgm:styleLbl name="trBgShp">
+    <dgm:scene3d>
+      <a:camera prst="orthographicFront"/>
+      <a:lightRig rig="threePt" dir="t"/>
+    </dgm:scene3d>
+    <dgm:sp3d/>
+    <dgm:txPr/>
+    <dgm:style>
+      <a:lnRef idx="0">
+        <a:scrgbClr r="0" g="0" b="0"/>
+      </a:lnRef>
+      <a:fillRef idx="1">
+        <a:scrgbClr r="0" g="0" b="0"/>
+      </a:fillRef>
+      <a:effectRef idx="0">
+        <a:scrgbClr r="0" g="0" b="0"/>
+      </a:effectRef>
+      <a:fontRef idx="minor"/>
+    </dgm:style>
+  </dgm:styleLbl>
+  <dgm:styleLbl name="fgShp">
+    <dgm:scene3d>
+      <a:camera prst="orthographicFront"/>
+      <a:lightRig rig="threePt" dir="t"/>
+    </dgm:scene3d>
+    <dgm:sp3d/>
+    <dgm:txPr/>
+    <dgm:style>
+      <a:lnRef idx="2">
+        <a:scrgbClr r="0" g="0" b="0"/>
+      </a:lnRef>
+      <a:fillRef idx="1">
+        <a:scrgbClr r="0" g="0" b="0"/>
+      </a:fillRef>
+      <a:effectRef idx="0">
+        <a:scrgbClr r="0" g="0" b="0"/>
+      </a:effectRef>
+      <a:fontRef idx="minor"/>
+    </dgm:style>
+  </dgm:styleLbl>
+  <dgm:styleLbl name="revTx">
+    <dgm:scene3d>
+      <a:camera prst="orthographicFront"/>
+      <a:lightRig rig="threePt" dir="t"/>
+    </dgm:scene3d>
+    <dgm:sp3d/>
+    <dgm:txPr/>
+    <dgm:style>
+      <a:lnRef idx="0">
+        <a:scrgbClr r="0" g="0" b="0"/>
+      </a:lnRef>
+      <a:fillRef idx="0">
+        <a:scrgbClr r="0" g="0" b="0"/>
+      </a:fillRef>
+      <a:effectRef idx="0">
+        <a:scrgbClr r="0" g="0" b="0"/>
+      </a:effectRef>
+      <a:fontRef idx="minor"/>
+    </dgm:style>
+  </dgm:styleLbl>
+</dgm:styleDef>
+</file>
+
+<file path=ppt/diagrams/quickStyle3.xml><?xml version="1.0" encoding="utf-8"?>
 <dgm:styleDef xmlns:dgm="http://schemas.openxmlformats.org/drawingml/2006/diagram" xmlns:a="http://schemas.openxmlformats.org/drawingml/2006/main" uniqueId="urn:microsoft.com/office/officeart/2005/8/quickstyle/simple1">
   <dgm:title val=""/>
   <dgm:desc val=""/>
@@ -6250,7 +11094,7 @@
           <a:p>
             <a:fld id="{403374F6-491B-4410-BF99-DF51E2A038AC}" type="datetimeFigureOut">
               <a:rPr lang="zh-CN" altLang="en-US" smtClean="0"/>
-              <a:t>2021/2/5</a:t>
+              <a:t>2021/2/9</a:t>
             </a:fld>
             <a:endParaRPr lang="zh-CN" altLang="en-US"/>
           </a:p>
@@ -6450,7 +11294,7 @@
           <a:p>
             <a:fld id="{403374F6-491B-4410-BF99-DF51E2A038AC}" type="datetimeFigureOut">
               <a:rPr lang="zh-CN" altLang="en-US" smtClean="0"/>
-              <a:t>2021/2/5</a:t>
+              <a:t>2021/2/9</a:t>
             </a:fld>
             <a:endParaRPr lang="zh-CN" altLang="en-US"/>
           </a:p>
@@ -6660,7 +11504,7 @@
           <a:p>
             <a:fld id="{403374F6-491B-4410-BF99-DF51E2A038AC}" type="datetimeFigureOut">
               <a:rPr lang="zh-CN" altLang="en-US" smtClean="0"/>
-              <a:t>2021/2/5</a:t>
+              <a:t>2021/2/9</a:t>
             </a:fld>
             <a:endParaRPr lang="zh-CN" altLang="en-US"/>
           </a:p>
@@ -6860,7 +11704,7 @@
           <a:p>
             <a:fld id="{403374F6-491B-4410-BF99-DF51E2A038AC}" type="datetimeFigureOut">
               <a:rPr lang="zh-CN" altLang="en-US" smtClean="0"/>
-              <a:t>2021/2/5</a:t>
+              <a:t>2021/2/9</a:t>
             </a:fld>
             <a:endParaRPr lang="zh-CN" altLang="en-US"/>
           </a:p>
@@ -7136,7 +11980,7 @@
           <a:p>
             <a:fld id="{403374F6-491B-4410-BF99-DF51E2A038AC}" type="datetimeFigureOut">
               <a:rPr lang="zh-CN" altLang="en-US" smtClean="0"/>
-              <a:t>2021/2/5</a:t>
+              <a:t>2021/2/9</a:t>
             </a:fld>
             <a:endParaRPr lang="zh-CN" altLang="en-US"/>
           </a:p>
@@ -7404,7 +12248,7 @@
           <a:p>
             <a:fld id="{403374F6-491B-4410-BF99-DF51E2A038AC}" type="datetimeFigureOut">
               <a:rPr lang="zh-CN" altLang="en-US" smtClean="0"/>
-              <a:t>2021/2/5</a:t>
+              <a:t>2021/2/9</a:t>
             </a:fld>
             <a:endParaRPr lang="zh-CN" altLang="en-US"/>
           </a:p>
@@ -7819,7 +12663,7 @@
           <a:p>
             <a:fld id="{403374F6-491B-4410-BF99-DF51E2A038AC}" type="datetimeFigureOut">
               <a:rPr lang="zh-CN" altLang="en-US" smtClean="0"/>
-              <a:t>2021/2/5</a:t>
+              <a:t>2021/2/9</a:t>
             </a:fld>
             <a:endParaRPr lang="zh-CN" altLang="en-US"/>
           </a:p>
@@ -7961,7 +12805,7 @@
           <a:p>
             <a:fld id="{403374F6-491B-4410-BF99-DF51E2A038AC}" type="datetimeFigureOut">
               <a:rPr lang="zh-CN" altLang="en-US" smtClean="0"/>
-              <a:t>2021/2/5</a:t>
+              <a:t>2021/2/9</a:t>
             </a:fld>
             <a:endParaRPr lang="zh-CN" altLang="en-US"/>
           </a:p>
@@ -8074,7 +12918,7 @@
           <a:p>
             <a:fld id="{403374F6-491B-4410-BF99-DF51E2A038AC}" type="datetimeFigureOut">
               <a:rPr lang="zh-CN" altLang="en-US" smtClean="0"/>
-              <a:t>2021/2/5</a:t>
+              <a:t>2021/2/9</a:t>
             </a:fld>
             <a:endParaRPr lang="zh-CN" altLang="en-US"/>
           </a:p>
@@ -8387,7 +13231,7 @@
           <a:p>
             <a:fld id="{403374F6-491B-4410-BF99-DF51E2A038AC}" type="datetimeFigureOut">
               <a:rPr lang="zh-CN" altLang="en-US" smtClean="0"/>
-              <a:t>2021/2/5</a:t>
+              <a:t>2021/2/9</a:t>
             </a:fld>
             <a:endParaRPr lang="zh-CN" altLang="en-US"/>
           </a:p>
@@ -8676,7 +13520,7 @@
           <a:p>
             <a:fld id="{403374F6-491B-4410-BF99-DF51E2A038AC}" type="datetimeFigureOut">
               <a:rPr lang="zh-CN" altLang="en-US" smtClean="0"/>
-              <a:t>2021/2/5</a:t>
+              <a:t>2021/2/9</a:t>
             </a:fld>
             <a:endParaRPr lang="zh-CN" altLang="en-US"/>
           </a:p>
@@ -8919,7 +13763,7 @@
           <a:p>
             <a:fld id="{403374F6-491B-4410-BF99-DF51E2A038AC}" type="datetimeFigureOut">
               <a:rPr lang="zh-CN" altLang="en-US" smtClean="0"/>
-              <a:t>2021/2/5</a:t>
+              <a:t>2021/2/9</a:t>
             </a:fld>
             <a:endParaRPr lang="zh-CN" altLang="en-US"/>
           </a:p>
@@ -10302,6 +15146,125 @@
 </p:sld>
 </file>
 
+<file path=ppt/slides/slide9.xml><?xml version="1.0" encoding="utf-8"?>
+<p:sld xmlns:a="http://schemas.openxmlformats.org/drawingml/2006/main" xmlns:r="http://schemas.openxmlformats.org/officeDocument/2006/relationships" xmlns:p="http://schemas.openxmlformats.org/presentationml/2006/main">
+  <p:cSld>
+    <p:spTree>
+      <p:nvGrpSpPr>
+        <p:cNvPr id="1" name=""/>
+        <p:cNvGrpSpPr/>
+        <p:nvPr/>
+      </p:nvGrpSpPr>
+      <p:grpSpPr>
+        <a:xfrm>
+          <a:off x="0" y="0"/>
+          <a:ext cx="0" cy="0"/>
+          <a:chOff x="0" y="0"/>
+          <a:chExt cx="0" cy="0"/>
+        </a:xfrm>
+      </p:grpSpPr>
+      <p:graphicFrame>
+        <p:nvGraphicFramePr>
+          <p:cNvPr id="4" name="Content Placeholder 3">
+            <a:extLst>
+              <a:ext uri="{FF2B5EF4-FFF2-40B4-BE49-F238E27FC236}">
+                <a16:creationId xmlns:a16="http://schemas.microsoft.com/office/drawing/2014/main" id="{A6768D06-010D-465E-AFA2-D873E277C6E4}"/>
+              </a:ext>
+            </a:extLst>
+          </p:cNvPr>
+          <p:cNvGraphicFramePr>
+            <a:graphicFrameLocks noGrp="1"/>
+          </p:cNvGraphicFramePr>
+          <p:nvPr>
+            <p:ph idx="1"/>
+            <p:extLst>
+              <p:ext uri="{D42A27DB-BD31-4B8C-83A1-F6EECF244321}">
+                <p14:modId xmlns:p14="http://schemas.microsoft.com/office/powerpoint/2010/main" val="1165742354"/>
+              </p:ext>
+            </p:extLst>
+          </p:nvPr>
+        </p:nvGraphicFramePr>
+        <p:xfrm>
+          <a:off x="-1447800" y="-74645"/>
+          <a:ext cx="10515600" cy="6858000"/>
+        </p:xfrm>
+        <a:graphic>
+          <a:graphicData uri="http://schemas.openxmlformats.org/drawingml/2006/diagram">
+            <dgm:relIds xmlns:dgm="http://schemas.openxmlformats.org/drawingml/2006/diagram" xmlns:r="http://schemas.openxmlformats.org/officeDocument/2006/relationships" r:dm="rId2" r:lo="rId3" r:qs="rId4" r:cs="rId5"/>
+          </a:graphicData>
+        </a:graphic>
+      </p:graphicFrame>
+      <p:pic>
+        <p:nvPicPr>
+          <p:cNvPr id="6" name="Picture 5">
+            <a:extLst>
+              <a:ext uri="{FF2B5EF4-FFF2-40B4-BE49-F238E27FC236}">
+                <a16:creationId xmlns:a16="http://schemas.microsoft.com/office/drawing/2014/main" id="{1043498E-CC8A-4F90-BAC0-250BD6B5F258}"/>
+              </a:ext>
+            </a:extLst>
+          </p:cNvPr>
+          <p:cNvPicPr>
+            <a:picLocks noChangeAspect="1"/>
+          </p:cNvPicPr>
+          <p:nvPr/>
+        </p:nvPicPr>
+        <p:blipFill rotWithShape="1">
+          <a:blip r:embed="rId7"/>
+          <a:srcRect l="17770"/>
+          <a:stretch/>
+        </p:blipFill>
+        <p:spPr>
+          <a:xfrm>
+            <a:off x="5772539" y="5469305"/>
+            <a:ext cx="5004318" cy="1180952"/>
+          </a:xfrm>
+          <a:prstGeom prst="rect">
+            <a:avLst/>
+          </a:prstGeom>
+        </p:spPr>
+      </p:pic>
+      <p:pic>
+        <p:nvPicPr>
+          <p:cNvPr id="8" name="Picture 7">
+            <a:extLst>
+              <a:ext uri="{FF2B5EF4-FFF2-40B4-BE49-F238E27FC236}">
+                <a16:creationId xmlns:a16="http://schemas.microsoft.com/office/drawing/2014/main" id="{C8DCC6EF-3E57-4970-B14E-DAF66B105206}"/>
+              </a:ext>
+            </a:extLst>
+          </p:cNvPr>
+          <p:cNvPicPr>
+            <a:picLocks noChangeAspect="1"/>
+          </p:cNvPicPr>
+          <p:nvPr/>
+        </p:nvPicPr>
+        <p:blipFill rotWithShape="1">
+          <a:blip r:embed="rId8"/>
+          <a:srcRect l="13447"/>
+          <a:stretch/>
+        </p:blipFill>
+        <p:spPr>
+          <a:xfrm>
+            <a:off x="4851919" y="3603103"/>
+            <a:ext cx="6396734" cy="923810"/>
+          </a:xfrm>
+          <a:prstGeom prst="rect">
+            <a:avLst/>
+          </a:prstGeom>
+        </p:spPr>
+      </p:pic>
+    </p:spTree>
+    <p:extLst>
+      <p:ext uri="{BB962C8B-B14F-4D97-AF65-F5344CB8AC3E}">
+        <p14:creationId xmlns:p14="http://schemas.microsoft.com/office/powerpoint/2010/main" val="2682963236"/>
+      </p:ext>
+    </p:extLst>
+  </p:cSld>
+  <p:clrMapOvr>
+    <a:masterClrMapping/>
+  </p:clrMapOvr>
+</p:sld>
+</file>
+
 <file path=ppt/theme/theme1.xml><?xml version="1.0" encoding="utf-8"?>
 <a:theme xmlns:a="http://schemas.openxmlformats.org/drawingml/2006/main" name="Office Theme">
   <a:themeElements>

--- a/doc/CR-20210202.pptx
+++ b/doc/CR-20210202.pptx
@@ -11094,7 +11094,7 @@
           <a:p>
             <a:fld id="{403374F6-491B-4410-BF99-DF51E2A038AC}" type="datetimeFigureOut">
               <a:rPr lang="zh-CN" altLang="en-US" smtClean="0"/>
-              <a:t>2021/2/9</a:t>
+              <a:t>2021/2/10</a:t>
             </a:fld>
             <a:endParaRPr lang="zh-CN" altLang="en-US"/>
           </a:p>
@@ -11294,7 +11294,7 @@
           <a:p>
             <a:fld id="{403374F6-491B-4410-BF99-DF51E2A038AC}" type="datetimeFigureOut">
               <a:rPr lang="zh-CN" altLang="en-US" smtClean="0"/>
-              <a:t>2021/2/9</a:t>
+              <a:t>2021/2/10</a:t>
             </a:fld>
             <a:endParaRPr lang="zh-CN" altLang="en-US"/>
           </a:p>
@@ -11504,7 +11504,7 @@
           <a:p>
             <a:fld id="{403374F6-491B-4410-BF99-DF51E2A038AC}" type="datetimeFigureOut">
               <a:rPr lang="zh-CN" altLang="en-US" smtClean="0"/>
-              <a:t>2021/2/9</a:t>
+              <a:t>2021/2/10</a:t>
             </a:fld>
             <a:endParaRPr lang="zh-CN" altLang="en-US"/>
           </a:p>
@@ -11704,7 +11704,7 @@
           <a:p>
             <a:fld id="{403374F6-491B-4410-BF99-DF51E2A038AC}" type="datetimeFigureOut">
               <a:rPr lang="zh-CN" altLang="en-US" smtClean="0"/>
-              <a:t>2021/2/9</a:t>
+              <a:t>2021/2/10</a:t>
             </a:fld>
             <a:endParaRPr lang="zh-CN" altLang="en-US"/>
           </a:p>
@@ -11980,7 +11980,7 @@
           <a:p>
             <a:fld id="{403374F6-491B-4410-BF99-DF51E2A038AC}" type="datetimeFigureOut">
               <a:rPr lang="zh-CN" altLang="en-US" smtClean="0"/>
-              <a:t>2021/2/9</a:t>
+              <a:t>2021/2/10</a:t>
             </a:fld>
             <a:endParaRPr lang="zh-CN" altLang="en-US"/>
           </a:p>
@@ -12248,7 +12248,7 @@
           <a:p>
             <a:fld id="{403374F6-491B-4410-BF99-DF51E2A038AC}" type="datetimeFigureOut">
               <a:rPr lang="zh-CN" altLang="en-US" smtClean="0"/>
-              <a:t>2021/2/9</a:t>
+              <a:t>2021/2/10</a:t>
             </a:fld>
             <a:endParaRPr lang="zh-CN" altLang="en-US"/>
           </a:p>
@@ -12663,7 +12663,7 @@
           <a:p>
             <a:fld id="{403374F6-491B-4410-BF99-DF51E2A038AC}" type="datetimeFigureOut">
               <a:rPr lang="zh-CN" altLang="en-US" smtClean="0"/>
-              <a:t>2021/2/9</a:t>
+              <a:t>2021/2/10</a:t>
             </a:fld>
             <a:endParaRPr lang="zh-CN" altLang="en-US"/>
           </a:p>
@@ -12805,7 +12805,7 @@
           <a:p>
             <a:fld id="{403374F6-491B-4410-BF99-DF51E2A038AC}" type="datetimeFigureOut">
               <a:rPr lang="zh-CN" altLang="en-US" smtClean="0"/>
-              <a:t>2021/2/9</a:t>
+              <a:t>2021/2/10</a:t>
             </a:fld>
             <a:endParaRPr lang="zh-CN" altLang="en-US"/>
           </a:p>
@@ -12918,7 +12918,7 @@
           <a:p>
             <a:fld id="{403374F6-491B-4410-BF99-DF51E2A038AC}" type="datetimeFigureOut">
               <a:rPr lang="zh-CN" altLang="en-US" smtClean="0"/>
-              <a:t>2021/2/9</a:t>
+              <a:t>2021/2/10</a:t>
             </a:fld>
             <a:endParaRPr lang="zh-CN" altLang="en-US"/>
           </a:p>
@@ -13231,7 +13231,7 @@
           <a:p>
             <a:fld id="{403374F6-491B-4410-BF99-DF51E2A038AC}" type="datetimeFigureOut">
               <a:rPr lang="zh-CN" altLang="en-US" smtClean="0"/>
-              <a:t>2021/2/9</a:t>
+              <a:t>2021/2/10</a:t>
             </a:fld>
             <a:endParaRPr lang="zh-CN" altLang="en-US"/>
           </a:p>
@@ -13520,7 +13520,7 @@
           <a:p>
             <a:fld id="{403374F6-491B-4410-BF99-DF51E2A038AC}" type="datetimeFigureOut">
               <a:rPr lang="zh-CN" altLang="en-US" smtClean="0"/>
-              <a:t>2021/2/9</a:t>
+              <a:t>2021/2/10</a:t>
             </a:fld>
             <a:endParaRPr lang="zh-CN" altLang="en-US"/>
           </a:p>
@@ -13763,7 +13763,7 @@
           <a:p>
             <a:fld id="{403374F6-491B-4410-BF99-DF51E2A038AC}" type="datetimeFigureOut">
               <a:rPr lang="zh-CN" altLang="en-US" smtClean="0"/>
-              <a:t>2021/2/9</a:t>
+              <a:t>2021/2/10</a:t>
             </a:fld>
             <a:endParaRPr lang="zh-CN" altLang="en-US"/>
           </a:p>
@@ -14951,7 +14951,7 @@
         </p:blipFill>
         <p:spPr>
           <a:xfrm>
-            <a:off x="5965900" y="2057556"/>
+            <a:off x="5636219" y="2085846"/>
             <a:ext cx="6555781" cy="4175232"/>
           </a:xfrm>
           <a:prstGeom prst="rect">

--- a/doc/CR-20210202.pptx
+++ b/doc/CR-20210202.pptx
@@ -4,6 +4,9 @@
   <p:sldMasterIdLst>
     <p:sldMasterId id="2147483648" r:id="rId1"/>
   </p:sldMasterIdLst>
+  <p:notesMasterIdLst>
+    <p:notesMasterId r:id="rId11"/>
+  </p:notesMasterIdLst>
   <p:sldIdLst>
     <p:sldId id="257" r:id="rId2"/>
     <p:sldId id="260" r:id="rId3"/>
@@ -3644,7 +3647,7 @@
   <dgm:whole/>
   <dgm:extLst>
     <a:ext uri="http://schemas.microsoft.com/office/drawing/2008/diagram">
-      <dsp:dataModelExt xmlns:dsp="http://schemas.microsoft.com/office/drawing/2008/diagram" relId="rId6" minVer="http://schemas.openxmlformats.org/drawingml/2006/diagram"/>
+      <dsp:dataModelExt xmlns:dsp="http://schemas.microsoft.com/office/drawing/2008/diagram" relId="rId7" minVer="http://schemas.openxmlformats.org/drawingml/2006/diagram"/>
     </a:ext>
   </dgm:extLst>
 </dgm:dataModel>
@@ -10945,6 +10948,440 @@
 </dgm:styleDef>
 </file>
 
+<file path=ppt/notesMasters/notesMaster1.xml><?xml version="1.0" encoding="utf-8"?>
+<p:notesMaster xmlns:a="http://schemas.openxmlformats.org/drawingml/2006/main" xmlns:r="http://schemas.openxmlformats.org/officeDocument/2006/relationships" xmlns:p="http://schemas.openxmlformats.org/presentationml/2006/main">
+  <p:cSld>
+    <p:bg>
+      <p:bgRef idx="1001">
+        <a:schemeClr val="bg1"/>
+      </p:bgRef>
+    </p:bg>
+    <p:spTree>
+      <p:nvGrpSpPr>
+        <p:cNvPr id="1" name=""/>
+        <p:cNvGrpSpPr/>
+        <p:nvPr/>
+      </p:nvGrpSpPr>
+      <p:grpSpPr>
+        <a:xfrm>
+          <a:off x="0" y="0"/>
+          <a:ext cx="0" cy="0"/>
+          <a:chOff x="0" y="0"/>
+          <a:chExt cx="0" cy="0"/>
+        </a:xfrm>
+      </p:grpSpPr>
+      <p:sp>
+        <p:nvSpPr>
+          <p:cNvPr id="2" name="Header Placeholder 1"/>
+          <p:cNvSpPr>
+            <a:spLocks noGrp="1"/>
+          </p:cNvSpPr>
+          <p:nvPr>
+            <p:ph type="hdr" sz="quarter"/>
+          </p:nvPr>
+        </p:nvSpPr>
+        <p:spPr>
+          <a:xfrm>
+            <a:off x="0" y="0"/>
+            <a:ext cx="2971800" cy="458788"/>
+          </a:xfrm>
+          <a:prstGeom prst="rect">
+            <a:avLst/>
+          </a:prstGeom>
+        </p:spPr>
+        <p:txBody>
+          <a:bodyPr vert="horz" lIns="91440" tIns="45720" rIns="91440" bIns="45720" rtlCol="0"/>
+          <a:lstStyle>
+            <a:lvl1pPr algn="l">
+              <a:defRPr sz="1200"/>
+            </a:lvl1pPr>
+          </a:lstStyle>
+          <a:p>
+            <a:endParaRPr lang="zh-CN" altLang="en-US"/>
+          </a:p>
+        </p:txBody>
+      </p:sp>
+      <p:sp>
+        <p:nvSpPr>
+          <p:cNvPr id="3" name="Date Placeholder 2"/>
+          <p:cNvSpPr>
+            <a:spLocks noGrp="1"/>
+          </p:cNvSpPr>
+          <p:nvPr>
+            <p:ph type="dt" idx="1"/>
+          </p:nvPr>
+        </p:nvSpPr>
+        <p:spPr>
+          <a:xfrm>
+            <a:off x="3884613" y="0"/>
+            <a:ext cx="2971800" cy="458788"/>
+          </a:xfrm>
+          <a:prstGeom prst="rect">
+            <a:avLst/>
+          </a:prstGeom>
+        </p:spPr>
+        <p:txBody>
+          <a:bodyPr vert="horz" lIns="91440" tIns="45720" rIns="91440" bIns="45720" rtlCol="0"/>
+          <a:lstStyle>
+            <a:lvl1pPr algn="r">
+              <a:defRPr sz="1200"/>
+            </a:lvl1pPr>
+          </a:lstStyle>
+          <a:p>
+            <a:fld id="{9F42EE44-86D2-47F2-9C37-987C905F93D9}" type="datetimeFigureOut">
+              <a:rPr lang="zh-CN" altLang="en-US" smtClean="0"/>
+              <a:t>2021/2/19</a:t>
+            </a:fld>
+            <a:endParaRPr lang="zh-CN" altLang="en-US"/>
+          </a:p>
+        </p:txBody>
+      </p:sp>
+      <p:sp>
+        <p:nvSpPr>
+          <p:cNvPr id="4" name="Slide Image Placeholder 3"/>
+          <p:cNvSpPr>
+            <a:spLocks noGrp="1" noRot="1" noChangeAspect="1"/>
+          </p:cNvSpPr>
+          <p:nvPr>
+            <p:ph type="sldImg" idx="2"/>
+          </p:nvPr>
+        </p:nvSpPr>
+        <p:spPr>
+          <a:xfrm>
+            <a:off x="685800" y="1143000"/>
+            <a:ext cx="5486400" cy="3086100"/>
+          </a:xfrm>
+          <a:prstGeom prst="rect">
+            <a:avLst/>
+          </a:prstGeom>
+          <a:noFill/>
+          <a:ln w="12700">
+            <a:solidFill>
+              <a:prstClr val="black"/>
+            </a:solidFill>
+          </a:ln>
+        </p:spPr>
+        <p:txBody>
+          <a:bodyPr vert="horz" lIns="91440" tIns="45720" rIns="91440" bIns="45720" rtlCol="0" anchor="ctr"/>
+          <a:lstStyle/>
+          <a:p>
+            <a:endParaRPr lang="zh-CN" altLang="en-US"/>
+          </a:p>
+        </p:txBody>
+      </p:sp>
+      <p:sp>
+        <p:nvSpPr>
+          <p:cNvPr id="5" name="Notes Placeholder 4"/>
+          <p:cNvSpPr>
+            <a:spLocks noGrp="1"/>
+          </p:cNvSpPr>
+          <p:nvPr>
+            <p:ph type="body" sz="quarter" idx="3"/>
+          </p:nvPr>
+        </p:nvSpPr>
+        <p:spPr>
+          <a:xfrm>
+            <a:off x="685800" y="4400550"/>
+            <a:ext cx="5486400" cy="3600450"/>
+          </a:xfrm>
+          <a:prstGeom prst="rect">
+            <a:avLst/>
+          </a:prstGeom>
+        </p:spPr>
+        <p:txBody>
+          <a:bodyPr vert="horz" lIns="91440" tIns="45720" rIns="91440" bIns="45720" rtlCol="0"/>
+          <a:lstStyle/>
+          <a:p>
+            <a:pPr lvl="0"/>
+            <a:r>
+              <a:rPr lang="en-US" altLang="zh-CN"/>
+              <a:t>Click to edit Master text styles</a:t>
+            </a:r>
+          </a:p>
+          <a:p>
+            <a:pPr lvl="1"/>
+            <a:r>
+              <a:rPr lang="en-US" altLang="zh-CN"/>
+              <a:t>Second level</a:t>
+            </a:r>
+          </a:p>
+          <a:p>
+            <a:pPr lvl="2"/>
+            <a:r>
+              <a:rPr lang="en-US" altLang="zh-CN"/>
+              <a:t>Third level</a:t>
+            </a:r>
+          </a:p>
+          <a:p>
+            <a:pPr lvl="3"/>
+            <a:r>
+              <a:rPr lang="en-US" altLang="zh-CN"/>
+              <a:t>Fourth level</a:t>
+            </a:r>
+          </a:p>
+          <a:p>
+            <a:pPr lvl="4"/>
+            <a:r>
+              <a:rPr lang="en-US" altLang="zh-CN"/>
+              <a:t>Fifth level</a:t>
+            </a:r>
+            <a:endParaRPr lang="zh-CN" altLang="en-US"/>
+          </a:p>
+        </p:txBody>
+      </p:sp>
+      <p:sp>
+        <p:nvSpPr>
+          <p:cNvPr id="6" name="Footer Placeholder 5"/>
+          <p:cNvSpPr>
+            <a:spLocks noGrp="1"/>
+          </p:cNvSpPr>
+          <p:nvPr>
+            <p:ph type="ftr" sz="quarter" idx="4"/>
+          </p:nvPr>
+        </p:nvSpPr>
+        <p:spPr>
+          <a:xfrm>
+            <a:off x="0" y="8685213"/>
+            <a:ext cx="2971800" cy="458787"/>
+          </a:xfrm>
+          <a:prstGeom prst="rect">
+            <a:avLst/>
+          </a:prstGeom>
+        </p:spPr>
+        <p:txBody>
+          <a:bodyPr vert="horz" lIns="91440" tIns="45720" rIns="91440" bIns="45720" rtlCol="0" anchor="b"/>
+          <a:lstStyle>
+            <a:lvl1pPr algn="l">
+              <a:defRPr sz="1200"/>
+            </a:lvl1pPr>
+          </a:lstStyle>
+          <a:p>
+            <a:endParaRPr lang="zh-CN" altLang="en-US"/>
+          </a:p>
+        </p:txBody>
+      </p:sp>
+      <p:sp>
+        <p:nvSpPr>
+          <p:cNvPr id="7" name="Slide Number Placeholder 6"/>
+          <p:cNvSpPr>
+            <a:spLocks noGrp="1"/>
+          </p:cNvSpPr>
+          <p:nvPr>
+            <p:ph type="sldNum" sz="quarter" idx="5"/>
+          </p:nvPr>
+        </p:nvSpPr>
+        <p:spPr>
+          <a:xfrm>
+            <a:off x="3884613" y="8685213"/>
+            <a:ext cx="2971800" cy="458787"/>
+          </a:xfrm>
+          <a:prstGeom prst="rect">
+            <a:avLst/>
+          </a:prstGeom>
+        </p:spPr>
+        <p:txBody>
+          <a:bodyPr vert="horz" lIns="91440" tIns="45720" rIns="91440" bIns="45720" rtlCol="0" anchor="b"/>
+          <a:lstStyle>
+            <a:lvl1pPr algn="r">
+              <a:defRPr sz="1200"/>
+            </a:lvl1pPr>
+          </a:lstStyle>
+          <a:p>
+            <a:fld id="{B6696B2A-325C-4D01-83BE-6BF541CED433}" type="slidenum">
+              <a:rPr lang="zh-CN" altLang="en-US" smtClean="0"/>
+              <a:t>‹#›</a:t>
+            </a:fld>
+            <a:endParaRPr lang="zh-CN" altLang="en-US"/>
+          </a:p>
+        </p:txBody>
+      </p:sp>
+    </p:spTree>
+    <p:extLst>
+      <p:ext uri="{BB962C8B-B14F-4D97-AF65-F5344CB8AC3E}">
+        <p14:creationId xmlns:p14="http://schemas.microsoft.com/office/powerpoint/2010/main" val="236938760"/>
+      </p:ext>
+    </p:extLst>
+  </p:cSld>
+  <p:clrMap bg1="lt1" tx1="dk1" bg2="lt2" tx2="dk2" accent1="accent1" accent2="accent2" accent3="accent3" accent4="accent4" accent5="accent5" accent6="accent6" hlink="hlink" folHlink="folHlink"/>
+  <p:notesStyle>
+    <a:lvl1pPr marL="0" algn="l" defTabSz="914400" rtl="0" eaLnBrk="1" latinLnBrk="0" hangingPunct="1">
+      <a:defRPr sz="1200" kern="1200">
+        <a:solidFill>
+          <a:schemeClr val="tx1"/>
+        </a:solidFill>
+        <a:latin typeface="+mn-lt"/>
+        <a:ea typeface="+mn-ea"/>
+        <a:cs typeface="+mn-cs"/>
+      </a:defRPr>
+    </a:lvl1pPr>
+    <a:lvl2pPr marL="457200" algn="l" defTabSz="914400" rtl="0" eaLnBrk="1" latinLnBrk="0" hangingPunct="1">
+      <a:defRPr sz="1200" kern="1200">
+        <a:solidFill>
+          <a:schemeClr val="tx1"/>
+        </a:solidFill>
+        <a:latin typeface="+mn-lt"/>
+        <a:ea typeface="+mn-ea"/>
+        <a:cs typeface="+mn-cs"/>
+      </a:defRPr>
+    </a:lvl2pPr>
+    <a:lvl3pPr marL="914400" algn="l" defTabSz="914400" rtl="0" eaLnBrk="1" latinLnBrk="0" hangingPunct="1">
+      <a:defRPr sz="1200" kern="1200">
+        <a:solidFill>
+          <a:schemeClr val="tx1"/>
+        </a:solidFill>
+        <a:latin typeface="+mn-lt"/>
+        <a:ea typeface="+mn-ea"/>
+        <a:cs typeface="+mn-cs"/>
+      </a:defRPr>
+    </a:lvl3pPr>
+    <a:lvl4pPr marL="1371600" algn="l" defTabSz="914400" rtl="0" eaLnBrk="1" latinLnBrk="0" hangingPunct="1">
+      <a:defRPr sz="1200" kern="1200">
+        <a:solidFill>
+          <a:schemeClr val="tx1"/>
+        </a:solidFill>
+        <a:latin typeface="+mn-lt"/>
+        <a:ea typeface="+mn-ea"/>
+        <a:cs typeface="+mn-cs"/>
+      </a:defRPr>
+    </a:lvl4pPr>
+    <a:lvl5pPr marL="1828800" algn="l" defTabSz="914400" rtl="0" eaLnBrk="1" latinLnBrk="0" hangingPunct="1">
+      <a:defRPr sz="1200" kern="1200">
+        <a:solidFill>
+          <a:schemeClr val="tx1"/>
+        </a:solidFill>
+        <a:latin typeface="+mn-lt"/>
+        <a:ea typeface="+mn-ea"/>
+        <a:cs typeface="+mn-cs"/>
+      </a:defRPr>
+    </a:lvl5pPr>
+    <a:lvl6pPr marL="2286000" algn="l" defTabSz="914400" rtl="0" eaLnBrk="1" latinLnBrk="0" hangingPunct="1">
+      <a:defRPr sz="1200" kern="1200">
+        <a:solidFill>
+          <a:schemeClr val="tx1"/>
+        </a:solidFill>
+        <a:latin typeface="+mn-lt"/>
+        <a:ea typeface="+mn-ea"/>
+        <a:cs typeface="+mn-cs"/>
+      </a:defRPr>
+    </a:lvl6pPr>
+    <a:lvl7pPr marL="2743200" algn="l" defTabSz="914400" rtl="0" eaLnBrk="1" latinLnBrk="0" hangingPunct="1">
+      <a:defRPr sz="1200" kern="1200">
+        <a:solidFill>
+          <a:schemeClr val="tx1"/>
+        </a:solidFill>
+        <a:latin typeface="+mn-lt"/>
+        <a:ea typeface="+mn-ea"/>
+        <a:cs typeface="+mn-cs"/>
+      </a:defRPr>
+    </a:lvl7pPr>
+    <a:lvl8pPr marL="3200400" algn="l" defTabSz="914400" rtl="0" eaLnBrk="1" latinLnBrk="0" hangingPunct="1">
+      <a:defRPr sz="1200" kern="1200">
+        <a:solidFill>
+          <a:schemeClr val="tx1"/>
+        </a:solidFill>
+        <a:latin typeface="+mn-lt"/>
+        <a:ea typeface="+mn-ea"/>
+        <a:cs typeface="+mn-cs"/>
+      </a:defRPr>
+    </a:lvl8pPr>
+    <a:lvl9pPr marL="3657600" algn="l" defTabSz="914400" rtl="0" eaLnBrk="1" latinLnBrk="0" hangingPunct="1">
+      <a:defRPr sz="1200" kern="1200">
+        <a:solidFill>
+          <a:schemeClr val="tx1"/>
+        </a:solidFill>
+        <a:latin typeface="+mn-lt"/>
+        <a:ea typeface="+mn-ea"/>
+        <a:cs typeface="+mn-cs"/>
+      </a:defRPr>
+    </a:lvl9pPr>
+  </p:notesStyle>
+</p:notesMaster>
+</file>
+
+<file path=ppt/notesSlides/notesSlide1.xml><?xml version="1.0" encoding="utf-8"?>
+<p:notes xmlns:a="http://schemas.openxmlformats.org/drawingml/2006/main" xmlns:r="http://schemas.openxmlformats.org/officeDocument/2006/relationships" xmlns:p="http://schemas.openxmlformats.org/presentationml/2006/main">
+  <p:cSld>
+    <p:spTree>
+      <p:nvGrpSpPr>
+        <p:cNvPr id="1" name=""/>
+        <p:cNvGrpSpPr/>
+        <p:nvPr/>
+      </p:nvGrpSpPr>
+      <p:grpSpPr>
+        <a:xfrm>
+          <a:off x="0" y="0"/>
+          <a:ext cx="0" cy="0"/>
+          <a:chOff x="0" y="0"/>
+          <a:chExt cx="0" cy="0"/>
+        </a:xfrm>
+      </p:grpSpPr>
+      <p:sp>
+        <p:nvSpPr>
+          <p:cNvPr id="2" name="Slide Image Placeholder 1"/>
+          <p:cNvSpPr>
+            <a:spLocks noGrp="1" noRot="1" noChangeAspect="1"/>
+          </p:cNvSpPr>
+          <p:nvPr>
+            <p:ph type="sldImg"/>
+          </p:nvPr>
+        </p:nvSpPr>
+        <p:spPr/>
+      </p:sp>
+      <p:sp>
+        <p:nvSpPr>
+          <p:cNvPr id="3" name="Notes Placeholder 2"/>
+          <p:cNvSpPr>
+            <a:spLocks noGrp="1"/>
+          </p:cNvSpPr>
+          <p:nvPr>
+            <p:ph type="body" idx="1"/>
+          </p:nvPr>
+        </p:nvSpPr>
+        <p:spPr/>
+        <p:txBody>
+          <a:bodyPr/>
+          <a:lstStyle/>
+          <a:p>
+            <a:endParaRPr lang="zh-CN" altLang="en-US" dirty="0"/>
+          </a:p>
+        </p:txBody>
+      </p:sp>
+      <p:sp>
+        <p:nvSpPr>
+          <p:cNvPr id="4" name="Slide Number Placeholder 3"/>
+          <p:cNvSpPr>
+            <a:spLocks noGrp="1"/>
+          </p:cNvSpPr>
+          <p:nvPr>
+            <p:ph type="sldNum" sz="quarter" idx="5"/>
+          </p:nvPr>
+        </p:nvSpPr>
+        <p:spPr/>
+        <p:txBody>
+          <a:bodyPr/>
+          <a:lstStyle/>
+          <a:p>
+            <a:fld id="{B6696B2A-325C-4D01-83BE-6BF541CED433}" type="slidenum">
+              <a:rPr lang="zh-CN" altLang="en-US" smtClean="0"/>
+              <a:t>9</a:t>
+            </a:fld>
+            <a:endParaRPr lang="zh-CN" altLang="en-US"/>
+          </a:p>
+        </p:txBody>
+      </p:sp>
+    </p:spTree>
+    <p:extLst>
+      <p:ext uri="{BB962C8B-B14F-4D97-AF65-F5344CB8AC3E}">
+        <p14:creationId xmlns:p14="http://schemas.microsoft.com/office/powerpoint/2010/main" val="2583567273"/>
+      </p:ext>
+    </p:extLst>
+  </p:cSld>
+  <p:clrMapOvr>
+    <a:masterClrMapping/>
+  </p:clrMapOvr>
+</p:notes>
+</file>
+
 <file path=ppt/slideLayouts/slideLayout1.xml><?xml version="1.0" encoding="utf-8"?>
 <p:sldLayout xmlns:a="http://schemas.openxmlformats.org/drawingml/2006/main" xmlns:r="http://schemas.openxmlformats.org/officeDocument/2006/relationships" xmlns:p="http://schemas.openxmlformats.org/presentationml/2006/main" type="title" preserve="1">
   <p:cSld name="Title Slide">
@@ -11094,7 +11531,7 @@
           <a:p>
             <a:fld id="{403374F6-491B-4410-BF99-DF51E2A038AC}" type="datetimeFigureOut">
               <a:rPr lang="zh-CN" altLang="en-US" smtClean="0"/>
-              <a:t>2021/2/10</a:t>
+              <a:t>2021/2/19</a:t>
             </a:fld>
             <a:endParaRPr lang="zh-CN" altLang="en-US"/>
           </a:p>
@@ -11294,7 +11731,7 @@
           <a:p>
             <a:fld id="{403374F6-491B-4410-BF99-DF51E2A038AC}" type="datetimeFigureOut">
               <a:rPr lang="zh-CN" altLang="en-US" smtClean="0"/>
-              <a:t>2021/2/10</a:t>
+              <a:t>2021/2/19</a:t>
             </a:fld>
             <a:endParaRPr lang="zh-CN" altLang="en-US"/>
           </a:p>
@@ -11504,7 +11941,7 @@
           <a:p>
             <a:fld id="{403374F6-491B-4410-BF99-DF51E2A038AC}" type="datetimeFigureOut">
               <a:rPr lang="zh-CN" altLang="en-US" smtClean="0"/>
-              <a:t>2021/2/10</a:t>
+              <a:t>2021/2/19</a:t>
             </a:fld>
             <a:endParaRPr lang="zh-CN" altLang="en-US"/>
           </a:p>
@@ -11704,7 +12141,7 @@
           <a:p>
             <a:fld id="{403374F6-491B-4410-BF99-DF51E2A038AC}" type="datetimeFigureOut">
               <a:rPr lang="zh-CN" altLang="en-US" smtClean="0"/>
-              <a:t>2021/2/10</a:t>
+              <a:t>2021/2/19</a:t>
             </a:fld>
             <a:endParaRPr lang="zh-CN" altLang="en-US"/>
           </a:p>
@@ -11980,7 +12417,7 @@
           <a:p>
             <a:fld id="{403374F6-491B-4410-BF99-DF51E2A038AC}" type="datetimeFigureOut">
               <a:rPr lang="zh-CN" altLang="en-US" smtClean="0"/>
-              <a:t>2021/2/10</a:t>
+              <a:t>2021/2/19</a:t>
             </a:fld>
             <a:endParaRPr lang="zh-CN" altLang="en-US"/>
           </a:p>
@@ -12248,7 +12685,7 @@
           <a:p>
             <a:fld id="{403374F6-491B-4410-BF99-DF51E2A038AC}" type="datetimeFigureOut">
               <a:rPr lang="zh-CN" altLang="en-US" smtClean="0"/>
-              <a:t>2021/2/10</a:t>
+              <a:t>2021/2/19</a:t>
             </a:fld>
             <a:endParaRPr lang="zh-CN" altLang="en-US"/>
           </a:p>
@@ -12663,7 +13100,7 @@
           <a:p>
             <a:fld id="{403374F6-491B-4410-BF99-DF51E2A038AC}" type="datetimeFigureOut">
               <a:rPr lang="zh-CN" altLang="en-US" smtClean="0"/>
-              <a:t>2021/2/10</a:t>
+              <a:t>2021/2/19</a:t>
             </a:fld>
             <a:endParaRPr lang="zh-CN" altLang="en-US"/>
           </a:p>
@@ -12805,7 +13242,7 @@
           <a:p>
             <a:fld id="{403374F6-491B-4410-BF99-DF51E2A038AC}" type="datetimeFigureOut">
               <a:rPr lang="zh-CN" altLang="en-US" smtClean="0"/>
-              <a:t>2021/2/10</a:t>
+              <a:t>2021/2/19</a:t>
             </a:fld>
             <a:endParaRPr lang="zh-CN" altLang="en-US"/>
           </a:p>
@@ -12918,7 +13355,7 @@
           <a:p>
             <a:fld id="{403374F6-491B-4410-BF99-DF51E2A038AC}" type="datetimeFigureOut">
               <a:rPr lang="zh-CN" altLang="en-US" smtClean="0"/>
-              <a:t>2021/2/10</a:t>
+              <a:t>2021/2/19</a:t>
             </a:fld>
             <a:endParaRPr lang="zh-CN" altLang="en-US"/>
           </a:p>
@@ -13231,7 +13668,7 @@
           <a:p>
             <a:fld id="{403374F6-491B-4410-BF99-DF51E2A038AC}" type="datetimeFigureOut">
               <a:rPr lang="zh-CN" altLang="en-US" smtClean="0"/>
-              <a:t>2021/2/10</a:t>
+              <a:t>2021/2/19</a:t>
             </a:fld>
             <a:endParaRPr lang="zh-CN" altLang="en-US"/>
           </a:p>
@@ -13520,7 +13957,7 @@
           <a:p>
             <a:fld id="{403374F6-491B-4410-BF99-DF51E2A038AC}" type="datetimeFigureOut">
               <a:rPr lang="zh-CN" altLang="en-US" smtClean="0"/>
-              <a:t>2021/2/10</a:t>
+              <a:t>2021/2/19</a:t>
             </a:fld>
             <a:endParaRPr lang="zh-CN" altLang="en-US"/>
           </a:p>
@@ -13763,7 +14200,7 @@
           <a:p>
             <a:fld id="{403374F6-491B-4410-BF99-DF51E2A038AC}" type="datetimeFigureOut">
               <a:rPr lang="zh-CN" altLang="en-US" smtClean="0"/>
-              <a:t>2021/2/10</a:t>
+              <a:t>2021/2/19</a:t>
             </a:fld>
             <a:endParaRPr lang="zh-CN" altLang="en-US"/>
           </a:p>
@@ -15190,7 +15627,7 @@
         </p:xfrm>
         <a:graphic>
           <a:graphicData uri="http://schemas.openxmlformats.org/drawingml/2006/diagram">
-            <dgm:relIds xmlns:dgm="http://schemas.openxmlformats.org/drawingml/2006/diagram" xmlns:r="http://schemas.openxmlformats.org/officeDocument/2006/relationships" r:dm="rId2" r:lo="rId3" r:qs="rId4" r:cs="rId5"/>
+            <dgm:relIds xmlns:dgm="http://schemas.openxmlformats.org/drawingml/2006/diagram" xmlns:r="http://schemas.openxmlformats.org/officeDocument/2006/relationships" r:dm="rId3" r:lo="rId4" r:qs="rId5" r:cs="rId6"/>
           </a:graphicData>
         </a:graphic>
       </p:graphicFrame>
@@ -15209,7 +15646,7 @@
           <p:nvPr/>
         </p:nvPicPr>
         <p:blipFill rotWithShape="1">
-          <a:blip r:embed="rId7"/>
+          <a:blip r:embed="rId8"/>
           <a:srcRect l="17770"/>
           <a:stretch/>
         </p:blipFill>
@@ -15238,7 +15675,7 @@
           <p:nvPr/>
         </p:nvPicPr>
         <p:blipFill rotWithShape="1">
-          <a:blip r:embed="rId8"/>
+          <a:blip r:embed="rId9"/>
           <a:srcRect l="13447"/>
           <a:stretch/>
         </p:blipFill>
@@ -15252,6 +15689,50 @@
           </a:prstGeom>
         </p:spPr>
       </p:pic>
+      <p:sp>
+        <p:nvSpPr>
+          <p:cNvPr id="2" name="TextBox 1">
+            <a:extLst>
+              <a:ext uri="{FF2B5EF4-FFF2-40B4-BE49-F238E27FC236}">
+                <a16:creationId xmlns:a16="http://schemas.microsoft.com/office/drawing/2014/main" id="{B1FA71B9-8184-4887-962F-A89FFA1F9F8F}"/>
+              </a:ext>
+            </a:extLst>
+          </p:cNvPr>
+          <p:cNvSpPr txBox="1"/>
+          <p:nvPr/>
+        </p:nvSpPr>
+        <p:spPr>
+          <a:xfrm>
+            <a:off x="7403977" y="103497"/>
+            <a:ext cx="4261282" cy="923330"/>
+          </a:xfrm>
+          <a:prstGeom prst="rect">
+            <a:avLst/>
+          </a:prstGeom>
+          <a:noFill/>
+        </p:spPr>
+        <p:txBody>
+          <a:bodyPr wrap="square" rtlCol="0">
+            <a:spAutoFit/>
+          </a:bodyPr>
+          <a:lstStyle/>
+          <a:p>
+            <a:r>
+              <a:rPr lang="en-US" altLang="zh-CN" dirty="0"/>
+              <a:t>100</a:t>
+            </a:r>
+          </a:p>
+          <a:p>
+            <a:r>
+              <a:rPr lang="en-US" altLang="zh-CN"/>
+              <a:t>100*(1+1e-6*100)</a:t>
+            </a:r>
+          </a:p>
+          <a:p>
+            <a:endParaRPr lang="zh-CN" altLang="en-US" dirty="0"/>
+          </a:p>
+        </p:txBody>
+      </p:sp>
     </p:spTree>
     <p:extLst>
       <p:ext uri="{BB962C8B-B14F-4D97-AF65-F5344CB8AC3E}">
@@ -15558,4 +16039,299 @@
     </a:ext>
   </a:extLst>
 </a:theme>
+</file>
+
+<file path=ppt/theme/theme2.xml><?xml version="1.0" encoding="utf-8"?>
+<a:theme xmlns:a="http://schemas.openxmlformats.org/drawingml/2006/main" name="Office Theme">
+  <a:themeElements>
+    <a:clrScheme name="Office">
+      <a:dk1>
+        <a:sysClr val="windowText" lastClr="000000"/>
+      </a:dk1>
+      <a:lt1>
+        <a:sysClr val="window" lastClr="FFFFFF"/>
+      </a:lt1>
+      <a:dk2>
+        <a:srgbClr val="44546A"/>
+      </a:dk2>
+      <a:lt2>
+        <a:srgbClr val="E7E6E6"/>
+      </a:lt2>
+      <a:accent1>
+        <a:srgbClr val="4472C4"/>
+      </a:accent1>
+      <a:accent2>
+        <a:srgbClr val="ED7D31"/>
+      </a:accent2>
+      <a:accent3>
+        <a:srgbClr val="A5A5A5"/>
+      </a:accent3>
+      <a:accent4>
+        <a:srgbClr val="FFC000"/>
+      </a:accent4>
+      <a:accent5>
+        <a:srgbClr val="5B9BD5"/>
+      </a:accent5>
+      <a:accent6>
+        <a:srgbClr val="70AD47"/>
+      </a:accent6>
+      <a:hlink>
+        <a:srgbClr val="0563C1"/>
+      </a:hlink>
+      <a:folHlink>
+        <a:srgbClr val="954F72"/>
+      </a:folHlink>
+    </a:clrScheme>
+    <a:fontScheme name="Office">
+      <a:majorFont>
+        <a:latin typeface="等线 Light" panose="020F0302020204030204"/>
+        <a:ea typeface=""/>
+        <a:cs typeface=""/>
+        <a:font script="Jpan" typeface="游ゴシック Light"/>
+        <a:font script="Hang" typeface="맑은 고딕"/>
+        <a:font script="Hans" typeface="等线 Light"/>
+        <a:font script="Hant" typeface="新細明體"/>
+        <a:font script="Arab" typeface="Times New Roman"/>
+        <a:font script="Hebr" typeface="Times New Roman"/>
+        <a:font script="Thai" typeface="Angsana New"/>
+        <a:font script="Ethi" typeface="Nyala"/>
+        <a:font script="Beng" typeface="Vrinda"/>
+        <a:font script="Gujr" typeface="Shruti"/>
+        <a:font script="Khmr" typeface="MoolBoran"/>
+        <a:font script="Knda" typeface="Tunga"/>
+        <a:font script="Guru" typeface="Raavi"/>
+        <a:font script="Cans" typeface="Euphemia"/>
+        <a:font script="Cher" typeface="Plantagenet Cherokee"/>
+        <a:font script="Yiii" typeface="Microsoft Yi Baiti"/>
+        <a:font script="Tibt" typeface="Microsoft Himalaya"/>
+        <a:font script="Thaa" typeface="MV Boli"/>
+        <a:font script="Deva" typeface="Mangal"/>
+        <a:font script="Telu" typeface="Gautami"/>
+        <a:font script="Taml" typeface="Latha"/>
+        <a:font script="Syrc" typeface="Estrangelo Edessa"/>
+        <a:font script="Orya" typeface="Kalinga"/>
+        <a:font script="Mlym" typeface="Kartika"/>
+        <a:font script="Laoo" typeface="DokChampa"/>
+        <a:font script="Sinh" typeface="Iskoola Pota"/>
+        <a:font script="Mong" typeface="Mongolian Baiti"/>
+        <a:font script="Viet" typeface="Times New Roman"/>
+        <a:font script="Uigh" typeface="Microsoft Uighur"/>
+        <a:font script="Geor" typeface="Sylfaen"/>
+        <a:font script="Armn" typeface="Arial"/>
+        <a:font script="Bugi" typeface="Leelawadee UI"/>
+        <a:font script="Bopo" typeface="Microsoft JhengHei"/>
+        <a:font script="Java" typeface="Javanese Text"/>
+        <a:font script="Lisu" typeface="Segoe UI"/>
+        <a:font script="Mymr" typeface="Myanmar Text"/>
+        <a:font script="Nkoo" typeface="Ebrima"/>
+        <a:font script="Olck" typeface="Nirmala UI"/>
+        <a:font script="Osma" typeface="Ebrima"/>
+        <a:font script="Phag" typeface="Phagspa"/>
+        <a:font script="Syrn" typeface="Estrangelo Edessa"/>
+        <a:font script="Syrj" typeface="Estrangelo Edessa"/>
+        <a:font script="Syre" typeface="Estrangelo Edessa"/>
+        <a:font script="Sora" typeface="Nirmala UI"/>
+        <a:font script="Tale" typeface="Microsoft Tai Le"/>
+        <a:font script="Talu" typeface="Microsoft New Tai Lue"/>
+        <a:font script="Tfng" typeface="Ebrima"/>
+      </a:majorFont>
+      <a:minorFont>
+        <a:latin typeface="等线" panose="020F0502020204030204"/>
+        <a:ea typeface=""/>
+        <a:cs typeface=""/>
+        <a:font script="Jpan" typeface="游ゴシック"/>
+        <a:font script="Hang" typeface="맑은 고딕"/>
+        <a:font script="Hans" typeface="等线"/>
+        <a:font script="Hant" typeface="新細明體"/>
+        <a:font script="Arab" typeface="Arial"/>
+        <a:font script="Hebr" typeface="Arial"/>
+        <a:font script="Thai" typeface="Cordia New"/>
+        <a:font script="Ethi" typeface="Nyala"/>
+        <a:font script="Beng" typeface="Vrinda"/>
+        <a:font script="Gujr" typeface="Shruti"/>
+        <a:font script="Khmr" typeface="DaunPenh"/>
+        <a:font script="Knda" typeface="Tunga"/>
+        <a:font script="Guru" typeface="Raavi"/>
+        <a:font script="Cans" typeface="Euphemia"/>
+        <a:font script="Cher" typeface="Plantagenet Cherokee"/>
+        <a:font script="Yiii" typeface="Microsoft Yi Baiti"/>
+        <a:font script="Tibt" typeface="Microsoft Himalaya"/>
+        <a:font script="Thaa" typeface="MV Boli"/>
+        <a:font script="Deva" typeface="Mangal"/>
+        <a:font script="Telu" typeface="Gautami"/>
+        <a:font script="Taml" typeface="Latha"/>
+        <a:font script="Syrc" typeface="Estrangelo Edessa"/>
+        <a:font script="Orya" typeface="Kalinga"/>
+        <a:font script="Mlym" typeface="Kartika"/>
+        <a:font script="Laoo" typeface="DokChampa"/>
+        <a:font script="Sinh" typeface="Iskoola Pota"/>
+        <a:font script="Mong" typeface="Mongolian Baiti"/>
+        <a:font script="Viet" typeface="Arial"/>
+        <a:font script="Uigh" typeface="Microsoft Uighur"/>
+        <a:font script="Geor" typeface="Sylfaen"/>
+        <a:font script="Armn" typeface="Arial"/>
+        <a:font script="Bugi" typeface="Leelawadee UI"/>
+        <a:font script="Bopo" typeface="Microsoft JhengHei"/>
+        <a:font script="Java" typeface="Javanese Text"/>
+        <a:font script="Lisu" typeface="Segoe UI"/>
+        <a:font script="Mymr" typeface="Myanmar Text"/>
+        <a:font script="Nkoo" typeface="Ebrima"/>
+        <a:font script="Olck" typeface="Nirmala UI"/>
+        <a:font script="Osma" typeface="Ebrima"/>
+        <a:font script="Phag" typeface="Phagspa"/>
+        <a:font script="Syrn" typeface="Estrangelo Edessa"/>
+        <a:font script="Syrj" typeface="Estrangelo Edessa"/>
+        <a:font script="Syre" typeface="Estrangelo Edessa"/>
+        <a:font script="Sora" typeface="Nirmala UI"/>
+        <a:font script="Tale" typeface="Microsoft Tai Le"/>
+        <a:font script="Talu" typeface="Microsoft New Tai Lue"/>
+        <a:font script="Tfng" typeface="Ebrima"/>
+      </a:minorFont>
+    </a:fontScheme>
+    <a:fmtScheme name="Office">
+      <a:fillStyleLst>
+        <a:solidFill>
+          <a:schemeClr val="phClr"/>
+        </a:solidFill>
+        <a:gradFill rotWithShape="1">
+          <a:gsLst>
+            <a:gs pos="0">
+              <a:schemeClr val="phClr">
+                <a:lumMod val="110000"/>
+                <a:satMod val="105000"/>
+                <a:tint val="67000"/>
+              </a:schemeClr>
+            </a:gs>
+            <a:gs pos="50000">
+              <a:schemeClr val="phClr">
+                <a:lumMod val="105000"/>
+                <a:satMod val="103000"/>
+                <a:tint val="73000"/>
+              </a:schemeClr>
+            </a:gs>
+            <a:gs pos="100000">
+              <a:schemeClr val="phClr">
+                <a:lumMod val="105000"/>
+                <a:satMod val="109000"/>
+                <a:tint val="81000"/>
+              </a:schemeClr>
+            </a:gs>
+          </a:gsLst>
+          <a:lin ang="5400000" scaled="0"/>
+        </a:gradFill>
+        <a:gradFill rotWithShape="1">
+          <a:gsLst>
+            <a:gs pos="0">
+              <a:schemeClr val="phClr">
+                <a:satMod val="103000"/>
+                <a:lumMod val="102000"/>
+                <a:tint val="94000"/>
+              </a:schemeClr>
+            </a:gs>
+            <a:gs pos="50000">
+              <a:schemeClr val="phClr">
+                <a:satMod val="110000"/>
+                <a:lumMod val="100000"/>
+                <a:shade val="100000"/>
+              </a:schemeClr>
+            </a:gs>
+            <a:gs pos="100000">
+              <a:schemeClr val="phClr">
+                <a:lumMod val="99000"/>
+                <a:satMod val="120000"/>
+                <a:shade val="78000"/>
+              </a:schemeClr>
+            </a:gs>
+          </a:gsLst>
+          <a:lin ang="5400000" scaled="0"/>
+        </a:gradFill>
+      </a:fillStyleLst>
+      <a:lnStyleLst>
+        <a:ln w="6350" cap="flat" cmpd="sng" algn="ctr">
+          <a:solidFill>
+            <a:schemeClr val="phClr"/>
+          </a:solidFill>
+          <a:prstDash val="solid"/>
+          <a:miter lim="800000"/>
+        </a:ln>
+        <a:ln w="12700" cap="flat" cmpd="sng" algn="ctr">
+          <a:solidFill>
+            <a:schemeClr val="phClr"/>
+          </a:solidFill>
+          <a:prstDash val="solid"/>
+          <a:miter lim="800000"/>
+        </a:ln>
+        <a:ln w="19050" cap="flat" cmpd="sng" algn="ctr">
+          <a:solidFill>
+            <a:schemeClr val="phClr"/>
+          </a:solidFill>
+          <a:prstDash val="solid"/>
+          <a:miter lim="800000"/>
+        </a:ln>
+      </a:lnStyleLst>
+      <a:effectStyleLst>
+        <a:effectStyle>
+          <a:effectLst/>
+        </a:effectStyle>
+        <a:effectStyle>
+          <a:effectLst/>
+        </a:effectStyle>
+        <a:effectStyle>
+          <a:effectLst>
+            <a:outerShdw blurRad="57150" dist="19050" dir="5400000" algn="ctr" rotWithShape="0">
+              <a:srgbClr val="000000">
+                <a:alpha val="63000"/>
+              </a:srgbClr>
+            </a:outerShdw>
+          </a:effectLst>
+        </a:effectStyle>
+      </a:effectStyleLst>
+      <a:bgFillStyleLst>
+        <a:solidFill>
+          <a:schemeClr val="phClr"/>
+        </a:solidFill>
+        <a:solidFill>
+          <a:schemeClr val="phClr">
+            <a:tint val="95000"/>
+            <a:satMod val="170000"/>
+          </a:schemeClr>
+        </a:solidFill>
+        <a:gradFill rotWithShape="1">
+          <a:gsLst>
+            <a:gs pos="0">
+              <a:schemeClr val="phClr">
+                <a:tint val="93000"/>
+                <a:satMod val="150000"/>
+                <a:shade val="98000"/>
+                <a:lumMod val="102000"/>
+              </a:schemeClr>
+            </a:gs>
+            <a:gs pos="50000">
+              <a:schemeClr val="phClr">
+                <a:tint val="98000"/>
+                <a:satMod val="130000"/>
+                <a:shade val="90000"/>
+                <a:lumMod val="103000"/>
+              </a:schemeClr>
+            </a:gs>
+            <a:gs pos="100000">
+              <a:schemeClr val="phClr">
+                <a:shade val="63000"/>
+                <a:satMod val="120000"/>
+              </a:schemeClr>
+            </a:gs>
+          </a:gsLst>
+          <a:lin ang="5400000" scaled="0"/>
+        </a:gradFill>
+      </a:bgFillStyleLst>
+    </a:fmtScheme>
+  </a:themeElements>
+  <a:objectDefaults/>
+  <a:extraClrSchemeLst/>
+  <a:extLst>
+    <a:ext uri="{05A4C25C-085E-4340-85A3-A5531E510DB2}">
+      <thm15:themeFamily xmlns:thm15="http://schemas.microsoft.com/office/thememl/2012/main" name="Office Theme" id="{62F939B6-93AF-4DB8-9C6B-D6C7DFDC589F}" vid="{4A3C46E8-61CC-4603-A589-7422A47A8E4A}"/>
+    </a:ext>
+  </a:extLst>
+</a:theme>
 </file>
--- a/doc/CR-20210202.pptx
+++ b/doc/CR-20210202.pptx
@@ -5,7 +5,7 @@
     <p:sldMasterId id="2147483648" r:id="rId1"/>
   </p:sldMasterIdLst>
   <p:notesMasterIdLst>
-    <p:notesMasterId r:id="rId11"/>
+    <p:notesMasterId r:id="rId13"/>
   </p:notesMasterIdLst>
   <p:sldIdLst>
     <p:sldId id="257" r:id="rId2"/>
@@ -17,6 +17,8 @@
     <p:sldId id="263" r:id="rId8"/>
     <p:sldId id="264" r:id="rId9"/>
     <p:sldId id="265" r:id="rId10"/>
+    <p:sldId id="266" r:id="rId11"/>
+    <p:sldId id="267" r:id="rId12"/>
   </p:sldIdLst>
   <p:sldSz cx="12192000" cy="6858000"/>
   <p:notesSz cx="6858000" cy="9144000"/>
@@ -11030,7 +11032,7 @@
           <a:p>
             <a:fld id="{9F42EE44-86D2-47F2-9C37-987C905F93D9}" type="datetimeFigureOut">
               <a:rPr lang="zh-CN" altLang="en-US" smtClean="0"/>
-              <a:t>2021/2/19</a:t>
+              <a:t>2021/2/22</a:t>
             </a:fld>
             <a:endParaRPr lang="zh-CN" altLang="en-US"/>
           </a:p>
@@ -11531,7 +11533,7 @@
           <a:p>
             <a:fld id="{403374F6-491B-4410-BF99-DF51E2A038AC}" type="datetimeFigureOut">
               <a:rPr lang="zh-CN" altLang="en-US" smtClean="0"/>
-              <a:t>2021/2/19</a:t>
+              <a:t>2021/2/22</a:t>
             </a:fld>
             <a:endParaRPr lang="zh-CN" altLang="en-US"/>
           </a:p>
@@ -11731,7 +11733,7 @@
           <a:p>
             <a:fld id="{403374F6-491B-4410-BF99-DF51E2A038AC}" type="datetimeFigureOut">
               <a:rPr lang="zh-CN" altLang="en-US" smtClean="0"/>
-              <a:t>2021/2/19</a:t>
+              <a:t>2021/2/22</a:t>
             </a:fld>
             <a:endParaRPr lang="zh-CN" altLang="en-US"/>
           </a:p>
@@ -11941,7 +11943,7 @@
           <a:p>
             <a:fld id="{403374F6-491B-4410-BF99-DF51E2A038AC}" type="datetimeFigureOut">
               <a:rPr lang="zh-CN" altLang="en-US" smtClean="0"/>
-              <a:t>2021/2/19</a:t>
+              <a:t>2021/2/22</a:t>
             </a:fld>
             <a:endParaRPr lang="zh-CN" altLang="en-US"/>
           </a:p>
@@ -12141,7 +12143,7 @@
           <a:p>
             <a:fld id="{403374F6-491B-4410-BF99-DF51E2A038AC}" type="datetimeFigureOut">
               <a:rPr lang="zh-CN" altLang="en-US" smtClean="0"/>
-              <a:t>2021/2/19</a:t>
+              <a:t>2021/2/22</a:t>
             </a:fld>
             <a:endParaRPr lang="zh-CN" altLang="en-US"/>
           </a:p>
@@ -12417,7 +12419,7 @@
           <a:p>
             <a:fld id="{403374F6-491B-4410-BF99-DF51E2A038AC}" type="datetimeFigureOut">
               <a:rPr lang="zh-CN" altLang="en-US" smtClean="0"/>
-              <a:t>2021/2/19</a:t>
+              <a:t>2021/2/22</a:t>
             </a:fld>
             <a:endParaRPr lang="zh-CN" altLang="en-US"/>
           </a:p>
@@ -12685,7 +12687,7 @@
           <a:p>
             <a:fld id="{403374F6-491B-4410-BF99-DF51E2A038AC}" type="datetimeFigureOut">
               <a:rPr lang="zh-CN" altLang="en-US" smtClean="0"/>
-              <a:t>2021/2/19</a:t>
+              <a:t>2021/2/22</a:t>
             </a:fld>
             <a:endParaRPr lang="zh-CN" altLang="en-US"/>
           </a:p>
@@ -13100,7 +13102,7 @@
           <a:p>
             <a:fld id="{403374F6-491B-4410-BF99-DF51E2A038AC}" type="datetimeFigureOut">
               <a:rPr lang="zh-CN" altLang="en-US" smtClean="0"/>
-              <a:t>2021/2/19</a:t>
+              <a:t>2021/2/22</a:t>
             </a:fld>
             <a:endParaRPr lang="zh-CN" altLang="en-US"/>
           </a:p>
@@ -13242,7 +13244,7 @@
           <a:p>
             <a:fld id="{403374F6-491B-4410-BF99-DF51E2A038AC}" type="datetimeFigureOut">
               <a:rPr lang="zh-CN" altLang="en-US" smtClean="0"/>
-              <a:t>2021/2/19</a:t>
+              <a:t>2021/2/22</a:t>
             </a:fld>
             <a:endParaRPr lang="zh-CN" altLang="en-US"/>
           </a:p>
@@ -13355,7 +13357,7 @@
           <a:p>
             <a:fld id="{403374F6-491B-4410-BF99-DF51E2A038AC}" type="datetimeFigureOut">
               <a:rPr lang="zh-CN" altLang="en-US" smtClean="0"/>
-              <a:t>2021/2/19</a:t>
+              <a:t>2021/2/22</a:t>
             </a:fld>
             <a:endParaRPr lang="zh-CN" altLang="en-US"/>
           </a:p>
@@ -13668,7 +13670,7 @@
           <a:p>
             <a:fld id="{403374F6-491B-4410-BF99-DF51E2A038AC}" type="datetimeFigureOut">
               <a:rPr lang="zh-CN" altLang="en-US" smtClean="0"/>
-              <a:t>2021/2/19</a:t>
+              <a:t>2021/2/22</a:t>
             </a:fld>
             <a:endParaRPr lang="zh-CN" altLang="en-US"/>
           </a:p>
@@ -13957,7 +13959,7 @@
           <a:p>
             <a:fld id="{403374F6-491B-4410-BF99-DF51E2A038AC}" type="datetimeFigureOut">
               <a:rPr lang="zh-CN" altLang="en-US" smtClean="0"/>
-              <a:t>2021/2/19</a:t>
+              <a:t>2021/2/22</a:t>
             </a:fld>
             <a:endParaRPr lang="zh-CN" altLang="en-US"/>
           </a:p>
@@ -14200,7 +14202,7 @@
           <a:p>
             <a:fld id="{403374F6-491B-4410-BF99-DF51E2A038AC}" type="datetimeFigureOut">
               <a:rPr lang="zh-CN" altLang="en-US" smtClean="0"/>
-              <a:t>2021/2/19</a:t>
+              <a:t>2021/2/22</a:t>
             </a:fld>
             <a:endParaRPr lang="zh-CN" altLang="en-US"/>
           </a:p>
@@ -14731,6 +14733,390 @@
     <p:extLst>
       <p:ext uri="{BB962C8B-B14F-4D97-AF65-F5344CB8AC3E}">
         <p14:creationId xmlns:p14="http://schemas.microsoft.com/office/powerpoint/2010/main" val="655573959"/>
+      </p:ext>
+    </p:extLst>
+  </p:cSld>
+  <p:clrMapOvr>
+    <a:masterClrMapping/>
+  </p:clrMapOvr>
+</p:sld>
+</file>
+
+<file path=ppt/slides/slide10.xml><?xml version="1.0" encoding="utf-8"?>
+<p:sld xmlns:a="http://schemas.openxmlformats.org/drawingml/2006/main" xmlns:r="http://schemas.openxmlformats.org/officeDocument/2006/relationships" xmlns:p="http://schemas.openxmlformats.org/presentationml/2006/main">
+  <p:cSld>
+    <p:spTree>
+      <p:nvGrpSpPr>
+        <p:cNvPr id="1" name=""/>
+        <p:cNvGrpSpPr/>
+        <p:nvPr/>
+      </p:nvGrpSpPr>
+      <p:grpSpPr>
+        <a:xfrm>
+          <a:off x="0" y="0"/>
+          <a:ext cx="0" cy="0"/>
+          <a:chOff x="0" y="0"/>
+          <a:chExt cx="0" cy="0"/>
+        </a:xfrm>
+      </p:grpSpPr>
+      <p:sp>
+        <p:nvSpPr>
+          <p:cNvPr id="2" name="Title 1">
+            <a:extLst>
+              <a:ext uri="{FF2B5EF4-FFF2-40B4-BE49-F238E27FC236}">
+                <a16:creationId xmlns:a16="http://schemas.microsoft.com/office/drawing/2014/main" id="{63D582C7-3082-4687-8C8E-7F290A7B3D43}"/>
+              </a:ext>
+            </a:extLst>
+          </p:cNvPr>
+          <p:cNvSpPr>
+            <a:spLocks noGrp="1"/>
+          </p:cNvSpPr>
+          <p:nvPr>
+            <p:ph type="title"/>
+          </p:nvPr>
+        </p:nvSpPr>
+        <p:spPr/>
+        <p:txBody>
+          <a:bodyPr/>
+          <a:lstStyle/>
+          <a:p>
+            <a:endParaRPr lang="en-US"/>
+          </a:p>
+        </p:txBody>
+      </p:sp>
+      <p:sp>
+        <p:nvSpPr>
+          <p:cNvPr id="3" name="Content Placeholder 2">
+            <a:extLst>
+              <a:ext uri="{FF2B5EF4-FFF2-40B4-BE49-F238E27FC236}">
+                <a16:creationId xmlns:a16="http://schemas.microsoft.com/office/drawing/2014/main" id="{2E32CB27-FB90-4BE4-AD86-7B15E8098132}"/>
+              </a:ext>
+            </a:extLst>
+          </p:cNvPr>
+          <p:cNvSpPr>
+            <a:spLocks noGrp="1"/>
+          </p:cNvSpPr>
+          <p:nvPr>
+            <p:ph idx="1"/>
+          </p:nvPr>
+        </p:nvSpPr>
+        <p:spPr/>
+        <p:txBody>
+          <a:bodyPr/>
+          <a:lstStyle/>
+          <a:p>
+            <a:endParaRPr lang="en-US" dirty="0"/>
+          </a:p>
+        </p:txBody>
+      </p:sp>
+      <p:pic>
+        <p:nvPicPr>
+          <p:cNvPr id="5" name="Picture 4">
+            <a:extLst>
+              <a:ext uri="{FF2B5EF4-FFF2-40B4-BE49-F238E27FC236}">
+                <a16:creationId xmlns:a16="http://schemas.microsoft.com/office/drawing/2014/main" id="{3FBC6C72-C3AB-41F3-8A83-481AE50E9138}"/>
+              </a:ext>
+            </a:extLst>
+          </p:cNvPr>
+          <p:cNvPicPr>
+            <a:picLocks noChangeAspect="1"/>
+          </p:cNvPicPr>
+          <p:nvPr/>
+        </p:nvPicPr>
+        <p:blipFill>
+          <a:blip r:embed="rId2"/>
+          <a:stretch>
+            <a:fillRect/>
+          </a:stretch>
+        </p:blipFill>
+        <p:spPr>
+          <a:xfrm>
+            <a:off x="0" y="0"/>
+            <a:ext cx="6655363" cy="3776358"/>
+          </a:xfrm>
+          <a:prstGeom prst="rect">
+            <a:avLst/>
+          </a:prstGeom>
+        </p:spPr>
+      </p:pic>
+      <p:pic>
+        <p:nvPicPr>
+          <p:cNvPr id="7" name="Picture 6">
+            <a:extLst>
+              <a:ext uri="{FF2B5EF4-FFF2-40B4-BE49-F238E27FC236}">
+                <a16:creationId xmlns:a16="http://schemas.microsoft.com/office/drawing/2014/main" id="{12186EA3-CF32-461C-AC90-BD74A2D70156}"/>
+              </a:ext>
+            </a:extLst>
+          </p:cNvPr>
+          <p:cNvPicPr>
+            <a:picLocks noChangeAspect="1"/>
+          </p:cNvPicPr>
+          <p:nvPr/>
+        </p:nvPicPr>
+        <p:blipFill>
+          <a:blip r:embed="rId3"/>
+          <a:stretch>
+            <a:fillRect/>
+          </a:stretch>
+        </p:blipFill>
+        <p:spPr>
+          <a:xfrm>
+            <a:off x="4610911" y="3846957"/>
+            <a:ext cx="7581089" cy="2957541"/>
+          </a:xfrm>
+          <a:prstGeom prst="rect">
+            <a:avLst/>
+          </a:prstGeom>
+        </p:spPr>
+      </p:pic>
+      <p:sp>
+        <p:nvSpPr>
+          <p:cNvPr id="8" name="Rectangle 7">
+            <a:extLst>
+              <a:ext uri="{FF2B5EF4-FFF2-40B4-BE49-F238E27FC236}">
+                <a16:creationId xmlns:a16="http://schemas.microsoft.com/office/drawing/2014/main" id="{D8C887EA-29F6-4D46-9D52-7023E87BAF83}"/>
+              </a:ext>
+            </a:extLst>
+          </p:cNvPr>
+          <p:cNvSpPr/>
+          <p:nvPr/>
+        </p:nvSpPr>
+        <p:spPr>
+          <a:xfrm>
+            <a:off x="0" y="-97277"/>
+            <a:ext cx="1838528" cy="710120"/>
+          </a:xfrm>
+          <a:prstGeom prst="rect">
+            <a:avLst/>
+          </a:prstGeom>
+          <a:noFill/>
+          <a:ln>
+            <a:solidFill>
+              <a:srgbClr val="FF0000"/>
+            </a:solidFill>
+          </a:ln>
+        </p:spPr>
+        <p:style>
+          <a:lnRef idx="2">
+            <a:schemeClr val="accent1">
+              <a:shade val="50000"/>
+            </a:schemeClr>
+          </a:lnRef>
+          <a:fillRef idx="1">
+            <a:schemeClr val="accent1"/>
+          </a:fillRef>
+          <a:effectRef idx="0">
+            <a:schemeClr val="accent1"/>
+          </a:effectRef>
+          <a:fontRef idx="minor">
+            <a:schemeClr val="lt1"/>
+          </a:fontRef>
+        </p:style>
+        <p:txBody>
+          <a:bodyPr rtlCol="0" anchor="ctr"/>
+          <a:lstStyle/>
+          <a:p>
+            <a:pPr algn="ctr"/>
+            <a:endParaRPr lang="en-US"/>
+          </a:p>
+        </p:txBody>
+      </p:sp>
+      <p:sp>
+        <p:nvSpPr>
+          <p:cNvPr id="9" name="Rectangle 8">
+            <a:extLst>
+              <a:ext uri="{FF2B5EF4-FFF2-40B4-BE49-F238E27FC236}">
+                <a16:creationId xmlns:a16="http://schemas.microsoft.com/office/drawing/2014/main" id="{B62492B5-022F-4D30-9310-351567868253}"/>
+              </a:ext>
+            </a:extLst>
+          </p:cNvPr>
+          <p:cNvSpPr/>
+          <p:nvPr/>
+        </p:nvSpPr>
+        <p:spPr>
+          <a:xfrm>
+            <a:off x="4526437" y="3786423"/>
+            <a:ext cx="1838528" cy="710120"/>
+          </a:xfrm>
+          <a:prstGeom prst="rect">
+            <a:avLst/>
+          </a:prstGeom>
+          <a:noFill/>
+          <a:ln>
+            <a:solidFill>
+              <a:srgbClr val="FF0000"/>
+            </a:solidFill>
+          </a:ln>
+        </p:spPr>
+        <p:style>
+          <a:lnRef idx="2">
+            <a:schemeClr val="accent1">
+              <a:shade val="50000"/>
+            </a:schemeClr>
+          </a:lnRef>
+          <a:fillRef idx="1">
+            <a:schemeClr val="accent1"/>
+          </a:fillRef>
+          <a:effectRef idx="0">
+            <a:schemeClr val="accent1"/>
+          </a:effectRef>
+          <a:fontRef idx="minor">
+            <a:schemeClr val="lt1"/>
+          </a:fontRef>
+        </p:style>
+        <p:txBody>
+          <a:bodyPr rtlCol="0" anchor="ctr"/>
+          <a:lstStyle/>
+          <a:p>
+            <a:pPr algn="ctr"/>
+            <a:endParaRPr lang="en-US"/>
+          </a:p>
+        </p:txBody>
+      </p:sp>
+    </p:spTree>
+    <p:extLst>
+      <p:ext uri="{BB962C8B-B14F-4D97-AF65-F5344CB8AC3E}">
+        <p14:creationId xmlns:p14="http://schemas.microsoft.com/office/powerpoint/2010/main" val="2471396295"/>
+      </p:ext>
+    </p:extLst>
+  </p:cSld>
+  <p:clrMapOvr>
+    <a:masterClrMapping/>
+  </p:clrMapOvr>
+</p:sld>
+</file>
+
+<file path=ppt/slides/slide11.xml><?xml version="1.0" encoding="utf-8"?>
+<p:sld xmlns:a="http://schemas.openxmlformats.org/drawingml/2006/main" xmlns:r="http://schemas.openxmlformats.org/officeDocument/2006/relationships" xmlns:p="http://schemas.openxmlformats.org/presentationml/2006/main">
+  <p:cSld>
+    <p:spTree>
+      <p:nvGrpSpPr>
+        <p:cNvPr id="1" name=""/>
+        <p:cNvGrpSpPr/>
+        <p:nvPr/>
+      </p:nvGrpSpPr>
+      <p:grpSpPr>
+        <a:xfrm>
+          <a:off x="0" y="0"/>
+          <a:ext cx="0" cy="0"/>
+          <a:chOff x="0" y="0"/>
+          <a:chExt cx="0" cy="0"/>
+        </a:xfrm>
+      </p:grpSpPr>
+      <p:sp>
+        <p:nvSpPr>
+          <p:cNvPr id="2" name="Title 1">
+            <a:extLst>
+              <a:ext uri="{FF2B5EF4-FFF2-40B4-BE49-F238E27FC236}">
+                <a16:creationId xmlns:a16="http://schemas.microsoft.com/office/drawing/2014/main" id="{6FD13D82-5821-4B9F-BD3C-2B1586860B92}"/>
+              </a:ext>
+            </a:extLst>
+          </p:cNvPr>
+          <p:cNvSpPr>
+            <a:spLocks noGrp="1"/>
+          </p:cNvSpPr>
+          <p:nvPr>
+            <p:ph type="title"/>
+          </p:nvPr>
+        </p:nvSpPr>
+        <p:spPr/>
+        <p:txBody>
+          <a:bodyPr/>
+          <a:lstStyle/>
+          <a:p>
+            <a:endParaRPr lang="en-US"/>
+          </a:p>
+        </p:txBody>
+      </p:sp>
+      <p:sp>
+        <p:nvSpPr>
+          <p:cNvPr id="3" name="Content Placeholder 2">
+            <a:extLst>
+              <a:ext uri="{FF2B5EF4-FFF2-40B4-BE49-F238E27FC236}">
+                <a16:creationId xmlns:a16="http://schemas.microsoft.com/office/drawing/2014/main" id="{7873B32B-C0A0-40D2-8646-93F849065103}"/>
+              </a:ext>
+            </a:extLst>
+          </p:cNvPr>
+          <p:cNvSpPr>
+            <a:spLocks noGrp="1"/>
+          </p:cNvSpPr>
+          <p:nvPr>
+            <p:ph idx="1"/>
+          </p:nvPr>
+        </p:nvSpPr>
+        <p:spPr/>
+        <p:txBody>
+          <a:bodyPr/>
+          <a:lstStyle/>
+          <a:p>
+            <a:endParaRPr lang="en-US" dirty="0"/>
+          </a:p>
+        </p:txBody>
+      </p:sp>
+      <p:pic>
+        <p:nvPicPr>
+          <p:cNvPr id="5" name="Picture 4">
+            <a:extLst>
+              <a:ext uri="{FF2B5EF4-FFF2-40B4-BE49-F238E27FC236}">
+                <a16:creationId xmlns:a16="http://schemas.microsoft.com/office/drawing/2014/main" id="{4EB7A091-1702-439F-A7FC-8BC852E71C6B}"/>
+              </a:ext>
+            </a:extLst>
+          </p:cNvPr>
+          <p:cNvPicPr>
+            <a:picLocks noChangeAspect="1"/>
+          </p:cNvPicPr>
+          <p:nvPr/>
+        </p:nvPicPr>
+        <p:blipFill>
+          <a:blip r:embed="rId2"/>
+          <a:stretch>
+            <a:fillRect/>
+          </a:stretch>
+        </p:blipFill>
+        <p:spPr>
+          <a:xfrm>
+            <a:off x="0" y="0"/>
+            <a:ext cx="6478621" cy="3885826"/>
+          </a:xfrm>
+          <a:prstGeom prst="rect">
+            <a:avLst/>
+          </a:prstGeom>
+        </p:spPr>
+      </p:pic>
+      <p:pic>
+        <p:nvPicPr>
+          <p:cNvPr id="7" name="Picture 6">
+            <a:extLst>
+              <a:ext uri="{FF2B5EF4-FFF2-40B4-BE49-F238E27FC236}">
+                <a16:creationId xmlns:a16="http://schemas.microsoft.com/office/drawing/2014/main" id="{EC51FB25-6F56-4DB0-A397-FB0AB81AF07B}"/>
+              </a:ext>
+            </a:extLst>
+          </p:cNvPr>
+          <p:cNvPicPr>
+            <a:picLocks noChangeAspect="1"/>
+          </p:cNvPicPr>
+          <p:nvPr/>
+        </p:nvPicPr>
+        <p:blipFill>
+          <a:blip r:embed="rId3"/>
+          <a:stretch>
+            <a:fillRect/>
+          </a:stretch>
+        </p:blipFill>
+        <p:spPr>
+          <a:xfrm>
+            <a:off x="5836596" y="3535305"/>
+            <a:ext cx="6355404" cy="3406834"/>
+          </a:xfrm>
+          <a:prstGeom prst="rect">
+            <a:avLst/>
+          </a:prstGeom>
+        </p:spPr>
+      </p:pic>
+    </p:spTree>
+    <p:extLst>
+      <p:ext uri="{BB962C8B-B14F-4D97-AF65-F5344CB8AC3E}">
+        <p14:creationId xmlns:p14="http://schemas.microsoft.com/office/powerpoint/2010/main" val="1444235832"/>
       </p:ext>
     </p:extLst>
   </p:cSld>

--- a/doc/CR-20210202.pptx
+++ b/doc/CR-20210202.pptx
@@ -5,7 +5,7 @@
     <p:sldMasterId id="2147483648" r:id="rId1"/>
   </p:sldMasterIdLst>
   <p:notesMasterIdLst>
-    <p:notesMasterId r:id="rId13"/>
+    <p:notesMasterId r:id="rId16"/>
   </p:notesMasterIdLst>
   <p:sldIdLst>
     <p:sldId id="257" r:id="rId2"/>
@@ -17,8 +17,11 @@
     <p:sldId id="263" r:id="rId8"/>
     <p:sldId id="264" r:id="rId9"/>
     <p:sldId id="265" r:id="rId10"/>
-    <p:sldId id="266" r:id="rId11"/>
-    <p:sldId id="267" r:id="rId12"/>
+    <p:sldId id="268" r:id="rId11"/>
+    <p:sldId id="266" r:id="rId12"/>
+    <p:sldId id="267" r:id="rId13"/>
+    <p:sldId id="269" r:id="rId14"/>
+    <p:sldId id="270" r:id="rId15"/>
   </p:sldIdLst>
   <p:sldSz cx="12192000" cy="6858000"/>
   <p:notesSz cx="6858000" cy="9144000"/>
@@ -1620,6 +1623,753 @@
 </file>
 
 <file path=ppt/diagrams/colors3.xml><?xml version="1.0" encoding="utf-8"?>
+<dgm:colorsDef xmlns:dgm="http://schemas.openxmlformats.org/drawingml/2006/diagram" xmlns:a="http://schemas.openxmlformats.org/drawingml/2006/main" uniqueId="urn:microsoft.com/office/officeart/2005/8/colors/accent1_2">
+  <dgm:title val=""/>
+  <dgm:desc val=""/>
+  <dgm:catLst>
+    <dgm:cat type="accent1" pri="11200"/>
+  </dgm:catLst>
+  <dgm:styleLbl name="node0">
+    <dgm:fillClrLst meth="repeat">
+      <a:schemeClr val="accent1"/>
+    </dgm:fillClrLst>
+    <dgm:linClrLst meth="repeat">
+      <a:schemeClr val="lt1"/>
+    </dgm:linClrLst>
+    <dgm:effectClrLst/>
+    <dgm:txLinClrLst/>
+    <dgm:txFillClrLst/>
+    <dgm:txEffectClrLst/>
+  </dgm:styleLbl>
+  <dgm:styleLbl name="alignNode1">
+    <dgm:fillClrLst meth="repeat">
+      <a:schemeClr val="accent1"/>
+    </dgm:fillClrLst>
+    <dgm:linClrLst meth="repeat">
+      <a:schemeClr val="accent1"/>
+    </dgm:linClrLst>
+    <dgm:effectClrLst/>
+    <dgm:txLinClrLst/>
+    <dgm:txFillClrLst/>
+    <dgm:txEffectClrLst/>
+  </dgm:styleLbl>
+  <dgm:styleLbl name="node1">
+    <dgm:fillClrLst meth="repeat">
+      <a:schemeClr val="accent1"/>
+    </dgm:fillClrLst>
+    <dgm:linClrLst meth="repeat">
+      <a:schemeClr val="lt1"/>
+    </dgm:linClrLst>
+    <dgm:effectClrLst/>
+    <dgm:txLinClrLst/>
+    <dgm:txFillClrLst/>
+    <dgm:txEffectClrLst/>
+  </dgm:styleLbl>
+  <dgm:styleLbl name="lnNode1">
+    <dgm:fillClrLst meth="repeat">
+      <a:schemeClr val="accent1"/>
+    </dgm:fillClrLst>
+    <dgm:linClrLst meth="repeat">
+      <a:schemeClr val="lt1"/>
+    </dgm:linClrLst>
+    <dgm:effectClrLst/>
+    <dgm:txLinClrLst/>
+    <dgm:txFillClrLst/>
+    <dgm:txEffectClrLst/>
+  </dgm:styleLbl>
+  <dgm:styleLbl name="vennNode1">
+    <dgm:fillClrLst meth="repeat">
+      <a:schemeClr val="accent1">
+        <a:alpha val="50000"/>
+      </a:schemeClr>
+    </dgm:fillClrLst>
+    <dgm:linClrLst meth="repeat">
+      <a:schemeClr val="lt1"/>
+    </dgm:linClrLst>
+    <dgm:effectClrLst/>
+    <dgm:txLinClrLst/>
+    <dgm:txFillClrLst/>
+    <dgm:txEffectClrLst/>
+  </dgm:styleLbl>
+  <dgm:styleLbl name="node2">
+    <dgm:fillClrLst meth="repeat">
+      <a:schemeClr val="accent1"/>
+    </dgm:fillClrLst>
+    <dgm:linClrLst meth="repeat">
+      <a:schemeClr val="lt1"/>
+    </dgm:linClrLst>
+    <dgm:effectClrLst/>
+    <dgm:txLinClrLst/>
+    <dgm:txFillClrLst/>
+    <dgm:txEffectClrLst/>
+  </dgm:styleLbl>
+  <dgm:styleLbl name="node3">
+    <dgm:fillClrLst meth="repeat">
+      <a:schemeClr val="accent1"/>
+    </dgm:fillClrLst>
+    <dgm:linClrLst meth="repeat">
+      <a:schemeClr val="lt1"/>
+    </dgm:linClrLst>
+    <dgm:effectClrLst/>
+    <dgm:txLinClrLst/>
+    <dgm:txFillClrLst/>
+    <dgm:txEffectClrLst/>
+  </dgm:styleLbl>
+  <dgm:styleLbl name="node4">
+    <dgm:fillClrLst meth="repeat">
+      <a:schemeClr val="accent1"/>
+    </dgm:fillClrLst>
+    <dgm:linClrLst meth="repeat">
+      <a:schemeClr val="lt1"/>
+    </dgm:linClrLst>
+    <dgm:effectClrLst/>
+    <dgm:txLinClrLst/>
+    <dgm:txFillClrLst/>
+    <dgm:txEffectClrLst/>
+  </dgm:styleLbl>
+  <dgm:styleLbl name="fgImgPlace1">
+    <dgm:fillClrLst meth="repeat">
+      <a:schemeClr val="accent1">
+        <a:tint val="50000"/>
+      </a:schemeClr>
+    </dgm:fillClrLst>
+    <dgm:linClrLst meth="repeat">
+      <a:schemeClr val="lt1"/>
+    </dgm:linClrLst>
+    <dgm:effectClrLst/>
+    <dgm:txLinClrLst/>
+    <dgm:txFillClrLst meth="repeat">
+      <a:schemeClr val="lt1"/>
+    </dgm:txFillClrLst>
+    <dgm:txEffectClrLst/>
+  </dgm:styleLbl>
+  <dgm:styleLbl name="alignImgPlace1">
+    <dgm:fillClrLst meth="repeat">
+      <a:schemeClr val="accent1">
+        <a:tint val="50000"/>
+      </a:schemeClr>
+    </dgm:fillClrLst>
+    <dgm:linClrLst meth="repeat">
+      <a:schemeClr val="lt1"/>
+    </dgm:linClrLst>
+    <dgm:effectClrLst/>
+    <dgm:txLinClrLst/>
+    <dgm:txFillClrLst meth="repeat">
+      <a:schemeClr val="lt1"/>
+    </dgm:txFillClrLst>
+    <dgm:txEffectClrLst/>
+  </dgm:styleLbl>
+  <dgm:styleLbl name="bgImgPlace1">
+    <dgm:fillClrLst meth="repeat">
+      <a:schemeClr val="accent1">
+        <a:tint val="50000"/>
+      </a:schemeClr>
+    </dgm:fillClrLst>
+    <dgm:linClrLst meth="repeat">
+      <a:schemeClr val="lt1"/>
+    </dgm:linClrLst>
+    <dgm:effectClrLst/>
+    <dgm:txLinClrLst/>
+    <dgm:txFillClrLst meth="repeat">
+      <a:schemeClr val="lt1"/>
+    </dgm:txFillClrLst>
+    <dgm:txEffectClrLst/>
+  </dgm:styleLbl>
+  <dgm:styleLbl name="sibTrans2D1">
+    <dgm:fillClrLst meth="repeat">
+      <a:schemeClr val="accent1">
+        <a:tint val="60000"/>
+      </a:schemeClr>
+    </dgm:fillClrLst>
+    <dgm:linClrLst meth="repeat">
+      <a:schemeClr val="accent1">
+        <a:tint val="60000"/>
+      </a:schemeClr>
+    </dgm:linClrLst>
+    <dgm:effectClrLst/>
+    <dgm:txLinClrLst/>
+    <dgm:txFillClrLst/>
+    <dgm:txEffectClrLst/>
+  </dgm:styleLbl>
+  <dgm:styleLbl name="fgSibTrans2D1">
+    <dgm:fillClrLst meth="repeat">
+      <a:schemeClr val="accent1">
+        <a:tint val="60000"/>
+      </a:schemeClr>
+    </dgm:fillClrLst>
+    <dgm:linClrLst meth="repeat">
+      <a:schemeClr val="accent1">
+        <a:tint val="60000"/>
+      </a:schemeClr>
+    </dgm:linClrLst>
+    <dgm:effectClrLst/>
+    <dgm:txLinClrLst/>
+    <dgm:txFillClrLst/>
+    <dgm:txEffectClrLst/>
+  </dgm:styleLbl>
+  <dgm:styleLbl name="bgSibTrans2D1">
+    <dgm:fillClrLst meth="repeat">
+      <a:schemeClr val="accent1">
+        <a:tint val="60000"/>
+      </a:schemeClr>
+    </dgm:fillClrLst>
+    <dgm:linClrLst meth="repeat">
+      <a:schemeClr val="accent1">
+        <a:tint val="60000"/>
+      </a:schemeClr>
+    </dgm:linClrLst>
+    <dgm:effectClrLst/>
+    <dgm:txLinClrLst/>
+    <dgm:txFillClrLst/>
+    <dgm:txEffectClrLst/>
+  </dgm:styleLbl>
+  <dgm:styleLbl name="sibTrans1D1">
+    <dgm:fillClrLst meth="repeat">
+      <a:schemeClr val="accent1"/>
+    </dgm:fillClrLst>
+    <dgm:linClrLst meth="repeat">
+      <a:schemeClr val="accent1"/>
+    </dgm:linClrLst>
+    <dgm:effectClrLst/>
+    <dgm:txLinClrLst/>
+    <dgm:txFillClrLst meth="repeat">
+      <a:schemeClr val="tx1"/>
+    </dgm:txFillClrLst>
+    <dgm:txEffectClrLst/>
+  </dgm:styleLbl>
+  <dgm:styleLbl name="callout">
+    <dgm:fillClrLst meth="repeat">
+      <a:schemeClr val="accent1"/>
+    </dgm:fillClrLst>
+    <dgm:linClrLst meth="repeat">
+      <a:schemeClr val="accent1">
+        <a:tint val="50000"/>
+      </a:schemeClr>
+    </dgm:linClrLst>
+    <dgm:effectClrLst/>
+    <dgm:txLinClrLst/>
+    <dgm:txFillClrLst meth="repeat">
+      <a:schemeClr val="tx1"/>
+    </dgm:txFillClrLst>
+    <dgm:txEffectClrLst/>
+  </dgm:styleLbl>
+  <dgm:styleLbl name="asst0">
+    <dgm:fillClrLst meth="repeat">
+      <a:schemeClr val="accent1"/>
+    </dgm:fillClrLst>
+    <dgm:linClrLst meth="repeat">
+      <a:schemeClr val="lt1"/>
+    </dgm:linClrLst>
+    <dgm:effectClrLst/>
+    <dgm:txLinClrLst/>
+    <dgm:txFillClrLst/>
+    <dgm:txEffectClrLst/>
+  </dgm:styleLbl>
+  <dgm:styleLbl name="asst1">
+    <dgm:fillClrLst meth="repeat">
+      <a:schemeClr val="accent1"/>
+    </dgm:fillClrLst>
+    <dgm:linClrLst meth="repeat">
+      <a:schemeClr val="lt1"/>
+    </dgm:linClrLst>
+    <dgm:effectClrLst/>
+    <dgm:txLinClrLst/>
+    <dgm:txFillClrLst/>
+    <dgm:txEffectClrLst/>
+  </dgm:styleLbl>
+  <dgm:styleLbl name="asst2">
+    <dgm:fillClrLst meth="repeat">
+      <a:schemeClr val="accent1"/>
+    </dgm:fillClrLst>
+    <dgm:linClrLst meth="repeat">
+      <a:schemeClr val="lt1"/>
+    </dgm:linClrLst>
+    <dgm:effectClrLst/>
+    <dgm:txLinClrLst/>
+    <dgm:txFillClrLst/>
+    <dgm:txEffectClrLst/>
+  </dgm:styleLbl>
+  <dgm:styleLbl name="asst3">
+    <dgm:fillClrLst meth="repeat">
+      <a:schemeClr val="accent1"/>
+    </dgm:fillClrLst>
+    <dgm:linClrLst meth="repeat">
+      <a:schemeClr val="lt1"/>
+    </dgm:linClrLst>
+    <dgm:effectClrLst/>
+    <dgm:txLinClrLst/>
+    <dgm:txFillClrLst/>
+    <dgm:txEffectClrLst/>
+  </dgm:styleLbl>
+  <dgm:styleLbl name="asst4">
+    <dgm:fillClrLst meth="repeat">
+      <a:schemeClr val="accent1"/>
+    </dgm:fillClrLst>
+    <dgm:linClrLst meth="repeat">
+      <a:schemeClr val="lt1"/>
+    </dgm:linClrLst>
+    <dgm:effectClrLst/>
+    <dgm:txLinClrLst/>
+    <dgm:txFillClrLst/>
+    <dgm:txEffectClrLst/>
+  </dgm:styleLbl>
+  <dgm:styleLbl name="parChTrans2D1">
+    <dgm:fillClrLst meth="repeat">
+      <a:schemeClr val="accent1">
+        <a:tint val="60000"/>
+      </a:schemeClr>
+    </dgm:fillClrLst>
+    <dgm:linClrLst meth="repeat">
+      <a:schemeClr val="accent1">
+        <a:tint val="60000"/>
+      </a:schemeClr>
+    </dgm:linClrLst>
+    <dgm:effectClrLst/>
+    <dgm:txLinClrLst/>
+    <dgm:txFillClrLst meth="repeat">
+      <a:schemeClr val="lt1"/>
+    </dgm:txFillClrLst>
+    <dgm:txEffectClrLst/>
+  </dgm:styleLbl>
+  <dgm:styleLbl name="parChTrans2D2">
+    <dgm:fillClrLst meth="repeat">
+      <a:schemeClr val="accent1"/>
+    </dgm:fillClrLst>
+    <dgm:linClrLst meth="repeat">
+      <a:schemeClr val="accent1"/>
+    </dgm:linClrLst>
+    <dgm:effectClrLst/>
+    <dgm:txLinClrLst/>
+    <dgm:txFillClrLst meth="repeat">
+      <a:schemeClr val="lt1"/>
+    </dgm:txFillClrLst>
+    <dgm:txEffectClrLst/>
+  </dgm:styleLbl>
+  <dgm:styleLbl name="parChTrans2D3">
+    <dgm:fillClrLst meth="repeat">
+      <a:schemeClr val="accent1"/>
+    </dgm:fillClrLst>
+    <dgm:linClrLst meth="repeat">
+      <a:schemeClr val="accent1"/>
+    </dgm:linClrLst>
+    <dgm:effectClrLst/>
+    <dgm:txLinClrLst/>
+    <dgm:txFillClrLst meth="repeat">
+      <a:schemeClr val="lt1"/>
+    </dgm:txFillClrLst>
+    <dgm:txEffectClrLst/>
+  </dgm:styleLbl>
+  <dgm:styleLbl name="parChTrans2D4">
+    <dgm:fillClrLst meth="repeat">
+      <a:schemeClr val="accent1"/>
+    </dgm:fillClrLst>
+    <dgm:linClrLst meth="repeat">
+      <a:schemeClr val="accent1"/>
+    </dgm:linClrLst>
+    <dgm:effectClrLst/>
+    <dgm:txLinClrLst/>
+    <dgm:txFillClrLst meth="repeat">
+      <a:schemeClr val="lt1"/>
+    </dgm:txFillClrLst>
+    <dgm:txEffectClrLst/>
+  </dgm:styleLbl>
+  <dgm:styleLbl name="parChTrans1D1">
+    <dgm:fillClrLst meth="repeat">
+      <a:schemeClr val="accent1"/>
+    </dgm:fillClrLst>
+    <dgm:linClrLst meth="repeat">
+      <a:schemeClr val="accent1">
+        <a:shade val="60000"/>
+      </a:schemeClr>
+    </dgm:linClrLst>
+    <dgm:effectClrLst/>
+    <dgm:txLinClrLst/>
+    <dgm:txFillClrLst meth="repeat">
+      <a:schemeClr val="tx1"/>
+    </dgm:txFillClrLst>
+    <dgm:txEffectClrLst/>
+  </dgm:styleLbl>
+  <dgm:styleLbl name="parChTrans1D2">
+    <dgm:fillClrLst meth="repeat">
+      <a:schemeClr val="accent1"/>
+    </dgm:fillClrLst>
+    <dgm:linClrLst meth="repeat">
+      <a:schemeClr val="accent1">
+        <a:shade val="60000"/>
+      </a:schemeClr>
+    </dgm:linClrLst>
+    <dgm:effectClrLst/>
+    <dgm:txLinClrLst/>
+    <dgm:txFillClrLst meth="repeat">
+      <a:schemeClr val="tx1"/>
+    </dgm:txFillClrLst>
+    <dgm:txEffectClrLst/>
+  </dgm:styleLbl>
+  <dgm:styleLbl name="parChTrans1D3">
+    <dgm:fillClrLst meth="repeat">
+      <a:schemeClr val="accent1"/>
+    </dgm:fillClrLst>
+    <dgm:linClrLst meth="repeat">
+      <a:schemeClr val="accent1">
+        <a:shade val="80000"/>
+      </a:schemeClr>
+    </dgm:linClrLst>
+    <dgm:effectClrLst/>
+    <dgm:txLinClrLst/>
+    <dgm:txFillClrLst meth="repeat">
+      <a:schemeClr val="tx1"/>
+    </dgm:txFillClrLst>
+    <dgm:txEffectClrLst/>
+  </dgm:styleLbl>
+  <dgm:styleLbl name="parChTrans1D4">
+    <dgm:fillClrLst meth="repeat">
+      <a:schemeClr val="accent1"/>
+    </dgm:fillClrLst>
+    <dgm:linClrLst meth="repeat">
+      <a:schemeClr val="accent1">
+        <a:shade val="80000"/>
+      </a:schemeClr>
+    </dgm:linClrLst>
+    <dgm:effectClrLst/>
+    <dgm:txLinClrLst/>
+    <dgm:txFillClrLst meth="repeat">
+      <a:schemeClr val="tx1"/>
+    </dgm:txFillClrLst>
+    <dgm:txEffectClrLst/>
+  </dgm:styleLbl>
+  <dgm:styleLbl name="fgAcc1">
+    <dgm:fillClrLst meth="repeat">
+      <a:schemeClr val="lt1">
+        <a:alpha val="90000"/>
+      </a:schemeClr>
+    </dgm:fillClrLst>
+    <dgm:linClrLst meth="repeat">
+      <a:schemeClr val="accent1"/>
+    </dgm:linClrLst>
+    <dgm:effectClrLst/>
+    <dgm:txLinClrLst/>
+    <dgm:txFillClrLst meth="repeat">
+      <a:schemeClr val="dk1"/>
+    </dgm:txFillClrLst>
+    <dgm:txEffectClrLst/>
+  </dgm:styleLbl>
+  <dgm:styleLbl name="conFgAcc1">
+    <dgm:fillClrLst meth="repeat">
+      <a:schemeClr val="lt1">
+        <a:alpha val="90000"/>
+      </a:schemeClr>
+    </dgm:fillClrLst>
+    <dgm:linClrLst meth="repeat">
+      <a:schemeClr val="accent1"/>
+    </dgm:linClrLst>
+    <dgm:effectClrLst/>
+    <dgm:txLinClrLst/>
+    <dgm:txFillClrLst meth="repeat">
+      <a:schemeClr val="dk1"/>
+    </dgm:txFillClrLst>
+    <dgm:txEffectClrLst/>
+  </dgm:styleLbl>
+  <dgm:styleLbl name="alignAcc1">
+    <dgm:fillClrLst meth="repeat">
+      <a:schemeClr val="lt1">
+        <a:alpha val="90000"/>
+      </a:schemeClr>
+    </dgm:fillClrLst>
+    <dgm:linClrLst meth="repeat">
+      <a:schemeClr val="accent1"/>
+    </dgm:linClrLst>
+    <dgm:effectClrLst/>
+    <dgm:txLinClrLst/>
+    <dgm:txFillClrLst meth="repeat">
+      <a:schemeClr val="dk1"/>
+    </dgm:txFillClrLst>
+    <dgm:txEffectClrLst/>
+  </dgm:styleLbl>
+  <dgm:styleLbl name="trAlignAcc1">
+    <dgm:fillClrLst meth="repeat">
+      <a:schemeClr val="lt1">
+        <a:alpha val="40000"/>
+      </a:schemeClr>
+    </dgm:fillClrLst>
+    <dgm:linClrLst meth="repeat">
+      <a:schemeClr val="accent1"/>
+    </dgm:linClrLst>
+    <dgm:effectClrLst/>
+    <dgm:txLinClrLst/>
+    <dgm:txFillClrLst meth="repeat">
+      <a:schemeClr val="dk1"/>
+    </dgm:txFillClrLst>
+    <dgm:txEffectClrLst/>
+  </dgm:styleLbl>
+  <dgm:styleLbl name="bgAcc1">
+    <dgm:fillClrLst meth="repeat">
+      <a:schemeClr val="lt1">
+        <a:alpha val="90000"/>
+      </a:schemeClr>
+    </dgm:fillClrLst>
+    <dgm:linClrLst meth="repeat">
+      <a:schemeClr val="accent1"/>
+    </dgm:linClrLst>
+    <dgm:effectClrLst/>
+    <dgm:txLinClrLst/>
+    <dgm:txFillClrLst meth="repeat">
+      <a:schemeClr val="dk1"/>
+    </dgm:txFillClrLst>
+    <dgm:txEffectClrLst/>
+  </dgm:styleLbl>
+  <dgm:styleLbl name="solidFgAcc1">
+    <dgm:fillClrLst meth="repeat">
+      <a:schemeClr val="lt1"/>
+    </dgm:fillClrLst>
+    <dgm:linClrLst meth="repeat">
+      <a:schemeClr val="accent1"/>
+    </dgm:linClrLst>
+    <dgm:effectClrLst/>
+    <dgm:txLinClrLst/>
+    <dgm:txFillClrLst meth="repeat">
+      <a:schemeClr val="dk1"/>
+    </dgm:txFillClrLst>
+    <dgm:txEffectClrLst/>
+  </dgm:styleLbl>
+  <dgm:styleLbl name="solidAlignAcc1">
+    <dgm:fillClrLst meth="repeat">
+      <a:schemeClr val="lt1"/>
+    </dgm:fillClrLst>
+    <dgm:linClrLst meth="repeat">
+      <a:schemeClr val="accent1"/>
+    </dgm:linClrLst>
+    <dgm:effectClrLst/>
+    <dgm:txLinClrLst/>
+    <dgm:txFillClrLst meth="repeat">
+      <a:schemeClr val="dk1"/>
+    </dgm:txFillClrLst>
+    <dgm:txEffectClrLst/>
+  </dgm:styleLbl>
+  <dgm:styleLbl name="solidBgAcc1">
+    <dgm:fillClrLst meth="repeat">
+      <a:schemeClr val="lt1"/>
+    </dgm:fillClrLst>
+    <dgm:linClrLst meth="repeat">
+      <a:schemeClr val="accent1"/>
+    </dgm:linClrLst>
+    <dgm:effectClrLst/>
+    <dgm:txLinClrLst/>
+    <dgm:txFillClrLst meth="repeat">
+      <a:schemeClr val="dk1"/>
+    </dgm:txFillClrLst>
+    <dgm:txEffectClrLst/>
+  </dgm:styleLbl>
+  <dgm:styleLbl name="fgAccFollowNode1">
+    <dgm:fillClrLst meth="repeat">
+      <a:schemeClr val="accent1">
+        <a:alpha val="90000"/>
+        <a:tint val="40000"/>
+      </a:schemeClr>
+    </dgm:fillClrLst>
+    <dgm:linClrLst meth="repeat">
+      <a:schemeClr val="accent1">
+        <a:alpha val="90000"/>
+        <a:tint val="40000"/>
+      </a:schemeClr>
+    </dgm:linClrLst>
+    <dgm:effectClrLst/>
+    <dgm:txLinClrLst/>
+    <dgm:txFillClrLst meth="repeat">
+      <a:schemeClr val="dk1"/>
+    </dgm:txFillClrLst>
+    <dgm:txEffectClrLst/>
+  </dgm:styleLbl>
+  <dgm:styleLbl name="alignAccFollowNode1">
+    <dgm:fillClrLst meth="repeat">
+      <a:schemeClr val="accent1">
+        <a:alpha val="90000"/>
+        <a:tint val="40000"/>
+      </a:schemeClr>
+    </dgm:fillClrLst>
+    <dgm:linClrLst meth="repeat">
+      <a:schemeClr val="accent1">
+        <a:alpha val="90000"/>
+        <a:tint val="40000"/>
+      </a:schemeClr>
+    </dgm:linClrLst>
+    <dgm:effectClrLst/>
+    <dgm:txLinClrLst/>
+    <dgm:txFillClrLst meth="repeat">
+      <a:schemeClr val="dk1"/>
+    </dgm:txFillClrLst>
+    <dgm:txEffectClrLst/>
+  </dgm:styleLbl>
+  <dgm:styleLbl name="bgAccFollowNode1">
+    <dgm:fillClrLst meth="repeat">
+      <a:schemeClr val="accent1">
+        <a:alpha val="90000"/>
+        <a:tint val="40000"/>
+      </a:schemeClr>
+    </dgm:fillClrLst>
+    <dgm:linClrLst meth="repeat">
+      <a:schemeClr val="accent1">
+        <a:alpha val="90000"/>
+        <a:tint val="40000"/>
+      </a:schemeClr>
+    </dgm:linClrLst>
+    <dgm:effectClrLst/>
+    <dgm:txLinClrLst/>
+    <dgm:txFillClrLst meth="repeat">
+      <a:schemeClr val="dk1"/>
+    </dgm:txFillClrLst>
+    <dgm:txEffectClrLst/>
+  </dgm:styleLbl>
+  <dgm:styleLbl name="fgAcc0">
+    <dgm:fillClrLst meth="repeat">
+      <a:schemeClr val="lt1">
+        <a:alpha val="90000"/>
+      </a:schemeClr>
+    </dgm:fillClrLst>
+    <dgm:linClrLst meth="repeat">
+      <a:schemeClr val="accent1"/>
+    </dgm:linClrLst>
+    <dgm:effectClrLst/>
+    <dgm:txLinClrLst/>
+    <dgm:txFillClrLst meth="repeat">
+      <a:schemeClr val="dk1"/>
+    </dgm:txFillClrLst>
+    <dgm:txEffectClrLst/>
+  </dgm:styleLbl>
+  <dgm:styleLbl name="fgAcc2">
+    <dgm:fillClrLst meth="repeat">
+      <a:schemeClr val="lt1">
+        <a:alpha val="90000"/>
+      </a:schemeClr>
+    </dgm:fillClrLst>
+    <dgm:linClrLst meth="repeat">
+      <a:schemeClr val="accent1"/>
+    </dgm:linClrLst>
+    <dgm:effectClrLst/>
+    <dgm:txLinClrLst/>
+    <dgm:txFillClrLst meth="repeat">
+      <a:schemeClr val="dk1"/>
+    </dgm:txFillClrLst>
+    <dgm:txEffectClrLst/>
+  </dgm:styleLbl>
+  <dgm:styleLbl name="fgAcc3">
+    <dgm:fillClrLst meth="repeat">
+      <a:schemeClr val="lt1">
+        <a:alpha val="90000"/>
+      </a:schemeClr>
+    </dgm:fillClrLst>
+    <dgm:linClrLst meth="repeat">
+      <a:schemeClr val="accent1"/>
+    </dgm:linClrLst>
+    <dgm:effectClrLst/>
+    <dgm:txLinClrLst/>
+    <dgm:txFillClrLst meth="repeat">
+      <a:schemeClr val="dk1"/>
+    </dgm:txFillClrLst>
+    <dgm:txEffectClrLst/>
+  </dgm:styleLbl>
+  <dgm:styleLbl name="fgAcc4">
+    <dgm:fillClrLst meth="repeat">
+      <a:schemeClr val="lt1">
+        <a:alpha val="90000"/>
+      </a:schemeClr>
+    </dgm:fillClrLst>
+    <dgm:linClrLst meth="repeat">
+      <a:schemeClr val="accent1"/>
+    </dgm:linClrLst>
+    <dgm:effectClrLst/>
+    <dgm:txLinClrLst/>
+    <dgm:txFillClrLst meth="repeat">
+      <a:schemeClr val="dk1"/>
+    </dgm:txFillClrLst>
+    <dgm:txEffectClrLst/>
+  </dgm:styleLbl>
+  <dgm:styleLbl name="bgShp">
+    <dgm:fillClrLst meth="repeat">
+      <a:schemeClr val="accent1">
+        <a:tint val="40000"/>
+      </a:schemeClr>
+    </dgm:fillClrLst>
+    <dgm:linClrLst meth="repeat">
+      <a:schemeClr val="accent1"/>
+    </dgm:linClrLst>
+    <dgm:effectClrLst/>
+    <dgm:txLinClrLst/>
+    <dgm:txFillClrLst meth="repeat">
+      <a:schemeClr val="dk1"/>
+    </dgm:txFillClrLst>
+    <dgm:txEffectClrLst/>
+  </dgm:styleLbl>
+  <dgm:styleLbl name="dkBgShp">
+    <dgm:fillClrLst meth="repeat">
+      <a:schemeClr val="accent1">
+        <a:shade val="80000"/>
+      </a:schemeClr>
+    </dgm:fillClrLst>
+    <dgm:linClrLst meth="repeat">
+      <a:schemeClr val="accent1"/>
+    </dgm:linClrLst>
+    <dgm:effectClrLst/>
+    <dgm:txLinClrLst/>
+    <dgm:txFillClrLst meth="repeat">
+      <a:schemeClr val="lt1"/>
+    </dgm:txFillClrLst>
+    <dgm:txEffectClrLst/>
+  </dgm:styleLbl>
+  <dgm:styleLbl name="trBgShp">
+    <dgm:fillClrLst meth="repeat">
+      <a:schemeClr val="accent1">
+        <a:tint val="50000"/>
+        <a:alpha val="40000"/>
+      </a:schemeClr>
+    </dgm:fillClrLst>
+    <dgm:linClrLst meth="repeat">
+      <a:schemeClr val="accent1"/>
+    </dgm:linClrLst>
+    <dgm:effectClrLst/>
+    <dgm:txLinClrLst/>
+    <dgm:txFillClrLst meth="repeat">
+      <a:schemeClr val="lt1"/>
+    </dgm:txFillClrLst>
+    <dgm:txEffectClrLst/>
+  </dgm:styleLbl>
+  <dgm:styleLbl name="fgShp">
+    <dgm:fillClrLst meth="repeat">
+      <a:schemeClr val="accent1">
+        <a:tint val="60000"/>
+      </a:schemeClr>
+    </dgm:fillClrLst>
+    <dgm:linClrLst meth="repeat">
+      <a:schemeClr val="lt1"/>
+    </dgm:linClrLst>
+    <dgm:effectClrLst/>
+    <dgm:txLinClrLst/>
+    <dgm:txFillClrLst meth="repeat">
+      <a:schemeClr val="dk1"/>
+    </dgm:txFillClrLst>
+    <dgm:txEffectClrLst/>
+  </dgm:styleLbl>
+  <dgm:styleLbl name="revTx">
+    <dgm:fillClrLst meth="repeat">
+      <a:schemeClr val="lt1">
+        <a:alpha val="0"/>
+      </a:schemeClr>
+    </dgm:fillClrLst>
+    <dgm:linClrLst meth="repeat">
+      <a:schemeClr val="dk1">
+        <a:alpha val="0"/>
+      </a:schemeClr>
+    </dgm:linClrLst>
+    <dgm:effectClrLst/>
+    <dgm:txLinClrLst/>
+    <dgm:txFillClrLst meth="repeat">
+      <a:schemeClr val="tx1"/>
+    </dgm:txFillClrLst>
+    <dgm:txEffectClrLst/>
+  </dgm:styleLbl>
+</dgm:colorsDef>
+</file>
+
+<file path=ppt/diagrams/colors4.xml><?xml version="1.0" encoding="utf-8"?>
 <dgm:colorsDef xmlns:dgm="http://schemas.openxmlformats.org/drawingml/2006/diagram" xmlns:a="http://schemas.openxmlformats.org/drawingml/2006/main" uniqueId="urn:microsoft.com/office/officeart/2005/8/colors/accent1_2">
   <dgm:title val=""/>
   <dgm:desc val=""/>
@@ -3400,6 +4150,635 @@
     </dgm:pt>
     <dgm:pt modelId="{AE98993E-7E2D-4F62-9682-4F3828326461}" type="pres">
       <dgm:prSet presAssocID="{C8DC0812-B76E-49D4-A00E-81FB9084B08B}" presName="titleText2" presStyleLbl="fgAcc1" presStyleIdx="1" presStyleCnt="5">
+        <dgm:presLayoutVars>
+          <dgm:chMax val="0"/>
+          <dgm:chPref val="0"/>
+        </dgm:presLayoutVars>
+      </dgm:prSet>
+      <dgm:spPr/>
+    </dgm:pt>
+    <dgm:pt modelId="{95DADF18-EA28-469A-9756-43E273DCD979}" type="pres">
+      <dgm:prSet presAssocID="{C8DC0812-B76E-49D4-A00E-81FB9084B08B}" presName="rootConnector" presStyleLbl="node3" presStyleIdx="0" presStyleCnt="0"/>
+      <dgm:spPr/>
+    </dgm:pt>
+    <dgm:pt modelId="{011D0F6B-77D5-4227-9C17-3A7CE67D20F0}" type="pres">
+      <dgm:prSet presAssocID="{C8DC0812-B76E-49D4-A00E-81FB9084B08B}" presName="hierChild4" presStyleCnt="0"/>
+      <dgm:spPr/>
+    </dgm:pt>
+    <dgm:pt modelId="{B6DBE7D9-A73B-42BC-B8C1-D4D14E0DF7B4}" type="pres">
+      <dgm:prSet presAssocID="{208F9EFB-F251-4C93-B91A-6DC1C371C751}" presName="Name37" presStyleLbl="parChTrans1D4" presStyleIdx="0" presStyleCnt="2"/>
+      <dgm:spPr/>
+    </dgm:pt>
+    <dgm:pt modelId="{BD3E372D-FD83-4A8D-A145-0A2DA0779EA2}" type="pres">
+      <dgm:prSet presAssocID="{5C50A951-423A-4172-8397-2B5C79DEF975}" presName="hierRoot2" presStyleCnt="0">
+        <dgm:presLayoutVars>
+          <dgm:hierBranch val="init"/>
+        </dgm:presLayoutVars>
+      </dgm:prSet>
+      <dgm:spPr/>
+    </dgm:pt>
+    <dgm:pt modelId="{D376054F-4805-47DE-AD0B-787E5E8699CF}" type="pres">
+      <dgm:prSet presAssocID="{5C50A951-423A-4172-8397-2B5C79DEF975}" presName="rootComposite" presStyleCnt="0"/>
+      <dgm:spPr/>
+    </dgm:pt>
+    <dgm:pt modelId="{77BABBD4-8A94-4B01-9FA0-5308CEC2041B}" type="pres">
+      <dgm:prSet presAssocID="{5C50A951-423A-4172-8397-2B5C79DEF975}" presName="rootText" presStyleLbl="node1" presStyleIdx="2" presStyleCnt="5">
+        <dgm:presLayoutVars>
+          <dgm:chMax/>
+          <dgm:chPref val="3"/>
+        </dgm:presLayoutVars>
+      </dgm:prSet>
+      <dgm:spPr/>
+    </dgm:pt>
+    <dgm:pt modelId="{AF040155-5CE2-45C0-B5FD-B406DAF4F1B1}" type="pres">
+      <dgm:prSet presAssocID="{5C50A951-423A-4172-8397-2B5C79DEF975}" presName="titleText2" presStyleLbl="fgAcc1" presStyleIdx="2" presStyleCnt="5">
+        <dgm:presLayoutVars>
+          <dgm:chMax val="0"/>
+          <dgm:chPref val="0"/>
+        </dgm:presLayoutVars>
+      </dgm:prSet>
+      <dgm:spPr/>
+    </dgm:pt>
+    <dgm:pt modelId="{DAF6039B-A027-4DEE-B923-5C3D01E3E0B9}" type="pres">
+      <dgm:prSet presAssocID="{5C50A951-423A-4172-8397-2B5C79DEF975}" presName="rootConnector" presStyleLbl="node4" presStyleIdx="0" presStyleCnt="0"/>
+      <dgm:spPr/>
+    </dgm:pt>
+    <dgm:pt modelId="{704E2524-E7CB-4A09-AB7C-E4E8FC08EBBF}" type="pres">
+      <dgm:prSet presAssocID="{5C50A951-423A-4172-8397-2B5C79DEF975}" presName="hierChild4" presStyleCnt="0"/>
+      <dgm:spPr/>
+    </dgm:pt>
+    <dgm:pt modelId="{554D879B-FFDB-4A1B-9812-ADF1CEF74FE6}" type="pres">
+      <dgm:prSet presAssocID="{5C50A951-423A-4172-8397-2B5C79DEF975}" presName="hierChild5" presStyleCnt="0"/>
+      <dgm:spPr/>
+    </dgm:pt>
+    <dgm:pt modelId="{60276837-860A-479C-9D93-8CF079D0588F}" type="pres">
+      <dgm:prSet presAssocID="{777AC2AD-1B47-4071-855A-FE50A8112543}" presName="Name37" presStyleLbl="parChTrans1D4" presStyleIdx="1" presStyleCnt="2"/>
+      <dgm:spPr/>
+    </dgm:pt>
+    <dgm:pt modelId="{E908C9C9-B21F-45C4-8DCC-A6713A266058}" type="pres">
+      <dgm:prSet presAssocID="{D410B340-8638-4FDC-9D56-C38BBB7EB962}" presName="hierRoot2" presStyleCnt="0">
+        <dgm:presLayoutVars>
+          <dgm:hierBranch val="init"/>
+        </dgm:presLayoutVars>
+      </dgm:prSet>
+      <dgm:spPr/>
+    </dgm:pt>
+    <dgm:pt modelId="{C28EBAA3-B23E-4F66-A384-18F173437DBB}" type="pres">
+      <dgm:prSet presAssocID="{D410B340-8638-4FDC-9D56-C38BBB7EB962}" presName="rootComposite" presStyleCnt="0"/>
+      <dgm:spPr/>
+    </dgm:pt>
+    <dgm:pt modelId="{D9CACA32-B712-48C3-971A-0871CEF2A981}" type="pres">
+      <dgm:prSet presAssocID="{D410B340-8638-4FDC-9D56-C38BBB7EB962}" presName="rootText" presStyleLbl="node1" presStyleIdx="3" presStyleCnt="5">
+        <dgm:presLayoutVars>
+          <dgm:chMax/>
+          <dgm:chPref val="3"/>
+        </dgm:presLayoutVars>
+      </dgm:prSet>
+      <dgm:spPr/>
+    </dgm:pt>
+    <dgm:pt modelId="{0E69FCBC-9632-460E-BA51-BA15C72AD96D}" type="pres">
+      <dgm:prSet presAssocID="{D410B340-8638-4FDC-9D56-C38BBB7EB962}" presName="titleText2" presStyleLbl="fgAcc1" presStyleIdx="3" presStyleCnt="5">
+        <dgm:presLayoutVars>
+          <dgm:chMax val="0"/>
+          <dgm:chPref val="0"/>
+        </dgm:presLayoutVars>
+      </dgm:prSet>
+      <dgm:spPr/>
+    </dgm:pt>
+    <dgm:pt modelId="{CF799BF7-B4D5-461F-B3F0-00A26DDE0AC5}" type="pres">
+      <dgm:prSet presAssocID="{D410B340-8638-4FDC-9D56-C38BBB7EB962}" presName="rootConnector" presStyleLbl="node4" presStyleIdx="0" presStyleCnt="0"/>
+      <dgm:spPr/>
+    </dgm:pt>
+    <dgm:pt modelId="{330B08EC-A06A-4835-91C6-8065B260554A}" type="pres">
+      <dgm:prSet presAssocID="{D410B340-8638-4FDC-9D56-C38BBB7EB962}" presName="hierChild4" presStyleCnt="0"/>
+      <dgm:spPr/>
+    </dgm:pt>
+    <dgm:pt modelId="{2EF3BB88-91F8-4866-B46C-8CE1042202D8}" type="pres">
+      <dgm:prSet presAssocID="{D410B340-8638-4FDC-9D56-C38BBB7EB962}" presName="hierChild5" presStyleCnt="0"/>
+      <dgm:spPr/>
+    </dgm:pt>
+    <dgm:pt modelId="{26920D20-E591-49D0-A8B0-206C7AB0C297}" type="pres">
+      <dgm:prSet presAssocID="{C8DC0812-B76E-49D4-A00E-81FB9084B08B}" presName="hierChild5" presStyleCnt="0"/>
+      <dgm:spPr/>
+    </dgm:pt>
+    <dgm:pt modelId="{92252781-17FF-4D01-94F8-5761F2A793DB}" type="pres">
+      <dgm:prSet presAssocID="{F1D60E77-CEBF-441B-988E-D914F86C20E7}" presName="hierChild5" presStyleCnt="0"/>
+      <dgm:spPr/>
+    </dgm:pt>
+    <dgm:pt modelId="{96A0C398-C0AE-4649-9611-6FFABC51B713}" type="pres">
+      <dgm:prSet presAssocID="{9A4BCDE8-972E-44BC-ADEC-4534BB3838A0}" presName="Name37" presStyleLbl="parChTrans1D2" presStyleIdx="1" presStyleCnt="2"/>
+      <dgm:spPr/>
+    </dgm:pt>
+    <dgm:pt modelId="{C8447F47-80DE-4F3F-86AD-5876D978B2CA}" type="pres">
+      <dgm:prSet presAssocID="{3EE36582-A645-459B-A7D1-9FBF8DFBD8C7}" presName="hierRoot2" presStyleCnt="0">
+        <dgm:presLayoutVars>
+          <dgm:hierBranch val="init"/>
+        </dgm:presLayoutVars>
+      </dgm:prSet>
+      <dgm:spPr/>
+    </dgm:pt>
+    <dgm:pt modelId="{09665902-A77C-46EF-8604-1E46A5E310B4}" type="pres">
+      <dgm:prSet presAssocID="{3EE36582-A645-459B-A7D1-9FBF8DFBD8C7}" presName="rootComposite" presStyleCnt="0"/>
+      <dgm:spPr/>
+    </dgm:pt>
+    <dgm:pt modelId="{3BB3506F-01DF-43B9-BEDD-7B0039F06E4E}" type="pres">
+      <dgm:prSet presAssocID="{3EE36582-A645-459B-A7D1-9FBF8DFBD8C7}" presName="rootText" presStyleLbl="node1" presStyleIdx="4" presStyleCnt="5">
+        <dgm:presLayoutVars>
+          <dgm:chMax/>
+          <dgm:chPref val="3"/>
+        </dgm:presLayoutVars>
+      </dgm:prSet>
+      <dgm:spPr/>
+    </dgm:pt>
+    <dgm:pt modelId="{87950F71-2FF2-4DB7-8E0A-CA5504F8B76E}" type="pres">
+      <dgm:prSet presAssocID="{3EE36582-A645-459B-A7D1-9FBF8DFBD8C7}" presName="titleText2" presStyleLbl="fgAcc1" presStyleIdx="4" presStyleCnt="5">
+        <dgm:presLayoutVars>
+          <dgm:chMax val="0"/>
+          <dgm:chPref val="0"/>
+        </dgm:presLayoutVars>
+      </dgm:prSet>
+      <dgm:spPr/>
+    </dgm:pt>
+    <dgm:pt modelId="{11828661-E9F9-418B-BF32-98BF82A5D89C}" type="pres">
+      <dgm:prSet presAssocID="{3EE36582-A645-459B-A7D1-9FBF8DFBD8C7}" presName="rootConnector" presStyleLbl="node2" presStyleIdx="0" presStyleCnt="0"/>
+      <dgm:spPr/>
+    </dgm:pt>
+    <dgm:pt modelId="{3DD1FDBF-7E11-4B33-B32C-4567A67D587D}" type="pres">
+      <dgm:prSet presAssocID="{3EE36582-A645-459B-A7D1-9FBF8DFBD8C7}" presName="hierChild4" presStyleCnt="0"/>
+      <dgm:spPr/>
+    </dgm:pt>
+    <dgm:pt modelId="{9BE09A55-4326-40D5-B725-40EABA068172}" type="pres">
+      <dgm:prSet presAssocID="{3EE36582-A645-459B-A7D1-9FBF8DFBD8C7}" presName="hierChild5" presStyleCnt="0"/>
+      <dgm:spPr/>
+    </dgm:pt>
+    <dgm:pt modelId="{ED8F1FA5-C1D0-409F-8771-8A344E8DA363}" type="pres">
+      <dgm:prSet presAssocID="{BA6991BD-2CF1-4A43-A225-074FCF27A4A6}" presName="hierChild3" presStyleCnt="0"/>
+      <dgm:spPr/>
+    </dgm:pt>
+  </dgm:ptLst>
+  <dgm:cxnLst>
+    <dgm:cxn modelId="{00365906-568C-4997-845B-04E99ACE188F}" type="presOf" srcId="{5C50A951-423A-4172-8397-2B5C79DEF975}" destId="{77BABBD4-8A94-4B01-9FA0-5308CEC2041B}" srcOrd="0" destOrd="0" presId="urn:microsoft.com/office/officeart/2008/layout/NameandTitleOrganizationalChart"/>
+    <dgm:cxn modelId="{34675927-8D6A-4CFC-9CE3-E683AA9233B1}" type="presOf" srcId="{BA6991BD-2CF1-4A43-A225-074FCF27A4A6}" destId="{7B7FAD46-31E7-4B44-B742-13BA0266C647}" srcOrd="0" destOrd="0" presId="urn:microsoft.com/office/officeart/2008/layout/NameandTitleOrganizationalChart"/>
+    <dgm:cxn modelId="{8F923130-DA4D-4A36-832C-65232CDCF53A}" type="presOf" srcId="{30E99CA0-26D0-4754-B79B-47B004B0A0B4}" destId="{76046E0B-2B47-423B-828D-587DA21F40F3}" srcOrd="0" destOrd="0" presId="urn:microsoft.com/office/officeart/2008/layout/NameandTitleOrganizationalChart"/>
+    <dgm:cxn modelId="{5979DC31-94F2-429F-BDDB-12481D14FB92}" srcId="{F1D60E77-CEBF-441B-988E-D914F86C20E7}" destId="{C8DC0812-B76E-49D4-A00E-81FB9084B08B}" srcOrd="0" destOrd="0" parTransId="{E6F3158D-2201-4038-854A-30349FD453B5}" sibTransId="{4A24B8D9-E7B5-474A-B47F-A614BC31589B}"/>
+    <dgm:cxn modelId="{F71B8D3D-6391-4F0A-8A59-B132C6AF731B}" type="presOf" srcId="{D410B340-8638-4FDC-9D56-C38BBB7EB962}" destId="{CF799BF7-B4D5-461F-B3F0-00A26DDE0AC5}" srcOrd="1" destOrd="0" presId="urn:microsoft.com/office/officeart/2008/layout/NameandTitleOrganizationalChart"/>
+    <dgm:cxn modelId="{6EA3D264-580F-420E-9159-86C54B718047}" type="presOf" srcId="{208F9EFB-F251-4C93-B91A-6DC1C371C751}" destId="{B6DBE7D9-A73B-42BC-B8C1-D4D14E0DF7B4}" srcOrd="0" destOrd="0" presId="urn:microsoft.com/office/officeart/2008/layout/NameandTitleOrganizationalChart"/>
+    <dgm:cxn modelId="{12E05F6A-135A-48F7-9304-615BCFC7727B}" type="presOf" srcId="{C8DC0812-B76E-49D4-A00E-81FB9084B08B}" destId="{8D89ABA1-4CC0-4135-AD2E-EDB6AE12FE7D}" srcOrd="0" destOrd="0" presId="urn:microsoft.com/office/officeart/2008/layout/NameandTitleOrganizationalChart"/>
+    <dgm:cxn modelId="{3AA8734A-DCEA-42F4-B498-55F81FB2CCC3}" type="presOf" srcId="{4A24B8D9-E7B5-474A-B47F-A614BC31589B}" destId="{AE98993E-7E2D-4F62-9682-4F3828326461}" srcOrd="0" destOrd="0" presId="urn:microsoft.com/office/officeart/2008/layout/NameandTitleOrganizationalChart"/>
+    <dgm:cxn modelId="{3A440C6B-4AB4-4B72-A48B-9B651CDB0CD1}" srcId="{BA6991BD-2CF1-4A43-A225-074FCF27A4A6}" destId="{3EE36582-A645-459B-A7D1-9FBF8DFBD8C7}" srcOrd="1" destOrd="0" parTransId="{9A4BCDE8-972E-44BC-ADEC-4534BB3838A0}" sibTransId="{C1597A47-0B95-425C-83D2-966431603D29}"/>
+    <dgm:cxn modelId="{A137694D-4563-45FC-B015-13476E6B8F94}" srcId="{BA6991BD-2CF1-4A43-A225-074FCF27A4A6}" destId="{F1D60E77-CEBF-441B-988E-D914F86C20E7}" srcOrd="0" destOrd="0" parTransId="{0D914089-7B5E-4C07-9776-F300A5F0DBF3}" sibTransId="{30E99CA0-26D0-4754-B79B-47B004B0A0B4}"/>
+    <dgm:cxn modelId="{DC803D82-5D74-4719-AEA9-024704F48BEF}" type="presOf" srcId="{3EE36582-A645-459B-A7D1-9FBF8DFBD8C7}" destId="{3BB3506F-01DF-43B9-BEDD-7B0039F06E4E}" srcOrd="0" destOrd="0" presId="urn:microsoft.com/office/officeart/2008/layout/NameandTitleOrganizationalChart"/>
+    <dgm:cxn modelId="{20153184-C6BF-4F43-9097-5D197B3CE12C}" type="presOf" srcId="{F1D60E77-CEBF-441B-988E-D914F86C20E7}" destId="{D7DD0747-A64A-4D2E-BC89-DFD875DA8238}" srcOrd="0" destOrd="0" presId="urn:microsoft.com/office/officeart/2008/layout/NameandTitleOrganizationalChart"/>
+    <dgm:cxn modelId="{16BCE389-2A82-4B3F-89B1-72DEAE9E093A}" type="presOf" srcId="{E6F3158D-2201-4038-854A-30349FD453B5}" destId="{2DCB7720-6C20-49C9-9303-7A3599277A55}" srcOrd="0" destOrd="0" presId="urn:microsoft.com/office/officeart/2008/layout/NameandTitleOrganizationalChart"/>
+    <dgm:cxn modelId="{11CDC88B-C08B-4B6B-B4AE-0F68D9E23907}" type="presOf" srcId="{A5C30BFC-2370-4B4B-B997-94F9648E542D}" destId="{AF040155-5CE2-45C0-B5FD-B406DAF4F1B1}" srcOrd="0" destOrd="0" presId="urn:microsoft.com/office/officeart/2008/layout/NameandTitleOrganizationalChart"/>
+    <dgm:cxn modelId="{A13BEE8B-87ED-46D1-A7BF-810685ECD768}" type="presOf" srcId="{777AC2AD-1B47-4071-855A-FE50A8112543}" destId="{60276837-860A-479C-9D93-8CF079D0588F}" srcOrd="0" destOrd="0" presId="urn:microsoft.com/office/officeart/2008/layout/NameandTitleOrganizationalChart"/>
+    <dgm:cxn modelId="{B29632AF-7925-4BF5-B804-9FAE4D279298}" type="presOf" srcId="{C1597A47-0B95-425C-83D2-966431603D29}" destId="{87950F71-2FF2-4DB7-8E0A-CA5504F8B76E}" srcOrd="0" destOrd="0" presId="urn:microsoft.com/office/officeart/2008/layout/NameandTitleOrganizationalChart"/>
+    <dgm:cxn modelId="{2C8DFEAF-901E-4113-8683-93B1D0BFF26C}" srcId="{C54B57FA-9B54-426D-938D-08A3D68C3A1A}" destId="{BA6991BD-2CF1-4A43-A225-074FCF27A4A6}" srcOrd="0" destOrd="0" parTransId="{C5D7EC88-9F57-4763-9F1E-12083DBE23BB}" sibTransId="{D42726DF-3C58-4F87-9591-48338A9017A6}"/>
+    <dgm:cxn modelId="{5F1DDBBC-BE81-43E6-9F31-3CDE23FBEFA5}" type="presOf" srcId="{8C5B97C1-1D7B-4049-A79E-B8C0C883C98B}" destId="{0E69FCBC-9632-460E-BA51-BA15C72AD96D}" srcOrd="0" destOrd="0" presId="urn:microsoft.com/office/officeart/2008/layout/NameandTitleOrganizationalChart"/>
+    <dgm:cxn modelId="{86A8A3C0-0CFC-4F25-9E91-EC1CECFAE6DC}" type="presOf" srcId="{0D914089-7B5E-4C07-9776-F300A5F0DBF3}" destId="{624B2BA2-CA77-4909-AB6F-E086D4FD0F3D}" srcOrd="0" destOrd="0" presId="urn:microsoft.com/office/officeart/2008/layout/NameandTitleOrganizationalChart"/>
+    <dgm:cxn modelId="{29749EC4-6717-4F82-9BDB-8FBC733D21BD}" type="presOf" srcId="{F1D60E77-CEBF-441B-988E-D914F86C20E7}" destId="{EF650132-8AAF-4167-88A5-35FF447089C5}" srcOrd="1" destOrd="0" presId="urn:microsoft.com/office/officeart/2008/layout/NameandTitleOrganizationalChart"/>
+    <dgm:cxn modelId="{70CB04C7-1ED2-4A4E-8038-700A9B4B9A4C}" type="presOf" srcId="{3EE36582-A645-459B-A7D1-9FBF8DFBD8C7}" destId="{11828661-E9F9-418B-BF32-98BF82A5D89C}" srcOrd="1" destOrd="0" presId="urn:microsoft.com/office/officeart/2008/layout/NameandTitleOrganizationalChart"/>
+    <dgm:cxn modelId="{82857BC8-5B54-4760-A004-50EC2402EA88}" type="presOf" srcId="{C8DC0812-B76E-49D4-A00E-81FB9084B08B}" destId="{95DADF18-EA28-469A-9756-43E273DCD979}" srcOrd="1" destOrd="0" presId="urn:microsoft.com/office/officeart/2008/layout/NameandTitleOrganizationalChart"/>
+    <dgm:cxn modelId="{5F8356CC-6718-4CF7-BDB1-9B518576FCD3}" type="presOf" srcId="{BA6991BD-2CF1-4A43-A225-074FCF27A4A6}" destId="{7529C78E-82FE-409A-9CD8-1C9A6CBE6C87}" srcOrd="1" destOrd="0" presId="urn:microsoft.com/office/officeart/2008/layout/NameandTitleOrganizationalChart"/>
+    <dgm:cxn modelId="{8CB3D6CD-2994-45CF-943E-E1BE4E04FEBE}" type="presOf" srcId="{D410B340-8638-4FDC-9D56-C38BBB7EB962}" destId="{D9CACA32-B712-48C3-971A-0871CEF2A981}" srcOrd="0" destOrd="0" presId="urn:microsoft.com/office/officeart/2008/layout/NameandTitleOrganizationalChart"/>
+    <dgm:cxn modelId="{C0D5FCCF-3851-4B3E-93ED-44AF6C5B1D72}" type="presOf" srcId="{C54B57FA-9B54-426D-938D-08A3D68C3A1A}" destId="{4AA85890-21A0-40DF-B62D-89AFF5918D1B}" srcOrd="0" destOrd="0" presId="urn:microsoft.com/office/officeart/2008/layout/NameandTitleOrganizationalChart"/>
+    <dgm:cxn modelId="{CA9C21D4-E8DD-48D0-8151-97FDBE147A04}" type="presOf" srcId="{D42726DF-3C58-4F87-9591-48338A9017A6}" destId="{0A69EDD3-4191-426A-9EBF-4B8737F75D11}" srcOrd="0" destOrd="0" presId="urn:microsoft.com/office/officeart/2008/layout/NameandTitleOrganizationalChart"/>
+    <dgm:cxn modelId="{FAF19AD9-783F-414A-8B72-405E5F7667F0}" type="presOf" srcId="{9A4BCDE8-972E-44BC-ADEC-4534BB3838A0}" destId="{96A0C398-C0AE-4649-9611-6FFABC51B713}" srcOrd="0" destOrd="0" presId="urn:microsoft.com/office/officeart/2008/layout/NameandTitleOrganizationalChart"/>
+    <dgm:cxn modelId="{F096A1DA-AC8A-4E1D-ACAC-1C6E1462CF2E}" type="presOf" srcId="{5C50A951-423A-4172-8397-2B5C79DEF975}" destId="{DAF6039B-A027-4DEE-B923-5C3D01E3E0B9}" srcOrd="1" destOrd="0" presId="urn:microsoft.com/office/officeart/2008/layout/NameandTitleOrganizationalChart"/>
+    <dgm:cxn modelId="{826F69E4-D5B5-4704-997F-71D2FC0027AB}" srcId="{C8DC0812-B76E-49D4-A00E-81FB9084B08B}" destId="{5C50A951-423A-4172-8397-2B5C79DEF975}" srcOrd="0" destOrd="0" parTransId="{208F9EFB-F251-4C93-B91A-6DC1C371C751}" sibTransId="{A5C30BFC-2370-4B4B-B997-94F9648E542D}"/>
+    <dgm:cxn modelId="{CF5E2CF1-B3C7-4DA6-A939-3FA8CC68E432}" srcId="{C8DC0812-B76E-49D4-A00E-81FB9084B08B}" destId="{D410B340-8638-4FDC-9D56-C38BBB7EB962}" srcOrd="1" destOrd="0" parTransId="{777AC2AD-1B47-4071-855A-FE50A8112543}" sibTransId="{8C5B97C1-1D7B-4049-A79E-B8C0C883C98B}"/>
+    <dgm:cxn modelId="{40886FC9-1DCA-4723-8E89-5D2C849B04F1}" type="presParOf" srcId="{4AA85890-21A0-40DF-B62D-89AFF5918D1B}" destId="{DA558D6F-E8E7-4260-9263-65EF53DC530B}" srcOrd="0" destOrd="0" presId="urn:microsoft.com/office/officeart/2008/layout/NameandTitleOrganizationalChart"/>
+    <dgm:cxn modelId="{7849A841-8770-4C43-90D8-8CA475116C5F}" type="presParOf" srcId="{DA558D6F-E8E7-4260-9263-65EF53DC530B}" destId="{07613046-93A2-4668-80F0-8D52D01A2E8C}" srcOrd="0" destOrd="0" presId="urn:microsoft.com/office/officeart/2008/layout/NameandTitleOrganizationalChart"/>
+    <dgm:cxn modelId="{351FAE73-F905-424E-AB4E-074FB7303EBD}" type="presParOf" srcId="{07613046-93A2-4668-80F0-8D52D01A2E8C}" destId="{7B7FAD46-31E7-4B44-B742-13BA0266C647}" srcOrd="0" destOrd="0" presId="urn:microsoft.com/office/officeart/2008/layout/NameandTitleOrganizationalChart"/>
+    <dgm:cxn modelId="{6394B1A1-8E3C-4B11-9527-A035BE02B35A}" type="presParOf" srcId="{07613046-93A2-4668-80F0-8D52D01A2E8C}" destId="{0A69EDD3-4191-426A-9EBF-4B8737F75D11}" srcOrd="1" destOrd="0" presId="urn:microsoft.com/office/officeart/2008/layout/NameandTitleOrganizationalChart"/>
+    <dgm:cxn modelId="{4A57A270-4EEE-49B6-BEBE-543A81C94F76}" type="presParOf" srcId="{07613046-93A2-4668-80F0-8D52D01A2E8C}" destId="{7529C78E-82FE-409A-9CD8-1C9A6CBE6C87}" srcOrd="2" destOrd="0" presId="urn:microsoft.com/office/officeart/2008/layout/NameandTitleOrganizationalChart"/>
+    <dgm:cxn modelId="{AD3844CF-349C-4E80-8CA6-26A0A8A1C59F}" type="presParOf" srcId="{DA558D6F-E8E7-4260-9263-65EF53DC530B}" destId="{4E26E63B-2042-4AE4-B9EC-FFB0E382BE58}" srcOrd="1" destOrd="0" presId="urn:microsoft.com/office/officeart/2008/layout/NameandTitleOrganizationalChart"/>
+    <dgm:cxn modelId="{7BED31F9-FC99-4277-861E-7E26E2350808}" type="presParOf" srcId="{4E26E63B-2042-4AE4-B9EC-FFB0E382BE58}" destId="{624B2BA2-CA77-4909-AB6F-E086D4FD0F3D}" srcOrd="0" destOrd="0" presId="urn:microsoft.com/office/officeart/2008/layout/NameandTitleOrganizationalChart"/>
+    <dgm:cxn modelId="{5EFE2EE8-C347-40D5-9C2D-8D12F172269F}" type="presParOf" srcId="{4E26E63B-2042-4AE4-B9EC-FFB0E382BE58}" destId="{9D5A22A3-E92B-4DC2-88F7-F8C9773B95F4}" srcOrd="1" destOrd="0" presId="urn:microsoft.com/office/officeart/2008/layout/NameandTitleOrganizationalChart"/>
+    <dgm:cxn modelId="{FE33FB3F-F8AA-4995-B7A1-A3DE8EC4181F}" type="presParOf" srcId="{9D5A22A3-E92B-4DC2-88F7-F8C9773B95F4}" destId="{787322B4-7F33-4E75-905E-54003B3DC25D}" srcOrd="0" destOrd="0" presId="urn:microsoft.com/office/officeart/2008/layout/NameandTitleOrganizationalChart"/>
+    <dgm:cxn modelId="{DF2EB0F0-F8C2-40AA-8E75-701E22FFFA1D}" type="presParOf" srcId="{787322B4-7F33-4E75-905E-54003B3DC25D}" destId="{D7DD0747-A64A-4D2E-BC89-DFD875DA8238}" srcOrd="0" destOrd="0" presId="urn:microsoft.com/office/officeart/2008/layout/NameandTitleOrganizationalChart"/>
+    <dgm:cxn modelId="{FB209121-70CC-4EC0-BF68-1A2451C94642}" type="presParOf" srcId="{787322B4-7F33-4E75-905E-54003B3DC25D}" destId="{76046E0B-2B47-423B-828D-587DA21F40F3}" srcOrd="1" destOrd="0" presId="urn:microsoft.com/office/officeart/2008/layout/NameandTitleOrganizationalChart"/>
+    <dgm:cxn modelId="{CD104B2D-744E-47D9-95BC-8D2F7D104B77}" type="presParOf" srcId="{787322B4-7F33-4E75-905E-54003B3DC25D}" destId="{EF650132-8AAF-4167-88A5-35FF447089C5}" srcOrd="2" destOrd="0" presId="urn:microsoft.com/office/officeart/2008/layout/NameandTitleOrganizationalChart"/>
+    <dgm:cxn modelId="{F34F9255-504D-467E-A4E8-2B4D76F9E63A}" type="presParOf" srcId="{9D5A22A3-E92B-4DC2-88F7-F8C9773B95F4}" destId="{B13B7FFE-672C-45F4-8273-1330440AB792}" srcOrd="1" destOrd="0" presId="urn:microsoft.com/office/officeart/2008/layout/NameandTitleOrganizationalChart"/>
+    <dgm:cxn modelId="{F8366656-FE85-4400-BB01-7B6CC05A5F41}" type="presParOf" srcId="{B13B7FFE-672C-45F4-8273-1330440AB792}" destId="{2DCB7720-6C20-49C9-9303-7A3599277A55}" srcOrd="0" destOrd="0" presId="urn:microsoft.com/office/officeart/2008/layout/NameandTitleOrganizationalChart"/>
+    <dgm:cxn modelId="{7883F486-0038-4052-B337-65C1BF2272D1}" type="presParOf" srcId="{B13B7FFE-672C-45F4-8273-1330440AB792}" destId="{872514BE-6CB0-443C-9CCC-51DA2F118442}" srcOrd="1" destOrd="0" presId="urn:microsoft.com/office/officeart/2008/layout/NameandTitleOrganizationalChart"/>
+    <dgm:cxn modelId="{3A2F446A-CFE0-4CF0-9EFB-4AEA7C2D43CC}" type="presParOf" srcId="{872514BE-6CB0-443C-9CCC-51DA2F118442}" destId="{52664EC5-B941-43AF-873F-742AD53B4E48}" srcOrd="0" destOrd="0" presId="urn:microsoft.com/office/officeart/2008/layout/NameandTitleOrganizationalChart"/>
+    <dgm:cxn modelId="{CED134AB-13D8-4EA9-89D3-DED6E48CF636}" type="presParOf" srcId="{52664EC5-B941-43AF-873F-742AD53B4E48}" destId="{8D89ABA1-4CC0-4135-AD2E-EDB6AE12FE7D}" srcOrd="0" destOrd="0" presId="urn:microsoft.com/office/officeart/2008/layout/NameandTitleOrganizationalChart"/>
+    <dgm:cxn modelId="{CB26437A-0611-4855-BD7D-5BCC688D8F40}" type="presParOf" srcId="{52664EC5-B941-43AF-873F-742AD53B4E48}" destId="{AE98993E-7E2D-4F62-9682-4F3828326461}" srcOrd="1" destOrd="0" presId="urn:microsoft.com/office/officeart/2008/layout/NameandTitleOrganizationalChart"/>
+    <dgm:cxn modelId="{13C96C6D-206D-4444-977B-9FA762877736}" type="presParOf" srcId="{52664EC5-B941-43AF-873F-742AD53B4E48}" destId="{95DADF18-EA28-469A-9756-43E273DCD979}" srcOrd="2" destOrd="0" presId="urn:microsoft.com/office/officeart/2008/layout/NameandTitleOrganizationalChart"/>
+    <dgm:cxn modelId="{51231F57-F7F6-4AB5-86E4-2D4E6A670E98}" type="presParOf" srcId="{872514BE-6CB0-443C-9CCC-51DA2F118442}" destId="{011D0F6B-77D5-4227-9C17-3A7CE67D20F0}" srcOrd="1" destOrd="0" presId="urn:microsoft.com/office/officeart/2008/layout/NameandTitleOrganizationalChart"/>
+    <dgm:cxn modelId="{0D4D7648-07FB-4AF9-8AA1-A9296520FDBD}" type="presParOf" srcId="{011D0F6B-77D5-4227-9C17-3A7CE67D20F0}" destId="{B6DBE7D9-A73B-42BC-B8C1-D4D14E0DF7B4}" srcOrd="0" destOrd="0" presId="urn:microsoft.com/office/officeart/2008/layout/NameandTitleOrganizationalChart"/>
+    <dgm:cxn modelId="{2FF2CD4E-A65B-41EF-9344-57955292EF87}" type="presParOf" srcId="{011D0F6B-77D5-4227-9C17-3A7CE67D20F0}" destId="{BD3E372D-FD83-4A8D-A145-0A2DA0779EA2}" srcOrd="1" destOrd="0" presId="urn:microsoft.com/office/officeart/2008/layout/NameandTitleOrganizationalChart"/>
+    <dgm:cxn modelId="{3CCC0F70-C278-474C-AD71-656121996DDF}" type="presParOf" srcId="{BD3E372D-FD83-4A8D-A145-0A2DA0779EA2}" destId="{D376054F-4805-47DE-AD0B-787E5E8699CF}" srcOrd="0" destOrd="0" presId="urn:microsoft.com/office/officeart/2008/layout/NameandTitleOrganizationalChart"/>
+    <dgm:cxn modelId="{FDC7AFE6-7DB3-4EC7-B9A7-635C42C0D1BF}" type="presParOf" srcId="{D376054F-4805-47DE-AD0B-787E5E8699CF}" destId="{77BABBD4-8A94-4B01-9FA0-5308CEC2041B}" srcOrd="0" destOrd="0" presId="urn:microsoft.com/office/officeart/2008/layout/NameandTitleOrganizationalChart"/>
+    <dgm:cxn modelId="{CBB44054-6EF3-4A0C-83DF-2E8DD403CC7B}" type="presParOf" srcId="{D376054F-4805-47DE-AD0B-787E5E8699CF}" destId="{AF040155-5CE2-45C0-B5FD-B406DAF4F1B1}" srcOrd="1" destOrd="0" presId="urn:microsoft.com/office/officeart/2008/layout/NameandTitleOrganizationalChart"/>
+    <dgm:cxn modelId="{7BB73793-F21B-4467-A39A-453094A70BE9}" type="presParOf" srcId="{D376054F-4805-47DE-AD0B-787E5E8699CF}" destId="{DAF6039B-A027-4DEE-B923-5C3D01E3E0B9}" srcOrd="2" destOrd="0" presId="urn:microsoft.com/office/officeart/2008/layout/NameandTitleOrganizationalChart"/>
+    <dgm:cxn modelId="{367A1A23-D97A-4656-A7BC-20FA9011D59E}" type="presParOf" srcId="{BD3E372D-FD83-4A8D-A145-0A2DA0779EA2}" destId="{704E2524-E7CB-4A09-AB7C-E4E8FC08EBBF}" srcOrd="1" destOrd="0" presId="urn:microsoft.com/office/officeart/2008/layout/NameandTitleOrganizationalChart"/>
+    <dgm:cxn modelId="{217BB694-0031-4B1A-8636-6D5ACCB33C53}" type="presParOf" srcId="{BD3E372D-FD83-4A8D-A145-0A2DA0779EA2}" destId="{554D879B-FFDB-4A1B-9812-ADF1CEF74FE6}" srcOrd="2" destOrd="0" presId="urn:microsoft.com/office/officeart/2008/layout/NameandTitleOrganizationalChart"/>
+    <dgm:cxn modelId="{4511C7E8-293B-463D-82C8-8D1E043734C2}" type="presParOf" srcId="{011D0F6B-77D5-4227-9C17-3A7CE67D20F0}" destId="{60276837-860A-479C-9D93-8CF079D0588F}" srcOrd="2" destOrd="0" presId="urn:microsoft.com/office/officeart/2008/layout/NameandTitleOrganizationalChart"/>
+    <dgm:cxn modelId="{61C62723-90D3-4A76-AF2A-F895E17A87A4}" type="presParOf" srcId="{011D0F6B-77D5-4227-9C17-3A7CE67D20F0}" destId="{E908C9C9-B21F-45C4-8DCC-A6713A266058}" srcOrd="3" destOrd="0" presId="urn:microsoft.com/office/officeart/2008/layout/NameandTitleOrganizationalChart"/>
+    <dgm:cxn modelId="{C0246FCF-F206-40FD-9ACD-3B3E106C1D47}" type="presParOf" srcId="{E908C9C9-B21F-45C4-8DCC-A6713A266058}" destId="{C28EBAA3-B23E-4F66-A384-18F173437DBB}" srcOrd="0" destOrd="0" presId="urn:microsoft.com/office/officeart/2008/layout/NameandTitleOrganizationalChart"/>
+    <dgm:cxn modelId="{4016F572-00DD-48A7-BF58-960CAC09C99D}" type="presParOf" srcId="{C28EBAA3-B23E-4F66-A384-18F173437DBB}" destId="{D9CACA32-B712-48C3-971A-0871CEF2A981}" srcOrd="0" destOrd="0" presId="urn:microsoft.com/office/officeart/2008/layout/NameandTitleOrganizationalChart"/>
+    <dgm:cxn modelId="{BB2E440A-6DAA-4792-84D4-0BB7AB24C814}" type="presParOf" srcId="{C28EBAA3-B23E-4F66-A384-18F173437DBB}" destId="{0E69FCBC-9632-460E-BA51-BA15C72AD96D}" srcOrd="1" destOrd="0" presId="urn:microsoft.com/office/officeart/2008/layout/NameandTitleOrganizationalChart"/>
+    <dgm:cxn modelId="{093402E6-81D3-4519-A973-E427BA91AE58}" type="presParOf" srcId="{C28EBAA3-B23E-4F66-A384-18F173437DBB}" destId="{CF799BF7-B4D5-461F-B3F0-00A26DDE0AC5}" srcOrd="2" destOrd="0" presId="urn:microsoft.com/office/officeart/2008/layout/NameandTitleOrganizationalChart"/>
+    <dgm:cxn modelId="{0F1CA47C-1077-4BC3-8994-72F8F312CA8D}" type="presParOf" srcId="{E908C9C9-B21F-45C4-8DCC-A6713A266058}" destId="{330B08EC-A06A-4835-91C6-8065B260554A}" srcOrd="1" destOrd="0" presId="urn:microsoft.com/office/officeart/2008/layout/NameandTitleOrganizationalChart"/>
+    <dgm:cxn modelId="{557ADF31-3743-4DE8-9BBB-71086A1B91B3}" type="presParOf" srcId="{E908C9C9-B21F-45C4-8DCC-A6713A266058}" destId="{2EF3BB88-91F8-4866-B46C-8CE1042202D8}" srcOrd="2" destOrd="0" presId="urn:microsoft.com/office/officeart/2008/layout/NameandTitleOrganizationalChart"/>
+    <dgm:cxn modelId="{017DCADB-87D1-4F89-96A7-0FD2ACF92896}" type="presParOf" srcId="{872514BE-6CB0-443C-9CCC-51DA2F118442}" destId="{26920D20-E591-49D0-A8B0-206C7AB0C297}" srcOrd="2" destOrd="0" presId="urn:microsoft.com/office/officeart/2008/layout/NameandTitleOrganizationalChart"/>
+    <dgm:cxn modelId="{20EFBA9B-1D0F-453A-AC84-65BEF398D31D}" type="presParOf" srcId="{9D5A22A3-E92B-4DC2-88F7-F8C9773B95F4}" destId="{92252781-17FF-4D01-94F8-5761F2A793DB}" srcOrd="2" destOrd="0" presId="urn:microsoft.com/office/officeart/2008/layout/NameandTitleOrganizationalChart"/>
+    <dgm:cxn modelId="{04643B06-558B-43A6-A2CC-3DC083582E41}" type="presParOf" srcId="{4E26E63B-2042-4AE4-B9EC-FFB0E382BE58}" destId="{96A0C398-C0AE-4649-9611-6FFABC51B713}" srcOrd="2" destOrd="0" presId="urn:microsoft.com/office/officeart/2008/layout/NameandTitleOrganizationalChart"/>
+    <dgm:cxn modelId="{BF3A3DF7-41D6-44E5-83C7-00DA47B5809D}" type="presParOf" srcId="{4E26E63B-2042-4AE4-B9EC-FFB0E382BE58}" destId="{C8447F47-80DE-4F3F-86AD-5876D978B2CA}" srcOrd="3" destOrd="0" presId="urn:microsoft.com/office/officeart/2008/layout/NameandTitleOrganizationalChart"/>
+    <dgm:cxn modelId="{D89041F5-251B-4597-B6A7-B2F35E243ECE}" type="presParOf" srcId="{C8447F47-80DE-4F3F-86AD-5876D978B2CA}" destId="{09665902-A77C-46EF-8604-1E46A5E310B4}" srcOrd="0" destOrd="0" presId="urn:microsoft.com/office/officeart/2008/layout/NameandTitleOrganizationalChart"/>
+    <dgm:cxn modelId="{1677F4AF-B7C8-4682-856E-6D3BB7BCDBCC}" type="presParOf" srcId="{09665902-A77C-46EF-8604-1E46A5E310B4}" destId="{3BB3506F-01DF-43B9-BEDD-7B0039F06E4E}" srcOrd="0" destOrd="0" presId="urn:microsoft.com/office/officeart/2008/layout/NameandTitleOrganizationalChart"/>
+    <dgm:cxn modelId="{D331364D-C52A-4E87-8453-ED73705035F9}" type="presParOf" srcId="{09665902-A77C-46EF-8604-1E46A5E310B4}" destId="{87950F71-2FF2-4DB7-8E0A-CA5504F8B76E}" srcOrd="1" destOrd="0" presId="urn:microsoft.com/office/officeart/2008/layout/NameandTitleOrganizationalChart"/>
+    <dgm:cxn modelId="{3E98CA1C-4AA0-473A-9F1B-3AAD6EEA0631}" type="presParOf" srcId="{09665902-A77C-46EF-8604-1E46A5E310B4}" destId="{11828661-E9F9-418B-BF32-98BF82A5D89C}" srcOrd="2" destOrd="0" presId="urn:microsoft.com/office/officeart/2008/layout/NameandTitleOrganizationalChart"/>
+    <dgm:cxn modelId="{EC996F11-CB79-49E5-BEA0-967E29FB2BE8}" type="presParOf" srcId="{C8447F47-80DE-4F3F-86AD-5876D978B2CA}" destId="{3DD1FDBF-7E11-4B33-B32C-4567A67D587D}" srcOrd="1" destOrd="0" presId="urn:microsoft.com/office/officeart/2008/layout/NameandTitleOrganizationalChart"/>
+    <dgm:cxn modelId="{9BBFFCBD-D6C7-46F5-9101-F1FC564A15B9}" type="presParOf" srcId="{C8447F47-80DE-4F3F-86AD-5876D978B2CA}" destId="{9BE09A55-4326-40D5-B725-40EABA068172}" srcOrd="2" destOrd="0" presId="urn:microsoft.com/office/officeart/2008/layout/NameandTitleOrganizationalChart"/>
+    <dgm:cxn modelId="{0D4344BA-B3F7-468C-A18A-E872D451DB3E}" type="presParOf" srcId="{DA558D6F-E8E7-4260-9263-65EF53DC530B}" destId="{ED8F1FA5-C1D0-409F-8771-8A344E8DA363}" srcOrd="2" destOrd="0" presId="urn:microsoft.com/office/officeart/2008/layout/NameandTitleOrganizationalChart"/>
+  </dgm:cxnLst>
+  <dgm:bg/>
+  <dgm:whole/>
+  <dgm:extLst>
+    <a:ext uri="http://schemas.microsoft.com/office/drawing/2008/diagram">
+      <dsp:dataModelExt xmlns:dsp="http://schemas.microsoft.com/office/drawing/2008/diagram" relId="rId7" minVer="http://schemas.openxmlformats.org/drawingml/2006/diagram"/>
+    </a:ext>
+  </dgm:extLst>
+</dgm:dataModel>
+</file>
+
+<file path=ppt/diagrams/data4.xml><?xml version="1.0" encoding="utf-8"?>
+<dgm:dataModel xmlns:dgm="http://schemas.openxmlformats.org/drawingml/2006/diagram" xmlns:a="http://schemas.openxmlformats.org/drawingml/2006/main">
+  <dgm:ptLst>
+    <dgm:pt modelId="{C54B57FA-9B54-426D-938D-08A3D68C3A1A}" type="doc">
+      <dgm:prSet loTypeId="urn:microsoft.com/office/officeart/2008/layout/NameandTitleOrganizationalChart" loCatId="hierarchy" qsTypeId="urn:microsoft.com/office/officeart/2005/8/quickstyle/simple1" qsCatId="simple" csTypeId="urn:microsoft.com/office/officeart/2005/8/colors/accent1_2" csCatId="accent1" phldr="1"/>
+      <dgm:spPr/>
+      <dgm:t>
+        <a:bodyPr/>
+        <a:lstStyle/>
+        <a:p>
+          <a:endParaRPr lang="zh-CN" altLang="en-US"/>
+        </a:p>
+      </dgm:t>
+    </dgm:pt>
+    <dgm:pt modelId="{BA6991BD-2CF1-4A43-A225-074FCF27A4A6}">
+      <dgm:prSet phldrT="[Text]"/>
+      <dgm:spPr/>
+      <dgm:t>
+        <a:bodyPr/>
+        <a:lstStyle/>
+        <a:p>
+          <a:r>
+            <a:rPr lang="en-US" altLang="zh-CN" dirty="0" err="1"/>
+            <a:t>Peak_list</a:t>
+          </a:r>
+          <a:endParaRPr lang="zh-CN" altLang="en-US" dirty="0"/>
+        </a:p>
+      </dgm:t>
+    </dgm:pt>
+    <dgm:pt modelId="{C5D7EC88-9F57-4763-9F1E-12083DBE23BB}" type="parTrans" cxnId="{2C8DFEAF-901E-4113-8683-93B1D0BFF26C}">
+      <dgm:prSet/>
+      <dgm:spPr/>
+      <dgm:t>
+        <a:bodyPr/>
+        <a:lstStyle/>
+        <a:p>
+          <a:endParaRPr lang="zh-CN" altLang="en-US"/>
+        </a:p>
+      </dgm:t>
+    </dgm:pt>
+    <dgm:pt modelId="{D42726DF-3C58-4F87-9591-48338A9017A6}" type="sibTrans" cxnId="{2C8DFEAF-901E-4113-8683-93B1D0BFF26C}">
+      <dgm:prSet/>
+      <dgm:spPr/>
+      <dgm:t>
+        <a:bodyPr/>
+        <a:lstStyle/>
+        <a:p>
+          <a:endParaRPr lang="zh-CN" altLang="en-US" dirty="0"/>
+        </a:p>
+      </dgm:t>
+    </dgm:pt>
+    <dgm:pt modelId="{F1D60E77-CEBF-441B-988E-D914F86C20E7}">
+      <dgm:prSet phldrT="[Text]"/>
+      <dgm:spPr/>
+      <dgm:t>
+        <a:bodyPr/>
+        <a:lstStyle/>
+        <a:p>
+          <a:r>
+            <a:rPr lang="en-US" altLang="zh-CN" dirty="0" err="1"/>
+            <a:t>Peak_pick</a:t>
+          </a:r>
+          <a:endParaRPr lang="zh-CN" altLang="en-US" dirty="0"/>
+        </a:p>
+      </dgm:t>
+    </dgm:pt>
+    <dgm:pt modelId="{0D914089-7B5E-4C07-9776-F300A5F0DBF3}" type="parTrans" cxnId="{A137694D-4563-45FC-B015-13476E6B8F94}">
+      <dgm:prSet/>
+      <dgm:spPr/>
+      <dgm:t>
+        <a:bodyPr/>
+        <a:lstStyle/>
+        <a:p>
+          <a:endParaRPr lang="zh-CN" altLang="en-US"/>
+        </a:p>
+      </dgm:t>
+    </dgm:pt>
+    <dgm:pt modelId="{30E99CA0-26D0-4754-B79B-47B004B0A0B4}" type="sibTrans" cxnId="{A137694D-4563-45FC-B015-13476E6B8F94}">
+      <dgm:prSet/>
+      <dgm:spPr/>
+      <dgm:t>
+        <a:bodyPr/>
+        <a:lstStyle/>
+        <a:p>
+          <a:r>
+            <a:rPr lang="en-US" altLang="zh-CN" dirty="0"/>
+            <a:t>99.6% time</a:t>
+          </a:r>
+        </a:p>
+      </dgm:t>
+    </dgm:pt>
+    <dgm:pt modelId="{3EE36582-A645-459B-A7D1-9FBF8DFBD8C7}">
+      <dgm:prSet phldrT="[Text]"/>
+      <dgm:spPr/>
+      <dgm:t>
+        <a:bodyPr/>
+        <a:lstStyle/>
+        <a:p>
+          <a:r>
+            <a:rPr lang="en-US" altLang="zh-CN" dirty="0" err="1"/>
+            <a:t>mzgen</a:t>
+          </a:r>
+          <a:endParaRPr lang="zh-CN" altLang="en-US" dirty="0"/>
+        </a:p>
+      </dgm:t>
+    </dgm:pt>
+    <dgm:pt modelId="{9A4BCDE8-972E-44BC-ADEC-4534BB3838A0}" type="parTrans" cxnId="{3A440C6B-4AB4-4B72-A48B-9B651CDB0CD1}">
+      <dgm:prSet/>
+      <dgm:spPr/>
+      <dgm:t>
+        <a:bodyPr/>
+        <a:lstStyle/>
+        <a:p>
+          <a:endParaRPr lang="zh-CN" altLang="en-US"/>
+        </a:p>
+      </dgm:t>
+    </dgm:pt>
+    <dgm:pt modelId="{C1597A47-0B95-425C-83D2-966431603D29}" type="sibTrans" cxnId="{3A440C6B-4AB4-4B72-A48B-9B651CDB0CD1}">
+      <dgm:prSet/>
+      <dgm:spPr/>
+      <dgm:t>
+        <a:bodyPr/>
+        <a:lstStyle/>
+        <a:p>
+          <a:endParaRPr lang="zh-CN" altLang="en-US" dirty="0"/>
+        </a:p>
+      </dgm:t>
+    </dgm:pt>
+    <dgm:pt modelId="{C8DC0812-B76E-49D4-A00E-81FB9084B08B}">
+      <dgm:prSet phldrT="[Text]"/>
+      <dgm:spPr/>
+      <dgm:t>
+        <a:bodyPr/>
+        <a:lstStyle/>
+        <a:p>
+          <a:r>
+            <a:rPr lang="en-US" altLang="zh-CN" dirty="0" err="1"/>
+            <a:t>Ms_chromatogram_list</a:t>
+          </a:r>
+          <a:endParaRPr lang="zh-CN" altLang="en-US" dirty="0"/>
+        </a:p>
+      </dgm:t>
+    </dgm:pt>
+    <dgm:pt modelId="{E6F3158D-2201-4038-854A-30349FD453B5}" type="parTrans" cxnId="{5979DC31-94F2-429F-BDDB-12481D14FB92}">
+      <dgm:prSet/>
+      <dgm:spPr/>
+      <dgm:t>
+        <a:bodyPr/>
+        <a:lstStyle/>
+        <a:p>
+          <a:endParaRPr lang="zh-CN" altLang="en-US"/>
+        </a:p>
+      </dgm:t>
+    </dgm:pt>
+    <dgm:pt modelId="{4A24B8D9-E7B5-474A-B47F-A614BC31589B}" type="sibTrans" cxnId="{5979DC31-94F2-429F-BDDB-12481D14FB92}">
+      <dgm:prSet/>
+      <dgm:spPr/>
+      <dgm:t>
+        <a:bodyPr/>
+        <a:lstStyle/>
+        <a:p>
+          <a:r>
+            <a:rPr lang="en-US" altLang="zh-CN"/>
+            <a:t>56% </a:t>
+          </a:r>
+          <a:r>
+            <a:rPr lang="en-US" altLang="zh-CN" dirty="0"/>
+            <a:t>time</a:t>
+          </a:r>
+          <a:endParaRPr lang="zh-CN" altLang="en-US" dirty="0"/>
+        </a:p>
+      </dgm:t>
+    </dgm:pt>
+    <dgm:pt modelId="{D410B340-8638-4FDC-9D56-C38BBB7EB962}">
+      <dgm:prSet phldrT="[Text]"/>
+      <dgm:spPr/>
+      <dgm:t>
+        <a:bodyPr/>
+        <a:lstStyle/>
+        <a:p>
+          <a:r>
+            <a:rPr lang="en-US" altLang="zh-CN" dirty="0" err="1"/>
+            <a:t>Mz_locator</a:t>
+          </a:r>
+          <a:endParaRPr lang="zh-CN" altLang="en-US" dirty="0"/>
+        </a:p>
+      </dgm:t>
+    </dgm:pt>
+    <dgm:pt modelId="{777AC2AD-1B47-4071-855A-FE50A8112543}" type="parTrans" cxnId="{CF5E2CF1-B3C7-4DA6-A939-3FA8CC68E432}">
+      <dgm:prSet/>
+      <dgm:spPr/>
+      <dgm:t>
+        <a:bodyPr/>
+        <a:lstStyle/>
+        <a:p>
+          <a:endParaRPr lang="zh-CN" altLang="en-US"/>
+        </a:p>
+      </dgm:t>
+    </dgm:pt>
+    <dgm:pt modelId="{8C5B97C1-1D7B-4049-A79E-B8C0C883C98B}" type="sibTrans" cxnId="{CF5E2CF1-B3C7-4DA6-A939-3FA8CC68E432}">
+      <dgm:prSet/>
+      <dgm:spPr/>
+      <dgm:t>
+        <a:bodyPr/>
+        <a:lstStyle/>
+        <a:p>
+          <a:r>
+            <a:rPr lang="en-US" altLang="zh-CN" dirty="0"/>
+            <a:t>20% time</a:t>
+          </a:r>
+        </a:p>
+      </dgm:t>
+    </dgm:pt>
+    <dgm:pt modelId="{5C50A951-423A-4172-8397-2B5C79DEF975}">
+      <dgm:prSet phldrT="[Text]"/>
+      <dgm:spPr/>
+      <dgm:t>
+        <a:bodyPr/>
+        <a:lstStyle/>
+        <a:p>
+          <a:r>
+            <a:rPr lang="en-US" altLang="zh-CN" dirty="0"/>
+            <a:t>List appending</a:t>
+          </a:r>
+          <a:endParaRPr lang="zh-CN" altLang="en-US" dirty="0"/>
+        </a:p>
+      </dgm:t>
+    </dgm:pt>
+    <dgm:pt modelId="{208F9EFB-F251-4C93-B91A-6DC1C371C751}" type="parTrans" cxnId="{826F69E4-D5B5-4704-997F-71D2FC0027AB}">
+      <dgm:prSet/>
+      <dgm:spPr/>
+      <dgm:t>
+        <a:bodyPr/>
+        <a:lstStyle/>
+        <a:p>
+          <a:endParaRPr lang="zh-CN" altLang="en-US"/>
+        </a:p>
+      </dgm:t>
+    </dgm:pt>
+    <dgm:pt modelId="{A5C30BFC-2370-4B4B-B997-94F9648E542D}" type="sibTrans" cxnId="{826F69E4-D5B5-4704-997F-71D2FC0027AB}">
+      <dgm:prSet/>
+      <dgm:spPr/>
+      <dgm:t>
+        <a:bodyPr/>
+        <a:lstStyle/>
+        <a:p>
+          <a:r>
+            <a:rPr lang="en-US" altLang="zh-CN" dirty="0"/>
+            <a:t>70% time</a:t>
+          </a:r>
+          <a:endParaRPr lang="zh-CN" altLang="en-US" dirty="0"/>
+        </a:p>
+      </dgm:t>
+    </dgm:pt>
+    <dgm:pt modelId="{4AA85890-21A0-40DF-B62D-89AFF5918D1B}" type="pres">
+      <dgm:prSet presAssocID="{C54B57FA-9B54-426D-938D-08A3D68C3A1A}" presName="hierChild1" presStyleCnt="0">
+        <dgm:presLayoutVars>
+          <dgm:orgChart val="1"/>
+          <dgm:chPref val="1"/>
+          <dgm:dir/>
+          <dgm:animOne val="branch"/>
+          <dgm:animLvl val="lvl"/>
+          <dgm:resizeHandles/>
+        </dgm:presLayoutVars>
+      </dgm:prSet>
+      <dgm:spPr/>
+    </dgm:pt>
+    <dgm:pt modelId="{DA558D6F-E8E7-4260-9263-65EF53DC530B}" type="pres">
+      <dgm:prSet presAssocID="{BA6991BD-2CF1-4A43-A225-074FCF27A4A6}" presName="hierRoot1" presStyleCnt="0">
+        <dgm:presLayoutVars>
+          <dgm:hierBranch val="init"/>
+        </dgm:presLayoutVars>
+      </dgm:prSet>
+      <dgm:spPr/>
+    </dgm:pt>
+    <dgm:pt modelId="{07613046-93A2-4668-80F0-8D52D01A2E8C}" type="pres">
+      <dgm:prSet presAssocID="{BA6991BD-2CF1-4A43-A225-074FCF27A4A6}" presName="rootComposite1" presStyleCnt="0"/>
+      <dgm:spPr/>
+    </dgm:pt>
+    <dgm:pt modelId="{7B7FAD46-31E7-4B44-B742-13BA0266C647}" type="pres">
+      <dgm:prSet presAssocID="{BA6991BD-2CF1-4A43-A225-074FCF27A4A6}" presName="rootText1" presStyleLbl="node0" presStyleIdx="0" presStyleCnt="1">
+        <dgm:presLayoutVars>
+          <dgm:chMax/>
+          <dgm:chPref val="3"/>
+        </dgm:presLayoutVars>
+      </dgm:prSet>
+      <dgm:spPr/>
+    </dgm:pt>
+    <dgm:pt modelId="{0A69EDD3-4191-426A-9EBF-4B8737F75D11}" type="pres">
+      <dgm:prSet presAssocID="{BA6991BD-2CF1-4A43-A225-074FCF27A4A6}" presName="titleText1" presStyleLbl="fgAcc0" presStyleIdx="0" presStyleCnt="1">
+        <dgm:presLayoutVars>
+          <dgm:chMax val="0"/>
+          <dgm:chPref val="0"/>
+        </dgm:presLayoutVars>
+      </dgm:prSet>
+      <dgm:spPr/>
+    </dgm:pt>
+    <dgm:pt modelId="{7529C78E-82FE-409A-9CD8-1C9A6CBE6C87}" type="pres">
+      <dgm:prSet presAssocID="{BA6991BD-2CF1-4A43-A225-074FCF27A4A6}" presName="rootConnector1" presStyleLbl="node1" presStyleIdx="0" presStyleCnt="5"/>
+      <dgm:spPr/>
+    </dgm:pt>
+    <dgm:pt modelId="{4E26E63B-2042-4AE4-B9EC-FFB0E382BE58}" type="pres">
+      <dgm:prSet presAssocID="{BA6991BD-2CF1-4A43-A225-074FCF27A4A6}" presName="hierChild2" presStyleCnt="0"/>
+      <dgm:spPr/>
+    </dgm:pt>
+    <dgm:pt modelId="{624B2BA2-CA77-4909-AB6F-E086D4FD0F3D}" type="pres">
+      <dgm:prSet presAssocID="{0D914089-7B5E-4C07-9776-F300A5F0DBF3}" presName="Name37" presStyleLbl="parChTrans1D2" presStyleIdx="0" presStyleCnt="2"/>
+      <dgm:spPr/>
+    </dgm:pt>
+    <dgm:pt modelId="{9D5A22A3-E92B-4DC2-88F7-F8C9773B95F4}" type="pres">
+      <dgm:prSet presAssocID="{F1D60E77-CEBF-441B-988E-D914F86C20E7}" presName="hierRoot2" presStyleCnt="0">
+        <dgm:presLayoutVars>
+          <dgm:hierBranch val="init"/>
+        </dgm:presLayoutVars>
+      </dgm:prSet>
+      <dgm:spPr/>
+    </dgm:pt>
+    <dgm:pt modelId="{787322B4-7F33-4E75-905E-54003B3DC25D}" type="pres">
+      <dgm:prSet presAssocID="{F1D60E77-CEBF-441B-988E-D914F86C20E7}" presName="rootComposite" presStyleCnt="0"/>
+      <dgm:spPr/>
+    </dgm:pt>
+    <dgm:pt modelId="{D7DD0747-A64A-4D2E-BC89-DFD875DA8238}" type="pres">
+      <dgm:prSet presAssocID="{F1D60E77-CEBF-441B-988E-D914F86C20E7}" presName="rootText" presStyleLbl="node1" presStyleIdx="0" presStyleCnt="5">
+        <dgm:presLayoutVars>
+          <dgm:chMax/>
+          <dgm:chPref val="3"/>
+        </dgm:presLayoutVars>
+      </dgm:prSet>
+      <dgm:spPr/>
+    </dgm:pt>
+    <dgm:pt modelId="{76046E0B-2B47-423B-828D-587DA21F40F3}" type="pres">
+      <dgm:prSet presAssocID="{F1D60E77-CEBF-441B-988E-D914F86C20E7}" presName="titleText2" presStyleLbl="fgAcc1" presStyleIdx="0" presStyleCnt="5">
+        <dgm:presLayoutVars>
+          <dgm:chMax val="0"/>
+          <dgm:chPref val="0"/>
+        </dgm:presLayoutVars>
+      </dgm:prSet>
+      <dgm:spPr/>
+    </dgm:pt>
+    <dgm:pt modelId="{EF650132-8AAF-4167-88A5-35FF447089C5}" type="pres">
+      <dgm:prSet presAssocID="{F1D60E77-CEBF-441B-988E-D914F86C20E7}" presName="rootConnector" presStyleLbl="node2" presStyleIdx="0" presStyleCnt="0"/>
+      <dgm:spPr/>
+    </dgm:pt>
+    <dgm:pt modelId="{B13B7FFE-672C-45F4-8273-1330440AB792}" type="pres">
+      <dgm:prSet presAssocID="{F1D60E77-CEBF-441B-988E-D914F86C20E7}" presName="hierChild4" presStyleCnt="0"/>
+      <dgm:spPr/>
+    </dgm:pt>
+    <dgm:pt modelId="{2DCB7720-6C20-49C9-9303-7A3599277A55}" type="pres">
+      <dgm:prSet presAssocID="{E6F3158D-2201-4038-854A-30349FD453B5}" presName="Name37" presStyleLbl="parChTrans1D3" presStyleIdx="0" presStyleCnt="1"/>
+      <dgm:spPr/>
+    </dgm:pt>
+    <dgm:pt modelId="{872514BE-6CB0-443C-9CCC-51DA2F118442}" type="pres">
+      <dgm:prSet presAssocID="{C8DC0812-B76E-49D4-A00E-81FB9084B08B}" presName="hierRoot2" presStyleCnt="0">
+        <dgm:presLayoutVars>
+          <dgm:hierBranch val="init"/>
+        </dgm:presLayoutVars>
+      </dgm:prSet>
+      <dgm:spPr/>
+    </dgm:pt>
+    <dgm:pt modelId="{52664EC5-B941-43AF-873F-742AD53B4E48}" type="pres">
+      <dgm:prSet presAssocID="{C8DC0812-B76E-49D4-A00E-81FB9084B08B}" presName="rootComposite" presStyleCnt="0"/>
+      <dgm:spPr/>
+    </dgm:pt>
+    <dgm:pt modelId="{8D89ABA1-4CC0-4135-AD2E-EDB6AE12FE7D}" type="pres">
+      <dgm:prSet presAssocID="{C8DC0812-B76E-49D4-A00E-81FB9084B08B}" presName="rootText" presStyleLbl="node1" presStyleIdx="1" presStyleCnt="5">
+        <dgm:presLayoutVars>
+          <dgm:chMax/>
+          <dgm:chPref val="3"/>
+        </dgm:presLayoutVars>
+      </dgm:prSet>
+      <dgm:spPr/>
+    </dgm:pt>
+    <dgm:pt modelId="{AE98993E-7E2D-4F62-9682-4F3828326461}" type="pres">
+      <dgm:prSet presAssocID="{C8DC0812-B76E-49D4-A00E-81FB9084B08B}" presName="titleText2" presStyleLbl="fgAcc1" presStyleIdx="1" presStyleCnt="5" custLinFactNeighborY="-3346">
         <dgm:presLayoutVars>
           <dgm:chMax val="0"/>
           <dgm:chPref val="0"/>
@@ -6325,6 +7704,1258 @@
 </dsp:drawing>
 </file>
 
+<file path=ppt/diagrams/drawing4.xml><?xml version="1.0" encoding="utf-8"?>
+<dsp:drawing xmlns:dgm="http://schemas.openxmlformats.org/drawingml/2006/diagram" xmlns:dsp="http://schemas.microsoft.com/office/drawing/2008/diagram" xmlns:a="http://schemas.openxmlformats.org/drawingml/2006/main">
+  <dsp:spTree>
+    <dsp:nvGrpSpPr>
+      <dsp:cNvPr id="0" name=""/>
+      <dsp:cNvGrpSpPr/>
+    </dsp:nvGrpSpPr>
+    <dsp:grpSpPr/>
+    <dsp:sp modelId="{96A0C398-C0AE-4649-9611-6FFABC51B713}">
+      <dsp:nvSpPr>
+        <dsp:cNvPr id="0" name=""/>
+        <dsp:cNvSpPr/>
+      </dsp:nvSpPr>
+      <dsp:spPr>
+        <a:xfrm>
+          <a:off x="5904181" y="1174987"/>
+          <a:ext cx="1519242" cy="677506"/>
+        </a:xfrm>
+        <a:custGeom>
+          <a:avLst/>
+          <a:gdLst/>
+          <a:ahLst/>
+          <a:cxnLst/>
+          <a:rect l="0" t="0" r="0" b="0"/>
+          <a:pathLst>
+            <a:path>
+              <a:moveTo>
+                <a:pt x="0" y="0"/>
+              </a:moveTo>
+              <a:lnTo>
+                <a:pt x="0" y="403898"/>
+              </a:lnTo>
+              <a:lnTo>
+                <a:pt x="1519242" y="403898"/>
+              </a:lnTo>
+              <a:lnTo>
+                <a:pt x="1519242" y="677506"/>
+              </a:lnTo>
+            </a:path>
+          </a:pathLst>
+        </a:custGeom>
+        <a:noFill/>
+        <a:ln w="12700" cap="flat" cmpd="sng" algn="ctr">
+          <a:solidFill>
+            <a:schemeClr val="accent1">
+              <a:shade val="60000"/>
+              <a:hueOff val="0"/>
+              <a:satOff val="0"/>
+              <a:lumOff val="0"/>
+              <a:alphaOff val="0"/>
+            </a:schemeClr>
+          </a:solidFill>
+          <a:prstDash val="solid"/>
+          <a:miter lim="800000"/>
+        </a:ln>
+        <a:effectLst/>
+      </dsp:spPr>
+      <dsp:style>
+        <a:lnRef idx="2">
+          <a:scrgbClr r="0" g="0" b="0"/>
+        </a:lnRef>
+        <a:fillRef idx="0">
+          <a:scrgbClr r="0" g="0" b="0"/>
+        </a:fillRef>
+        <a:effectRef idx="0">
+          <a:scrgbClr r="0" g="0" b="0"/>
+        </a:effectRef>
+        <a:fontRef idx="minor"/>
+      </dsp:style>
+    </dsp:sp>
+    <dsp:sp modelId="{60276837-860A-479C-9D93-8CF079D0588F}">
+      <dsp:nvSpPr>
+        <dsp:cNvPr id="0" name=""/>
+        <dsp:cNvSpPr/>
+      </dsp:nvSpPr>
+      <dsp:spPr>
+        <a:xfrm>
+          <a:off x="4384939" y="4875215"/>
+          <a:ext cx="1519242" cy="677506"/>
+        </a:xfrm>
+        <a:custGeom>
+          <a:avLst/>
+          <a:gdLst/>
+          <a:ahLst/>
+          <a:cxnLst/>
+          <a:rect l="0" t="0" r="0" b="0"/>
+          <a:pathLst>
+            <a:path>
+              <a:moveTo>
+                <a:pt x="0" y="0"/>
+              </a:moveTo>
+              <a:lnTo>
+                <a:pt x="0" y="403898"/>
+              </a:lnTo>
+              <a:lnTo>
+                <a:pt x="1519242" y="403898"/>
+              </a:lnTo>
+              <a:lnTo>
+                <a:pt x="1519242" y="677506"/>
+              </a:lnTo>
+            </a:path>
+          </a:pathLst>
+        </a:custGeom>
+        <a:noFill/>
+        <a:ln w="12700" cap="flat" cmpd="sng" algn="ctr">
+          <a:solidFill>
+            <a:schemeClr val="accent1">
+              <a:shade val="80000"/>
+              <a:hueOff val="0"/>
+              <a:satOff val="0"/>
+              <a:lumOff val="0"/>
+              <a:alphaOff val="0"/>
+            </a:schemeClr>
+          </a:solidFill>
+          <a:prstDash val="solid"/>
+          <a:miter lim="800000"/>
+        </a:ln>
+        <a:effectLst/>
+      </dsp:spPr>
+      <dsp:style>
+        <a:lnRef idx="2">
+          <a:scrgbClr r="0" g="0" b="0"/>
+        </a:lnRef>
+        <a:fillRef idx="0">
+          <a:scrgbClr r="0" g="0" b="0"/>
+        </a:fillRef>
+        <a:effectRef idx="0">
+          <a:scrgbClr r="0" g="0" b="0"/>
+        </a:effectRef>
+        <a:fontRef idx="minor"/>
+      </dsp:style>
+    </dsp:sp>
+    <dsp:sp modelId="{B6DBE7D9-A73B-42BC-B8C1-D4D14E0DF7B4}">
+      <dsp:nvSpPr>
+        <dsp:cNvPr id="0" name=""/>
+        <dsp:cNvSpPr/>
+      </dsp:nvSpPr>
+      <dsp:spPr>
+        <a:xfrm>
+          <a:off x="2865696" y="4875215"/>
+          <a:ext cx="1519242" cy="677506"/>
+        </a:xfrm>
+        <a:custGeom>
+          <a:avLst/>
+          <a:gdLst/>
+          <a:ahLst/>
+          <a:cxnLst/>
+          <a:rect l="0" t="0" r="0" b="0"/>
+          <a:pathLst>
+            <a:path>
+              <a:moveTo>
+                <a:pt x="1519242" y="0"/>
+              </a:moveTo>
+              <a:lnTo>
+                <a:pt x="1519242" y="403898"/>
+              </a:lnTo>
+              <a:lnTo>
+                <a:pt x="0" y="403898"/>
+              </a:lnTo>
+              <a:lnTo>
+                <a:pt x="0" y="677506"/>
+              </a:lnTo>
+            </a:path>
+          </a:pathLst>
+        </a:custGeom>
+        <a:noFill/>
+        <a:ln w="12700" cap="flat" cmpd="sng" algn="ctr">
+          <a:solidFill>
+            <a:schemeClr val="accent1">
+              <a:shade val="80000"/>
+              <a:hueOff val="0"/>
+              <a:satOff val="0"/>
+              <a:lumOff val="0"/>
+              <a:alphaOff val="0"/>
+            </a:schemeClr>
+          </a:solidFill>
+          <a:prstDash val="solid"/>
+          <a:miter lim="800000"/>
+        </a:ln>
+        <a:effectLst/>
+      </dsp:spPr>
+      <dsp:style>
+        <a:lnRef idx="2">
+          <a:scrgbClr r="0" g="0" b="0"/>
+        </a:lnRef>
+        <a:fillRef idx="0">
+          <a:scrgbClr r="0" g="0" b="0"/>
+        </a:fillRef>
+        <a:effectRef idx="0">
+          <a:scrgbClr r="0" g="0" b="0"/>
+        </a:effectRef>
+        <a:fontRef idx="minor"/>
+      </dsp:style>
+    </dsp:sp>
+    <dsp:sp modelId="{2DCB7720-6C20-49C9-9303-7A3599277A55}">
+      <dsp:nvSpPr>
+        <dsp:cNvPr id="0" name=""/>
+        <dsp:cNvSpPr/>
+      </dsp:nvSpPr>
+      <dsp:spPr>
+        <a:xfrm>
+          <a:off x="4339219" y="3025101"/>
+          <a:ext cx="91440" cy="677506"/>
+        </a:xfrm>
+        <a:custGeom>
+          <a:avLst/>
+          <a:gdLst/>
+          <a:ahLst/>
+          <a:cxnLst/>
+          <a:rect l="0" t="0" r="0" b="0"/>
+          <a:pathLst>
+            <a:path>
+              <a:moveTo>
+                <a:pt x="45720" y="0"/>
+              </a:moveTo>
+              <a:lnTo>
+                <a:pt x="45720" y="677506"/>
+              </a:lnTo>
+            </a:path>
+          </a:pathLst>
+        </a:custGeom>
+        <a:noFill/>
+        <a:ln w="12700" cap="flat" cmpd="sng" algn="ctr">
+          <a:solidFill>
+            <a:schemeClr val="accent1">
+              <a:shade val="80000"/>
+              <a:hueOff val="0"/>
+              <a:satOff val="0"/>
+              <a:lumOff val="0"/>
+              <a:alphaOff val="0"/>
+            </a:schemeClr>
+          </a:solidFill>
+          <a:prstDash val="solid"/>
+          <a:miter lim="800000"/>
+        </a:ln>
+        <a:effectLst/>
+      </dsp:spPr>
+      <dsp:style>
+        <a:lnRef idx="2">
+          <a:scrgbClr r="0" g="0" b="0"/>
+        </a:lnRef>
+        <a:fillRef idx="0">
+          <a:scrgbClr r="0" g="0" b="0"/>
+        </a:fillRef>
+        <a:effectRef idx="0">
+          <a:scrgbClr r="0" g="0" b="0"/>
+        </a:effectRef>
+        <a:fontRef idx="minor"/>
+      </dsp:style>
+    </dsp:sp>
+    <dsp:sp modelId="{624B2BA2-CA77-4909-AB6F-E086D4FD0F3D}">
+      <dsp:nvSpPr>
+        <dsp:cNvPr id="0" name=""/>
+        <dsp:cNvSpPr/>
+      </dsp:nvSpPr>
+      <dsp:spPr>
+        <a:xfrm>
+          <a:off x="4384939" y="1174987"/>
+          <a:ext cx="1519242" cy="677506"/>
+        </a:xfrm>
+        <a:custGeom>
+          <a:avLst/>
+          <a:gdLst/>
+          <a:ahLst/>
+          <a:cxnLst/>
+          <a:rect l="0" t="0" r="0" b="0"/>
+          <a:pathLst>
+            <a:path>
+              <a:moveTo>
+                <a:pt x="1519242" y="0"/>
+              </a:moveTo>
+              <a:lnTo>
+                <a:pt x="1519242" y="403898"/>
+              </a:lnTo>
+              <a:lnTo>
+                <a:pt x="0" y="403898"/>
+              </a:lnTo>
+              <a:lnTo>
+                <a:pt x="0" y="677506"/>
+              </a:lnTo>
+            </a:path>
+          </a:pathLst>
+        </a:custGeom>
+        <a:noFill/>
+        <a:ln w="12700" cap="flat" cmpd="sng" algn="ctr">
+          <a:solidFill>
+            <a:schemeClr val="accent1">
+              <a:shade val="60000"/>
+              <a:hueOff val="0"/>
+              <a:satOff val="0"/>
+              <a:lumOff val="0"/>
+              <a:alphaOff val="0"/>
+            </a:schemeClr>
+          </a:solidFill>
+          <a:prstDash val="solid"/>
+          <a:miter lim="800000"/>
+        </a:ln>
+        <a:effectLst/>
+      </dsp:spPr>
+      <dsp:style>
+        <a:lnRef idx="2">
+          <a:scrgbClr r="0" g="0" b="0"/>
+        </a:lnRef>
+        <a:fillRef idx="0">
+          <a:scrgbClr r="0" g="0" b="0"/>
+        </a:fillRef>
+        <a:effectRef idx="0">
+          <a:scrgbClr r="0" g="0" b="0"/>
+        </a:effectRef>
+        <a:fontRef idx="minor"/>
+      </dsp:style>
+    </dsp:sp>
+    <dsp:sp modelId="{7B7FAD46-31E7-4B44-B742-13BA0266C647}">
+      <dsp:nvSpPr>
+        <dsp:cNvPr id="0" name=""/>
+        <dsp:cNvSpPr/>
+      </dsp:nvSpPr>
+      <dsp:spPr>
+        <a:xfrm>
+          <a:off x="4771787" y="2380"/>
+          <a:ext cx="2264789" cy="1172607"/>
+        </a:xfrm>
+        <a:prstGeom prst="rect">
+          <a:avLst/>
+        </a:prstGeom>
+        <a:solidFill>
+          <a:schemeClr val="accent1">
+            <a:hueOff val="0"/>
+            <a:satOff val="0"/>
+            <a:lumOff val="0"/>
+            <a:alphaOff val="0"/>
+          </a:schemeClr>
+        </a:solidFill>
+        <a:ln w="12700" cap="flat" cmpd="sng" algn="ctr">
+          <a:solidFill>
+            <a:schemeClr val="lt1">
+              <a:hueOff val="0"/>
+              <a:satOff val="0"/>
+              <a:lumOff val="0"/>
+              <a:alphaOff val="0"/>
+            </a:schemeClr>
+          </a:solidFill>
+          <a:prstDash val="solid"/>
+          <a:miter lim="800000"/>
+        </a:ln>
+        <a:effectLst/>
+      </dsp:spPr>
+      <dsp:style>
+        <a:lnRef idx="2">
+          <a:scrgbClr r="0" g="0" b="0"/>
+        </a:lnRef>
+        <a:fillRef idx="1">
+          <a:scrgbClr r="0" g="0" b="0"/>
+        </a:fillRef>
+        <a:effectRef idx="0">
+          <a:scrgbClr r="0" g="0" b="0"/>
+        </a:effectRef>
+        <a:fontRef idx="minor">
+          <a:schemeClr val="lt1"/>
+        </a:fontRef>
+      </dsp:style>
+      <dsp:txBody>
+        <a:bodyPr spcFirstLastPara="0" vert="horz" wrap="square" lIns="11430" tIns="11430" rIns="11430" bIns="165468" numCol="1" spcCol="1270" anchor="ctr" anchorCtr="0">
+          <a:noAutofit/>
+        </a:bodyPr>
+        <a:lstStyle/>
+        <a:p>
+          <a:pPr marL="0" lvl="0" indent="0" algn="ctr" defTabSz="800100">
+            <a:lnSpc>
+              <a:spcPct val="90000"/>
+            </a:lnSpc>
+            <a:spcBef>
+              <a:spcPct val="0"/>
+            </a:spcBef>
+            <a:spcAft>
+              <a:spcPct val="35000"/>
+            </a:spcAft>
+            <a:buNone/>
+          </a:pPr>
+          <a:r>
+            <a:rPr lang="en-US" altLang="zh-CN" sz="1800" kern="1200" dirty="0" err="1"/>
+            <a:t>Peak_list</a:t>
+          </a:r>
+          <a:endParaRPr lang="zh-CN" altLang="en-US" sz="1800" kern="1200" dirty="0"/>
+        </a:p>
+      </dsp:txBody>
+      <dsp:txXfrm>
+        <a:off x="4771787" y="2380"/>
+        <a:ext cx="2264789" cy="1172607"/>
+      </dsp:txXfrm>
+    </dsp:sp>
+    <dsp:sp modelId="{0A69EDD3-4191-426A-9EBF-4B8737F75D11}">
+      <dsp:nvSpPr>
+        <dsp:cNvPr id="0" name=""/>
+        <dsp:cNvSpPr/>
+      </dsp:nvSpPr>
+      <dsp:spPr>
+        <a:xfrm>
+          <a:off x="5224745" y="914408"/>
+          <a:ext cx="2038310" cy="390869"/>
+        </a:xfrm>
+        <a:prstGeom prst="rect">
+          <a:avLst/>
+        </a:prstGeom>
+        <a:solidFill>
+          <a:schemeClr val="lt1">
+            <a:alpha val="90000"/>
+            <a:hueOff val="0"/>
+            <a:satOff val="0"/>
+            <a:lumOff val="0"/>
+            <a:alphaOff val="0"/>
+          </a:schemeClr>
+        </a:solidFill>
+        <a:ln w="12700" cap="flat" cmpd="sng" algn="ctr">
+          <a:solidFill>
+            <a:schemeClr val="accent1">
+              <a:hueOff val="0"/>
+              <a:satOff val="0"/>
+              <a:lumOff val="0"/>
+              <a:alphaOff val="0"/>
+            </a:schemeClr>
+          </a:solidFill>
+          <a:prstDash val="solid"/>
+          <a:miter lim="800000"/>
+        </a:ln>
+        <a:effectLst/>
+      </dsp:spPr>
+      <dsp:style>
+        <a:lnRef idx="2">
+          <a:scrgbClr r="0" g="0" b="0"/>
+        </a:lnRef>
+        <a:fillRef idx="1">
+          <a:scrgbClr r="0" g="0" b="0"/>
+        </a:fillRef>
+        <a:effectRef idx="0">
+          <a:scrgbClr r="0" g="0" b="0"/>
+        </a:effectRef>
+        <a:fontRef idx="minor"/>
+      </dsp:style>
+      <dsp:txBody>
+        <a:bodyPr spcFirstLastPara="0" vert="horz" wrap="square" lIns="55880" tIns="13970" rIns="55880" bIns="13970" numCol="1" spcCol="1270" anchor="ctr" anchorCtr="0">
+          <a:noAutofit/>
+        </a:bodyPr>
+        <a:lstStyle/>
+        <a:p>
+          <a:pPr marL="0" lvl="0" indent="0" algn="r" defTabSz="977900">
+            <a:lnSpc>
+              <a:spcPct val="90000"/>
+            </a:lnSpc>
+            <a:spcBef>
+              <a:spcPct val="0"/>
+            </a:spcBef>
+            <a:spcAft>
+              <a:spcPct val="35000"/>
+            </a:spcAft>
+            <a:buNone/>
+          </a:pPr>
+          <a:endParaRPr lang="zh-CN" altLang="en-US" sz="2200" kern="1200" dirty="0"/>
+        </a:p>
+      </dsp:txBody>
+      <dsp:txXfrm>
+        <a:off x="5224745" y="914408"/>
+        <a:ext cx="2038310" cy="390869"/>
+      </dsp:txXfrm>
+    </dsp:sp>
+    <dsp:sp modelId="{D7DD0747-A64A-4D2E-BC89-DFD875DA8238}">
+      <dsp:nvSpPr>
+        <dsp:cNvPr id="0" name=""/>
+        <dsp:cNvSpPr/>
+      </dsp:nvSpPr>
+      <dsp:spPr>
+        <a:xfrm>
+          <a:off x="3252544" y="1852494"/>
+          <a:ext cx="2264789" cy="1172607"/>
+        </a:xfrm>
+        <a:prstGeom prst="rect">
+          <a:avLst/>
+        </a:prstGeom>
+        <a:solidFill>
+          <a:schemeClr val="accent1">
+            <a:hueOff val="0"/>
+            <a:satOff val="0"/>
+            <a:lumOff val="0"/>
+            <a:alphaOff val="0"/>
+          </a:schemeClr>
+        </a:solidFill>
+        <a:ln w="12700" cap="flat" cmpd="sng" algn="ctr">
+          <a:solidFill>
+            <a:schemeClr val="lt1">
+              <a:hueOff val="0"/>
+              <a:satOff val="0"/>
+              <a:lumOff val="0"/>
+              <a:alphaOff val="0"/>
+            </a:schemeClr>
+          </a:solidFill>
+          <a:prstDash val="solid"/>
+          <a:miter lim="800000"/>
+        </a:ln>
+        <a:effectLst/>
+      </dsp:spPr>
+      <dsp:style>
+        <a:lnRef idx="2">
+          <a:scrgbClr r="0" g="0" b="0"/>
+        </a:lnRef>
+        <a:fillRef idx="1">
+          <a:scrgbClr r="0" g="0" b="0"/>
+        </a:fillRef>
+        <a:effectRef idx="0">
+          <a:scrgbClr r="0" g="0" b="0"/>
+        </a:effectRef>
+        <a:fontRef idx="minor">
+          <a:schemeClr val="lt1"/>
+        </a:fontRef>
+      </dsp:style>
+      <dsp:txBody>
+        <a:bodyPr spcFirstLastPara="0" vert="horz" wrap="square" lIns="11430" tIns="11430" rIns="11430" bIns="165468" numCol="1" spcCol="1270" anchor="ctr" anchorCtr="0">
+          <a:noAutofit/>
+        </a:bodyPr>
+        <a:lstStyle/>
+        <a:p>
+          <a:pPr marL="0" lvl="0" indent="0" algn="ctr" defTabSz="800100">
+            <a:lnSpc>
+              <a:spcPct val="90000"/>
+            </a:lnSpc>
+            <a:spcBef>
+              <a:spcPct val="0"/>
+            </a:spcBef>
+            <a:spcAft>
+              <a:spcPct val="35000"/>
+            </a:spcAft>
+            <a:buNone/>
+          </a:pPr>
+          <a:r>
+            <a:rPr lang="en-US" altLang="zh-CN" sz="1800" kern="1200" dirty="0" err="1"/>
+            <a:t>Peak_pick</a:t>
+          </a:r>
+          <a:endParaRPr lang="zh-CN" altLang="en-US" sz="1800" kern="1200" dirty="0"/>
+        </a:p>
+      </dsp:txBody>
+      <dsp:txXfrm>
+        <a:off x="3252544" y="1852494"/>
+        <a:ext cx="2264789" cy="1172607"/>
+      </dsp:txXfrm>
+    </dsp:sp>
+    <dsp:sp modelId="{76046E0B-2B47-423B-828D-587DA21F40F3}">
+      <dsp:nvSpPr>
+        <dsp:cNvPr id="0" name=""/>
+        <dsp:cNvSpPr/>
+      </dsp:nvSpPr>
+      <dsp:spPr>
+        <a:xfrm>
+          <a:off x="3705502" y="2764522"/>
+          <a:ext cx="2038310" cy="390869"/>
+        </a:xfrm>
+        <a:prstGeom prst="rect">
+          <a:avLst/>
+        </a:prstGeom>
+        <a:solidFill>
+          <a:schemeClr val="lt1">
+            <a:alpha val="90000"/>
+            <a:hueOff val="0"/>
+            <a:satOff val="0"/>
+            <a:lumOff val="0"/>
+            <a:alphaOff val="0"/>
+          </a:schemeClr>
+        </a:solidFill>
+        <a:ln w="12700" cap="flat" cmpd="sng" algn="ctr">
+          <a:solidFill>
+            <a:schemeClr val="accent1">
+              <a:hueOff val="0"/>
+              <a:satOff val="0"/>
+              <a:lumOff val="0"/>
+              <a:alphaOff val="0"/>
+            </a:schemeClr>
+          </a:solidFill>
+          <a:prstDash val="solid"/>
+          <a:miter lim="800000"/>
+        </a:ln>
+        <a:effectLst/>
+      </dsp:spPr>
+      <dsp:style>
+        <a:lnRef idx="2">
+          <a:scrgbClr r="0" g="0" b="0"/>
+        </a:lnRef>
+        <a:fillRef idx="1">
+          <a:scrgbClr r="0" g="0" b="0"/>
+        </a:fillRef>
+        <a:effectRef idx="0">
+          <a:scrgbClr r="0" g="0" b="0"/>
+        </a:effectRef>
+        <a:fontRef idx="minor"/>
+      </dsp:style>
+      <dsp:txBody>
+        <a:bodyPr spcFirstLastPara="0" vert="horz" wrap="square" lIns="55880" tIns="13970" rIns="55880" bIns="13970" numCol="1" spcCol="1270" anchor="ctr" anchorCtr="0">
+          <a:noAutofit/>
+        </a:bodyPr>
+        <a:lstStyle/>
+        <a:p>
+          <a:pPr marL="0" lvl="0" indent="0" algn="r" defTabSz="977900">
+            <a:lnSpc>
+              <a:spcPct val="90000"/>
+            </a:lnSpc>
+            <a:spcBef>
+              <a:spcPct val="0"/>
+            </a:spcBef>
+            <a:spcAft>
+              <a:spcPct val="35000"/>
+            </a:spcAft>
+            <a:buNone/>
+          </a:pPr>
+          <a:r>
+            <a:rPr lang="en-US" altLang="zh-CN" sz="2200" kern="1200" dirty="0"/>
+            <a:t>99.6% time</a:t>
+          </a:r>
+        </a:p>
+      </dsp:txBody>
+      <dsp:txXfrm>
+        <a:off x="3705502" y="2764522"/>
+        <a:ext cx="2038310" cy="390869"/>
+      </dsp:txXfrm>
+    </dsp:sp>
+    <dsp:sp modelId="{8D89ABA1-4CC0-4135-AD2E-EDB6AE12FE7D}">
+      <dsp:nvSpPr>
+        <dsp:cNvPr id="0" name=""/>
+        <dsp:cNvSpPr/>
+      </dsp:nvSpPr>
+      <dsp:spPr>
+        <a:xfrm>
+          <a:off x="3252544" y="3702608"/>
+          <a:ext cx="2264789" cy="1172607"/>
+        </a:xfrm>
+        <a:prstGeom prst="rect">
+          <a:avLst/>
+        </a:prstGeom>
+        <a:solidFill>
+          <a:schemeClr val="accent1">
+            <a:hueOff val="0"/>
+            <a:satOff val="0"/>
+            <a:lumOff val="0"/>
+            <a:alphaOff val="0"/>
+          </a:schemeClr>
+        </a:solidFill>
+        <a:ln w="12700" cap="flat" cmpd="sng" algn="ctr">
+          <a:solidFill>
+            <a:schemeClr val="lt1">
+              <a:hueOff val="0"/>
+              <a:satOff val="0"/>
+              <a:lumOff val="0"/>
+              <a:alphaOff val="0"/>
+            </a:schemeClr>
+          </a:solidFill>
+          <a:prstDash val="solid"/>
+          <a:miter lim="800000"/>
+        </a:ln>
+        <a:effectLst/>
+      </dsp:spPr>
+      <dsp:style>
+        <a:lnRef idx="2">
+          <a:scrgbClr r="0" g="0" b="0"/>
+        </a:lnRef>
+        <a:fillRef idx="1">
+          <a:scrgbClr r="0" g="0" b="0"/>
+        </a:fillRef>
+        <a:effectRef idx="0">
+          <a:scrgbClr r="0" g="0" b="0"/>
+        </a:effectRef>
+        <a:fontRef idx="minor">
+          <a:schemeClr val="lt1"/>
+        </a:fontRef>
+      </dsp:style>
+      <dsp:txBody>
+        <a:bodyPr spcFirstLastPara="0" vert="horz" wrap="square" lIns="11430" tIns="11430" rIns="11430" bIns="165468" numCol="1" spcCol="1270" anchor="ctr" anchorCtr="0">
+          <a:noAutofit/>
+        </a:bodyPr>
+        <a:lstStyle/>
+        <a:p>
+          <a:pPr marL="0" lvl="0" indent="0" algn="ctr" defTabSz="800100">
+            <a:lnSpc>
+              <a:spcPct val="90000"/>
+            </a:lnSpc>
+            <a:spcBef>
+              <a:spcPct val="0"/>
+            </a:spcBef>
+            <a:spcAft>
+              <a:spcPct val="35000"/>
+            </a:spcAft>
+            <a:buNone/>
+          </a:pPr>
+          <a:r>
+            <a:rPr lang="en-US" altLang="zh-CN" sz="1800" kern="1200" dirty="0" err="1"/>
+            <a:t>Ms_chromatogram_list</a:t>
+          </a:r>
+          <a:endParaRPr lang="zh-CN" altLang="en-US" sz="1800" kern="1200" dirty="0"/>
+        </a:p>
+      </dsp:txBody>
+      <dsp:txXfrm>
+        <a:off x="3252544" y="3702608"/>
+        <a:ext cx="2264789" cy="1172607"/>
+      </dsp:txXfrm>
+    </dsp:sp>
+    <dsp:sp modelId="{AE98993E-7E2D-4F62-9682-4F3828326461}">
+      <dsp:nvSpPr>
+        <dsp:cNvPr id="0" name=""/>
+        <dsp:cNvSpPr/>
+      </dsp:nvSpPr>
+      <dsp:spPr>
+        <a:xfrm>
+          <a:off x="3705502" y="4601557"/>
+          <a:ext cx="2038310" cy="390869"/>
+        </a:xfrm>
+        <a:prstGeom prst="rect">
+          <a:avLst/>
+        </a:prstGeom>
+        <a:solidFill>
+          <a:schemeClr val="lt1">
+            <a:alpha val="90000"/>
+            <a:hueOff val="0"/>
+            <a:satOff val="0"/>
+            <a:lumOff val="0"/>
+            <a:alphaOff val="0"/>
+          </a:schemeClr>
+        </a:solidFill>
+        <a:ln w="12700" cap="flat" cmpd="sng" algn="ctr">
+          <a:solidFill>
+            <a:schemeClr val="accent1">
+              <a:hueOff val="0"/>
+              <a:satOff val="0"/>
+              <a:lumOff val="0"/>
+              <a:alphaOff val="0"/>
+            </a:schemeClr>
+          </a:solidFill>
+          <a:prstDash val="solid"/>
+          <a:miter lim="800000"/>
+        </a:ln>
+        <a:effectLst/>
+      </dsp:spPr>
+      <dsp:style>
+        <a:lnRef idx="2">
+          <a:scrgbClr r="0" g="0" b="0"/>
+        </a:lnRef>
+        <a:fillRef idx="1">
+          <a:scrgbClr r="0" g="0" b="0"/>
+        </a:fillRef>
+        <a:effectRef idx="0">
+          <a:scrgbClr r="0" g="0" b="0"/>
+        </a:effectRef>
+        <a:fontRef idx="minor"/>
+      </dsp:style>
+      <dsp:txBody>
+        <a:bodyPr spcFirstLastPara="0" vert="horz" wrap="square" lIns="55880" tIns="13970" rIns="55880" bIns="13970" numCol="1" spcCol="1270" anchor="ctr" anchorCtr="0">
+          <a:noAutofit/>
+        </a:bodyPr>
+        <a:lstStyle/>
+        <a:p>
+          <a:pPr marL="0" lvl="0" indent="0" algn="r" defTabSz="977900">
+            <a:lnSpc>
+              <a:spcPct val="90000"/>
+            </a:lnSpc>
+            <a:spcBef>
+              <a:spcPct val="0"/>
+            </a:spcBef>
+            <a:spcAft>
+              <a:spcPct val="35000"/>
+            </a:spcAft>
+            <a:buNone/>
+          </a:pPr>
+          <a:r>
+            <a:rPr lang="en-US" altLang="zh-CN" sz="2200" kern="1200"/>
+            <a:t>56% </a:t>
+          </a:r>
+          <a:r>
+            <a:rPr lang="en-US" altLang="zh-CN" sz="2200" kern="1200" dirty="0"/>
+            <a:t>time</a:t>
+          </a:r>
+          <a:endParaRPr lang="zh-CN" altLang="en-US" sz="2200" kern="1200" dirty="0"/>
+        </a:p>
+      </dsp:txBody>
+      <dsp:txXfrm>
+        <a:off x="3705502" y="4601557"/>
+        <a:ext cx="2038310" cy="390869"/>
+      </dsp:txXfrm>
+    </dsp:sp>
+    <dsp:sp modelId="{77BABBD4-8A94-4B01-9FA0-5308CEC2041B}">
+      <dsp:nvSpPr>
+        <dsp:cNvPr id="0" name=""/>
+        <dsp:cNvSpPr/>
+      </dsp:nvSpPr>
+      <dsp:spPr>
+        <a:xfrm>
+          <a:off x="1733302" y="5552722"/>
+          <a:ext cx="2264789" cy="1172607"/>
+        </a:xfrm>
+        <a:prstGeom prst="rect">
+          <a:avLst/>
+        </a:prstGeom>
+        <a:solidFill>
+          <a:schemeClr val="accent1">
+            <a:hueOff val="0"/>
+            <a:satOff val="0"/>
+            <a:lumOff val="0"/>
+            <a:alphaOff val="0"/>
+          </a:schemeClr>
+        </a:solidFill>
+        <a:ln w="12700" cap="flat" cmpd="sng" algn="ctr">
+          <a:solidFill>
+            <a:schemeClr val="lt1">
+              <a:hueOff val="0"/>
+              <a:satOff val="0"/>
+              <a:lumOff val="0"/>
+              <a:alphaOff val="0"/>
+            </a:schemeClr>
+          </a:solidFill>
+          <a:prstDash val="solid"/>
+          <a:miter lim="800000"/>
+        </a:ln>
+        <a:effectLst/>
+      </dsp:spPr>
+      <dsp:style>
+        <a:lnRef idx="2">
+          <a:scrgbClr r="0" g="0" b="0"/>
+        </a:lnRef>
+        <a:fillRef idx="1">
+          <a:scrgbClr r="0" g="0" b="0"/>
+        </a:fillRef>
+        <a:effectRef idx="0">
+          <a:scrgbClr r="0" g="0" b="0"/>
+        </a:effectRef>
+        <a:fontRef idx="minor">
+          <a:schemeClr val="lt1"/>
+        </a:fontRef>
+      </dsp:style>
+      <dsp:txBody>
+        <a:bodyPr spcFirstLastPara="0" vert="horz" wrap="square" lIns="11430" tIns="11430" rIns="11430" bIns="165468" numCol="1" spcCol="1270" anchor="ctr" anchorCtr="0">
+          <a:noAutofit/>
+        </a:bodyPr>
+        <a:lstStyle/>
+        <a:p>
+          <a:pPr marL="0" lvl="0" indent="0" algn="ctr" defTabSz="800100">
+            <a:lnSpc>
+              <a:spcPct val="90000"/>
+            </a:lnSpc>
+            <a:spcBef>
+              <a:spcPct val="0"/>
+            </a:spcBef>
+            <a:spcAft>
+              <a:spcPct val="35000"/>
+            </a:spcAft>
+            <a:buNone/>
+          </a:pPr>
+          <a:r>
+            <a:rPr lang="en-US" altLang="zh-CN" sz="1800" kern="1200" dirty="0"/>
+            <a:t>List appending</a:t>
+          </a:r>
+          <a:endParaRPr lang="zh-CN" altLang="en-US" sz="1800" kern="1200" dirty="0"/>
+        </a:p>
+      </dsp:txBody>
+      <dsp:txXfrm>
+        <a:off x="1733302" y="5552722"/>
+        <a:ext cx="2264789" cy="1172607"/>
+      </dsp:txXfrm>
+    </dsp:sp>
+    <dsp:sp modelId="{AF040155-5CE2-45C0-B5FD-B406DAF4F1B1}">
+      <dsp:nvSpPr>
+        <dsp:cNvPr id="0" name=""/>
+        <dsp:cNvSpPr/>
+      </dsp:nvSpPr>
+      <dsp:spPr>
+        <a:xfrm>
+          <a:off x="2186260" y="6464750"/>
+          <a:ext cx="2038310" cy="390869"/>
+        </a:xfrm>
+        <a:prstGeom prst="rect">
+          <a:avLst/>
+        </a:prstGeom>
+        <a:solidFill>
+          <a:schemeClr val="lt1">
+            <a:alpha val="90000"/>
+            <a:hueOff val="0"/>
+            <a:satOff val="0"/>
+            <a:lumOff val="0"/>
+            <a:alphaOff val="0"/>
+          </a:schemeClr>
+        </a:solidFill>
+        <a:ln w="12700" cap="flat" cmpd="sng" algn="ctr">
+          <a:solidFill>
+            <a:schemeClr val="accent1">
+              <a:hueOff val="0"/>
+              <a:satOff val="0"/>
+              <a:lumOff val="0"/>
+              <a:alphaOff val="0"/>
+            </a:schemeClr>
+          </a:solidFill>
+          <a:prstDash val="solid"/>
+          <a:miter lim="800000"/>
+        </a:ln>
+        <a:effectLst/>
+      </dsp:spPr>
+      <dsp:style>
+        <a:lnRef idx="2">
+          <a:scrgbClr r="0" g="0" b="0"/>
+        </a:lnRef>
+        <a:fillRef idx="1">
+          <a:scrgbClr r="0" g="0" b="0"/>
+        </a:fillRef>
+        <a:effectRef idx="0">
+          <a:scrgbClr r="0" g="0" b="0"/>
+        </a:effectRef>
+        <a:fontRef idx="minor"/>
+      </dsp:style>
+      <dsp:txBody>
+        <a:bodyPr spcFirstLastPara="0" vert="horz" wrap="square" lIns="55880" tIns="13970" rIns="55880" bIns="13970" numCol="1" spcCol="1270" anchor="ctr" anchorCtr="0">
+          <a:noAutofit/>
+        </a:bodyPr>
+        <a:lstStyle/>
+        <a:p>
+          <a:pPr marL="0" lvl="0" indent="0" algn="r" defTabSz="977900">
+            <a:lnSpc>
+              <a:spcPct val="90000"/>
+            </a:lnSpc>
+            <a:spcBef>
+              <a:spcPct val="0"/>
+            </a:spcBef>
+            <a:spcAft>
+              <a:spcPct val="35000"/>
+            </a:spcAft>
+            <a:buNone/>
+          </a:pPr>
+          <a:r>
+            <a:rPr lang="en-US" altLang="zh-CN" sz="2200" kern="1200" dirty="0"/>
+            <a:t>70% time</a:t>
+          </a:r>
+          <a:endParaRPr lang="zh-CN" altLang="en-US" sz="2200" kern="1200" dirty="0"/>
+        </a:p>
+      </dsp:txBody>
+      <dsp:txXfrm>
+        <a:off x="2186260" y="6464750"/>
+        <a:ext cx="2038310" cy="390869"/>
+      </dsp:txXfrm>
+    </dsp:sp>
+    <dsp:sp modelId="{D9CACA32-B712-48C3-971A-0871CEF2A981}">
+      <dsp:nvSpPr>
+        <dsp:cNvPr id="0" name=""/>
+        <dsp:cNvSpPr/>
+      </dsp:nvSpPr>
+      <dsp:spPr>
+        <a:xfrm>
+          <a:off x="4771787" y="5552722"/>
+          <a:ext cx="2264789" cy="1172607"/>
+        </a:xfrm>
+        <a:prstGeom prst="rect">
+          <a:avLst/>
+        </a:prstGeom>
+        <a:solidFill>
+          <a:schemeClr val="accent1">
+            <a:hueOff val="0"/>
+            <a:satOff val="0"/>
+            <a:lumOff val="0"/>
+            <a:alphaOff val="0"/>
+          </a:schemeClr>
+        </a:solidFill>
+        <a:ln w="12700" cap="flat" cmpd="sng" algn="ctr">
+          <a:solidFill>
+            <a:schemeClr val="lt1">
+              <a:hueOff val="0"/>
+              <a:satOff val="0"/>
+              <a:lumOff val="0"/>
+              <a:alphaOff val="0"/>
+            </a:schemeClr>
+          </a:solidFill>
+          <a:prstDash val="solid"/>
+          <a:miter lim="800000"/>
+        </a:ln>
+        <a:effectLst/>
+      </dsp:spPr>
+      <dsp:style>
+        <a:lnRef idx="2">
+          <a:scrgbClr r="0" g="0" b="0"/>
+        </a:lnRef>
+        <a:fillRef idx="1">
+          <a:scrgbClr r="0" g="0" b="0"/>
+        </a:fillRef>
+        <a:effectRef idx="0">
+          <a:scrgbClr r="0" g="0" b="0"/>
+        </a:effectRef>
+        <a:fontRef idx="minor">
+          <a:schemeClr val="lt1"/>
+        </a:fontRef>
+      </dsp:style>
+      <dsp:txBody>
+        <a:bodyPr spcFirstLastPara="0" vert="horz" wrap="square" lIns="11430" tIns="11430" rIns="11430" bIns="165468" numCol="1" spcCol="1270" anchor="ctr" anchorCtr="0">
+          <a:noAutofit/>
+        </a:bodyPr>
+        <a:lstStyle/>
+        <a:p>
+          <a:pPr marL="0" lvl="0" indent="0" algn="ctr" defTabSz="800100">
+            <a:lnSpc>
+              <a:spcPct val="90000"/>
+            </a:lnSpc>
+            <a:spcBef>
+              <a:spcPct val="0"/>
+            </a:spcBef>
+            <a:spcAft>
+              <a:spcPct val="35000"/>
+            </a:spcAft>
+            <a:buNone/>
+          </a:pPr>
+          <a:r>
+            <a:rPr lang="en-US" altLang="zh-CN" sz="1800" kern="1200" dirty="0" err="1"/>
+            <a:t>Mz_locator</a:t>
+          </a:r>
+          <a:endParaRPr lang="zh-CN" altLang="en-US" sz="1800" kern="1200" dirty="0"/>
+        </a:p>
+      </dsp:txBody>
+      <dsp:txXfrm>
+        <a:off x="4771787" y="5552722"/>
+        <a:ext cx="2264789" cy="1172607"/>
+      </dsp:txXfrm>
+    </dsp:sp>
+    <dsp:sp modelId="{0E69FCBC-9632-460E-BA51-BA15C72AD96D}">
+      <dsp:nvSpPr>
+        <dsp:cNvPr id="0" name=""/>
+        <dsp:cNvSpPr/>
+      </dsp:nvSpPr>
+      <dsp:spPr>
+        <a:xfrm>
+          <a:off x="5224745" y="6464750"/>
+          <a:ext cx="2038310" cy="390869"/>
+        </a:xfrm>
+        <a:prstGeom prst="rect">
+          <a:avLst/>
+        </a:prstGeom>
+        <a:solidFill>
+          <a:schemeClr val="lt1">
+            <a:alpha val="90000"/>
+            <a:hueOff val="0"/>
+            <a:satOff val="0"/>
+            <a:lumOff val="0"/>
+            <a:alphaOff val="0"/>
+          </a:schemeClr>
+        </a:solidFill>
+        <a:ln w="12700" cap="flat" cmpd="sng" algn="ctr">
+          <a:solidFill>
+            <a:schemeClr val="accent1">
+              <a:hueOff val="0"/>
+              <a:satOff val="0"/>
+              <a:lumOff val="0"/>
+              <a:alphaOff val="0"/>
+            </a:schemeClr>
+          </a:solidFill>
+          <a:prstDash val="solid"/>
+          <a:miter lim="800000"/>
+        </a:ln>
+        <a:effectLst/>
+      </dsp:spPr>
+      <dsp:style>
+        <a:lnRef idx="2">
+          <a:scrgbClr r="0" g="0" b="0"/>
+        </a:lnRef>
+        <a:fillRef idx="1">
+          <a:scrgbClr r="0" g="0" b="0"/>
+        </a:fillRef>
+        <a:effectRef idx="0">
+          <a:scrgbClr r="0" g="0" b="0"/>
+        </a:effectRef>
+        <a:fontRef idx="minor"/>
+      </dsp:style>
+      <dsp:txBody>
+        <a:bodyPr spcFirstLastPara="0" vert="horz" wrap="square" lIns="55880" tIns="13970" rIns="55880" bIns="13970" numCol="1" spcCol="1270" anchor="ctr" anchorCtr="0">
+          <a:noAutofit/>
+        </a:bodyPr>
+        <a:lstStyle/>
+        <a:p>
+          <a:pPr marL="0" lvl="0" indent="0" algn="r" defTabSz="977900">
+            <a:lnSpc>
+              <a:spcPct val="90000"/>
+            </a:lnSpc>
+            <a:spcBef>
+              <a:spcPct val="0"/>
+            </a:spcBef>
+            <a:spcAft>
+              <a:spcPct val="35000"/>
+            </a:spcAft>
+            <a:buNone/>
+          </a:pPr>
+          <a:r>
+            <a:rPr lang="en-US" altLang="zh-CN" sz="2200" kern="1200" dirty="0"/>
+            <a:t>20% time</a:t>
+          </a:r>
+        </a:p>
+      </dsp:txBody>
+      <dsp:txXfrm>
+        <a:off x="5224745" y="6464750"/>
+        <a:ext cx="2038310" cy="390869"/>
+      </dsp:txXfrm>
+    </dsp:sp>
+    <dsp:sp modelId="{3BB3506F-01DF-43B9-BEDD-7B0039F06E4E}">
+      <dsp:nvSpPr>
+        <dsp:cNvPr id="0" name=""/>
+        <dsp:cNvSpPr/>
+      </dsp:nvSpPr>
+      <dsp:spPr>
+        <a:xfrm>
+          <a:off x="6291029" y="1852494"/>
+          <a:ext cx="2264789" cy="1172607"/>
+        </a:xfrm>
+        <a:prstGeom prst="rect">
+          <a:avLst/>
+        </a:prstGeom>
+        <a:solidFill>
+          <a:schemeClr val="accent1">
+            <a:hueOff val="0"/>
+            <a:satOff val="0"/>
+            <a:lumOff val="0"/>
+            <a:alphaOff val="0"/>
+          </a:schemeClr>
+        </a:solidFill>
+        <a:ln w="12700" cap="flat" cmpd="sng" algn="ctr">
+          <a:solidFill>
+            <a:schemeClr val="lt1">
+              <a:hueOff val="0"/>
+              <a:satOff val="0"/>
+              <a:lumOff val="0"/>
+              <a:alphaOff val="0"/>
+            </a:schemeClr>
+          </a:solidFill>
+          <a:prstDash val="solid"/>
+          <a:miter lim="800000"/>
+        </a:ln>
+        <a:effectLst/>
+      </dsp:spPr>
+      <dsp:style>
+        <a:lnRef idx="2">
+          <a:scrgbClr r="0" g="0" b="0"/>
+        </a:lnRef>
+        <a:fillRef idx="1">
+          <a:scrgbClr r="0" g="0" b="0"/>
+        </a:fillRef>
+        <a:effectRef idx="0">
+          <a:scrgbClr r="0" g="0" b="0"/>
+        </a:effectRef>
+        <a:fontRef idx="minor">
+          <a:schemeClr val="lt1"/>
+        </a:fontRef>
+      </dsp:style>
+      <dsp:txBody>
+        <a:bodyPr spcFirstLastPara="0" vert="horz" wrap="square" lIns="11430" tIns="11430" rIns="11430" bIns="165468" numCol="1" spcCol="1270" anchor="ctr" anchorCtr="0">
+          <a:noAutofit/>
+        </a:bodyPr>
+        <a:lstStyle/>
+        <a:p>
+          <a:pPr marL="0" lvl="0" indent="0" algn="ctr" defTabSz="800100">
+            <a:lnSpc>
+              <a:spcPct val="90000"/>
+            </a:lnSpc>
+            <a:spcBef>
+              <a:spcPct val="0"/>
+            </a:spcBef>
+            <a:spcAft>
+              <a:spcPct val="35000"/>
+            </a:spcAft>
+            <a:buNone/>
+          </a:pPr>
+          <a:r>
+            <a:rPr lang="en-US" altLang="zh-CN" sz="1800" kern="1200" dirty="0" err="1"/>
+            <a:t>mzgen</a:t>
+          </a:r>
+          <a:endParaRPr lang="zh-CN" altLang="en-US" sz="1800" kern="1200" dirty="0"/>
+        </a:p>
+      </dsp:txBody>
+      <dsp:txXfrm>
+        <a:off x="6291029" y="1852494"/>
+        <a:ext cx="2264789" cy="1172607"/>
+      </dsp:txXfrm>
+    </dsp:sp>
+    <dsp:sp modelId="{87950F71-2FF2-4DB7-8E0A-CA5504F8B76E}">
+      <dsp:nvSpPr>
+        <dsp:cNvPr id="0" name=""/>
+        <dsp:cNvSpPr/>
+      </dsp:nvSpPr>
+      <dsp:spPr>
+        <a:xfrm>
+          <a:off x="6743987" y="2764522"/>
+          <a:ext cx="2038310" cy="390869"/>
+        </a:xfrm>
+        <a:prstGeom prst="rect">
+          <a:avLst/>
+        </a:prstGeom>
+        <a:solidFill>
+          <a:schemeClr val="lt1">
+            <a:alpha val="90000"/>
+            <a:hueOff val="0"/>
+            <a:satOff val="0"/>
+            <a:lumOff val="0"/>
+            <a:alphaOff val="0"/>
+          </a:schemeClr>
+        </a:solidFill>
+        <a:ln w="12700" cap="flat" cmpd="sng" algn="ctr">
+          <a:solidFill>
+            <a:schemeClr val="accent1">
+              <a:hueOff val="0"/>
+              <a:satOff val="0"/>
+              <a:lumOff val="0"/>
+              <a:alphaOff val="0"/>
+            </a:schemeClr>
+          </a:solidFill>
+          <a:prstDash val="solid"/>
+          <a:miter lim="800000"/>
+        </a:ln>
+        <a:effectLst/>
+      </dsp:spPr>
+      <dsp:style>
+        <a:lnRef idx="2">
+          <a:scrgbClr r="0" g="0" b="0"/>
+        </a:lnRef>
+        <a:fillRef idx="1">
+          <a:scrgbClr r="0" g="0" b="0"/>
+        </a:fillRef>
+        <a:effectRef idx="0">
+          <a:scrgbClr r="0" g="0" b="0"/>
+        </a:effectRef>
+        <a:fontRef idx="minor"/>
+      </dsp:style>
+      <dsp:txBody>
+        <a:bodyPr spcFirstLastPara="0" vert="horz" wrap="square" lIns="55880" tIns="13970" rIns="55880" bIns="13970" numCol="1" spcCol="1270" anchor="ctr" anchorCtr="0">
+          <a:noAutofit/>
+        </a:bodyPr>
+        <a:lstStyle/>
+        <a:p>
+          <a:pPr marL="0" lvl="0" indent="0" algn="r" defTabSz="977900">
+            <a:lnSpc>
+              <a:spcPct val="90000"/>
+            </a:lnSpc>
+            <a:spcBef>
+              <a:spcPct val="0"/>
+            </a:spcBef>
+            <a:spcAft>
+              <a:spcPct val="35000"/>
+            </a:spcAft>
+            <a:buNone/>
+          </a:pPr>
+          <a:endParaRPr lang="zh-CN" altLang="en-US" sz="2200" kern="1200" dirty="0"/>
+        </a:p>
+      </dsp:txBody>
+      <dsp:txXfrm>
+        <a:off x="6743987" y="2764522"/>
+        <a:ext cx="2038310" cy="390869"/>
+      </dsp:txXfrm>
+    </dsp:sp>
+  </dsp:spTree>
+</dsp:drawing>
+</file>
+
 <file path=ppt/diagrams/layout1.xml><?xml version="1.0" encoding="utf-8"?>
 <dgm:layoutDef xmlns:dgm="http://schemas.openxmlformats.org/drawingml/2006/diagram" xmlns:a="http://schemas.openxmlformats.org/drawingml/2006/main" uniqueId="urn:microsoft.com/office/officeart/2005/8/layout/process5">
   <dgm:title val=""/>
@@ -7848,6 +10479,1187 @@
 </dgm:layoutDef>
 </file>
 
+<file path=ppt/diagrams/layout4.xml><?xml version="1.0" encoding="utf-8"?>
+<dgm:layoutDef xmlns:dgm="http://schemas.openxmlformats.org/drawingml/2006/diagram" xmlns:a="http://schemas.openxmlformats.org/drawingml/2006/main" uniqueId="urn:microsoft.com/office/officeart/2008/layout/NameandTitleOrganizationalChart">
+  <dgm:title val=""/>
+  <dgm:desc val=""/>
+  <dgm:catLst>
+    <dgm:cat type="hierarchy" pri="1250"/>
+  </dgm:catLst>
+  <dgm:sampData>
+    <dgm:dataModel>
+      <dgm:ptLst>
+        <dgm:pt modelId="0" type="doc"/>
+        <dgm:pt modelId="1">
+          <dgm:prSet phldr="1"/>
+        </dgm:pt>
+        <dgm:pt modelId="2" type="asst">
+          <dgm:prSet phldr="1"/>
+        </dgm:pt>
+        <dgm:pt modelId="3">
+          <dgm:prSet phldr="1"/>
+        </dgm:pt>
+        <dgm:pt modelId="4">
+          <dgm:prSet phldr="1"/>
+        </dgm:pt>
+        <dgm:pt modelId="5">
+          <dgm:prSet phldr="1"/>
+        </dgm:pt>
+      </dgm:ptLst>
+      <dgm:cxnLst>
+        <dgm:cxn modelId="5" srcId="0" destId="1" srcOrd="0" destOrd="0"/>
+        <dgm:cxn modelId="6" srcId="1" destId="2" srcOrd="0" destOrd="0"/>
+        <dgm:cxn modelId="7" srcId="1" destId="3" srcOrd="1" destOrd="0"/>
+        <dgm:cxn modelId="8" srcId="1" destId="4" srcOrd="2" destOrd="0"/>
+        <dgm:cxn modelId="9" srcId="1" destId="5" srcOrd="3" destOrd="0"/>
+      </dgm:cxnLst>
+      <dgm:bg/>
+      <dgm:whole/>
+    </dgm:dataModel>
+  </dgm:sampData>
+  <dgm:styleData>
+    <dgm:dataModel>
+      <dgm:ptLst>
+        <dgm:pt modelId="0" type="doc"/>
+        <dgm:pt modelId="1"/>
+        <dgm:pt modelId="12"/>
+        <dgm:pt modelId="13"/>
+      </dgm:ptLst>
+      <dgm:cxnLst>
+        <dgm:cxn modelId="2" srcId="0" destId="1" srcOrd="0" destOrd="0"/>
+        <dgm:cxn modelId="16" srcId="1" destId="12" srcOrd="1" destOrd="0"/>
+        <dgm:cxn modelId="17" srcId="1" destId="13" srcOrd="2" destOrd="0"/>
+      </dgm:cxnLst>
+      <dgm:bg/>
+      <dgm:whole/>
+    </dgm:dataModel>
+  </dgm:styleData>
+  <dgm:clrData>
+    <dgm:dataModel>
+      <dgm:ptLst>
+        <dgm:pt modelId="0" type="doc"/>
+        <dgm:pt modelId="1"/>
+        <dgm:pt modelId="11" type="asst"/>
+        <dgm:pt modelId="12"/>
+        <dgm:pt modelId="13"/>
+        <dgm:pt modelId="14"/>
+      </dgm:ptLst>
+      <dgm:cxnLst>
+        <dgm:cxn modelId="2" srcId="0" destId="1" srcOrd="0" destOrd="0"/>
+        <dgm:cxn modelId="15" srcId="1" destId="11" srcOrd="0" destOrd="0"/>
+        <dgm:cxn modelId="16" srcId="1" destId="12" srcOrd="1" destOrd="0"/>
+        <dgm:cxn modelId="17" srcId="1" destId="13" srcOrd="2" destOrd="0"/>
+        <dgm:cxn modelId="18" srcId="1" destId="14" srcOrd="2" destOrd="0"/>
+      </dgm:cxnLst>
+      <dgm:bg/>
+      <dgm:whole/>
+    </dgm:dataModel>
+  </dgm:clrData>
+  <dgm:layoutNode name="hierChild1">
+    <dgm:varLst>
+      <dgm:orgChart val="1"/>
+      <dgm:chPref val="1"/>
+      <dgm:dir/>
+      <dgm:animOne val="branch"/>
+      <dgm:animLvl val="lvl"/>
+      <dgm:resizeHandles/>
+    </dgm:varLst>
+    <dgm:choose name="Name0">
+      <dgm:if name="Name1" func="var" arg="dir" op="equ" val="norm">
+        <dgm:alg type="hierChild">
+          <dgm:param type="linDir" val="fromL"/>
+        </dgm:alg>
+      </dgm:if>
+      <dgm:else name="Name2">
+        <dgm:alg type="hierChild">
+          <dgm:param type="linDir" val="fromR"/>
+        </dgm:alg>
+      </dgm:else>
+    </dgm:choose>
+    <dgm:shape xmlns:r="http://schemas.openxmlformats.org/officeDocument/2006/relationships" r:blip="">
+      <dgm:adjLst/>
+    </dgm:shape>
+    <dgm:presOf/>
+    <dgm:constrLst>
+      <dgm:constr type="w" for="des" forName="rootComposite1" refType="w" fact="10"/>
+      <dgm:constr type="h" for="des" forName="rootComposite1" refType="w" refFor="des" refForName="rootComposite1" fact="0.5"/>
+      <dgm:constr type="w" for="des" forName="rootComposite" refType="w" fact="10"/>
+      <dgm:constr type="h" for="des" forName="rootComposite" refType="w" refFor="des" refForName="rootComposite1" fact="0.5"/>
+      <dgm:constr type="w" for="des" forName="rootComposite3" refType="w" fact="10"/>
+      <dgm:constr type="h" for="des" forName="rootComposite3" refType="w" refFor="des" refForName="rootComposite1" fact="0.5"/>
+      <dgm:constr type="primFontSz" for="des" ptType="node" op="equ"/>
+      <dgm:constr type="sp" for="des" op="equ"/>
+      <dgm:constr type="sp" for="des" forName="hierRoot1" refType="w" refFor="des" refForName="rootComposite1" fact="0.21"/>
+      <dgm:constr type="sp" for="des" forName="hierRoot2" refType="sp" refFor="des" refForName="hierRoot1"/>
+      <dgm:constr type="sp" for="des" forName="hierRoot3" refType="sp" refFor="des" refForName="hierRoot1"/>
+      <dgm:constr type="sibSp" refType="w" refFor="des" refForName="rootComposite1" fact="0.21"/>
+      <dgm:constr type="sibSp" for="des" forName="hierChild2" refType="sibSp"/>
+      <dgm:constr type="sibSp" for="des" forName="hierChild3" refType="sibSp"/>
+      <dgm:constr type="sibSp" for="des" forName="hierChild4" refType="sibSp"/>
+      <dgm:constr type="sibSp" for="des" forName="hierChild5" refType="sibSp"/>
+      <dgm:constr type="sibSp" for="des" forName="hierChild6" refType="sibSp"/>
+      <dgm:constr type="sibSp" for="des" forName="hierChild7" refType="sibSp"/>
+      <dgm:constr type="secSibSp" refType="w" refFor="des" refForName="rootComposite1" fact="0.21"/>
+      <dgm:constr type="secSibSp" for="des" forName="hierChild2" refType="secSibSp"/>
+      <dgm:constr type="secSibSp" for="des" forName="hierChild3" refType="secSibSp"/>
+      <dgm:constr type="secSibSp" for="des" forName="hierChild4" refType="secSibSp"/>
+      <dgm:constr type="secSibSp" for="des" forName="hierChild5" refType="secSibSp"/>
+      <dgm:constr type="secSibSp" for="des" forName="hierChild6" refType="secSibSp"/>
+      <dgm:constr type="secSibSp" for="des" forName="hierChild7" refType="secSibSp"/>
+    </dgm:constrLst>
+    <dgm:ruleLst/>
+    <dgm:forEach name="Name3" axis="ch">
+      <dgm:forEach name="Name4" axis="self" ptType="node">
+        <dgm:layoutNode name="hierRoot1">
+          <dgm:varLst>
+            <dgm:hierBranch val="init"/>
+          </dgm:varLst>
+          <dgm:choose name="Name5">
+            <dgm:if name="Name6" func="var" arg="hierBranch" op="equ" val="l">
+              <dgm:choose name="Name7">
+                <dgm:if name="Name8" axis="ch" ptType="asst" func="cnt" op="gte" val="1">
+                  <dgm:alg type="hierRoot">
+                    <dgm:param type="hierAlign" val="tR"/>
+                  </dgm:alg>
+                  <dgm:constrLst>
+                    <dgm:constr type="alignOff" val="0.65"/>
+                  </dgm:constrLst>
+                </dgm:if>
+                <dgm:else name="Name9">
+                  <dgm:alg type="hierRoot">
+                    <dgm:param type="hierAlign" val="tR"/>
+                  </dgm:alg>
+                  <dgm:constrLst>
+                    <dgm:constr type="alignOff" val="0.25"/>
+                  </dgm:constrLst>
+                </dgm:else>
+              </dgm:choose>
+            </dgm:if>
+            <dgm:if name="Name10" func="var" arg="hierBranch" op="equ" val="r">
+              <dgm:choose name="Name11">
+                <dgm:if name="Name12" axis="ch" ptType="asst" func="cnt" op="gte" val="1">
+                  <dgm:alg type="hierRoot">
+                    <dgm:param type="hierAlign" val="tL"/>
+                  </dgm:alg>
+                  <dgm:constrLst>
+                    <dgm:constr type="alignOff" val="0.65"/>
+                  </dgm:constrLst>
+                </dgm:if>
+                <dgm:else name="Name13">
+                  <dgm:alg type="hierRoot">
+                    <dgm:param type="hierAlign" val="tL"/>
+                  </dgm:alg>
+                  <dgm:constrLst>
+                    <dgm:constr type="alignOff" val="0.25"/>
+                  </dgm:constrLst>
+                </dgm:else>
+              </dgm:choose>
+            </dgm:if>
+            <dgm:if name="Name14" func="var" arg="hierBranch" op="equ" val="hang">
+              <dgm:alg type="hierRoot"/>
+              <dgm:constrLst>
+                <dgm:constr type="alignOff" val="0.65"/>
+              </dgm:constrLst>
+            </dgm:if>
+            <dgm:else name="Name15">
+              <dgm:alg type="hierRoot"/>
+              <dgm:constrLst>
+                <dgm:constr type="alignOff"/>
+                <dgm:constr type="bendDist" for="des" ptType="parTrans" refType="sp" fact="0.5"/>
+              </dgm:constrLst>
+            </dgm:else>
+          </dgm:choose>
+          <dgm:shape xmlns:r="http://schemas.openxmlformats.org/officeDocument/2006/relationships" r:blip="">
+            <dgm:adjLst/>
+          </dgm:shape>
+          <dgm:presOf/>
+          <dgm:ruleLst/>
+          <dgm:layoutNode name="rootComposite1">
+            <dgm:alg type="composite"/>
+            <dgm:shape xmlns:r="http://schemas.openxmlformats.org/officeDocument/2006/relationships" r:blip="">
+              <dgm:adjLst/>
+            </dgm:shape>
+            <dgm:presOf axis="self" ptType="node" cnt="1"/>
+            <dgm:choose name="Name16">
+              <dgm:if name="Name17" func="var" arg="hierBranch" op="equ" val="init">
+                <dgm:constrLst>
+                  <dgm:constr type="l" for="ch" forName="rootText1"/>
+                  <dgm:constr type="t" for="ch" forName="rootText1"/>
+                  <dgm:constr type="w" for="ch" forName="rootText1" refType="w"/>
+                  <dgm:constr type="h" for="ch" forName="rootText1" refType="h" fact="0.9"/>
+                  <dgm:constr type="l" for="ch" forName="titleText1" refType="w" fact="0.2"/>
+                  <dgm:constr type="t" for="ch" forName="titleText1" refType="h" fact="0.7"/>
+                  <dgm:constr type="w" for="ch" forName="titleText1" refType="w" fact="0.9"/>
+                  <dgm:constr type="h" for="ch" forName="titleText1" refType="h" fact="0.3"/>
+                  <dgm:constr type="primFontSz" for="des" forName="titleText1" refType="primFontSz" refFor="des" refForName="rootText1" op="lte"/>
+                  <dgm:constr type="l" for="ch" forName="rootConnector1"/>
+                  <dgm:constr type="t" for="ch" forName="rootConnector1"/>
+                  <dgm:constr type="w" for="ch" forName="rootConnector1" refType="w" refFor="ch" refForName="rootText1" fact="0.2"/>
+                  <dgm:constr type="h" for="ch" forName="rootConnector1" refType="h" refFor="ch" refForName="rootText1"/>
+                </dgm:constrLst>
+              </dgm:if>
+              <dgm:if name="Name18" func="var" arg="hierBranch" op="equ" val="l">
+                <dgm:constrLst>
+                  <dgm:constr type="l" for="ch" forName="rootText1"/>
+                  <dgm:constr type="t" for="ch" forName="rootText1"/>
+                  <dgm:constr type="w" for="ch" forName="rootText1" refType="w"/>
+                  <dgm:constr type="h" for="ch" forName="rootText1" refType="h" fact="0.9"/>
+                  <dgm:constr type="l" for="ch" forName="titleText1" refType="w" fact="0.2"/>
+                  <dgm:constr type="t" for="ch" forName="titleText1" refType="h" fact="0.7"/>
+                  <dgm:constr type="w" for="ch" forName="titleText1" refType="w" fact="0.9"/>
+                  <dgm:constr type="h" for="ch" forName="titleText1" refType="h" fact="0.3"/>
+                  <dgm:constr type="primFontSz" for="des" forName="titleText1" refType="primFontSz" refFor="des" refForName="rootText1" op="lte"/>
+                  <dgm:constr type="r" for="ch" forName="rootConnector1" refType="w"/>
+                  <dgm:constr type="t" for="ch" forName="rootConnector1"/>
+                  <dgm:constr type="w" for="ch" forName="rootConnector1" refType="w" refFor="ch" refForName="rootText1" fact="0.2"/>
+                  <dgm:constr type="h" for="ch" forName="rootConnector1" refType="h" refFor="ch" refForName="rootText1"/>
+                </dgm:constrLst>
+              </dgm:if>
+              <dgm:if name="Name19" func="var" arg="hierBranch" op="equ" val="r">
+                <dgm:constrLst>
+                  <dgm:constr type="l" for="ch" forName="rootText1"/>
+                  <dgm:constr type="t" for="ch" forName="rootText1"/>
+                  <dgm:constr type="w" for="ch" forName="rootText1" refType="w"/>
+                  <dgm:constr type="h" for="ch" forName="rootText1" refType="h" fact="0.9"/>
+                  <dgm:constr type="l" for="ch" forName="titleText1" refType="w" fact="0.2"/>
+                  <dgm:constr type="t" for="ch" forName="titleText1" refType="h" fact="0.7"/>
+                  <dgm:constr type="w" for="ch" forName="titleText1" refType="w" fact="0.9"/>
+                  <dgm:constr type="h" for="ch" forName="titleText1" refType="h" fact="0.3"/>
+                  <dgm:constr type="primFontSz" for="des" forName="titleText1" refType="primFontSz" refFor="des" refForName="rootText1" op="lte"/>
+                  <dgm:constr type="l" for="ch" forName="rootConnector1"/>
+                  <dgm:constr type="t" for="ch" forName="rootConnector1"/>
+                  <dgm:constr type="w" for="ch" forName="rootConnector1" refType="w" refFor="ch" refForName="rootText1" fact="0.2"/>
+                  <dgm:constr type="h" for="ch" forName="rootConnector1" refType="h" refFor="ch" refForName="rootText1"/>
+                </dgm:constrLst>
+              </dgm:if>
+              <dgm:else name="Name20">
+                <dgm:constrLst>
+                  <dgm:constr type="l" for="ch" forName="rootText1"/>
+                  <dgm:constr type="t" for="ch" forName="rootText1"/>
+                  <dgm:constr type="w" for="ch" forName="rootText1" refType="w"/>
+                  <dgm:constr type="h" for="ch" forName="rootText1" refType="h" fact="0.9"/>
+                  <dgm:constr type="l" for="ch" forName="titleText1" refType="w" fact="0.2"/>
+                  <dgm:constr type="t" for="ch" forName="titleText1" refType="h" fact="0.7"/>
+                  <dgm:constr type="w" for="ch" forName="titleText1" refType="w" fact="0.9"/>
+                  <dgm:constr type="h" for="ch" forName="titleText1" refType="h" fact="0.3"/>
+                  <dgm:constr type="primFontSz" for="des" forName="titleText1" refType="primFontSz" refFor="des" refForName="rootText1" op="lte"/>
+                  <dgm:constr type="r" for="ch" forName="rootConnector1" refType="w"/>
+                  <dgm:constr type="t" for="ch" forName="rootConnector1"/>
+                  <dgm:constr type="w" for="ch" forName="rootConnector1" refType="w" refFor="ch" refForName="rootText1" fact="0.2"/>
+                  <dgm:constr type="h" for="ch" forName="rootConnector1" refType="h" refFor="ch" refForName="rootText1"/>
+                </dgm:constrLst>
+              </dgm:else>
+            </dgm:choose>
+            <dgm:ruleLst/>
+            <dgm:layoutNode name="rootText1" styleLbl="node0">
+              <dgm:varLst>
+                <dgm:chMax/>
+                <dgm:chPref val="3"/>
+              </dgm:varLst>
+              <dgm:alg type="tx"/>
+              <dgm:shape xmlns:r="http://schemas.openxmlformats.org/officeDocument/2006/relationships" type="rect" r:blip="">
+                <dgm:adjLst/>
+              </dgm:shape>
+              <dgm:presOf axis="self" ptType="node" cnt="1"/>
+              <dgm:constrLst>
+                <dgm:constr type="primFontSz" val="65"/>
+                <dgm:constr type="lMarg" refType="primFontSz" fact="0.05"/>
+                <dgm:constr type="rMarg" refType="primFontSz" fact="0.05"/>
+                <dgm:constr type="tMarg" refType="primFontSz" fact="0.05"/>
+                <dgm:constr type="bMarg" refType="h" fact="0.4"/>
+              </dgm:constrLst>
+              <dgm:ruleLst>
+                <dgm:rule type="primFontSz" val="5" fact="NaN" max="NaN"/>
+              </dgm:ruleLst>
+            </dgm:layoutNode>
+            <dgm:layoutNode name="titleText1" styleLbl="fgAcc0">
+              <dgm:varLst>
+                <dgm:chMax val="0"/>
+                <dgm:chPref val="0"/>
+              </dgm:varLst>
+              <dgm:alg type="tx">
+                <dgm:param type="parTxLTRAlign" val="r"/>
+              </dgm:alg>
+              <dgm:shape xmlns:r="http://schemas.openxmlformats.org/officeDocument/2006/relationships" type="rect" r:blip="">
+                <dgm:adjLst/>
+              </dgm:shape>
+              <dgm:presOf axis="followSib" ptType="sibTrans" hideLastTrans="0" cnt="1"/>
+              <dgm:constrLst>
+                <dgm:constr type="primFontSz" val="65"/>
+                <dgm:constr type="lMarg" refType="primFontSz" fact="0.2"/>
+                <dgm:constr type="rMarg" refType="primFontSz" fact="0.2"/>
+                <dgm:constr type="tMarg" refType="primFontSz" fact="0.05"/>
+                <dgm:constr type="bMarg" refType="primFontSz" fact="0.05"/>
+              </dgm:constrLst>
+              <dgm:ruleLst>
+                <dgm:rule type="primFontSz" val="5" fact="NaN" max="NaN"/>
+              </dgm:ruleLst>
+            </dgm:layoutNode>
+            <dgm:layoutNode name="rootConnector1" moveWith="rootText1">
+              <dgm:alg type="sp"/>
+              <dgm:shape xmlns:r="http://schemas.openxmlformats.org/officeDocument/2006/relationships" type="rect" r:blip="" hideGeom="1">
+                <dgm:adjLst/>
+              </dgm:shape>
+              <dgm:presOf axis="self" ptType="node" cnt="1"/>
+              <dgm:constrLst/>
+              <dgm:ruleLst/>
+            </dgm:layoutNode>
+          </dgm:layoutNode>
+          <dgm:layoutNode name="hierChild2">
+            <dgm:choose name="Name21">
+              <dgm:if name="Name22" func="var" arg="hierBranch" op="equ" val="l">
+                <dgm:alg type="hierChild">
+                  <dgm:param type="chAlign" val="r"/>
+                  <dgm:param type="linDir" val="fromT"/>
+                </dgm:alg>
+              </dgm:if>
+              <dgm:if name="Name23" func="var" arg="hierBranch" op="equ" val="r">
+                <dgm:alg type="hierChild">
+                  <dgm:param type="chAlign" val="l"/>
+                  <dgm:param type="linDir" val="fromT"/>
+                </dgm:alg>
+              </dgm:if>
+              <dgm:if name="Name24" func="var" arg="hierBranch" op="equ" val="hang">
+                <dgm:choose name="Name25">
+                  <dgm:if name="Name26" func="var" arg="dir" op="equ" val="norm">
+                    <dgm:alg type="hierChild">
+                      <dgm:param type="chAlign" val="l"/>
+                      <dgm:param type="linDir" val="fromL"/>
+                      <dgm:param type="secChAlign" val="t"/>
+                      <dgm:param type="secLinDir" val="fromT"/>
+                    </dgm:alg>
+                  </dgm:if>
+                  <dgm:else name="Name27">
+                    <dgm:alg type="hierChild">
+                      <dgm:param type="chAlign" val="l"/>
+                      <dgm:param type="linDir" val="fromR"/>
+                      <dgm:param type="secChAlign" val="t"/>
+                      <dgm:param type="secLinDir" val="fromT"/>
+                    </dgm:alg>
+                  </dgm:else>
+                </dgm:choose>
+              </dgm:if>
+              <dgm:else name="Name28">
+                <dgm:choose name="Name29">
+                  <dgm:if name="Name30" func="var" arg="dir" op="equ" val="norm">
+                    <dgm:alg type="hierChild"/>
+                  </dgm:if>
+                  <dgm:else name="Name31">
+                    <dgm:alg type="hierChild">
+                      <dgm:param type="linDir" val="fromR"/>
+                    </dgm:alg>
+                  </dgm:else>
+                </dgm:choose>
+              </dgm:else>
+            </dgm:choose>
+            <dgm:shape xmlns:r="http://schemas.openxmlformats.org/officeDocument/2006/relationships" r:blip="">
+              <dgm:adjLst/>
+            </dgm:shape>
+            <dgm:presOf/>
+            <dgm:constrLst/>
+            <dgm:ruleLst/>
+            <dgm:forEach name="rep2a" axis="ch" ptType="nonAsst">
+              <dgm:forEach name="Name32" axis="precedSib" ptType="parTrans" st="-1" cnt="1">
+                <dgm:choose name="Name33">
+                  <dgm:if name="Name34" func="var" arg="hierBranch" op="equ" val="std">
+                    <dgm:layoutNode name="Name35">
+                      <dgm:alg type="conn">
+                        <dgm:param type="connRout" val="bend"/>
+                        <dgm:param type="dim" val="1D"/>
+                        <dgm:param type="endSty" val="noArr"/>
+                        <dgm:param type="begPts" val="bCtr"/>
+                        <dgm:param type="endPts" val="tCtr"/>
+                        <dgm:param type="bendPt" val="end"/>
+                      </dgm:alg>
+                      <dgm:shape xmlns:r="http://schemas.openxmlformats.org/officeDocument/2006/relationships" type="conn" r:blip="" zOrderOff="-99999">
+                        <dgm:adjLst/>
+                      </dgm:shape>
+                      <dgm:presOf axis="self"/>
+                      <dgm:constrLst>
+                        <dgm:constr type="begPad"/>
+                        <dgm:constr type="endPad"/>
+                      </dgm:constrLst>
+                      <dgm:ruleLst/>
+                    </dgm:layoutNode>
+                  </dgm:if>
+                  <dgm:if name="Name36" func="var" arg="hierBranch" op="equ" val="init">
+                    <dgm:layoutNode name="Name37">
+                      <dgm:choose name="Name38">
+                        <dgm:if name="Name39" axis="self" func="depth" op="lte" val="2">
+                          <dgm:alg type="conn">
+                            <dgm:param type="connRout" val="bend"/>
+                            <dgm:param type="dim" val="1D"/>
+                            <dgm:param type="endSty" val="noArr"/>
+                            <dgm:param type="begPts" val="bCtr"/>
+                            <dgm:param type="endPts" val="tCtr"/>
+                            <dgm:param type="bendPt" val="end"/>
+                          </dgm:alg>
+                        </dgm:if>
+                        <dgm:else name="Name40">
+                          <dgm:alg type="conn">
+                            <dgm:param type="connRout" val="bend"/>
+                            <dgm:param type="dim" val="1D"/>
+                            <dgm:param type="endSty" val="noArr"/>
+                            <dgm:param type="begPts" val="bCtr"/>
+                            <dgm:param type="endPts" val="tCtr"/>
+                            <dgm:param type="bendPt" val="end"/>
+                          </dgm:alg>
+                        </dgm:else>
+                      </dgm:choose>
+                      <dgm:shape xmlns:r="http://schemas.openxmlformats.org/officeDocument/2006/relationships" type="conn" r:blip="" zOrderOff="-99999">
+                        <dgm:adjLst/>
+                      </dgm:shape>
+                      <dgm:presOf axis="self"/>
+                      <dgm:constrLst>
+                        <dgm:constr type="begPad"/>
+                        <dgm:constr type="endPad"/>
+                      </dgm:constrLst>
+                      <dgm:ruleLst/>
+                    </dgm:layoutNode>
+                  </dgm:if>
+                  <dgm:if name="Name41" func="var" arg="hierBranch" op="equ" val="hang">
+                    <dgm:layoutNode name="Name42">
+                      <dgm:alg type="conn">
+                        <dgm:param type="connRout" val="bend"/>
+                        <dgm:param type="dim" val="1D"/>
+                        <dgm:param type="endSty" val="noArr"/>
+                        <dgm:param type="begPts" val="bCtr"/>
+                        <dgm:param type="endPts" val="midL midR"/>
+                      </dgm:alg>
+                      <dgm:shape xmlns:r="http://schemas.openxmlformats.org/officeDocument/2006/relationships" type="conn" r:blip="" zOrderOff="-99999">
+                        <dgm:adjLst/>
+                      </dgm:shape>
+                      <dgm:presOf axis="self"/>
+                      <dgm:constrLst>
+                        <dgm:constr type="begPad"/>
+                        <dgm:constr type="endPad"/>
+                      </dgm:constrLst>
+                      <dgm:ruleLst/>
+                    </dgm:layoutNode>
+                  </dgm:if>
+                  <dgm:else name="Name43">
+                    <dgm:layoutNode name="Name44">
+                      <dgm:choose name="Name45">
+                        <dgm:if name="Name46" axis="self" func="depth" op="lte" val="2">
+                          <dgm:choose name="Name47">
+                            <dgm:if name="Name48" axis="par ch" ptType="node asst" func="cnt" op="gte" val="1">
+                              <dgm:alg type="conn">
+                                <dgm:param type="connRout" val="bend"/>
+                                <dgm:param type="dim" val="1D"/>
+                                <dgm:param type="endSty" val="noArr"/>
+                                <dgm:param type="begPts" val="bCtr"/>
+                                <dgm:param type="endPts" val="midL midR"/>
+                              </dgm:alg>
+                            </dgm:if>
+                            <dgm:else name="Name49">
+                              <dgm:alg type="conn">
+                                <dgm:param type="connRout" val="bend"/>
+                                <dgm:param type="dim" val="1D"/>
+                                <dgm:param type="endSty" val="noArr"/>
+                                <dgm:param type="begPts" val="bCtr"/>
+                                <dgm:param type="endPts" val="midL midR"/>
+                                <dgm:param type="srcNode" val="rootConnector1"/>
+                              </dgm:alg>
+                            </dgm:else>
+                          </dgm:choose>
+                        </dgm:if>
+                        <dgm:else name="Name50">
+                          <dgm:choose name="Name51">
+                            <dgm:if name="Name52" axis="par ch" ptType="node asst" func="cnt" op="gte" val="1">
+                              <dgm:alg type="conn">
+                                <dgm:param type="connRout" val="bend"/>
+                                <dgm:param type="dim" val="1D"/>
+                                <dgm:param type="endSty" val="noArr"/>
+                                <dgm:param type="begPts" val="bCtr"/>
+                                <dgm:param type="endPts" val="midL midR"/>
+                              </dgm:alg>
+                            </dgm:if>
+                            <dgm:else name="Name53">
+                              <dgm:alg type="conn">
+                                <dgm:param type="connRout" val="bend"/>
+                                <dgm:param type="dim" val="1D"/>
+                                <dgm:param type="endSty" val="noArr"/>
+                                <dgm:param type="begPts" val="bCtr"/>
+                                <dgm:param type="endPts" val="midL midR"/>
+                                <dgm:param type="srcNode" val="rootConnector"/>
+                              </dgm:alg>
+                            </dgm:else>
+                          </dgm:choose>
+                        </dgm:else>
+                      </dgm:choose>
+                      <dgm:shape xmlns:r="http://schemas.openxmlformats.org/officeDocument/2006/relationships" type="conn" r:blip="" zOrderOff="-99999">
+                        <dgm:adjLst/>
+                      </dgm:shape>
+                      <dgm:presOf axis="self"/>
+                      <dgm:constrLst>
+                        <dgm:constr type="begPad"/>
+                        <dgm:constr type="endPad"/>
+                      </dgm:constrLst>
+                      <dgm:ruleLst/>
+                    </dgm:layoutNode>
+                  </dgm:else>
+                </dgm:choose>
+              </dgm:forEach>
+              <dgm:layoutNode name="hierRoot2">
+                <dgm:varLst>
+                  <dgm:hierBranch val="init"/>
+                </dgm:varLst>
+                <dgm:choose name="Name54">
+                  <dgm:if name="Name55" func="var" arg="hierBranch" op="equ" val="l">
+                    <dgm:choose name="Name56">
+                      <dgm:if name="Name57" axis="ch" ptType="asst" func="cnt" op="gte" val="1">
+                        <dgm:alg type="hierRoot">
+                          <dgm:param type="hierAlign" val="tR"/>
+                        </dgm:alg>
+                        <dgm:shape xmlns:r="http://schemas.openxmlformats.org/officeDocument/2006/relationships" r:blip="">
+                          <dgm:adjLst/>
+                        </dgm:shape>
+                        <dgm:presOf/>
+                        <dgm:constrLst>
+                          <dgm:constr type="alignOff" val="0.65"/>
+                        </dgm:constrLst>
+                      </dgm:if>
+                      <dgm:else name="Name58">
+                        <dgm:alg type="hierRoot">
+                          <dgm:param type="hierAlign" val="tR"/>
+                        </dgm:alg>
+                        <dgm:shape xmlns:r="http://schemas.openxmlformats.org/officeDocument/2006/relationships" r:blip="">
+                          <dgm:adjLst/>
+                        </dgm:shape>
+                        <dgm:presOf/>
+                        <dgm:constrLst>
+                          <dgm:constr type="alignOff" val="0.25"/>
+                        </dgm:constrLst>
+                      </dgm:else>
+                    </dgm:choose>
+                  </dgm:if>
+                  <dgm:if name="Name59" func="var" arg="hierBranch" op="equ" val="r">
+                    <dgm:choose name="Name60">
+                      <dgm:if name="Name61" axis="ch" ptType="asst" func="cnt" op="gte" val="1">
+                        <dgm:alg type="hierRoot">
+                          <dgm:param type="hierAlign" val="tL"/>
+                        </dgm:alg>
+                        <dgm:shape xmlns:r="http://schemas.openxmlformats.org/officeDocument/2006/relationships" r:blip="">
+                          <dgm:adjLst/>
+                        </dgm:shape>
+                        <dgm:presOf/>
+                        <dgm:constrLst>
+                          <dgm:constr type="alignOff" val="0.65"/>
+                        </dgm:constrLst>
+                      </dgm:if>
+                      <dgm:else name="Name62">
+                        <dgm:alg type="hierRoot">
+                          <dgm:param type="hierAlign" val="tL"/>
+                        </dgm:alg>
+                        <dgm:shape xmlns:r="http://schemas.openxmlformats.org/officeDocument/2006/relationships" r:blip="">
+                          <dgm:adjLst/>
+                        </dgm:shape>
+                        <dgm:presOf/>
+                        <dgm:constrLst>
+                          <dgm:constr type="alignOff" val="0.25"/>
+                        </dgm:constrLst>
+                      </dgm:else>
+                    </dgm:choose>
+                  </dgm:if>
+                  <dgm:if name="Name63" func="var" arg="hierBranch" op="equ" val="std">
+                    <dgm:alg type="hierRoot"/>
+                    <dgm:shape xmlns:r="http://schemas.openxmlformats.org/officeDocument/2006/relationships" r:blip="">
+                      <dgm:adjLst/>
+                    </dgm:shape>
+                    <dgm:presOf/>
+                    <dgm:constrLst>
+                      <dgm:constr type="alignOff"/>
+                      <dgm:constr type="bendDist" for="des" ptType="parTrans" refType="sp" fact="0.5"/>
+                    </dgm:constrLst>
+                  </dgm:if>
+                  <dgm:if name="Name64" func="var" arg="hierBranch" op="equ" val="init">
+                    <dgm:alg type="hierRoot"/>
+                    <dgm:shape xmlns:r="http://schemas.openxmlformats.org/officeDocument/2006/relationships" r:blip="">
+                      <dgm:adjLst/>
+                    </dgm:shape>
+                    <dgm:presOf/>
+                    <dgm:constrLst>
+                      <dgm:constr type="alignOff"/>
+                      <dgm:constr type="bendDist" for="des" ptType="parTrans" refType="sp" fact="0.5"/>
+                    </dgm:constrLst>
+                  </dgm:if>
+                  <dgm:else name="Name65">
+                    <dgm:alg type="hierRoot"/>
+                    <dgm:shape xmlns:r="http://schemas.openxmlformats.org/officeDocument/2006/relationships" r:blip="">
+                      <dgm:adjLst/>
+                    </dgm:shape>
+                    <dgm:presOf/>
+                    <dgm:constrLst>
+                      <dgm:constr type="alignOff" val="0.65"/>
+                    </dgm:constrLst>
+                  </dgm:else>
+                </dgm:choose>
+                <dgm:ruleLst/>
+                <dgm:layoutNode name="rootComposite">
+                  <dgm:alg type="composite"/>
+                  <dgm:shape xmlns:r="http://schemas.openxmlformats.org/officeDocument/2006/relationships" r:blip="">
+                    <dgm:adjLst/>
+                  </dgm:shape>
+                  <dgm:presOf axis="self" ptType="node" cnt="1"/>
+                  <dgm:choose name="Name66">
+                    <dgm:if name="Name67" func="var" arg="hierBranch" op="equ" val="init">
+                      <dgm:constrLst>
+                        <dgm:constr type="l" for="ch" forName="rootText"/>
+                        <dgm:constr type="t" for="ch" forName="rootText"/>
+                        <dgm:constr type="w" for="ch" forName="rootText" refType="w"/>
+                        <dgm:constr type="h" for="ch" forName="rootText" refType="h" fact="0.9"/>
+                        <dgm:constr type="l" for="ch" forName="titleText2" refType="w" fact="0.2"/>
+                        <dgm:constr type="t" for="ch" forName="titleText2" refType="h" fact="0.7"/>
+                        <dgm:constr type="w" for="ch" forName="titleText2" refType="w" fact="0.9"/>
+                        <dgm:constr type="h" for="ch" forName="titleText2" refType="h" fact="0.3"/>
+                        <dgm:constr type="primFontSz" for="des" forName="titleText2" refType="primFontSz" refFor="des" refForName="rootText1" op="lte"/>
+                        <dgm:constr type="l" for="ch" forName="rootConnector"/>
+                        <dgm:constr type="t" for="ch" forName="rootConnector"/>
+                        <dgm:constr type="w" for="ch" forName="rootConnector" refType="w" refFor="ch" refForName="rootText" fact="0.2"/>
+                        <dgm:constr type="h" for="ch" forName="rootConnector" refType="h" refFor="ch" refForName="rootText"/>
+                      </dgm:constrLst>
+                    </dgm:if>
+                    <dgm:if name="Name68" func="var" arg="hierBranch" op="equ" val="l">
+                      <dgm:constrLst>
+                        <dgm:constr type="l" for="ch" forName="rootText"/>
+                        <dgm:constr type="t" for="ch" forName="rootText"/>
+                        <dgm:constr type="w" for="ch" forName="rootText" refType="w"/>
+                        <dgm:constr type="h" for="ch" forName="rootText" refType="h" fact="0.9"/>
+                        <dgm:constr type="l" for="ch" forName="titleText2" refType="w" fact="0.2"/>
+                        <dgm:constr type="t" for="ch" forName="titleText2" refType="h" fact="0.7"/>
+                        <dgm:constr type="w" for="ch" forName="titleText2" refType="w" fact="0.9"/>
+                        <dgm:constr type="h" for="ch" forName="titleText2" refType="h" fact="0.3"/>
+                        <dgm:constr type="primFontSz" for="des" forName="titleText2" refType="primFontSz" refFor="des" refForName="rootText1" op="lte"/>
+                        <dgm:constr type="r" for="ch" forName="rootConnector" refType="w"/>
+                        <dgm:constr type="t" for="ch" forName="rootConnector"/>
+                        <dgm:constr type="w" for="ch" forName="rootConnector" refType="w" refFor="ch" refForName="rootText" fact="0.2"/>
+                        <dgm:constr type="h" for="ch" forName="rootConnector" refType="h" refFor="ch" refForName="rootText"/>
+                      </dgm:constrLst>
+                    </dgm:if>
+                    <dgm:if name="Name69" func="var" arg="hierBranch" op="equ" val="r">
+                      <dgm:constrLst>
+                        <dgm:constr type="l" for="ch" forName="rootText"/>
+                        <dgm:constr type="t" for="ch" forName="rootText"/>
+                        <dgm:constr type="w" for="ch" forName="rootText" refType="w"/>
+                        <dgm:constr type="h" for="ch" forName="rootText" refType="h" fact="0.9"/>
+                        <dgm:constr type="l" for="ch" forName="titleText2" refType="w" fact="0.2"/>
+                        <dgm:constr type="t" for="ch" forName="titleText2" refType="h" fact="0.7"/>
+                        <dgm:constr type="w" for="ch" forName="titleText2" refType="w" fact="0.9"/>
+                        <dgm:constr type="h" for="ch" forName="titleText2" refType="h" fact="0.3"/>
+                        <dgm:constr type="primFontSz" for="des" forName="titleText2" refType="primFontSz" refFor="des" refForName="rootText1" op="lte"/>
+                        <dgm:constr type="l" for="ch" forName="rootConnector"/>
+                        <dgm:constr type="t" for="ch" forName="rootConnector"/>
+                        <dgm:constr type="w" for="ch" forName="rootConnector" refType="w" refFor="ch" refForName="rootText" fact="0.2"/>
+                        <dgm:constr type="h" for="ch" forName="rootConnector" refType="h" refFor="ch" refForName="rootText"/>
+                      </dgm:constrLst>
+                    </dgm:if>
+                    <dgm:else name="Name70">
+                      <dgm:constrLst>
+                        <dgm:constr type="l" for="ch" forName="rootText"/>
+                        <dgm:constr type="t" for="ch" forName="rootText"/>
+                        <dgm:constr type="w" for="ch" forName="rootText" refType="w"/>
+                        <dgm:constr type="h" for="ch" forName="rootText" refType="h" fact="0.9"/>
+                        <dgm:constr type="l" for="ch" forName="titleText2" refType="w" fact="0.2"/>
+                        <dgm:constr type="t" for="ch" forName="titleText2" refType="h" fact="0.7"/>
+                        <dgm:constr type="w" for="ch" forName="titleText2" refType="w" fact="0.9"/>
+                        <dgm:constr type="h" for="ch" forName="titleText2" refType="h" fact="0.3"/>
+                        <dgm:constr type="primFontSz" for="des" forName="titleText2" refType="primFontSz" refFor="des" refForName="rootText1" op="lte"/>
+                        <dgm:constr type="r" for="ch" forName="rootConnector" refType="w"/>
+                        <dgm:constr type="t" for="ch" forName="rootConnector"/>
+                        <dgm:constr type="w" for="ch" forName="rootConnector" refType="w" refFor="ch" refForName="rootText" fact="0.2"/>
+                        <dgm:constr type="h" for="ch" forName="rootConnector" refType="h" refFor="ch" refForName="rootText"/>
+                      </dgm:constrLst>
+                    </dgm:else>
+                  </dgm:choose>
+                  <dgm:ruleLst/>
+                  <dgm:layoutNode name="rootText" styleLbl="node1">
+                    <dgm:varLst>
+                      <dgm:chMax/>
+                      <dgm:chPref val="3"/>
+                    </dgm:varLst>
+                    <dgm:alg type="tx"/>
+                    <dgm:shape xmlns:r="http://schemas.openxmlformats.org/officeDocument/2006/relationships" type="rect" r:blip="">
+                      <dgm:adjLst/>
+                    </dgm:shape>
+                    <dgm:presOf axis="self" ptType="node" cnt="1"/>
+                    <dgm:constrLst>
+                      <dgm:constr type="primFontSz" val="65"/>
+                      <dgm:constr type="lMarg" refType="primFontSz" fact="0.05"/>
+                      <dgm:constr type="rMarg" refType="primFontSz" fact="0.05"/>
+                      <dgm:constr type="tMarg" refType="primFontSz" fact="0.05"/>
+                      <dgm:constr type="bMarg" refType="h" fact="0.4"/>
+                    </dgm:constrLst>
+                    <dgm:ruleLst>
+                      <dgm:rule type="primFontSz" val="5" fact="NaN" max="NaN"/>
+                    </dgm:ruleLst>
+                  </dgm:layoutNode>
+                  <dgm:layoutNode name="titleText2" styleLbl="fgAcc1">
+                    <dgm:varLst>
+                      <dgm:chMax val="0"/>
+                      <dgm:chPref val="0"/>
+                    </dgm:varLst>
+                    <dgm:alg type="tx">
+                      <dgm:param type="parTxLTRAlign" val="r"/>
+                    </dgm:alg>
+                    <dgm:shape xmlns:r="http://schemas.openxmlformats.org/officeDocument/2006/relationships" type="rect" r:blip="">
+                      <dgm:adjLst/>
+                    </dgm:shape>
+                    <dgm:presOf axis="followSib" ptType="sibTrans" hideLastTrans="0" cnt="1"/>
+                    <dgm:constrLst>
+                      <dgm:constr type="primFontSz" val="65"/>
+                      <dgm:constr type="lMarg" refType="primFontSz" fact="0.2"/>
+                      <dgm:constr type="rMarg" refType="primFontSz" fact="0.2"/>
+                      <dgm:constr type="tMarg" refType="primFontSz" fact="0.05"/>
+                      <dgm:constr type="bMarg" refType="primFontSz" fact="0.05"/>
+                    </dgm:constrLst>
+                    <dgm:ruleLst>
+                      <dgm:rule type="primFontSz" val="5" fact="NaN" max="NaN"/>
+                    </dgm:ruleLst>
+                  </dgm:layoutNode>
+                  <dgm:layoutNode name="rootConnector" moveWith="rootText">
+                    <dgm:alg type="sp"/>
+                    <dgm:shape xmlns:r="http://schemas.openxmlformats.org/officeDocument/2006/relationships" type="rect" r:blip="" hideGeom="1">
+                      <dgm:adjLst/>
+                    </dgm:shape>
+                    <dgm:presOf axis="self" ptType="node" cnt="1"/>
+                    <dgm:constrLst/>
+                    <dgm:ruleLst/>
+                  </dgm:layoutNode>
+                </dgm:layoutNode>
+                <dgm:layoutNode name="hierChild4">
+                  <dgm:choose name="Name71">
+                    <dgm:if name="Name72" func="var" arg="hierBranch" op="equ" val="l">
+                      <dgm:alg type="hierChild">
+                        <dgm:param type="chAlign" val="r"/>
+                        <dgm:param type="linDir" val="fromT"/>
+                      </dgm:alg>
+                    </dgm:if>
+                    <dgm:if name="Name73" func="var" arg="hierBranch" op="equ" val="r">
+                      <dgm:alg type="hierChild">
+                        <dgm:param type="chAlign" val="l"/>
+                        <dgm:param type="linDir" val="fromT"/>
+                      </dgm:alg>
+                    </dgm:if>
+                    <dgm:if name="Name74" func="var" arg="hierBranch" op="equ" val="hang">
+                      <dgm:choose name="Name75">
+                        <dgm:if name="Name76" func="var" arg="dir" op="equ" val="norm">
+                          <dgm:alg type="hierChild">
+                            <dgm:param type="chAlign" val="l"/>
+                            <dgm:param type="linDir" val="fromL"/>
+                            <dgm:param type="secChAlign" val="t"/>
+                            <dgm:param type="secLinDir" val="fromT"/>
+                          </dgm:alg>
+                        </dgm:if>
+                        <dgm:else name="Name77">
+                          <dgm:alg type="hierChild">
+                            <dgm:param type="chAlign" val="l"/>
+                            <dgm:param type="linDir" val="fromR"/>
+                            <dgm:param type="secChAlign" val="t"/>
+                            <dgm:param type="secLinDir" val="fromT"/>
+                          </dgm:alg>
+                        </dgm:else>
+                      </dgm:choose>
+                    </dgm:if>
+                    <dgm:if name="Name78" func="var" arg="hierBranch" op="equ" val="std">
+                      <dgm:choose name="Name79">
+                        <dgm:if name="Name80" func="var" arg="dir" op="equ" val="norm">
+                          <dgm:alg type="hierChild"/>
+                        </dgm:if>
+                        <dgm:else name="Name81">
+                          <dgm:alg type="hierChild">
+                            <dgm:param type="linDir" val="fromR"/>
+                          </dgm:alg>
+                        </dgm:else>
+                      </dgm:choose>
+                    </dgm:if>
+                    <dgm:if name="Name82" func="var" arg="hierBranch" op="equ" val="init">
+                      <dgm:choose name="Name83">
+                        <dgm:if name="Name84" func="var" arg="dir" op="equ" val="norm">
+                          <dgm:alg type="hierChild"/>
+                        </dgm:if>
+                        <dgm:else name="Name85">
+                          <dgm:alg type="hierChild">
+                            <dgm:param type="linDir" val="fromR"/>
+                          </dgm:alg>
+                        </dgm:else>
+                      </dgm:choose>
+                    </dgm:if>
+                    <dgm:else name="Name86"/>
+                  </dgm:choose>
+                  <dgm:shape xmlns:r="http://schemas.openxmlformats.org/officeDocument/2006/relationships" r:blip="">
+                    <dgm:adjLst/>
+                  </dgm:shape>
+                  <dgm:presOf/>
+                  <dgm:constrLst/>
+                  <dgm:ruleLst/>
+                  <dgm:forEach name="Name87" ref="rep2a"/>
+                </dgm:layoutNode>
+                <dgm:layoutNode name="hierChild5">
+                  <dgm:choose name="Name88">
+                    <dgm:if name="Name89" func="var" arg="dir" op="equ" val="norm">
+                      <dgm:alg type="hierChild">
+                        <dgm:param type="chAlign" val="l"/>
+                        <dgm:param type="linDir" val="fromL"/>
+                        <dgm:param type="secChAlign" val="t"/>
+                        <dgm:param type="secLinDir" val="fromT"/>
+                      </dgm:alg>
+                    </dgm:if>
+                    <dgm:else name="Name90">
+                      <dgm:alg type="hierChild">
+                        <dgm:param type="chAlign" val="l"/>
+                        <dgm:param type="linDir" val="fromR"/>
+                        <dgm:param type="secChAlign" val="t"/>
+                        <dgm:param type="secLinDir" val="fromT"/>
+                      </dgm:alg>
+                    </dgm:else>
+                  </dgm:choose>
+                  <dgm:shape xmlns:r="http://schemas.openxmlformats.org/officeDocument/2006/relationships" r:blip="">
+                    <dgm:adjLst/>
+                  </dgm:shape>
+                  <dgm:presOf/>
+                  <dgm:constrLst/>
+                  <dgm:ruleLst/>
+                  <dgm:forEach name="Name91" ref="rep2b"/>
+                </dgm:layoutNode>
+              </dgm:layoutNode>
+            </dgm:forEach>
+          </dgm:layoutNode>
+          <dgm:layoutNode name="hierChild3">
+            <dgm:choose name="Name92">
+              <dgm:if name="Name93" func="var" arg="dir" op="equ" val="norm">
+                <dgm:alg type="hierChild">
+                  <dgm:param type="chAlign" val="l"/>
+                  <dgm:param type="linDir" val="fromL"/>
+                  <dgm:param type="secChAlign" val="t"/>
+                  <dgm:param type="secLinDir" val="fromT"/>
+                </dgm:alg>
+              </dgm:if>
+              <dgm:else name="Name94">
+                <dgm:alg type="hierChild">
+                  <dgm:param type="chAlign" val="l"/>
+                  <dgm:param type="linDir" val="fromR"/>
+                  <dgm:param type="secChAlign" val="t"/>
+                  <dgm:param type="secLinDir" val="fromT"/>
+                </dgm:alg>
+              </dgm:else>
+            </dgm:choose>
+            <dgm:shape xmlns:r="http://schemas.openxmlformats.org/officeDocument/2006/relationships" r:blip="">
+              <dgm:adjLst/>
+            </dgm:shape>
+            <dgm:presOf/>
+            <dgm:constrLst/>
+            <dgm:ruleLst/>
+            <dgm:forEach name="rep2b" axis="ch" ptType="asst">
+              <dgm:forEach name="Name95" axis="precedSib" ptType="parTrans" st="-1" cnt="1">
+                <dgm:layoutNode name="Name96">
+                  <dgm:alg type="conn">
+                    <dgm:param type="connRout" val="bend"/>
+                    <dgm:param type="dim" val="1D"/>
+                    <dgm:param type="endSty" val="noArr"/>
+                    <dgm:param type="begPts" val="bCtr"/>
+                    <dgm:param type="endPts" val="midL midR"/>
+                  </dgm:alg>
+                  <dgm:shape xmlns:r="http://schemas.openxmlformats.org/officeDocument/2006/relationships" type="conn" r:blip="" zOrderOff="-99999">
+                    <dgm:adjLst/>
+                  </dgm:shape>
+                  <dgm:presOf axis="self"/>
+                  <dgm:constrLst>
+                    <dgm:constr type="begPad"/>
+                    <dgm:constr type="endPad"/>
+                  </dgm:constrLst>
+                  <dgm:ruleLst/>
+                </dgm:layoutNode>
+              </dgm:forEach>
+              <dgm:layoutNode name="hierRoot3">
+                <dgm:varLst>
+                  <dgm:hierBranch val="init"/>
+                </dgm:varLst>
+                <dgm:choose name="Name97">
+                  <dgm:if name="Name98" func="var" arg="hierBranch" op="equ" val="l">
+                    <dgm:alg type="hierRoot">
+                      <dgm:param type="hierAlign" val="tR"/>
+                    </dgm:alg>
+                    <dgm:shape xmlns:r="http://schemas.openxmlformats.org/officeDocument/2006/relationships" r:blip="">
+                      <dgm:adjLst/>
+                    </dgm:shape>
+                    <dgm:presOf/>
+                    <dgm:constrLst>
+                      <dgm:constr type="alignOff" val="0.65"/>
+                    </dgm:constrLst>
+                  </dgm:if>
+                  <dgm:if name="Name99" func="var" arg="hierBranch" op="equ" val="r">
+                    <dgm:alg type="hierRoot">
+                      <dgm:param type="hierAlign" val="tL"/>
+                    </dgm:alg>
+                    <dgm:shape xmlns:r="http://schemas.openxmlformats.org/officeDocument/2006/relationships" r:blip="">
+                      <dgm:adjLst/>
+                    </dgm:shape>
+                    <dgm:presOf/>
+                    <dgm:constrLst>
+                      <dgm:constr type="alignOff" val="0.65"/>
+                    </dgm:constrLst>
+                  </dgm:if>
+                  <dgm:if name="Name100" func="var" arg="hierBranch" op="equ" val="hang">
+                    <dgm:alg type="hierRoot"/>
+                    <dgm:shape xmlns:r="http://schemas.openxmlformats.org/officeDocument/2006/relationships" r:blip="">
+                      <dgm:adjLst/>
+                    </dgm:shape>
+                    <dgm:presOf/>
+                    <dgm:constrLst>
+                      <dgm:constr type="alignOff" val="0.65"/>
+                    </dgm:constrLst>
+                  </dgm:if>
+                  <dgm:if name="Name101" func="var" arg="hierBranch" op="equ" val="std">
+                    <dgm:alg type="hierRoot"/>
+                    <dgm:shape xmlns:r="http://schemas.openxmlformats.org/officeDocument/2006/relationships" r:blip="">
+                      <dgm:adjLst/>
+                    </dgm:shape>
+                    <dgm:presOf/>
+                    <dgm:constrLst>
+                      <dgm:constr type="alignOff"/>
+                      <dgm:constr type="bendDist" for="des" ptType="parTrans" refType="sp" fact="0.5"/>
+                    </dgm:constrLst>
+                  </dgm:if>
+                  <dgm:if name="Name102" func="var" arg="hierBranch" op="equ" val="init">
+                    <dgm:alg type="hierRoot"/>
+                    <dgm:shape xmlns:r="http://schemas.openxmlformats.org/officeDocument/2006/relationships" r:blip="">
+                      <dgm:adjLst/>
+                    </dgm:shape>
+                    <dgm:presOf/>
+                    <dgm:constrLst>
+                      <dgm:constr type="alignOff"/>
+                      <dgm:constr type="bendDist" for="des" ptType="parTrans" refType="sp" fact="0.5"/>
+                    </dgm:constrLst>
+                  </dgm:if>
+                  <dgm:else name="Name103"/>
+                </dgm:choose>
+                <dgm:ruleLst/>
+                <dgm:layoutNode name="rootComposite3">
+                  <dgm:alg type="composite"/>
+                  <dgm:shape xmlns:r="http://schemas.openxmlformats.org/officeDocument/2006/relationships" r:blip="">
+                    <dgm:adjLst/>
+                  </dgm:shape>
+                  <dgm:presOf axis="self" ptType="node" cnt="1"/>
+                  <dgm:choose name="Name104">
+                    <dgm:if name="Name105" func="var" arg="hierBranch" op="equ" val="init">
+                      <dgm:constrLst>
+                        <dgm:constr type="l" for="ch" forName="rootText3"/>
+                        <dgm:constr type="t" for="ch" forName="rootText3"/>
+                        <dgm:constr type="w" for="ch" forName="rootText3" refType="w"/>
+                        <dgm:constr type="h" for="ch" forName="rootText3" refType="h" fact="0.9"/>
+                        <dgm:constr type="l" for="ch" forName="titleText3" refType="w" fact="0.2"/>
+                        <dgm:constr type="t" for="ch" forName="titleText3" refType="h" fact="0.7"/>
+                        <dgm:constr type="w" for="ch" forName="titleText3" refType="w" fact="0.9"/>
+                        <dgm:constr type="h" for="ch" forName="titleText3" refType="h" fact="0.3"/>
+                        <dgm:constr type="primFontSz" for="des" forName="titleText3" refType="primFontSz" refFor="des" refForName="rootText3" op="lte"/>
+                        <dgm:constr type="l" for="ch" forName="rootConnector3"/>
+                        <dgm:constr type="t" for="ch" forName="rootConnector3"/>
+                        <dgm:constr type="w" for="ch" forName="rootConnector3" refType="w" refFor="ch" refForName="rootText3" fact="0.2"/>
+                        <dgm:constr type="h" for="ch" forName="rootConnector3" refType="h" refFor="ch" refForName="rootText3"/>
+                      </dgm:constrLst>
+                    </dgm:if>
+                    <dgm:if name="Name106" func="var" arg="hierBranch" op="equ" val="l">
+                      <dgm:constrLst>
+                        <dgm:constr type="l" for="ch" forName="rootText3"/>
+                        <dgm:constr type="t" for="ch" forName="rootText3"/>
+                        <dgm:constr type="w" for="ch" forName="rootText3" refType="w"/>
+                        <dgm:constr type="h" for="ch" forName="rootText3" refType="h" fact="0.9"/>
+                        <dgm:constr type="l" for="ch" forName="titleText3" refType="w" fact="0.2"/>
+                        <dgm:constr type="t" for="ch" forName="titleText3" refType="h" fact="0.7"/>
+                        <dgm:constr type="w" for="ch" forName="titleText3" refType="w" fact="0.9"/>
+                        <dgm:constr type="h" for="ch" forName="titleText3" refType="h" fact="0.3"/>
+                        <dgm:constr type="primFontSz" for="des" forName="titleText3" refType="primFontSz" refFor="des" refForName="rootText3" op="lte"/>
+                        <dgm:constr type="r" for="ch" forName="rootConnector3" refType="w"/>
+                        <dgm:constr type="t" for="ch" forName="rootConnector3"/>
+                        <dgm:constr type="w" for="ch" forName="rootConnector3" refType="w" refFor="ch" refForName="rootText3" fact="0.2"/>
+                        <dgm:constr type="h" for="ch" forName="rootConnector3" refType="h" refFor="ch" refForName="rootText3"/>
+                      </dgm:constrLst>
+                    </dgm:if>
+                    <dgm:if name="Name107" func="var" arg="hierBranch" op="equ" val="r">
+                      <dgm:constrLst>
+                        <dgm:constr type="l" for="ch" forName="rootText3"/>
+                        <dgm:constr type="t" for="ch" forName="rootText3"/>
+                        <dgm:constr type="w" for="ch" forName="rootText3" refType="w"/>
+                        <dgm:constr type="h" for="ch" forName="rootText3" refType="h" fact="0.9"/>
+                        <dgm:constr type="l" for="ch" forName="titleText3" refType="w" fact="0.2"/>
+                        <dgm:constr type="t" for="ch" forName="titleText3" refType="h" fact="0.7"/>
+                        <dgm:constr type="w" for="ch" forName="titleText3" refType="w" fact="0.9"/>
+                        <dgm:constr type="h" for="ch" forName="titleText3" refType="h" fact="0.3"/>
+                        <dgm:constr type="primFontSz" for="des" forName="titleText3" refType="primFontSz" refFor="des" refForName="rootText3" op="lte"/>
+                        <dgm:constr type="l" for="ch" forName="rootConnector3"/>
+                        <dgm:constr type="t" for="ch" forName="rootConnector3"/>
+                        <dgm:constr type="w" for="ch" forName="rootConnector3" refType="w" refFor="ch" refForName="rootText3" fact="0.2"/>
+                        <dgm:constr type="h" for="ch" forName="rootConnector3" refType="h" refFor="ch" refForName="rootText3"/>
+                      </dgm:constrLst>
+                    </dgm:if>
+                    <dgm:else name="Name108">
+                      <dgm:constrLst>
+                        <dgm:constr type="l" for="ch" forName="rootText3"/>
+                        <dgm:constr type="t" for="ch" forName="rootText3"/>
+                        <dgm:constr type="w" for="ch" forName="rootText3" refType="w"/>
+                        <dgm:constr type="h" for="ch" forName="rootText3" refType="h" fact="0.9"/>
+                        <dgm:constr type="l" for="ch" forName="titleText3" refType="w" fact="0.2"/>
+                        <dgm:constr type="t" for="ch" forName="titleText3" refType="h" fact="0.7"/>
+                        <dgm:constr type="w" for="ch" forName="titleText3" refType="w" fact="0.9"/>
+                        <dgm:constr type="h" for="ch" forName="titleText3" refType="h" fact="0.3"/>
+                        <dgm:constr type="primFontSz" for="des" forName="titleText3" refType="primFontSz" refFor="des" refForName="rootText3" op="lte"/>
+                        <dgm:constr type="r" for="ch" forName="rootConnector3" refType="w"/>
+                        <dgm:constr type="t" for="ch" forName="rootConnector3"/>
+                        <dgm:constr type="w" for="ch" forName="rootConnector3" refType="w" refFor="ch" refForName="rootText3" fact="0.2"/>
+                        <dgm:constr type="h" for="ch" forName="rootConnector3" refType="h" refFor="ch" refForName="rootText3"/>
+                      </dgm:constrLst>
+                    </dgm:else>
+                  </dgm:choose>
+                  <dgm:ruleLst/>
+                  <dgm:layoutNode name="rootText3" styleLbl="asst1">
+                    <dgm:varLst>
+                      <dgm:chPref val="3"/>
+                    </dgm:varLst>
+                    <dgm:alg type="tx"/>
+                    <dgm:shape xmlns:r="http://schemas.openxmlformats.org/officeDocument/2006/relationships" type="rect" r:blip="">
+                      <dgm:adjLst/>
+                    </dgm:shape>
+                    <dgm:presOf axis="self" ptType="node" cnt="1"/>
+                    <dgm:constrLst>
+                      <dgm:constr type="primFontSz" val="65"/>
+                      <dgm:constr type="lMarg" refType="primFontSz" fact="0.05"/>
+                      <dgm:constr type="rMarg" refType="primFontSz" fact="0.05"/>
+                      <dgm:constr type="tMarg" refType="primFontSz" fact="0.05"/>
+                      <dgm:constr type="bMarg" refType="h" fact="0.4"/>
+                    </dgm:constrLst>
+                    <dgm:ruleLst>
+                      <dgm:rule type="primFontSz" val="5" fact="NaN" max="NaN"/>
+                    </dgm:ruleLst>
+                  </dgm:layoutNode>
+                  <dgm:layoutNode name="titleText3" styleLbl="fgAcc2">
+                    <dgm:varLst>
+                      <dgm:chMax val="0"/>
+                      <dgm:chPref val="0"/>
+                    </dgm:varLst>
+                    <dgm:alg type="tx">
+                      <dgm:param type="parTxLTRAlign" val="r"/>
+                    </dgm:alg>
+                    <dgm:shape xmlns:r="http://schemas.openxmlformats.org/officeDocument/2006/relationships" type="rect" r:blip="">
+                      <dgm:adjLst/>
+                    </dgm:shape>
+                    <dgm:presOf axis="followSib" ptType="sibTrans" hideLastTrans="0" cnt="1"/>
+                    <dgm:constrLst>
+                      <dgm:constr type="primFontSz" val="65"/>
+                      <dgm:constr type="lMarg" refType="primFontSz" fact="0.2"/>
+                      <dgm:constr type="rMarg" refType="primFontSz" fact="0.2"/>
+                      <dgm:constr type="tMarg" refType="primFontSz" fact="0.05"/>
+                      <dgm:constr type="bMarg" refType="primFontSz" fact="0.05"/>
+                    </dgm:constrLst>
+                    <dgm:ruleLst>
+                      <dgm:rule type="primFontSz" val="5" fact="NaN" max="NaN"/>
+                    </dgm:ruleLst>
+                  </dgm:layoutNode>
+                  <dgm:layoutNode name="rootConnector3" moveWith="rootText1">
+                    <dgm:alg type="sp"/>
+                    <dgm:shape xmlns:r="http://schemas.openxmlformats.org/officeDocument/2006/relationships" type="rect" r:blip="" hideGeom="1">
+                      <dgm:adjLst/>
+                    </dgm:shape>
+                    <dgm:presOf axis="self" ptType="node" cnt="1"/>
+                    <dgm:constrLst/>
+                    <dgm:ruleLst/>
+                  </dgm:layoutNode>
+                </dgm:layoutNode>
+                <dgm:layoutNode name="hierChild6">
+                  <dgm:choose name="Name109">
+                    <dgm:if name="Name110" func="var" arg="hierBranch" op="equ" val="l">
+                      <dgm:alg type="hierChild">
+                        <dgm:param type="chAlign" val="r"/>
+                        <dgm:param type="linDir" val="fromT"/>
+                      </dgm:alg>
+                    </dgm:if>
+                    <dgm:if name="Name111" func="var" arg="hierBranch" op="equ" val="r">
+                      <dgm:alg type="hierChild">
+                        <dgm:param type="chAlign" val="l"/>
+                        <dgm:param type="linDir" val="fromT"/>
+                      </dgm:alg>
+                    </dgm:if>
+                    <dgm:if name="Name112" func="var" arg="hierBranch" op="equ" val="hang">
+                      <dgm:choose name="Name113">
+                        <dgm:if name="Name114" func="var" arg="dir" op="equ" val="norm">
+                          <dgm:alg type="hierChild">
+                            <dgm:param type="chAlign" val="l"/>
+                            <dgm:param type="linDir" val="fromL"/>
+                            <dgm:param type="secChAlign" val="t"/>
+                            <dgm:param type="secLinDir" val="fromT"/>
+                          </dgm:alg>
+                        </dgm:if>
+                        <dgm:else name="Name115">
+                          <dgm:alg type="hierChild">
+                            <dgm:param type="chAlign" val="l"/>
+                            <dgm:param type="linDir" val="fromR"/>
+                            <dgm:param type="secChAlign" val="t"/>
+                            <dgm:param type="secLinDir" val="fromT"/>
+                          </dgm:alg>
+                        </dgm:else>
+                      </dgm:choose>
+                    </dgm:if>
+                    <dgm:if name="Name116" func="var" arg="hierBranch" op="equ" val="std">
+                      <dgm:choose name="Name117">
+                        <dgm:if name="Name118" func="var" arg="dir" op="equ" val="norm">
+                          <dgm:alg type="hierChild"/>
+                        </dgm:if>
+                        <dgm:else name="Name119">
+                          <dgm:alg type="hierChild">
+                            <dgm:param type="linDir" val="fromR"/>
+                          </dgm:alg>
+                        </dgm:else>
+                      </dgm:choose>
+                    </dgm:if>
+                    <dgm:if name="Name120" func="var" arg="hierBranch" op="equ" val="init">
+                      <dgm:alg type="hierChild"/>
+                    </dgm:if>
+                    <dgm:else name="Name121"/>
+                  </dgm:choose>
+                  <dgm:shape xmlns:r="http://schemas.openxmlformats.org/officeDocument/2006/relationships" r:blip="">
+                    <dgm:adjLst/>
+                  </dgm:shape>
+                  <dgm:presOf/>
+                  <dgm:constrLst/>
+                  <dgm:ruleLst/>
+                  <dgm:forEach name="Name122" ref="rep2a"/>
+                </dgm:layoutNode>
+                <dgm:layoutNode name="hierChild7">
+                  <dgm:choose name="Name123">
+                    <dgm:if name="Name124" func="var" arg="dir" op="equ" val="norm">
+                      <dgm:alg type="hierChild">
+                        <dgm:param type="chAlign" val="l"/>
+                        <dgm:param type="linDir" val="fromL"/>
+                        <dgm:param type="secChAlign" val="t"/>
+                        <dgm:param type="secLinDir" val="fromT"/>
+                      </dgm:alg>
+                    </dgm:if>
+                    <dgm:else name="Name125">
+                      <dgm:alg type="hierChild">
+                        <dgm:param type="chAlign" val="l"/>
+                        <dgm:param type="linDir" val="fromR"/>
+                        <dgm:param type="secChAlign" val="t"/>
+                        <dgm:param type="secLinDir" val="fromT"/>
+                      </dgm:alg>
+                    </dgm:else>
+                  </dgm:choose>
+                  <dgm:shape xmlns:r="http://schemas.openxmlformats.org/officeDocument/2006/relationships" r:blip="">
+                    <dgm:adjLst/>
+                  </dgm:shape>
+                  <dgm:presOf/>
+                  <dgm:constrLst/>
+                  <dgm:ruleLst/>
+                  <dgm:forEach name="Name126" ref="rep2b"/>
+                </dgm:layoutNode>
+              </dgm:layoutNode>
+            </dgm:forEach>
+          </dgm:layoutNode>
+        </dgm:layoutNode>
+      </dgm:forEach>
+    </dgm:forEach>
+  </dgm:layoutNode>
+</dgm:layoutDef>
+</file>
+
 <file path=ppt/diagrams/quickStyle1.xml><?xml version="1.0" encoding="utf-8"?>
 <dgm:styleDef xmlns:dgm="http://schemas.openxmlformats.org/drawingml/2006/diagram" xmlns:a="http://schemas.openxmlformats.org/drawingml/2006/main" uniqueId="urn:microsoft.com/office/officeart/2005/8/quickstyle/simple1">
   <dgm:title val=""/>
@@ -9917,6 +13729,1040 @@
 </file>
 
 <file path=ppt/diagrams/quickStyle3.xml><?xml version="1.0" encoding="utf-8"?>
+<dgm:styleDef xmlns:dgm="http://schemas.openxmlformats.org/drawingml/2006/diagram" xmlns:a="http://schemas.openxmlformats.org/drawingml/2006/main" uniqueId="urn:microsoft.com/office/officeart/2005/8/quickstyle/simple1">
+  <dgm:title val=""/>
+  <dgm:desc val=""/>
+  <dgm:catLst>
+    <dgm:cat type="simple" pri="10100"/>
+  </dgm:catLst>
+  <dgm:scene3d>
+    <a:camera prst="orthographicFront"/>
+    <a:lightRig rig="threePt" dir="t"/>
+  </dgm:scene3d>
+  <dgm:styleLbl name="node0">
+    <dgm:scene3d>
+      <a:camera prst="orthographicFront"/>
+      <a:lightRig rig="threePt" dir="t"/>
+    </dgm:scene3d>
+    <dgm:sp3d/>
+    <dgm:txPr/>
+    <dgm:style>
+      <a:lnRef idx="2">
+        <a:scrgbClr r="0" g="0" b="0"/>
+      </a:lnRef>
+      <a:fillRef idx="1">
+        <a:scrgbClr r="0" g="0" b="0"/>
+      </a:fillRef>
+      <a:effectRef idx="0">
+        <a:scrgbClr r="0" g="0" b="0"/>
+      </a:effectRef>
+      <a:fontRef idx="minor">
+        <a:schemeClr val="lt1"/>
+      </a:fontRef>
+    </dgm:style>
+  </dgm:styleLbl>
+  <dgm:styleLbl name="lnNode1">
+    <dgm:scene3d>
+      <a:camera prst="orthographicFront"/>
+      <a:lightRig rig="threePt" dir="t"/>
+    </dgm:scene3d>
+    <dgm:sp3d/>
+    <dgm:txPr/>
+    <dgm:style>
+      <a:lnRef idx="2">
+        <a:scrgbClr r="0" g="0" b="0"/>
+      </a:lnRef>
+      <a:fillRef idx="1">
+        <a:scrgbClr r="0" g="0" b="0"/>
+      </a:fillRef>
+      <a:effectRef idx="0">
+        <a:scrgbClr r="0" g="0" b="0"/>
+      </a:effectRef>
+      <a:fontRef idx="minor">
+        <a:schemeClr val="lt1"/>
+      </a:fontRef>
+    </dgm:style>
+  </dgm:styleLbl>
+  <dgm:styleLbl name="vennNode1">
+    <dgm:scene3d>
+      <a:camera prst="orthographicFront"/>
+      <a:lightRig rig="threePt" dir="t"/>
+    </dgm:scene3d>
+    <dgm:sp3d/>
+    <dgm:txPr/>
+    <dgm:style>
+      <a:lnRef idx="2">
+        <a:scrgbClr r="0" g="0" b="0"/>
+      </a:lnRef>
+      <a:fillRef idx="1">
+        <a:scrgbClr r="0" g="0" b="0"/>
+      </a:fillRef>
+      <a:effectRef idx="0">
+        <a:scrgbClr r="0" g="0" b="0"/>
+      </a:effectRef>
+      <a:fontRef idx="minor">
+        <a:schemeClr val="tx1"/>
+      </a:fontRef>
+    </dgm:style>
+  </dgm:styleLbl>
+  <dgm:styleLbl name="alignNode1">
+    <dgm:scene3d>
+      <a:camera prst="orthographicFront"/>
+      <a:lightRig rig="threePt" dir="t"/>
+    </dgm:scene3d>
+    <dgm:sp3d/>
+    <dgm:txPr/>
+    <dgm:style>
+      <a:lnRef idx="2">
+        <a:scrgbClr r="0" g="0" b="0"/>
+      </a:lnRef>
+      <a:fillRef idx="1">
+        <a:scrgbClr r="0" g="0" b="0"/>
+      </a:fillRef>
+      <a:effectRef idx="0">
+        <a:scrgbClr r="0" g="0" b="0"/>
+      </a:effectRef>
+      <a:fontRef idx="minor">
+        <a:schemeClr val="lt1"/>
+      </a:fontRef>
+    </dgm:style>
+  </dgm:styleLbl>
+  <dgm:styleLbl name="node1">
+    <dgm:scene3d>
+      <a:camera prst="orthographicFront"/>
+      <a:lightRig rig="threePt" dir="t"/>
+    </dgm:scene3d>
+    <dgm:sp3d/>
+    <dgm:txPr/>
+    <dgm:style>
+      <a:lnRef idx="2">
+        <a:scrgbClr r="0" g="0" b="0"/>
+      </a:lnRef>
+      <a:fillRef idx="1">
+        <a:scrgbClr r="0" g="0" b="0"/>
+      </a:fillRef>
+      <a:effectRef idx="0">
+        <a:scrgbClr r="0" g="0" b="0"/>
+      </a:effectRef>
+      <a:fontRef idx="minor">
+        <a:schemeClr val="lt1"/>
+      </a:fontRef>
+    </dgm:style>
+  </dgm:styleLbl>
+  <dgm:styleLbl name="node2">
+    <dgm:scene3d>
+      <a:camera prst="orthographicFront"/>
+      <a:lightRig rig="threePt" dir="t"/>
+    </dgm:scene3d>
+    <dgm:sp3d/>
+    <dgm:txPr/>
+    <dgm:style>
+      <a:lnRef idx="2">
+        <a:scrgbClr r="0" g="0" b="0"/>
+      </a:lnRef>
+      <a:fillRef idx="1">
+        <a:scrgbClr r="0" g="0" b="0"/>
+      </a:fillRef>
+      <a:effectRef idx="0">
+        <a:scrgbClr r="0" g="0" b="0"/>
+      </a:effectRef>
+      <a:fontRef idx="minor">
+        <a:schemeClr val="lt1"/>
+      </a:fontRef>
+    </dgm:style>
+  </dgm:styleLbl>
+  <dgm:styleLbl name="node3">
+    <dgm:scene3d>
+      <a:camera prst="orthographicFront"/>
+      <a:lightRig rig="threePt" dir="t"/>
+    </dgm:scene3d>
+    <dgm:sp3d/>
+    <dgm:txPr/>
+    <dgm:style>
+      <a:lnRef idx="2">
+        <a:scrgbClr r="0" g="0" b="0"/>
+      </a:lnRef>
+      <a:fillRef idx="1">
+        <a:scrgbClr r="0" g="0" b="0"/>
+      </a:fillRef>
+      <a:effectRef idx="0">
+        <a:scrgbClr r="0" g="0" b="0"/>
+      </a:effectRef>
+      <a:fontRef idx="minor">
+        <a:schemeClr val="lt1"/>
+      </a:fontRef>
+    </dgm:style>
+  </dgm:styleLbl>
+  <dgm:styleLbl name="node4">
+    <dgm:scene3d>
+      <a:camera prst="orthographicFront"/>
+      <a:lightRig rig="threePt" dir="t"/>
+    </dgm:scene3d>
+    <dgm:sp3d/>
+    <dgm:txPr/>
+    <dgm:style>
+      <a:lnRef idx="2">
+        <a:scrgbClr r="0" g="0" b="0"/>
+      </a:lnRef>
+      <a:fillRef idx="1">
+        <a:scrgbClr r="0" g="0" b="0"/>
+      </a:fillRef>
+      <a:effectRef idx="0">
+        <a:scrgbClr r="0" g="0" b="0"/>
+      </a:effectRef>
+      <a:fontRef idx="minor">
+        <a:schemeClr val="lt1"/>
+      </a:fontRef>
+    </dgm:style>
+  </dgm:styleLbl>
+  <dgm:styleLbl name="fgImgPlace1">
+    <dgm:scene3d>
+      <a:camera prst="orthographicFront"/>
+      <a:lightRig rig="threePt" dir="t"/>
+    </dgm:scene3d>
+    <dgm:sp3d/>
+    <dgm:txPr/>
+    <dgm:style>
+      <a:lnRef idx="2">
+        <a:scrgbClr r="0" g="0" b="0"/>
+      </a:lnRef>
+      <a:fillRef idx="1">
+        <a:scrgbClr r="0" g="0" b="0"/>
+      </a:fillRef>
+      <a:effectRef idx="0">
+        <a:scrgbClr r="0" g="0" b="0"/>
+      </a:effectRef>
+      <a:fontRef idx="minor"/>
+    </dgm:style>
+  </dgm:styleLbl>
+  <dgm:styleLbl name="alignImgPlace1">
+    <dgm:scene3d>
+      <a:camera prst="orthographicFront"/>
+      <a:lightRig rig="threePt" dir="t"/>
+    </dgm:scene3d>
+    <dgm:sp3d/>
+    <dgm:txPr/>
+    <dgm:style>
+      <a:lnRef idx="2">
+        <a:scrgbClr r="0" g="0" b="0"/>
+      </a:lnRef>
+      <a:fillRef idx="1">
+        <a:scrgbClr r="0" g="0" b="0"/>
+      </a:fillRef>
+      <a:effectRef idx="0">
+        <a:scrgbClr r="0" g="0" b="0"/>
+      </a:effectRef>
+      <a:fontRef idx="minor"/>
+    </dgm:style>
+  </dgm:styleLbl>
+  <dgm:styleLbl name="bgImgPlace1">
+    <dgm:scene3d>
+      <a:camera prst="orthographicFront"/>
+      <a:lightRig rig="threePt" dir="t"/>
+    </dgm:scene3d>
+    <dgm:sp3d/>
+    <dgm:txPr/>
+    <dgm:style>
+      <a:lnRef idx="2">
+        <a:scrgbClr r="0" g="0" b="0"/>
+      </a:lnRef>
+      <a:fillRef idx="1">
+        <a:scrgbClr r="0" g="0" b="0"/>
+      </a:fillRef>
+      <a:effectRef idx="0">
+        <a:scrgbClr r="0" g="0" b="0"/>
+      </a:effectRef>
+      <a:fontRef idx="minor"/>
+    </dgm:style>
+  </dgm:styleLbl>
+  <dgm:styleLbl name="sibTrans2D1">
+    <dgm:scene3d>
+      <a:camera prst="orthographicFront"/>
+      <a:lightRig rig="threePt" dir="t"/>
+    </dgm:scene3d>
+    <dgm:sp3d/>
+    <dgm:txPr/>
+    <dgm:style>
+      <a:lnRef idx="0">
+        <a:scrgbClr r="0" g="0" b="0"/>
+      </a:lnRef>
+      <a:fillRef idx="1">
+        <a:scrgbClr r="0" g="0" b="0"/>
+      </a:fillRef>
+      <a:effectRef idx="0">
+        <a:scrgbClr r="0" g="0" b="0"/>
+      </a:effectRef>
+      <a:fontRef idx="minor">
+        <a:schemeClr val="lt1"/>
+      </a:fontRef>
+    </dgm:style>
+  </dgm:styleLbl>
+  <dgm:styleLbl name="fgSibTrans2D1">
+    <dgm:scene3d>
+      <a:camera prst="orthographicFront"/>
+      <a:lightRig rig="threePt" dir="t"/>
+    </dgm:scene3d>
+    <dgm:sp3d/>
+    <dgm:txPr/>
+    <dgm:style>
+      <a:lnRef idx="0">
+        <a:scrgbClr r="0" g="0" b="0"/>
+      </a:lnRef>
+      <a:fillRef idx="1">
+        <a:scrgbClr r="0" g="0" b="0"/>
+      </a:fillRef>
+      <a:effectRef idx="0">
+        <a:scrgbClr r="0" g="0" b="0"/>
+      </a:effectRef>
+      <a:fontRef idx="minor">
+        <a:schemeClr val="lt1"/>
+      </a:fontRef>
+    </dgm:style>
+  </dgm:styleLbl>
+  <dgm:styleLbl name="bgSibTrans2D1">
+    <dgm:scene3d>
+      <a:camera prst="orthographicFront"/>
+      <a:lightRig rig="threePt" dir="t"/>
+    </dgm:scene3d>
+    <dgm:sp3d/>
+    <dgm:txPr/>
+    <dgm:style>
+      <a:lnRef idx="0">
+        <a:scrgbClr r="0" g="0" b="0"/>
+      </a:lnRef>
+      <a:fillRef idx="1">
+        <a:scrgbClr r="0" g="0" b="0"/>
+      </a:fillRef>
+      <a:effectRef idx="0">
+        <a:scrgbClr r="0" g="0" b="0"/>
+      </a:effectRef>
+      <a:fontRef idx="minor">
+        <a:schemeClr val="lt1"/>
+      </a:fontRef>
+    </dgm:style>
+  </dgm:styleLbl>
+  <dgm:styleLbl name="sibTrans1D1">
+    <dgm:scene3d>
+      <a:camera prst="orthographicFront"/>
+      <a:lightRig rig="threePt" dir="t"/>
+    </dgm:scene3d>
+    <dgm:sp3d/>
+    <dgm:txPr/>
+    <dgm:style>
+      <a:lnRef idx="1">
+        <a:scrgbClr r="0" g="0" b="0"/>
+      </a:lnRef>
+      <a:fillRef idx="0">
+        <a:scrgbClr r="0" g="0" b="0"/>
+      </a:fillRef>
+      <a:effectRef idx="0">
+        <a:scrgbClr r="0" g="0" b="0"/>
+      </a:effectRef>
+      <a:fontRef idx="minor"/>
+    </dgm:style>
+  </dgm:styleLbl>
+  <dgm:styleLbl name="callout">
+    <dgm:scene3d>
+      <a:camera prst="orthographicFront"/>
+      <a:lightRig rig="threePt" dir="t"/>
+    </dgm:scene3d>
+    <dgm:sp3d/>
+    <dgm:txPr/>
+    <dgm:style>
+      <a:lnRef idx="2">
+        <a:scrgbClr r="0" g="0" b="0"/>
+      </a:lnRef>
+      <a:fillRef idx="1">
+        <a:scrgbClr r="0" g="0" b="0"/>
+      </a:fillRef>
+      <a:effectRef idx="0">
+        <a:scrgbClr r="0" g="0" b="0"/>
+      </a:effectRef>
+      <a:fontRef idx="minor"/>
+    </dgm:style>
+  </dgm:styleLbl>
+  <dgm:styleLbl name="asst0">
+    <dgm:scene3d>
+      <a:camera prst="orthographicFront"/>
+      <a:lightRig rig="threePt" dir="t"/>
+    </dgm:scene3d>
+    <dgm:sp3d/>
+    <dgm:txPr/>
+    <dgm:style>
+      <a:lnRef idx="2">
+        <a:scrgbClr r="0" g="0" b="0"/>
+      </a:lnRef>
+      <a:fillRef idx="1">
+        <a:scrgbClr r="0" g="0" b="0"/>
+      </a:fillRef>
+      <a:effectRef idx="0">
+        <a:scrgbClr r="0" g="0" b="0"/>
+      </a:effectRef>
+      <a:fontRef idx="minor">
+        <a:schemeClr val="lt1"/>
+      </a:fontRef>
+    </dgm:style>
+  </dgm:styleLbl>
+  <dgm:styleLbl name="asst1">
+    <dgm:scene3d>
+      <a:camera prst="orthographicFront"/>
+      <a:lightRig rig="threePt" dir="t"/>
+    </dgm:scene3d>
+    <dgm:sp3d/>
+    <dgm:txPr/>
+    <dgm:style>
+      <a:lnRef idx="2">
+        <a:scrgbClr r="0" g="0" b="0"/>
+      </a:lnRef>
+      <a:fillRef idx="1">
+        <a:scrgbClr r="0" g="0" b="0"/>
+      </a:fillRef>
+      <a:effectRef idx="0">
+        <a:scrgbClr r="0" g="0" b="0"/>
+      </a:effectRef>
+      <a:fontRef idx="minor">
+        <a:schemeClr val="lt1"/>
+      </a:fontRef>
+    </dgm:style>
+  </dgm:styleLbl>
+  <dgm:styleLbl name="asst2">
+    <dgm:scene3d>
+      <a:camera prst="orthographicFront"/>
+      <a:lightRig rig="threePt" dir="t"/>
+    </dgm:scene3d>
+    <dgm:sp3d/>
+    <dgm:txPr/>
+    <dgm:style>
+      <a:lnRef idx="2">
+        <a:scrgbClr r="0" g="0" b="0"/>
+      </a:lnRef>
+      <a:fillRef idx="1">
+        <a:scrgbClr r="0" g="0" b="0"/>
+      </a:fillRef>
+      <a:effectRef idx="0">
+        <a:scrgbClr r="0" g="0" b="0"/>
+      </a:effectRef>
+      <a:fontRef idx="minor">
+        <a:schemeClr val="lt1"/>
+      </a:fontRef>
+    </dgm:style>
+  </dgm:styleLbl>
+  <dgm:styleLbl name="asst3">
+    <dgm:scene3d>
+      <a:camera prst="orthographicFront"/>
+      <a:lightRig rig="threePt" dir="t"/>
+    </dgm:scene3d>
+    <dgm:sp3d/>
+    <dgm:txPr/>
+    <dgm:style>
+      <a:lnRef idx="2">
+        <a:scrgbClr r="0" g="0" b="0"/>
+      </a:lnRef>
+      <a:fillRef idx="1">
+        <a:scrgbClr r="0" g="0" b="0"/>
+      </a:fillRef>
+      <a:effectRef idx="0">
+        <a:scrgbClr r="0" g="0" b="0"/>
+      </a:effectRef>
+      <a:fontRef idx="minor">
+        <a:schemeClr val="lt1"/>
+      </a:fontRef>
+    </dgm:style>
+  </dgm:styleLbl>
+  <dgm:styleLbl name="asst4">
+    <dgm:scene3d>
+      <a:camera prst="orthographicFront"/>
+      <a:lightRig rig="threePt" dir="t"/>
+    </dgm:scene3d>
+    <dgm:sp3d/>
+    <dgm:txPr/>
+    <dgm:style>
+      <a:lnRef idx="2">
+        <a:scrgbClr r="0" g="0" b="0"/>
+      </a:lnRef>
+      <a:fillRef idx="1">
+        <a:scrgbClr r="0" g="0" b="0"/>
+      </a:fillRef>
+      <a:effectRef idx="0">
+        <a:scrgbClr r="0" g="0" b="0"/>
+      </a:effectRef>
+      <a:fontRef idx="minor">
+        <a:schemeClr val="lt1"/>
+      </a:fontRef>
+    </dgm:style>
+  </dgm:styleLbl>
+  <dgm:styleLbl name="parChTrans2D1">
+    <dgm:scene3d>
+      <a:camera prst="orthographicFront"/>
+      <a:lightRig rig="threePt" dir="t"/>
+    </dgm:scene3d>
+    <dgm:sp3d/>
+    <dgm:txPr/>
+    <dgm:style>
+      <a:lnRef idx="2">
+        <a:scrgbClr r="0" g="0" b="0"/>
+      </a:lnRef>
+      <a:fillRef idx="1">
+        <a:scrgbClr r="0" g="0" b="0"/>
+      </a:fillRef>
+      <a:effectRef idx="0">
+        <a:scrgbClr r="0" g="0" b="0"/>
+      </a:effectRef>
+      <a:fontRef idx="minor">
+        <a:schemeClr val="lt1"/>
+      </a:fontRef>
+    </dgm:style>
+  </dgm:styleLbl>
+  <dgm:styleLbl name="parChTrans2D2">
+    <dgm:scene3d>
+      <a:camera prst="orthographicFront"/>
+      <a:lightRig rig="threePt" dir="t"/>
+    </dgm:scene3d>
+    <dgm:sp3d/>
+    <dgm:txPr/>
+    <dgm:style>
+      <a:lnRef idx="2">
+        <a:scrgbClr r="0" g="0" b="0"/>
+      </a:lnRef>
+      <a:fillRef idx="1">
+        <a:scrgbClr r="0" g="0" b="0"/>
+      </a:fillRef>
+      <a:effectRef idx="0">
+        <a:scrgbClr r="0" g="0" b="0"/>
+      </a:effectRef>
+      <a:fontRef idx="minor">
+        <a:schemeClr val="lt1"/>
+      </a:fontRef>
+    </dgm:style>
+  </dgm:styleLbl>
+  <dgm:styleLbl name="parChTrans2D3">
+    <dgm:scene3d>
+      <a:camera prst="orthographicFront"/>
+      <a:lightRig rig="threePt" dir="t"/>
+    </dgm:scene3d>
+    <dgm:sp3d/>
+    <dgm:txPr/>
+    <dgm:style>
+      <a:lnRef idx="2">
+        <a:scrgbClr r="0" g="0" b="0"/>
+      </a:lnRef>
+      <a:fillRef idx="1">
+        <a:scrgbClr r="0" g="0" b="0"/>
+      </a:fillRef>
+      <a:effectRef idx="0">
+        <a:scrgbClr r="0" g="0" b="0"/>
+      </a:effectRef>
+      <a:fontRef idx="minor">
+        <a:schemeClr val="lt1"/>
+      </a:fontRef>
+    </dgm:style>
+  </dgm:styleLbl>
+  <dgm:styleLbl name="parChTrans2D4">
+    <dgm:scene3d>
+      <a:camera prst="orthographicFront"/>
+      <a:lightRig rig="threePt" dir="t"/>
+    </dgm:scene3d>
+    <dgm:sp3d/>
+    <dgm:txPr/>
+    <dgm:style>
+      <a:lnRef idx="2">
+        <a:scrgbClr r="0" g="0" b="0"/>
+      </a:lnRef>
+      <a:fillRef idx="1">
+        <a:scrgbClr r="0" g="0" b="0"/>
+      </a:fillRef>
+      <a:effectRef idx="0">
+        <a:scrgbClr r="0" g="0" b="0"/>
+      </a:effectRef>
+      <a:fontRef idx="minor">
+        <a:schemeClr val="lt1"/>
+      </a:fontRef>
+    </dgm:style>
+  </dgm:styleLbl>
+  <dgm:styleLbl name="parChTrans1D1">
+    <dgm:scene3d>
+      <a:camera prst="orthographicFront"/>
+      <a:lightRig rig="threePt" dir="t"/>
+    </dgm:scene3d>
+    <dgm:sp3d/>
+    <dgm:txPr/>
+    <dgm:style>
+      <a:lnRef idx="2">
+        <a:scrgbClr r="0" g="0" b="0"/>
+      </a:lnRef>
+      <a:fillRef idx="0">
+        <a:scrgbClr r="0" g="0" b="0"/>
+      </a:fillRef>
+      <a:effectRef idx="0">
+        <a:scrgbClr r="0" g="0" b="0"/>
+      </a:effectRef>
+      <a:fontRef idx="minor"/>
+    </dgm:style>
+  </dgm:styleLbl>
+  <dgm:styleLbl name="parChTrans1D2">
+    <dgm:scene3d>
+      <a:camera prst="orthographicFront"/>
+      <a:lightRig rig="threePt" dir="t"/>
+    </dgm:scene3d>
+    <dgm:sp3d/>
+    <dgm:txPr/>
+    <dgm:style>
+      <a:lnRef idx="2">
+        <a:scrgbClr r="0" g="0" b="0"/>
+      </a:lnRef>
+      <a:fillRef idx="0">
+        <a:scrgbClr r="0" g="0" b="0"/>
+      </a:fillRef>
+      <a:effectRef idx="0">
+        <a:scrgbClr r="0" g="0" b="0"/>
+      </a:effectRef>
+      <a:fontRef idx="minor"/>
+    </dgm:style>
+  </dgm:styleLbl>
+  <dgm:styleLbl name="parChTrans1D3">
+    <dgm:scene3d>
+      <a:camera prst="orthographicFront"/>
+      <a:lightRig rig="threePt" dir="t"/>
+    </dgm:scene3d>
+    <dgm:sp3d/>
+    <dgm:txPr/>
+    <dgm:style>
+      <a:lnRef idx="2">
+        <a:scrgbClr r="0" g="0" b="0"/>
+      </a:lnRef>
+      <a:fillRef idx="0">
+        <a:scrgbClr r="0" g="0" b="0"/>
+      </a:fillRef>
+      <a:effectRef idx="0">
+        <a:scrgbClr r="0" g="0" b="0"/>
+      </a:effectRef>
+      <a:fontRef idx="minor"/>
+    </dgm:style>
+  </dgm:styleLbl>
+  <dgm:styleLbl name="parChTrans1D4">
+    <dgm:scene3d>
+      <a:camera prst="orthographicFront"/>
+      <a:lightRig rig="threePt" dir="t"/>
+    </dgm:scene3d>
+    <dgm:sp3d/>
+    <dgm:txPr/>
+    <dgm:style>
+      <a:lnRef idx="2">
+        <a:scrgbClr r="0" g="0" b="0"/>
+      </a:lnRef>
+      <a:fillRef idx="0">
+        <a:scrgbClr r="0" g="0" b="0"/>
+      </a:fillRef>
+      <a:effectRef idx="0">
+        <a:scrgbClr r="0" g="0" b="0"/>
+      </a:effectRef>
+      <a:fontRef idx="minor"/>
+    </dgm:style>
+  </dgm:styleLbl>
+  <dgm:styleLbl name="fgAcc1">
+    <dgm:scene3d>
+      <a:camera prst="orthographicFront"/>
+      <a:lightRig rig="threePt" dir="t"/>
+    </dgm:scene3d>
+    <dgm:sp3d/>
+    <dgm:txPr/>
+    <dgm:style>
+      <a:lnRef idx="2">
+        <a:scrgbClr r="0" g="0" b="0"/>
+      </a:lnRef>
+      <a:fillRef idx="1">
+        <a:scrgbClr r="0" g="0" b="0"/>
+      </a:fillRef>
+      <a:effectRef idx="0">
+        <a:scrgbClr r="0" g="0" b="0"/>
+      </a:effectRef>
+      <a:fontRef idx="minor"/>
+    </dgm:style>
+  </dgm:styleLbl>
+  <dgm:styleLbl name="conFgAcc1">
+    <dgm:scene3d>
+      <a:camera prst="orthographicFront"/>
+      <a:lightRig rig="threePt" dir="t"/>
+    </dgm:scene3d>
+    <dgm:sp3d/>
+    <dgm:txPr/>
+    <dgm:style>
+      <a:lnRef idx="2">
+        <a:scrgbClr r="0" g="0" b="0"/>
+      </a:lnRef>
+      <a:fillRef idx="1">
+        <a:scrgbClr r="0" g="0" b="0"/>
+      </a:fillRef>
+      <a:effectRef idx="0">
+        <a:scrgbClr r="0" g="0" b="0"/>
+      </a:effectRef>
+      <a:fontRef idx="minor"/>
+    </dgm:style>
+  </dgm:styleLbl>
+  <dgm:styleLbl name="alignAcc1">
+    <dgm:scene3d>
+      <a:camera prst="orthographicFront"/>
+      <a:lightRig rig="threePt" dir="t"/>
+    </dgm:scene3d>
+    <dgm:sp3d/>
+    <dgm:txPr/>
+    <dgm:style>
+      <a:lnRef idx="2">
+        <a:scrgbClr r="0" g="0" b="0"/>
+      </a:lnRef>
+      <a:fillRef idx="1">
+        <a:scrgbClr r="0" g="0" b="0"/>
+      </a:fillRef>
+      <a:effectRef idx="0">
+        <a:scrgbClr r="0" g="0" b="0"/>
+      </a:effectRef>
+      <a:fontRef idx="minor"/>
+    </dgm:style>
+  </dgm:styleLbl>
+  <dgm:styleLbl name="trAlignAcc1">
+    <dgm:scene3d>
+      <a:camera prst="orthographicFront"/>
+      <a:lightRig rig="threePt" dir="t"/>
+    </dgm:scene3d>
+    <dgm:sp3d/>
+    <dgm:txPr/>
+    <dgm:style>
+      <a:lnRef idx="1">
+        <a:scrgbClr r="0" g="0" b="0"/>
+      </a:lnRef>
+      <a:fillRef idx="1">
+        <a:scrgbClr r="0" g="0" b="0"/>
+      </a:fillRef>
+      <a:effectRef idx="0">
+        <a:scrgbClr r="0" g="0" b="0"/>
+      </a:effectRef>
+      <a:fontRef idx="minor"/>
+    </dgm:style>
+  </dgm:styleLbl>
+  <dgm:styleLbl name="bgAcc1">
+    <dgm:scene3d>
+      <a:camera prst="orthographicFront"/>
+      <a:lightRig rig="threePt" dir="t"/>
+    </dgm:scene3d>
+    <dgm:sp3d/>
+    <dgm:txPr/>
+    <dgm:style>
+      <a:lnRef idx="2">
+        <a:scrgbClr r="0" g="0" b="0"/>
+      </a:lnRef>
+      <a:fillRef idx="1">
+        <a:scrgbClr r="0" g="0" b="0"/>
+      </a:fillRef>
+      <a:effectRef idx="0">
+        <a:scrgbClr r="0" g="0" b="0"/>
+      </a:effectRef>
+      <a:fontRef idx="minor"/>
+    </dgm:style>
+  </dgm:styleLbl>
+  <dgm:styleLbl name="solidFgAcc1">
+    <dgm:scene3d>
+      <a:camera prst="orthographicFront"/>
+      <a:lightRig rig="threePt" dir="t"/>
+    </dgm:scene3d>
+    <dgm:sp3d/>
+    <dgm:txPr/>
+    <dgm:style>
+      <a:lnRef idx="2">
+        <a:scrgbClr r="0" g="0" b="0"/>
+      </a:lnRef>
+      <a:fillRef idx="1">
+        <a:scrgbClr r="0" g="0" b="0"/>
+      </a:fillRef>
+      <a:effectRef idx="0">
+        <a:scrgbClr r="0" g="0" b="0"/>
+      </a:effectRef>
+      <a:fontRef idx="minor"/>
+    </dgm:style>
+  </dgm:styleLbl>
+  <dgm:styleLbl name="solidAlignAcc1">
+    <dgm:scene3d>
+      <a:camera prst="orthographicFront"/>
+      <a:lightRig rig="threePt" dir="t"/>
+    </dgm:scene3d>
+    <dgm:sp3d/>
+    <dgm:txPr/>
+    <dgm:style>
+      <a:lnRef idx="2">
+        <a:scrgbClr r="0" g="0" b="0"/>
+      </a:lnRef>
+      <a:fillRef idx="1">
+        <a:scrgbClr r="0" g="0" b="0"/>
+      </a:fillRef>
+      <a:effectRef idx="0">
+        <a:scrgbClr r="0" g="0" b="0"/>
+      </a:effectRef>
+      <a:fontRef idx="minor"/>
+    </dgm:style>
+  </dgm:styleLbl>
+  <dgm:styleLbl name="solidBgAcc1">
+    <dgm:scene3d>
+      <a:camera prst="orthographicFront"/>
+      <a:lightRig rig="threePt" dir="t"/>
+    </dgm:scene3d>
+    <dgm:sp3d/>
+    <dgm:txPr/>
+    <dgm:style>
+      <a:lnRef idx="2">
+        <a:scrgbClr r="0" g="0" b="0"/>
+      </a:lnRef>
+      <a:fillRef idx="1">
+        <a:scrgbClr r="0" g="0" b="0"/>
+      </a:fillRef>
+      <a:effectRef idx="0">
+        <a:scrgbClr r="0" g="0" b="0"/>
+      </a:effectRef>
+      <a:fontRef idx="minor"/>
+    </dgm:style>
+  </dgm:styleLbl>
+  <dgm:styleLbl name="fgAccFollowNode1">
+    <dgm:scene3d>
+      <a:camera prst="orthographicFront"/>
+      <a:lightRig rig="threePt" dir="t"/>
+    </dgm:scene3d>
+    <dgm:sp3d/>
+    <dgm:txPr/>
+    <dgm:style>
+      <a:lnRef idx="2">
+        <a:scrgbClr r="0" g="0" b="0"/>
+      </a:lnRef>
+      <a:fillRef idx="1">
+        <a:scrgbClr r="0" g="0" b="0"/>
+      </a:fillRef>
+      <a:effectRef idx="0">
+        <a:scrgbClr r="0" g="0" b="0"/>
+      </a:effectRef>
+      <a:fontRef idx="minor"/>
+    </dgm:style>
+  </dgm:styleLbl>
+  <dgm:styleLbl name="alignAccFollowNode1">
+    <dgm:scene3d>
+      <a:camera prst="orthographicFront"/>
+      <a:lightRig rig="threePt" dir="t"/>
+    </dgm:scene3d>
+    <dgm:sp3d/>
+    <dgm:txPr/>
+    <dgm:style>
+      <a:lnRef idx="2">
+        <a:scrgbClr r="0" g="0" b="0"/>
+      </a:lnRef>
+      <a:fillRef idx="1">
+        <a:scrgbClr r="0" g="0" b="0"/>
+      </a:fillRef>
+      <a:effectRef idx="0">
+        <a:scrgbClr r="0" g="0" b="0"/>
+      </a:effectRef>
+      <a:fontRef idx="minor"/>
+    </dgm:style>
+  </dgm:styleLbl>
+  <dgm:styleLbl name="bgAccFollowNode1">
+    <dgm:scene3d>
+      <a:camera prst="orthographicFront"/>
+      <a:lightRig rig="threePt" dir="t"/>
+    </dgm:scene3d>
+    <dgm:sp3d/>
+    <dgm:txPr/>
+    <dgm:style>
+      <a:lnRef idx="2">
+        <a:scrgbClr r="0" g="0" b="0"/>
+      </a:lnRef>
+      <a:fillRef idx="1">
+        <a:scrgbClr r="0" g="0" b="0"/>
+      </a:fillRef>
+      <a:effectRef idx="0">
+        <a:scrgbClr r="0" g="0" b="0"/>
+      </a:effectRef>
+      <a:fontRef idx="minor"/>
+    </dgm:style>
+  </dgm:styleLbl>
+  <dgm:styleLbl name="fgAcc0">
+    <dgm:scene3d>
+      <a:camera prst="orthographicFront"/>
+      <a:lightRig rig="threePt" dir="t"/>
+    </dgm:scene3d>
+    <dgm:sp3d/>
+    <dgm:txPr/>
+    <dgm:style>
+      <a:lnRef idx="2">
+        <a:scrgbClr r="0" g="0" b="0"/>
+      </a:lnRef>
+      <a:fillRef idx="1">
+        <a:scrgbClr r="0" g="0" b="0"/>
+      </a:fillRef>
+      <a:effectRef idx="0">
+        <a:scrgbClr r="0" g="0" b="0"/>
+      </a:effectRef>
+      <a:fontRef idx="minor"/>
+    </dgm:style>
+  </dgm:styleLbl>
+  <dgm:styleLbl name="fgAcc2">
+    <dgm:scene3d>
+      <a:camera prst="orthographicFront"/>
+      <a:lightRig rig="threePt" dir="t"/>
+    </dgm:scene3d>
+    <dgm:sp3d/>
+    <dgm:txPr/>
+    <dgm:style>
+      <a:lnRef idx="2">
+        <a:scrgbClr r="0" g="0" b="0"/>
+      </a:lnRef>
+      <a:fillRef idx="1">
+        <a:scrgbClr r="0" g="0" b="0"/>
+      </a:fillRef>
+      <a:effectRef idx="0">
+        <a:scrgbClr r="0" g="0" b="0"/>
+      </a:effectRef>
+      <a:fontRef idx="minor"/>
+    </dgm:style>
+  </dgm:styleLbl>
+  <dgm:styleLbl name="fgAcc3">
+    <dgm:scene3d>
+      <a:camera prst="orthographicFront"/>
+      <a:lightRig rig="threePt" dir="t"/>
+    </dgm:scene3d>
+    <dgm:sp3d/>
+    <dgm:txPr/>
+    <dgm:style>
+      <a:lnRef idx="2">
+        <a:scrgbClr r="0" g="0" b="0"/>
+      </a:lnRef>
+      <a:fillRef idx="1">
+        <a:scrgbClr r="0" g="0" b="0"/>
+      </a:fillRef>
+      <a:effectRef idx="0">
+        <a:scrgbClr r="0" g="0" b="0"/>
+      </a:effectRef>
+      <a:fontRef idx="minor"/>
+    </dgm:style>
+  </dgm:styleLbl>
+  <dgm:styleLbl name="fgAcc4">
+    <dgm:scene3d>
+      <a:camera prst="orthographicFront"/>
+      <a:lightRig rig="threePt" dir="t"/>
+    </dgm:scene3d>
+    <dgm:sp3d/>
+    <dgm:txPr/>
+    <dgm:style>
+      <a:lnRef idx="2">
+        <a:scrgbClr r="0" g="0" b="0"/>
+      </a:lnRef>
+      <a:fillRef idx="1">
+        <a:scrgbClr r="0" g="0" b="0"/>
+      </a:fillRef>
+      <a:effectRef idx="0">
+        <a:scrgbClr r="0" g="0" b="0"/>
+      </a:effectRef>
+      <a:fontRef idx="minor"/>
+    </dgm:style>
+  </dgm:styleLbl>
+  <dgm:styleLbl name="bgShp">
+    <dgm:scene3d>
+      <a:camera prst="orthographicFront"/>
+      <a:lightRig rig="threePt" dir="t"/>
+    </dgm:scene3d>
+    <dgm:sp3d/>
+    <dgm:txPr/>
+    <dgm:style>
+      <a:lnRef idx="0">
+        <a:scrgbClr r="0" g="0" b="0"/>
+      </a:lnRef>
+      <a:fillRef idx="1">
+        <a:scrgbClr r="0" g="0" b="0"/>
+      </a:fillRef>
+      <a:effectRef idx="0">
+        <a:scrgbClr r="0" g="0" b="0"/>
+      </a:effectRef>
+      <a:fontRef idx="minor"/>
+    </dgm:style>
+  </dgm:styleLbl>
+  <dgm:styleLbl name="dkBgShp">
+    <dgm:scene3d>
+      <a:camera prst="orthographicFront"/>
+      <a:lightRig rig="threePt" dir="t"/>
+    </dgm:scene3d>
+    <dgm:sp3d/>
+    <dgm:txPr/>
+    <dgm:style>
+      <a:lnRef idx="0">
+        <a:scrgbClr r="0" g="0" b="0"/>
+      </a:lnRef>
+      <a:fillRef idx="1">
+        <a:scrgbClr r="0" g="0" b="0"/>
+      </a:fillRef>
+      <a:effectRef idx="0">
+        <a:scrgbClr r="0" g="0" b="0"/>
+      </a:effectRef>
+      <a:fontRef idx="minor"/>
+    </dgm:style>
+  </dgm:styleLbl>
+  <dgm:styleLbl name="trBgShp">
+    <dgm:scene3d>
+      <a:camera prst="orthographicFront"/>
+      <a:lightRig rig="threePt" dir="t"/>
+    </dgm:scene3d>
+    <dgm:sp3d/>
+    <dgm:txPr/>
+    <dgm:style>
+      <a:lnRef idx="0">
+        <a:scrgbClr r="0" g="0" b="0"/>
+      </a:lnRef>
+      <a:fillRef idx="1">
+        <a:scrgbClr r="0" g="0" b="0"/>
+      </a:fillRef>
+      <a:effectRef idx="0">
+        <a:scrgbClr r="0" g="0" b="0"/>
+      </a:effectRef>
+      <a:fontRef idx="minor"/>
+    </dgm:style>
+  </dgm:styleLbl>
+  <dgm:styleLbl name="fgShp">
+    <dgm:scene3d>
+      <a:camera prst="orthographicFront"/>
+      <a:lightRig rig="threePt" dir="t"/>
+    </dgm:scene3d>
+    <dgm:sp3d/>
+    <dgm:txPr/>
+    <dgm:style>
+      <a:lnRef idx="2">
+        <a:scrgbClr r="0" g="0" b="0"/>
+      </a:lnRef>
+      <a:fillRef idx="1">
+        <a:scrgbClr r="0" g="0" b="0"/>
+      </a:fillRef>
+      <a:effectRef idx="0">
+        <a:scrgbClr r="0" g="0" b="0"/>
+      </a:effectRef>
+      <a:fontRef idx="minor"/>
+    </dgm:style>
+  </dgm:styleLbl>
+  <dgm:styleLbl name="revTx">
+    <dgm:scene3d>
+      <a:camera prst="orthographicFront"/>
+      <a:lightRig rig="threePt" dir="t"/>
+    </dgm:scene3d>
+    <dgm:sp3d/>
+    <dgm:txPr/>
+    <dgm:style>
+      <a:lnRef idx="0">
+        <a:scrgbClr r="0" g="0" b="0"/>
+      </a:lnRef>
+      <a:fillRef idx="0">
+        <a:scrgbClr r="0" g="0" b="0"/>
+      </a:fillRef>
+      <a:effectRef idx="0">
+        <a:scrgbClr r="0" g="0" b="0"/>
+      </a:effectRef>
+      <a:fontRef idx="minor"/>
+    </dgm:style>
+  </dgm:styleLbl>
+</dgm:styleDef>
+</file>
+
+<file path=ppt/diagrams/quickStyle4.xml><?xml version="1.0" encoding="utf-8"?>
 <dgm:styleDef xmlns:dgm="http://schemas.openxmlformats.org/drawingml/2006/diagram" xmlns:a="http://schemas.openxmlformats.org/drawingml/2006/main" uniqueId="urn:microsoft.com/office/officeart/2005/8/quickstyle/simple1">
   <dgm:title val=""/>
   <dgm:desc val=""/>
@@ -11032,7 +15878,7 @@
           <a:p>
             <a:fld id="{9F42EE44-86D2-47F2-9C37-987C905F93D9}" type="datetimeFigureOut">
               <a:rPr lang="zh-CN" altLang="en-US" smtClean="0"/>
-              <a:t>2021/2/22</a:t>
+              <a:t>2021/2/24</a:t>
             </a:fld>
             <a:endParaRPr lang="zh-CN" altLang="en-US"/>
           </a:p>
@@ -11384,6 +16230,90 @@
 </p:notes>
 </file>
 
+<file path=ppt/notesSlides/notesSlide2.xml><?xml version="1.0" encoding="utf-8"?>
+<p:notes xmlns:a="http://schemas.openxmlformats.org/drawingml/2006/main" xmlns:r="http://schemas.openxmlformats.org/officeDocument/2006/relationships" xmlns:p="http://schemas.openxmlformats.org/presentationml/2006/main">
+  <p:cSld>
+    <p:spTree>
+      <p:nvGrpSpPr>
+        <p:cNvPr id="1" name=""/>
+        <p:cNvGrpSpPr/>
+        <p:nvPr/>
+      </p:nvGrpSpPr>
+      <p:grpSpPr>
+        <a:xfrm>
+          <a:off x="0" y="0"/>
+          <a:ext cx="0" cy="0"/>
+          <a:chOff x="0" y="0"/>
+          <a:chExt cx="0" cy="0"/>
+        </a:xfrm>
+      </p:grpSpPr>
+      <p:sp>
+        <p:nvSpPr>
+          <p:cNvPr id="2" name="Slide Image Placeholder 1"/>
+          <p:cNvSpPr>
+            <a:spLocks noGrp="1" noRot="1" noChangeAspect="1"/>
+          </p:cNvSpPr>
+          <p:nvPr>
+            <p:ph type="sldImg"/>
+          </p:nvPr>
+        </p:nvSpPr>
+        <p:spPr/>
+      </p:sp>
+      <p:sp>
+        <p:nvSpPr>
+          <p:cNvPr id="3" name="Notes Placeholder 2"/>
+          <p:cNvSpPr>
+            <a:spLocks noGrp="1"/>
+          </p:cNvSpPr>
+          <p:nvPr>
+            <p:ph type="body" idx="1"/>
+          </p:nvPr>
+        </p:nvSpPr>
+        <p:spPr/>
+        <p:txBody>
+          <a:bodyPr/>
+          <a:lstStyle/>
+          <a:p>
+            <a:endParaRPr lang="zh-CN" altLang="en-US" dirty="0"/>
+          </a:p>
+        </p:txBody>
+      </p:sp>
+      <p:sp>
+        <p:nvSpPr>
+          <p:cNvPr id="4" name="Slide Number Placeholder 3"/>
+          <p:cNvSpPr>
+            <a:spLocks noGrp="1"/>
+          </p:cNvSpPr>
+          <p:nvPr>
+            <p:ph type="sldNum" sz="quarter" idx="5"/>
+          </p:nvPr>
+        </p:nvSpPr>
+        <p:spPr/>
+        <p:txBody>
+          <a:bodyPr/>
+          <a:lstStyle/>
+          <a:p>
+            <a:fld id="{B6696B2A-325C-4D01-83BE-6BF541CED433}" type="slidenum">
+              <a:rPr lang="zh-CN" altLang="en-US" smtClean="0"/>
+              <a:t>14</a:t>
+            </a:fld>
+            <a:endParaRPr lang="zh-CN" altLang="en-US"/>
+          </a:p>
+        </p:txBody>
+      </p:sp>
+    </p:spTree>
+    <p:extLst>
+      <p:ext uri="{BB962C8B-B14F-4D97-AF65-F5344CB8AC3E}">
+        <p14:creationId xmlns:p14="http://schemas.microsoft.com/office/powerpoint/2010/main" val="1525164948"/>
+      </p:ext>
+    </p:extLst>
+  </p:cSld>
+  <p:clrMapOvr>
+    <a:masterClrMapping/>
+  </p:clrMapOvr>
+</p:notes>
+</file>
+
 <file path=ppt/slideLayouts/slideLayout1.xml><?xml version="1.0" encoding="utf-8"?>
 <p:sldLayout xmlns:a="http://schemas.openxmlformats.org/drawingml/2006/main" xmlns:r="http://schemas.openxmlformats.org/officeDocument/2006/relationships" xmlns:p="http://schemas.openxmlformats.org/presentationml/2006/main" type="title" preserve="1">
   <p:cSld name="Title Slide">
@@ -11533,7 +16463,7 @@
           <a:p>
             <a:fld id="{403374F6-491B-4410-BF99-DF51E2A038AC}" type="datetimeFigureOut">
               <a:rPr lang="zh-CN" altLang="en-US" smtClean="0"/>
-              <a:t>2021/2/22</a:t>
+              <a:t>2021/2/24</a:t>
             </a:fld>
             <a:endParaRPr lang="zh-CN" altLang="en-US"/>
           </a:p>
@@ -11733,7 +16663,7 @@
           <a:p>
             <a:fld id="{403374F6-491B-4410-BF99-DF51E2A038AC}" type="datetimeFigureOut">
               <a:rPr lang="zh-CN" altLang="en-US" smtClean="0"/>
-              <a:t>2021/2/22</a:t>
+              <a:t>2021/2/24</a:t>
             </a:fld>
             <a:endParaRPr lang="zh-CN" altLang="en-US"/>
           </a:p>
@@ -11943,7 +16873,7 @@
           <a:p>
             <a:fld id="{403374F6-491B-4410-BF99-DF51E2A038AC}" type="datetimeFigureOut">
               <a:rPr lang="zh-CN" altLang="en-US" smtClean="0"/>
-              <a:t>2021/2/22</a:t>
+              <a:t>2021/2/24</a:t>
             </a:fld>
             <a:endParaRPr lang="zh-CN" altLang="en-US"/>
           </a:p>
@@ -12143,7 +17073,7 @@
           <a:p>
             <a:fld id="{403374F6-491B-4410-BF99-DF51E2A038AC}" type="datetimeFigureOut">
               <a:rPr lang="zh-CN" altLang="en-US" smtClean="0"/>
-              <a:t>2021/2/22</a:t>
+              <a:t>2021/2/24</a:t>
             </a:fld>
             <a:endParaRPr lang="zh-CN" altLang="en-US"/>
           </a:p>
@@ -12419,7 +17349,7 @@
           <a:p>
             <a:fld id="{403374F6-491B-4410-BF99-DF51E2A038AC}" type="datetimeFigureOut">
               <a:rPr lang="zh-CN" altLang="en-US" smtClean="0"/>
-              <a:t>2021/2/22</a:t>
+              <a:t>2021/2/24</a:t>
             </a:fld>
             <a:endParaRPr lang="zh-CN" altLang="en-US"/>
           </a:p>
@@ -12687,7 +17617,7 @@
           <a:p>
             <a:fld id="{403374F6-491B-4410-BF99-DF51E2A038AC}" type="datetimeFigureOut">
               <a:rPr lang="zh-CN" altLang="en-US" smtClean="0"/>
-              <a:t>2021/2/22</a:t>
+              <a:t>2021/2/24</a:t>
             </a:fld>
             <a:endParaRPr lang="zh-CN" altLang="en-US"/>
           </a:p>
@@ -13102,7 +18032,7 @@
           <a:p>
             <a:fld id="{403374F6-491B-4410-BF99-DF51E2A038AC}" type="datetimeFigureOut">
               <a:rPr lang="zh-CN" altLang="en-US" smtClean="0"/>
-              <a:t>2021/2/22</a:t>
+              <a:t>2021/2/24</a:t>
             </a:fld>
             <a:endParaRPr lang="zh-CN" altLang="en-US"/>
           </a:p>
@@ -13244,7 +18174,7 @@
           <a:p>
             <a:fld id="{403374F6-491B-4410-BF99-DF51E2A038AC}" type="datetimeFigureOut">
               <a:rPr lang="zh-CN" altLang="en-US" smtClean="0"/>
-              <a:t>2021/2/22</a:t>
+              <a:t>2021/2/24</a:t>
             </a:fld>
             <a:endParaRPr lang="zh-CN" altLang="en-US"/>
           </a:p>
@@ -13357,7 +18287,7 @@
           <a:p>
             <a:fld id="{403374F6-491B-4410-BF99-DF51E2A038AC}" type="datetimeFigureOut">
               <a:rPr lang="zh-CN" altLang="en-US" smtClean="0"/>
-              <a:t>2021/2/22</a:t>
+              <a:t>2021/2/24</a:t>
             </a:fld>
             <a:endParaRPr lang="zh-CN" altLang="en-US"/>
           </a:p>
@@ -13670,7 +18600,7 @@
           <a:p>
             <a:fld id="{403374F6-491B-4410-BF99-DF51E2A038AC}" type="datetimeFigureOut">
               <a:rPr lang="zh-CN" altLang="en-US" smtClean="0"/>
-              <a:t>2021/2/22</a:t>
+              <a:t>2021/2/24</a:t>
             </a:fld>
             <a:endParaRPr lang="zh-CN" altLang="en-US"/>
           </a:p>
@@ -13959,7 +18889,7 @@
           <a:p>
             <a:fld id="{403374F6-491B-4410-BF99-DF51E2A038AC}" type="datetimeFigureOut">
               <a:rPr lang="zh-CN" altLang="en-US" smtClean="0"/>
-              <a:t>2021/2/22</a:t>
+              <a:t>2021/2/24</a:t>
             </a:fld>
             <a:endParaRPr lang="zh-CN" altLang="en-US"/>
           </a:p>
@@ -14202,7 +19132,7 @@
           <a:p>
             <a:fld id="{403374F6-491B-4410-BF99-DF51E2A038AC}" type="datetimeFigureOut">
               <a:rPr lang="zh-CN" altLang="en-US" smtClean="0"/>
-              <a:t>2021/2/22</a:t>
+              <a:t>2021/2/24</a:t>
             </a:fld>
             <a:endParaRPr lang="zh-CN" altLang="en-US"/>
           </a:p>
@@ -14764,6 +19694,101 @@
           <p:cNvPr id="2" name="Title 1">
             <a:extLst>
               <a:ext uri="{FF2B5EF4-FFF2-40B4-BE49-F238E27FC236}">
+                <a16:creationId xmlns:a16="http://schemas.microsoft.com/office/drawing/2014/main" id="{29FE7380-CE55-43EC-9CD0-BC35CAC580F4}"/>
+              </a:ext>
+            </a:extLst>
+          </p:cNvPr>
+          <p:cNvSpPr>
+            <a:spLocks noGrp="1"/>
+          </p:cNvSpPr>
+          <p:nvPr>
+            <p:ph type="title"/>
+          </p:nvPr>
+        </p:nvSpPr>
+        <p:spPr/>
+        <p:txBody>
+          <a:bodyPr/>
+          <a:lstStyle/>
+          <a:p>
+            <a:endParaRPr lang="zh-CN" altLang="en-US"/>
+          </a:p>
+        </p:txBody>
+      </p:sp>
+      <p:sp>
+        <p:nvSpPr>
+          <p:cNvPr id="3" name="Content Placeholder 2">
+            <a:extLst>
+              <a:ext uri="{FF2B5EF4-FFF2-40B4-BE49-F238E27FC236}">
+                <a16:creationId xmlns:a16="http://schemas.microsoft.com/office/drawing/2014/main" id="{08A80802-CCE2-4FE5-AC94-EAAF64BE568D}"/>
+              </a:ext>
+            </a:extLst>
+          </p:cNvPr>
+          <p:cNvSpPr>
+            <a:spLocks noGrp="1"/>
+          </p:cNvSpPr>
+          <p:nvPr>
+            <p:ph idx="1"/>
+          </p:nvPr>
+        </p:nvSpPr>
+        <p:spPr/>
+        <p:txBody>
+          <a:bodyPr/>
+          <a:lstStyle/>
+          <a:p>
+            <a:r>
+              <a:rPr lang="en-US" altLang="zh-CN" dirty="0"/>
+              <a:t>Real detection </a:t>
+            </a:r>
+            <a:r>
+              <a:rPr lang="en-US" altLang="zh-CN" dirty="0" err="1"/>
+              <a:t>mzlist</a:t>
+            </a:r>
+            <a:endParaRPr lang="en-US" altLang="zh-CN" dirty="0"/>
+          </a:p>
+          <a:p>
+            <a:r>
+              <a:rPr lang="en-US" altLang="zh-CN" dirty="0"/>
+              <a:t>[101.1,101.2]</a:t>
+            </a:r>
+            <a:endParaRPr lang="zh-CN" altLang="en-US" dirty="0"/>
+          </a:p>
+        </p:txBody>
+      </p:sp>
+    </p:spTree>
+    <p:extLst>
+      <p:ext uri="{BB962C8B-B14F-4D97-AF65-F5344CB8AC3E}">
+        <p14:creationId xmlns:p14="http://schemas.microsoft.com/office/powerpoint/2010/main" val="2130024160"/>
+      </p:ext>
+    </p:extLst>
+  </p:cSld>
+  <p:clrMapOvr>
+    <a:masterClrMapping/>
+  </p:clrMapOvr>
+</p:sld>
+</file>
+
+<file path=ppt/slides/slide11.xml><?xml version="1.0" encoding="utf-8"?>
+<p:sld xmlns:a="http://schemas.openxmlformats.org/drawingml/2006/main" xmlns:r="http://schemas.openxmlformats.org/officeDocument/2006/relationships" xmlns:p="http://schemas.openxmlformats.org/presentationml/2006/main">
+  <p:cSld>
+    <p:spTree>
+      <p:nvGrpSpPr>
+        <p:cNvPr id="1" name=""/>
+        <p:cNvGrpSpPr/>
+        <p:nvPr/>
+      </p:nvGrpSpPr>
+      <p:grpSpPr>
+        <a:xfrm>
+          <a:off x="0" y="0"/>
+          <a:ext cx="0" cy="0"/>
+          <a:chOff x="0" y="0"/>
+          <a:chExt cx="0" cy="0"/>
+        </a:xfrm>
+      </p:grpSpPr>
+      <p:sp>
+        <p:nvSpPr>
+          <p:cNvPr id="2" name="Title 1">
+            <a:extLst>
+              <a:ext uri="{FF2B5EF4-FFF2-40B4-BE49-F238E27FC236}">
                 <a16:creationId xmlns:a16="http://schemas.microsoft.com/office/drawing/2014/main" id="{63D582C7-3082-4687-8C8E-7F290A7B3D43}"/>
               </a:ext>
             </a:extLst>
@@ -14861,7 +19886,7 @@
         </p:blipFill>
         <p:spPr>
           <a:xfrm>
-            <a:off x="4610911" y="3846957"/>
+            <a:off x="4526437" y="3911295"/>
             <a:ext cx="7581089" cy="2957541"/>
           </a:xfrm>
           <a:prstGeom prst="rect">
@@ -14986,7 +20011,7 @@
 </p:sld>
 </file>
 
-<file path=ppt/slides/slide11.xml><?xml version="1.0" encoding="utf-8"?>
+<file path=ppt/slides/slide12.xml><?xml version="1.0" encoding="utf-8"?>
 <p:sld xmlns:a="http://schemas.openxmlformats.org/drawingml/2006/main" xmlns:r="http://schemas.openxmlformats.org/officeDocument/2006/relationships" xmlns:p="http://schemas.openxmlformats.org/presentationml/2006/main">
   <p:cSld>
     <p:spTree>
@@ -15085,10 +20110,10 @@
       </p:pic>
       <p:pic>
         <p:nvPicPr>
-          <p:cNvPr id="7" name="Picture 6">
+          <p:cNvPr id="9" name="Picture 8">
             <a:extLst>
               <a:ext uri="{FF2B5EF4-FFF2-40B4-BE49-F238E27FC236}">
-                <a16:creationId xmlns:a16="http://schemas.microsoft.com/office/drawing/2014/main" id="{EC51FB25-6F56-4DB0-A397-FB0AB81AF07B}"/>
+                <a16:creationId xmlns:a16="http://schemas.microsoft.com/office/drawing/2014/main" id="{E90C6A98-FE22-4274-948F-0E383C93B8C8}"/>
               </a:ext>
             </a:extLst>
           </p:cNvPr>
@@ -15105,8 +20130,8 @@
         </p:blipFill>
         <p:spPr>
           <a:xfrm>
-            <a:off x="5836596" y="3535305"/>
-            <a:ext cx="6355404" cy="3406834"/>
+            <a:off x="4392000" y="3143714"/>
+            <a:ext cx="7800000" cy="3714286"/>
           </a:xfrm>
           <a:prstGeom prst="rect">
             <a:avLst/>
@@ -15117,6 +20142,430 @@
     <p:extLst>
       <p:ext uri="{BB962C8B-B14F-4D97-AF65-F5344CB8AC3E}">
         <p14:creationId xmlns:p14="http://schemas.microsoft.com/office/powerpoint/2010/main" val="1444235832"/>
+      </p:ext>
+    </p:extLst>
+  </p:cSld>
+  <p:clrMapOvr>
+    <a:masterClrMapping/>
+  </p:clrMapOvr>
+</p:sld>
+</file>
+
+<file path=ppt/slides/slide13.xml><?xml version="1.0" encoding="utf-8"?>
+<p:sld xmlns:a="http://schemas.openxmlformats.org/drawingml/2006/main" xmlns:r="http://schemas.openxmlformats.org/officeDocument/2006/relationships" xmlns:p="http://schemas.openxmlformats.org/presentationml/2006/main">
+  <p:cSld>
+    <p:spTree>
+      <p:nvGrpSpPr>
+        <p:cNvPr id="1" name=""/>
+        <p:cNvGrpSpPr/>
+        <p:nvPr/>
+      </p:nvGrpSpPr>
+      <p:grpSpPr>
+        <a:xfrm>
+          <a:off x="0" y="0"/>
+          <a:ext cx="0" cy="0"/>
+          <a:chOff x="0" y="0"/>
+          <a:chExt cx="0" cy="0"/>
+        </a:xfrm>
+      </p:grpSpPr>
+      <p:sp>
+        <p:nvSpPr>
+          <p:cNvPr id="2" name="Title 1">
+            <a:extLst>
+              <a:ext uri="{FF2B5EF4-FFF2-40B4-BE49-F238E27FC236}">
+                <a16:creationId xmlns:a16="http://schemas.microsoft.com/office/drawing/2014/main" id="{047CA6F2-C29D-43D7-824A-FF89AAE19BEF}"/>
+              </a:ext>
+            </a:extLst>
+          </p:cNvPr>
+          <p:cNvSpPr>
+            <a:spLocks noGrp="1"/>
+          </p:cNvSpPr>
+          <p:nvPr>
+            <p:ph type="title"/>
+          </p:nvPr>
+        </p:nvSpPr>
+        <p:spPr/>
+        <p:txBody>
+          <a:bodyPr/>
+          <a:lstStyle/>
+          <a:p>
+            <a:endParaRPr lang="zh-CN" altLang="en-US"/>
+          </a:p>
+        </p:txBody>
+      </p:sp>
+      <p:sp>
+        <p:nvSpPr>
+          <p:cNvPr id="3" name="Content Placeholder 2">
+            <a:extLst>
+              <a:ext uri="{FF2B5EF4-FFF2-40B4-BE49-F238E27FC236}">
+                <a16:creationId xmlns:a16="http://schemas.microsoft.com/office/drawing/2014/main" id="{44D497A1-18EA-43E8-B37C-1CE33F946372}"/>
+              </a:ext>
+            </a:extLst>
+          </p:cNvPr>
+          <p:cNvSpPr>
+            <a:spLocks noGrp="1"/>
+          </p:cNvSpPr>
+          <p:nvPr>
+            <p:ph idx="1"/>
+          </p:nvPr>
+        </p:nvSpPr>
+        <p:spPr/>
+        <p:txBody>
+          <a:bodyPr/>
+          <a:lstStyle/>
+          <a:p>
+            <a:endParaRPr lang="zh-CN" altLang="en-US"/>
+          </a:p>
+        </p:txBody>
+      </p:sp>
+      <p:pic>
+        <p:nvPicPr>
+          <p:cNvPr id="7" name="Picture 6">
+            <a:extLst>
+              <a:ext uri="{FF2B5EF4-FFF2-40B4-BE49-F238E27FC236}">
+                <a16:creationId xmlns:a16="http://schemas.microsoft.com/office/drawing/2014/main" id="{FBEACCE8-AE4C-4083-9056-390C9CDC7CE2}"/>
+              </a:ext>
+            </a:extLst>
+          </p:cNvPr>
+          <p:cNvPicPr>
+            <a:picLocks noChangeAspect="1"/>
+          </p:cNvPicPr>
+          <p:nvPr/>
+        </p:nvPicPr>
+        <p:blipFill>
+          <a:blip r:embed="rId2"/>
+          <a:stretch>
+            <a:fillRect/>
+          </a:stretch>
+        </p:blipFill>
+        <p:spPr>
+          <a:xfrm>
+            <a:off x="0" y="0"/>
+            <a:ext cx="7923809" cy="4952381"/>
+          </a:xfrm>
+          <a:prstGeom prst="rect">
+            <a:avLst/>
+          </a:prstGeom>
+        </p:spPr>
+      </p:pic>
+      <p:pic>
+        <p:nvPicPr>
+          <p:cNvPr id="5" name="Picture 4">
+            <a:extLst>
+              <a:ext uri="{FF2B5EF4-FFF2-40B4-BE49-F238E27FC236}">
+                <a16:creationId xmlns:a16="http://schemas.microsoft.com/office/drawing/2014/main" id="{1D5883D4-B1E2-4664-8C4B-F3ED0354B324}"/>
+              </a:ext>
+            </a:extLst>
+          </p:cNvPr>
+          <p:cNvPicPr>
+            <a:picLocks noChangeAspect="1"/>
+          </p:cNvPicPr>
+          <p:nvPr/>
+        </p:nvPicPr>
+        <p:blipFill>
+          <a:blip r:embed="rId3"/>
+          <a:stretch>
+            <a:fillRect/>
+          </a:stretch>
+        </p:blipFill>
+        <p:spPr>
+          <a:xfrm>
+            <a:off x="4563429" y="2282212"/>
+            <a:ext cx="7628571" cy="4495238"/>
+          </a:xfrm>
+          <a:prstGeom prst="rect">
+            <a:avLst/>
+          </a:prstGeom>
+        </p:spPr>
+      </p:pic>
+      <p:pic>
+        <p:nvPicPr>
+          <p:cNvPr id="9" name="Picture 8">
+            <a:extLst>
+              <a:ext uri="{FF2B5EF4-FFF2-40B4-BE49-F238E27FC236}">
+                <a16:creationId xmlns:a16="http://schemas.microsoft.com/office/drawing/2014/main" id="{D180DF8A-E001-463D-B633-B266D6E50F1D}"/>
+              </a:ext>
+            </a:extLst>
+          </p:cNvPr>
+          <p:cNvPicPr>
+            <a:picLocks noChangeAspect="1"/>
+          </p:cNvPicPr>
+          <p:nvPr/>
+        </p:nvPicPr>
+        <p:blipFill>
+          <a:blip r:embed="rId4"/>
+          <a:stretch>
+            <a:fillRect/>
+          </a:stretch>
+        </p:blipFill>
+        <p:spPr>
+          <a:xfrm>
+            <a:off x="2267428" y="1295666"/>
+            <a:ext cx="7657143" cy="4266667"/>
+          </a:xfrm>
+          <a:prstGeom prst="rect">
+            <a:avLst/>
+          </a:prstGeom>
+        </p:spPr>
+      </p:pic>
+      <p:pic>
+        <p:nvPicPr>
+          <p:cNvPr id="11" name="Picture 10">
+            <a:extLst>
+              <a:ext uri="{FF2B5EF4-FFF2-40B4-BE49-F238E27FC236}">
+                <a16:creationId xmlns:a16="http://schemas.microsoft.com/office/drawing/2014/main" id="{EFE49570-3CCB-432E-9BE4-62935015142C}"/>
+              </a:ext>
+            </a:extLst>
+          </p:cNvPr>
+          <p:cNvPicPr>
+            <a:picLocks noChangeAspect="1"/>
+          </p:cNvPicPr>
+          <p:nvPr/>
+        </p:nvPicPr>
+        <p:blipFill>
+          <a:blip r:embed="rId5"/>
+          <a:stretch>
+            <a:fillRect/>
+          </a:stretch>
+        </p:blipFill>
+        <p:spPr>
+          <a:xfrm>
+            <a:off x="2805524" y="2362333"/>
+            <a:ext cx="6580952" cy="2133333"/>
+          </a:xfrm>
+          <a:prstGeom prst="rect">
+            <a:avLst/>
+          </a:prstGeom>
+        </p:spPr>
+      </p:pic>
+    </p:spTree>
+    <p:extLst>
+      <p:ext uri="{BB962C8B-B14F-4D97-AF65-F5344CB8AC3E}">
+        <p14:creationId xmlns:p14="http://schemas.microsoft.com/office/powerpoint/2010/main" val="1864494433"/>
+      </p:ext>
+    </p:extLst>
+  </p:cSld>
+  <p:clrMapOvr>
+    <a:masterClrMapping/>
+  </p:clrMapOvr>
+</p:sld>
+</file>
+
+<file path=ppt/slides/slide14.xml><?xml version="1.0" encoding="utf-8"?>
+<p:sld xmlns:a="http://schemas.openxmlformats.org/drawingml/2006/main" xmlns:r="http://schemas.openxmlformats.org/officeDocument/2006/relationships" xmlns:p="http://schemas.openxmlformats.org/presentationml/2006/main">
+  <p:cSld>
+    <p:spTree>
+      <p:nvGrpSpPr>
+        <p:cNvPr id="1" name=""/>
+        <p:cNvGrpSpPr/>
+        <p:nvPr/>
+      </p:nvGrpSpPr>
+      <p:grpSpPr>
+        <a:xfrm>
+          <a:off x="0" y="0"/>
+          <a:ext cx="0" cy="0"/>
+          <a:chOff x="0" y="0"/>
+          <a:chExt cx="0" cy="0"/>
+        </a:xfrm>
+      </p:grpSpPr>
+      <p:graphicFrame>
+        <p:nvGraphicFramePr>
+          <p:cNvPr id="4" name="Content Placeholder 3">
+            <a:extLst>
+              <a:ext uri="{FF2B5EF4-FFF2-40B4-BE49-F238E27FC236}">
+                <a16:creationId xmlns:a16="http://schemas.microsoft.com/office/drawing/2014/main" id="{A6768D06-010D-465E-AFA2-D873E277C6E4}"/>
+              </a:ext>
+            </a:extLst>
+          </p:cNvPr>
+          <p:cNvGraphicFramePr>
+            <a:graphicFrameLocks noGrp="1"/>
+          </p:cNvGraphicFramePr>
+          <p:nvPr>
+            <p:ph idx="1"/>
+            <p:extLst>
+              <p:ext uri="{D42A27DB-BD31-4B8C-83A1-F6EECF244321}">
+                <p14:modId xmlns:p14="http://schemas.microsoft.com/office/powerpoint/2010/main" val="784221140"/>
+              </p:ext>
+            </p:extLst>
+          </p:nvPr>
+        </p:nvGraphicFramePr>
+        <p:xfrm>
+          <a:off x="-1447800" y="-74645"/>
+          <a:ext cx="10515600" cy="6858000"/>
+        </p:xfrm>
+        <a:graphic>
+          <a:graphicData uri="http://schemas.openxmlformats.org/drawingml/2006/diagram">
+            <dgm:relIds xmlns:dgm="http://schemas.openxmlformats.org/drawingml/2006/diagram" xmlns:r="http://schemas.openxmlformats.org/officeDocument/2006/relationships" r:dm="rId3" r:lo="rId4" r:qs="rId5" r:cs="rId6"/>
+          </a:graphicData>
+        </a:graphic>
+      </p:graphicFrame>
+      <p:pic>
+        <p:nvPicPr>
+          <p:cNvPr id="6" name="Picture 5">
+            <a:extLst>
+              <a:ext uri="{FF2B5EF4-FFF2-40B4-BE49-F238E27FC236}">
+                <a16:creationId xmlns:a16="http://schemas.microsoft.com/office/drawing/2014/main" id="{1043498E-CC8A-4F90-BAC0-250BD6B5F258}"/>
+              </a:ext>
+            </a:extLst>
+          </p:cNvPr>
+          <p:cNvPicPr>
+            <a:picLocks noChangeAspect="1"/>
+          </p:cNvPicPr>
+          <p:nvPr/>
+        </p:nvPicPr>
+        <p:blipFill rotWithShape="1">
+          <a:blip r:embed="rId8"/>
+          <a:srcRect l="17770"/>
+          <a:stretch/>
+        </p:blipFill>
+        <p:spPr>
+          <a:xfrm>
+            <a:off x="5772539" y="5469305"/>
+            <a:ext cx="5004318" cy="1180952"/>
+          </a:xfrm>
+          <a:prstGeom prst="rect">
+            <a:avLst/>
+          </a:prstGeom>
+        </p:spPr>
+      </p:pic>
+      <p:pic>
+        <p:nvPicPr>
+          <p:cNvPr id="8" name="Picture 7">
+            <a:extLst>
+              <a:ext uri="{FF2B5EF4-FFF2-40B4-BE49-F238E27FC236}">
+                <a16:creationId xmlns:a16="http://schemas.microsoft.com/office/drawing/2014/main" id="{C8DCC6EF-3E57-4970-B14E-DAF66B105206}"/>
+              </a:ext>
+            </a:extLst>
+          </p:cNvPr>
+          <p:cNvPicPr>
+            <a:picLocks noChangeAspect="1"/>
+          </p:cNvPicPr>
+          <p:nvPr/>
+        </p:nvPicPr>
+        <p:blipFill rotWithShape="1">
+          <a:blip r:embed="rId9"/>
+          <a:srcRect l="13447"/>
+          <a:stretch/>
+        </p:blipFill>
+        <p:spPr>
+          <a:xfrm>
+            <a:off x="4851919" y="3603103"/>
+            <a:ext cx="6396734" cy="923810"/>
+          </a:xfrm>
+          <a:prstGeom prst="rect">
+            <a:avLst/>
+          </a:prstGeom>
+        </p:spPr>
+      </p:pic>
+      <p:sp>
+        <p:nvSpPr>
+          <p:cNvPr id="2" name="TextBox 1">
+            <a:extLst>
+              <a:ext uri="{FF2B5EF4-FFF2-40B4-BE49-F238E27FC236}">
+                <a16:creationId xmlns:a16="http://schemas.microsoft.com/office/drawing/2014/main" id="{B1FA71B9-8184-4887-962F-A89FFA1F9F8F}"/>
+              </a:ext>
+            </a:extLst>
+          </p:cNvPr>
+          <p:cNvSpPr txBox="1"/>
+          <p:nvPr/>
+        </p:nvSpPr>
+        <p:spPr>
+          <a:xfrm>
+            <a:off x="7403977" y="103497"/>
+            <a:ext cx="4261282" cy="923330"/>
+          </a:xfrm>
+          <a:prstGeom prst="rect">
+            <a:avLst/>
+          </a:prstGeom>
+          <a:noFill/>
+        </p:spPr>
+        <p:txBody>
+          <a:bodyPr wrap="square" rtlCol="0">
+            <a:spAutoFit/>
+          </a:bodyPr>
+          <a:lstStyle/>
+          <a:p>
+            <a:r>
+              <a:rPr lang="en-US" altLang="zh-CN" dirty="0"/>
+              <a:t>100</a:t>
+            </a:r>
+          </a:p>
+          <a:p>
+            <a:r>
+              <a:rPr lang="en-US" altLang="zh-CN"/>
+              <a:t>100*(1+1e-6*100)</a:t>
+            </a:r>
+          </a:p>
+          <a:p>
+            <a:endParaRPr lang="zh-CN" altLang="en-US" dirty="0"/>
+          </a:p>
+        </p:txBody>
+      </p:sp>
+      <p:sp>
+        <p:nvSpPr>
+          <p:cNvPr id="3" name="TextBox 2">
+            <a:extLst>
+              <a:ext uri="{FF2B5EF4-FFF2-40B4-BE49-F238E27FC236}">
+                <a16:creationId xmlns:a16="http://schemas.microsoft.com/office/drawing/2014/main" id="{E7B4DC81-97B0-4CA4-B6D1-78A2EFDAFCA0}"/>
+              </a:ext>
+            </a:extLst>
+          </p:cNvPr>
+          <p:cNvSpPr txBox="1"/>
+          <p:nvPr/>
+        </p:nvSpPr>
+        <p:spPr>
+          <a:xfrm>
+            <a:off x="92845" y="380496"/>
+            <a:ext cx="1970843" cy="2031325"/>
+          </a:xfrm>
+          <a:prstGeom prst="rect">
+            <a:avLst/>
+          </a:prstGeom>
+          <a:noFill/>
+        </p:spPr>
+        <p:txBody>
+          <a:bodyPr wrap="square" rtlCol="0">
+            <a:spAutoFit/>
+          </a:bodyPr>
+          <a:lstStyle/>
+          <a:p>
+            <a:r>
+              <a:rPr lang="en-US" altLang="zh-CN" dirty="0">
+                <a:solidFill>
+                  <a:srgbClr val="FF0000"/>
+                </a:solidFill>
+              </a:rPr>
+              <a:t>Note: how to process RT only for one time and use in all the functions?</a:t>
+            </a:r>
+          </a:p>
+          <a:p>
+            <a:endParaRPr lang="en-US" altLang="zh-CN" dirty="0">
+              <a:solidFill>
+                <a:srgbClr val="FF0000"/>
+              </a:solidFill>
+            </a:endParaRPr>
+          </a:p>
+          <a:p>
+            <a:r>
+              <a:rPr lang="en-US" altLang="zh-CN" dirty="0">
+                <a:solidFill>
+                  <a:srgbClr val="FF0000"/>
+                </a:solidFill>
+              </a:rPr>
+              <a:t>Class?</a:t>
+            </a:r>
+            <a:endParaRPr lang="zh-CN" altLang="en-US" dirty="0">
+              <a:solidFill>
+                <a:srgbClr val="FF0000"/>
+              </a:solidFill>
+            </a:endParaRPr>
+          </a:p>
+        </p:txBody>
+      </p:sp>
+    </p:spTree>
+    <p:extLst>
+      <p:ext uri="{BB962C8B-B14F-4D97-AF65-F5344CB8AC3E}">
+        <p14:creationId xmlns:p14="http://schemas.microsoft.com/office/powerpoint/2010/main" val="1483251866"/>
       </p:ext>
     </p:extLst>
   </p:cSld>
@@ -16119,6 +21568,42 @@
           </a:p>
         </p:txBody>
       </p:sp>
+      <p:sp>
+        <p:nvSpPr>
+          <p:cNvPr id="3" name="TextBox 2">
+            <a:extLst>
+              <a:ext uri="{FF2B5EF4-FFF2-40B4-BE49-F238E27FC236}">
+                <a16:creationId xmlns:a16="http://schemas.microsoft.com/office/drawing/2014/main" id="{E7B4DC81-97B0-4CA4-B6D1-78A2EFDAFCA0}"/>
+              </a:ext>
+            </a:extLst>
+          </p:cNvPr>
+          <p:cNvSpPr txBox="1"/>
+          <p:nvPr/>
+        </p:nvSpPr>
+        <p:spPr>
+          <a:xfrm>
+            <a:off x="266330" y="355107"/>
+            <a:ext cx="1970843" cy="369332"/>
+          </a:xfrm>
+          <a:prstGeom prst="rect">
+            <a:avLst/>
+          </a:prstGeom>
+          <a:noFill/>
+        </p:spPr>
+        <p:txBody>
+          <a:bodyPr wrap="square" rtlCol="0">
+            <a:spAutoFit/>
+          </a:bodyPr>
+          <a:lstStyle/>
+          <a:p>
+            <a:r>
+              <a:rPr lang="en-US" altLang="zh-CN" dirty="0"/>
+              <a:t>25%~40%</a:t>
+            </a:r>
+            <a:endParaRPr lang="zh-CN" altLang="en-US" dirty="0"/>
+          </a:p>
+        </p:txBody>
+      </p:sp>
     </p:spTree>
     <p:extLst>
       <p:ext uri="{BB962C8B-B14F-4D97-AF65-F5344CB8AC3E}">

--- a/doc/CR-20210202.pptx
+++ b/doc/CR-20210202.pptx
@@ -5,7 +5,7 @@
     <p:sldMasterId id="2147483648" r:id="rId1"/>
   </p:sldMasterIdLst>
   <p:notesMasterIdLst>
-    <p:notesMasterId r:id="rId16"/>
+    <p:notesMasterId r:id="rId20"/>
   </p:notesMasterIdLst>
   <p:sldIdLst>
     <p:sldId id="257" r:id="rId2"/>
@@ -22,6 +22,10 @@
     <p:sldId id="267" r:id="rId13"/>
     <p:sldId id="269" r:id="rId14"/>
     <p:sldId id="270" r:id="rId15"/>
+    <p:sldId id="271" r:id="rId16"/>
+    <p:sldId id="272" r:id="rId17"/>
+    <p:sldId id="273" r:id="rId18"/>
+    <p:sldId id="274" r:id="rId19"/>
   </p:sldIdLst>
   <p:sldSz cx="12192000" cy="6858000"/>
   <p:notesSz cx="6858000" cy="9144000"/>
@@ -15878,7 +15882,7 @@
           <a:p>
             <a:fld id="{9F42EE44-86D2-47F2-9C37-987C905F93D9}" type="datetimeFigureOut">
               <a:rPr lang="zh-CN" altLang="en-US" smtClean="0"/>
-              <a:t>2021/2/24</a:t>
+              <a:t>2021/3/2</a:t>
             </a:fld>
             <a:endParaRPr lang="zh-CN" altLang="en-US"/>
           </a:p>
@@ -16463,7 +16467,7 @@
           <a:p>
             <a:fld id="{403374F6-491B-4410-BF99-DF51E2A038AC}" type="datetimeFigureOut">
               <a:rPr lang="zh-CN" altLang="en-US" smtClean="0"/>
-              <a:t>2021/2/24</a:t>
+              <a:t>2021/3/2</a:t>
             </a:fld>
             <a:endParaRPr lang="zh-CN" altLang="en-US"/>
           </a:p>
@@ -16663,7 +16667,7 @@
           <a:p>
             <a:fld id="{403374F6-491B-4410-BF99-DF51E2A038AC}" type="datetimeFigureOut">
               <a:rPr lang="zh-CN" altLang="en-US" smtClean="0"/>
-              <a:t>2021/2/24</a:t>
+              <a:t>2021/3/2</a:t>
             </a:fld>
             <a:endParaRPr lang="zh-CN" altLang="en-US"/>
           </a:p>
@@ -16873,7 +16877,7 @@
           <a:p>
             <a:fld id="{403374F6-491B-4410-BF99-DF51E2A038AC}" type="datetimeFigureOut">
               <a:rPr lang="zh-CN" altLang="en-US" smtClean="0"/>
-              <a:t>2021/2/24</a:t>
+              <a:t>2021/3/2</a:t>
             </a:fld>
             <a:endParaRPr lang="zh-CN" altLang="en-US"/>
           </a:p>
@@ -17073,7 +17077,7 @@
           <a:p>
             <a:fld id="{403374F6-491B-4410-BF99-DF51E2A038AC}" type="datetimeFigureOut">
               <a:rPr lang="zh-CN" altLang="en-US" smtClean="0"/>
-              <a:t>2021/2/24</a:t>
+              <a:t>2021/3/2</a:t>
             </a:fld>
             <a:endParaRPr lang="zh-CN" altLang="en-US"/>
           </a:p>
@@ -17349,7 +17353,7 @@
           <a:p>
             <a:fld id="{403374F6-491B-4410-BF99-DF51E2A038AC}" type="datetimeFigureOut">
               <a:rPr lang="zh-CN" altLang="en-US" smtClean="0"/>
-              <a:t>2021/2/24</a:t>
+              <a:t>2021/3/2</a:t>
             </a:fld>
             <a:endParaRPr lang="zh-CN" altLang="en-US"/>
           </a:p>
@@ -17617,7 +17621,7 @@
           <a:p>
             <a:fld id="{403374F6-491B-4410-BF99-DF51E2A038AC}" type="datetimeFigureOut">
               <a:rPr lang="zh-CN" altLang="en-US" smtClean="0"/>
-              <a:t>2021/2/24</a:t>
+              <a:t>2021/3/2</a:t>
             </a:fld>
             <a:endParaRPr lang="zh-CN" altLang="en-US"/>
           </a:p>
@@ -18032,7 +18036,7 @@
           <a:p>
             <a:fld id="{403374F6-491B-4410-BF99-DF51E2A038AC}" type="datetimeFigureOut">
               <a:rPr lang="zh-CN" altLang="en-US" smtClean="0"/>
-              <a:t>2021/2/24</a:t>
+              <a:t>2021/3/2</a:t>
             </a:fld>
             <a:endParaRPr lang="zh-CN" altLang="en-US"/>
           </a:p>
@@ -18174,7 +18178,7 @@
           <a:p>
             <a:fld id="{403374F6-491B-4410-BF99-DF51E2A038AC}" type="datetimeFigureOut">
               <a:rPr lang="zh-CN" altLang="en-US" smtClean="0"/>
-              <a:t>2021/2/24</a:t>
+              <a:t>2021/3/2</a:t>
             </a:fld>
             <a:endParaRPr lang="zh-CN" altLang="en-US"/>
           </a:p>
@@ -18287,7 +18291,7 @@
           <a:p>
             <a:fld id="{403374F6-491B-4410-BF99-DF51E2A038AC}" type="datetimeFigureOut">
               <a:rPr lang="zh-CN" altLang="en-US" smtClean="0"/>
-              <a:t>2021/2/24</a:t>
+              <a:t>2021/3/2</a:t>
             </a:fld>
             <a:endParaRPr lang="zh-CN" altLang="en-US"/>
           </a:p>
@@ -18600,7 +18604,7 @@
           <a:p>
             <a:fld id="{403374F6-491B-4410-BF99-DF51E2A038AC}" type="datetimeFigureOut">
               <a:rPr lang="zh-CN" altLang="en-US" smtClean="0"/>
-              <a:t>2021/2/24</a:t>
+              <a:t>2021/3/2</a:t>
             </a:fld>
             <a:endParaRPr lang="zh-CN" altLang="en-US"/>
           </a:p>
@@ -18889,7 +18893,7 @@
           <a:p>
             <a:fld id="{403374F6-491B-4410-BF99-DF51E2A038AC}" type="datetimeFigureOut">
               <a:rPr lang="zh-CN" altLang="en-US" smtClean="0"/>
-              <a:t>2021/2/24</a:t>
+              <a:t>2021/3/2</a:t>
             </a:fld>
             <a:endParaRPr lang="zh-CN" altLang="en-US"/>
           </a:p>
@@ -19132,7 +19136,7 @@
           <a:p>
             <a:fld id="{403374F6-491B-4410-BF99-DF51E2A038AC}" type="datetimeFigureOut">
               <a:rPr lang="zh-CN" altLang="en-US" smtClean="0"/>
-              <a:t>2021/2/24</a:t>
+              <a:t>2021/3/2</a:t>
             </a:fld>
             <a:endParaRPr lang="zh-CN" altLang="en-US"/>
           </a:p>
@@ -20566,6 +20570,930 @@
     <p:extLst>
       <p:ext uri="{BB962C8B-B14F-4D97-AF65-F5344CB8AC3E}">
         <p14:creationId xmlns:p14="http://schemas.microsoft.com/office/powerpoint/2010/main" val="1483251866"/>
+      </p:ext>
+    </p:extLst>
+  </p:cSld>
+  <p:clrMapOvr>
+    <a:masterClrMapping/>
+  </p:clrMapOvr>
+</p:sld>
+</file>
+
+<file path=ppt/slides/slide15.xml><?xml version="1.0" encoding="utf-8"?>
+<p:sld xmlns:a="http://schemas.openxmlformats.org/drawingml/2006/main" xmlns:r="http://schemas.openxmlformats.org/officeDocument/2006/relationships" xmlns:p="http://schemas.openxmlformats.org/presentationml/2006/main">
+  <p:cSld>
+    <p:spTree>
+      <p:nvGrpSpPr>
+        <p:cNvPr id="1" name=""/>
+        <p:cNvGrpSpPr/>
+        <p:nvPr/>
+      </p:nvGrpSpPr>
+      <p:grpSpPr>
+        <a:xfrm>
+          <a:off x="0" y="0"/>
+          <a:ext cx="0" cy="0"/>
+          <a:chOff x="0" y="0"/>
+          <a:chExt cx="0" cy="0"/>
+        </a:xfrm>
+      </p:grpSpPr>
+      <p:sp>
+        <p:nvSpPr>
+          <p:cNvPr id="2" name="Title 1">
+            <a:extLst>
+              <a:ext uri="{FF2B5EF4-FFF2-40B4-BE49-F238E27FC236}">
+                <a16:creationId xmlns:a16="http://schemas.microsoft.com/office/drawing/2014/main" id="{FA89919A-8456-4C4E-8BA5-3FC1C6DA42DD}"/>
+              </a:ext>
+            </a:extLst>
+          </p:cNvPr>
+          <p:cNvSpPr>
+            <a:spLocks noGrp="1"/>
+          </p:cNvSpPr>
+          <p:nvPr>
+            <p:ph type="title"/>
+          </p:nvPr>
+        </p:nvSpPr>
+        <p:spPr/>
+        <p:txBody>
+          <a:bodyPr/>
+          <a:lstStyle/>
+          <a:p>
+            <a:r>
+              <a:rPr lang="en-US" dirty="0"/>
+              <a:t>Dummy data</a:t>
+            </a:r>
+          </a:p>
+        </p:txBody>
+      </p:sp>
+      <p:sp>
+        <p:nvSpPr>
+          <p:cNvPr id="3" name="Content Placeholder 2">
+            <a:extLst>
+              <a:ext uri="{FF2B5EF4-FFF2-40B4-BE49-F238E27FC236}">
+                <a16:creationId xmlns:a16="http://schemas.microsoft.com/office/drawing/2014/main" id="{9E4F042D-4CDF-48FC-8DB0-51D8C2301F34}"/>
+              </a:ext>
+            </a:extLst>
+          </p:cNvPr>
+          <p:cNvSpPr>
+            <a:spLocks noGrp="1"/>
+          </p:cNvSpPr>
+          <p:nvPr>
+            <p:ph idx="1"/>
+          </p:nvPr>
+        </p:nvSpPr>
+        <p:spPr>
+          <a:xfrm>
+            <a:off x="838200" y="1858282"/>
+            <a:ext cx="4332514" cy="4351338"/>
+          </a:xfrm>
+        </p:spPr>
+        <p:txBody>
+          <a:bodyPr>
+            <a:normAutofit fontScale="92500" lnSpcReduction="20000"/>
+          </a:bodyPr>
+          <a:lstStyle/>
+          <a:p>
+            <a:r>
+              <a:rPr lang="en-US" dirty="0"/>
+              <a:t>Follow the previous dataset distribution</a:t>
+            </a:r>
+          </a:p>
+          <a:p>
+            <a:r>
+              <a:rPr lang="en-US" dirty="0"/>
+              <a:t>Covers simple matrix (ozonation experiment dilution) and complex matrix(field samples)</a:t>
+            </a:r>
+          </a:p>
+          <a:p>
+            <a:r>
+              <a:rPr lang="en-US" dirty="0"/>
+              <a:t>Dummy source: random 200 </a:t>
+            </a:r>
+            <a:r>
+              <a:rPr lang="en-US" dirty="0" err="1"/>
+              <a:t>fea</a:t>
+            </a:r>
+            <a:endParaRPr lang="en-US" dirty="0"/>
+          </a:p>
+          <a:p>
+            <a:r>
+              <a:rPr lang="en-US" dirty="0"/>
+              <a:t>Dummy background: random 10000 </a:t>
+            </a:r>
+            <a:r>
+              <a:rPr lang="en-US" dirty="0" err="1"/>
+              <a:t>mz</a:t>
+            </a:r>
+            <a:r>
+              <a:rPr lang="en-US" dirty="0"/>
+              <a:t>/rt pairs </a:t>
+            </a:r>
+          </a:p>
+          <a:p>
+            <a:r>
+              <a:rPr lang="en-US" dirty="0"/>
+              <a:t>So far, only up to 2D (intensity didn’t included)</a:t>
+            </a:r>
+          </a:p>
+        </p:txBody>
+      </p:sp>
+      <p:pic>
+        <p:nvPicPr>
+          <p:cNvPr id="1026" name="Picture 2">
+            <a:extLst>
+              <a:ext uri="{FF2B5EF4-FFF2-40B4-BE49-F238E27FC236}">
+                <a16:creationId xmlns:a16="http://schemas.microsoft.com/office/drawing/2014/main" id="{BE1A370D-8CEC-44FE-940E-9DA056217C51}"/>
+              </a:ext>
+            </a:extLst>
+          </p:cNvPr>
+          <p:cNvPicPr>
+            <a:picLocks noChangeAspect="1" noChangeArrowheads="1"/>
+          </p:cNvPicPr>
+          <p:nvPr/>
+        </p:nvPicPr>
+        <p:blipFill>
+          <a:blip r:embed="rId2">
+            <a:extLst>
+              <a:ext uri="{28A0092B-C50C-407E-A947-70E740481C1C}">
+                <a14:useLocalDpi xmlns:a14="http://schemas.microsoft.com/office/drawing/2010/main" val="0"/>
+              </a:ext>
+            </a:extLst>
+          </a:blip>
+          <a:srcRect/>
+          <a:stretch>
+            <a:fillRect/>
+          </a:stretch>
+        </p:blipFill>
+        <p:spPr bwMode="auto">
+          <a:xfrm>
+            <a:off x="5057775" y="219755"/>
+            <a:ext cx="3600450" cy="2362200"/>
+          </a:xfrm>
+          <a:prstGeom prst="rect">
+            <a:avLst/>
+          </a:prstGeom>
+          <a:noFill/>
+          <a:extLst>
+            <a:ext uri="{909E8E84-426E-40DD-AFC4-6F175D3DCCD1}">
+              <a14:hiddenFill xmlns:a14="http://schemas.microsoft.com/office/drawing/2010/main">
+                <a:solidFill>
+                  <a:srgbClr val="FFFFFF"/>
+                </a:solidFill>
+              </a14:hiddenFill>
+            </a:ext>
+          </a:extLst>
+        </p:spPr>
+      </p:pic>
+      <p:pic>
+        <p:nvPicPr>
+          <p:cNvPr id="1028" name="Picture 4">
+            <a:extLst>
+              <a:ext uri="{FF2B5EF4-FFF2-40B4-BE49-F238E27FC236}">
+                <a16:creationId xmlns:a16="http://schemas.microsoft.com/office/drawing/2014/main" id="{3AE8B4BD-637A-425A-BEE5-361277F0808C}"/>
+              </a:ext>
+            </a:extLst>
+          </p:cNvPr>
+          <p:cNvPicPr>
+            <a:picLocks noChangeAspect="1" noChangeArrowheads="1"/>
+          </p:cNvPicPr>
+          <p:nvPr/>
+        </p:nvPicPr>
+        <p:blipFill>
+          <a:blip r:embed="rId3">
+            <a:extLst>
+              <a:ext uri="{28A0092B-C50C-407E-A947-70E740481C1C}">
+                <a14:useLocalDpi xmlns:a14="http://schemas.microsoft.com/office/drawing/2010/main" val="0"/>
+              </a:ext>
+            </a:extLst>
+          </a:blip>
+          <a:srcRect/>
+          <a:stretch>
+            <a:fillRect/>
+          </a:stretch>
+        </p:blipFill>
+        <p:spPr bwMode="auto">
+          <a:xfrm>
+            <a:off x="8780690" y="134030"/>
+            <a:ext cx="3714750" cy="2533650"/>
+          </a:xfrm>
+          <a:prstGeom prst="rect">
+            <a:avLst/>
+          </a:prstGeom>
+          <a:noFill/>
+          <a:extLst>
+            <a:ext uri="{909E8E84-426E-40DD-AFC4-6F175D3DCCD1}">
+              <a14:hiddenFill xmlns:a14="http://schemas.microsoft.com/office/drawing/2010/main">
+                <a:solidFill>
+                  <a:srgbClr val="FFFFFF"/>
+                </a:solidFill>
+              </a14:hiddenFill>
+            </a:ext>
+          </a:extLst>
+        </p:spPr>
+      </p:pic>
+      <p:pic>
+        <p:nvPicPr>
+          <p:cNvPr id="5" name="Picture 4" descr="Text&#10;&#10;Description automatically generated">
+            <a:extLst>
+              <a:ext uri="{FF2B5EF4-FFF2-40B4-BE49-F238E27FC236}">
+                <a16:creationId xmlns:a16="http://schemas.microsoft.com/office/drawing/2014/main" id="{4E6E8C05-3532-4450-8804-1670538D0426}"/>
+              </a:ext>
+            </a:extLst>
+          </p:cNvPr>
+          <p:cNvPicPr>
+            <a:picLocks noChangeAspect="1"/>
+          </p:cNvPicPr>
+          <p:nvPr/>
+        </p:nvPicPr>
+        <p:blipFill>
+          <a:blip r:embed="rId4">
+            <a:extLst>
+              <a:ext uri="{28A0092B-C50C-407E-A947-70E740481C1C}">
+                <a14:useLocalDpi xmlns:a14="http://schemas.microsoft.com/office/drawing/2010/main" val="0"/>
+              </a:ext>
+            </a:extLst>
+          </a:blip>
+          <a:stretch>
+            <a:fillRect/>
+          </a:stretch>
+        </p:blipFill>
+        <p:spPr>
+          <a:xfrm>
+            <a:off x="6666820" y="2581955"/>
+            <a:ext cx="4105275" cy="4038600"/>
+          </a:xfrm>
+          <a:prstGeom prst="rect">
+            <a:avLst/>
+          </a:prstGeom>
+        </p:spPr>
+      </p:pic>
+    </p:spTree>
+    <p:extLst>
+      <p:ext uri="{BB962C8B-B14F-4D97-AF65-F5344CB8AC3E}">
+        <p14:creationId xmlns:p14="http://schemas.microsoft.com/office/powerpoint/2010/main" val="1748285377"/>
+      </p:ext>
+    </p:extLst>
+  </p:cSld>
+  <p:clrMapOvr>
+    <a:masterClrMapping/>
+  </p:clrMapOvr>
+</p:sld>
+</file>
+
+<file path=ppt/slides/slide16.xml><?xml version="1.0" encoding="utf-8"?>
+<p:sld xmlns:a="http://schemas.openxmlformats.org/drawingml/2006/main" xmlns:r="http://schemas.openxmlformats.org/officeDocument/2006/relationships" xmlns:p="http://schemas.openxmlformats.org/presentationml/2006/main">
+  <p:cSld>
+    <p:spTree>
+      <p:nvGrpSpPr>
+        <p:cNvPr id="1" name=""/>
+        <p:cNvGrpSpPr/>
+        <p:nvPr/>
+      </p:nvGrpSpPr>
+      <p:grpSpPr>
+        <a:xfrm>
+          <a:off x="0" y="0"/>
+          <a:ext cx="0" cy="0"/>
+          <a:chOff x="0" y="0"/>
+          <a:chExt cx="0" cy="0"/>
+        </a:xfrm>
+      </p:grpSpPr>
+      <p:sp>
+        <p:nvSpPr>
+          <p:cNvPr id="2" name="Title 1">
+            <a:extLst>
+              <a:ext uri="{FF2B5EF4-FFF2-40B4-BE49-F238E27FC236}">
+                <a16:creationId xmlns:a16="http://schemas.microsoft.com/office/drawing/2014/main" id="{89E25988-4FBD-4BCE-8145-92C6CED86115}"/>
+              </a:ext>
+            </a:extLst>
+          </p:cNvPr>
+          <p:cNvSpPr>
+            <a:spLocks noGrp="1"/>
+          </p:cNvSpPr>
+          <p:nvPr>
+            <p:ph type="title"/>
+          </p:nvPr>
+        </p:nvSpPr>
+        <p:spPr/>
+        <p:txBody>
+          <a:bodyPr/>
+          <a:lstStyle/>
+          <a:p>
+            <a:r>
+              <a:rPr lang="en-US" dirty="0"/>
+              <a:t>Source identification strategy</a:t>
+            </a:r>
+          </a:p>
+        </p:txBody>
+      </p:sp>
+      <p:sp>
+        <p:nvSpPr>
+          <p:cNvPr id="3" name="Content Placeholder 2">
+            <a:extLst>
+              <a:ext uri="{FF2B5EF4-FFF2-40B4-BE49-F238E27FC236}">
+                <a16:creationId xmlns:a16="http://schemas.microsoft.com/office/drawing/2014/main" id="{43B3D171-1D2D-4B02-B4AA-561F7D3825F5}"/>
+              </a:ext>
+            </a:extLst>
+          </p:cNvPr>
+          <p:cNvSpPr>
+            <a:spLocks noGrp="1"/>
+          </p:cNvSpPr>
+          <p:nvPr>
+            <p:ph idx="1"/>
+          </p:nvPr>
+        </p:nvSpPr>
+        <p:spPr>
+          <a:xfrm>
+            <a:off x="210128" y="1825625"/>
+            <a:ext cx="8026173" cy="4351338"/>
+          </a:xfrm>
+        </p:spPr>
+        <p:txBody>
+          <a:bodyPr/>
+          <a:lstStyle/>
+          <a:p>
+            <a:r>
+              <a:rPr lang="en-US" dirty="0"/>
+              <a:t>Based only on </a:t>
+            </a:r>
+            <a:r>
+              <a:rPr lang="en-US" dirty="0" err="1"/>
+              <a:t>mz</a:t>
+            </a:r>
+            <a:r>
+              <a:rPr lang="en-US" dirty="0"/>
+              <a:t>/rt pair</a:t>
+            </a:r>
+          </a:p>
+          <a:p>
+            <a:pPr lvl="1"/>
+            <a:r>
+              <a:rPr lang="en-US" dirty="0"/>
+              <a:t>From data</a:t>
+            </a:r>
+          </a:p>
+          <a:p>
+            <a:pPr marL="1371600" lvl="2" indent="-457200">
+              <a:buFont typeface="+mj-lt"/>
+              <a:buAutoNum type="arabicPeriod"/>
+            </a:pPr>
+            <a:r>
+              <a:rPr lang="en-US" dirty="0"/>
+              <a:t>Pick up fingerprint features (clustering, regression)</a:t>
+            </a:r>
+          </a:p>
+          <a:p>
+            <a:pPr marL="1371600" lvl="2" indent="-457200">
+              <a:buFont typeface="+mj-lt"/>
+              <a:buAutoNum type="arabicPeriod"/>
+            </a:pPr>
+            <a:r>
+              <a:rPr lang="en-US" dirty="0"/>
+              <a:t>Alignment between fingerprint and field samples</a:t>
+            </a:r>
+          </a:p>
+          <a:p>
+            <a:pPr marL="1371600" lvl="2" indent="-457200">
+              <a:buFont typeface="+mj-lt"/>
+              <a:buAutoNum type="arabicPeriod"/>
+            </a:pPr>
+            <a:r>
+              <a:rPr lang="en-US" dirty="0"/>
+              <a:t>Assess a match score (cos similarity/</a:t>
+            </a:r>
+            <a:r>
+              <a:rPr lang="en-US" dirty="0" err="1"/>
+              <a:t>msdial</a:t>
+            </a:r>
+            <a:r>
+              <a:rPr lang="en-US" dirty="0"/>
+              <a:t> algorithm) and coverage</a:t>
+            </a:r>
+          </a:p>
+          <a:p>
+            <a:pPr marL="1371600" lvl="2" indent="-457200">
+              <a:buFont typeface="+mj-lt"/>
+              <a:buAutoNum type="arabicPeriod"/>
+            </a:pPr>
+            <a:r>
+              <a:rPr lang="en-US" dirty="0"/>
+              <a:t>If score/coverage lower than threshold, check for the shift</a:t>
+            </a:r>
+          </a:p>
+          <a:p>
+            <a:pPr marL="1371600" lvl="2" indent="-457200">
+              <a:buFont typeface="+mj-lt"/>
+              <a:buAutoNum type="arabicPeriod"/>
+            </a:pPr>
+            <a:r>
+              <a:rPr lang="en-US" dirty="0"/>
+              <a:t>Use relative position to reinforce the confidence</a:t>
+            </a:r>
+          </a:p>
+          <a:p>
+            <a:pPr marL="1371600" lvl="2" indent="-457200">
+              <a:buFont typeface="+mj-lt"/>
+              <a:buAutoNum type="arabicPeriod"/>
+            </a:pPr>
+            <a:endParaRPr lang="en-US" dirty="0"/>
+          </a:p>
+          <a:p>
+            <a:pPr lvl="1"/>
+            <a:r>
+              <a:rPr lang="en-US" dirty="0"/>
+              <a:t>From graph</a:t>
+            </a:r>
+          </a:p>
+          <a:p>
+            <a:pPr lvl="2"/>
+            <a:r>
+              <a:rPr lang="en-US" dirty="0"/>
+              <a:t>Undirected network?</a:t>
+            </a:r>
+          </a:p>
+          <a:p>
+            <a:pPr lvl="2"/>
+            <a:r>
+              <a:rPr lang="en-US" dirty="0"/>
+              <a:t>Pattern match?</a:t>
+            </a:r>
+          </a:p>
+        </p:txBody>
+      </p:sp>
+      <p:pic>
+        <p:nvPicPr>
+          <p:cNvPr id="2050" name="Picture 2">
+            <a:extLst>
+              <a:ext uri="{FF2B5EF4-FFF2-40B4-BE49-F238E27FC236}">
+                <a16:creationId xmlns:a16="http://schemas.microsoft.com/office/drawing/2014/main" id="{A2CB6021-F0AD-4FE0-8933-02533C0F588C}"/>
+              </a:ext>
+            </a:extLst>
+          </p:cNvPr>
+          <p:cNvPicPr>
+            <a:picLocks noChangeAspect="1" noChangeArrowheads="1"/>
+          </p:cNvPicPr>
+          <p:nvPr/>
+        </p:nvPicPr>
+        <p:blipFill>
+          <a:blip r:embed="rId2">
+            <a:extLst>
+              <a:ext uri="{28A0092B-C50C-407E-A947-70E740481C1C}">
+                <a14:useLocalDpi xmlns:a14="http://schemas.microsoft.com/office/drawing/2010/main" val="0"/>
+              </a:ext>
+            </a:extLst>
+          </a:blip>
+          <a:srcRect/>
+          <a:stretch>
+            <a:fillRect/>
+          </a:stretch>
+        </p:blipFill>
+        <p:spPr bwMode="auto">
+          <a:xfrm>
+            <a:off x="8701242" y="59871"/>
+            <a:ext cx="3345944" cy="2177937"/>
+          </a:xfrm>
+          <a:prstGeom prst="rect">
+            <a:avLst/>
+          </a:prstGeom>
+          <a:noFill/>
+          <a:extLst>
+            <a:ext uri="{909E8E84-426E-40DD-AFC4-6F175D3DCCD1}">
+              <a14:hiddenFill xmlns:a14="http://schemas.microsoft.com/office/drawing/2010/main">
+                <a:solidFill>
+                  <a:srgbClr val="FFFFFF"/>
+                </a:solidFill>
+              </a14:hiddenFill>
+            </a:ext>
+          </a:extLst>
+        </p:spPr>
+      </p:pic>
+      <p:pic>
+        <p:nvPicPr>
+          <p:cNvPr id="2052" name="Picture 4">
+            <a:extLst>
+              <a:ext uri="{FF2B5EF4-FFF2-40B4-BE49-F238E27FC236}">
+                <a16:creationId xmlns:a16="http://schemas.microsoft.com/office/drawing/2014/main" id="{E13BCA6E-7DA4-4DAC-8640-983DE3D9B9ED}"/>
+              </a:ext>
+            </a:extLst>
+          </p:cNvPr>
+          <p:cNvPicPr>
+            <a:picLocks noChangeAspect="1" noChangeArrowheads="1"/>
+          </p:cNvPicPr>
+          <p:nvPr/>
+        </p:nvPicPr>
+        <p:blipFill>
+          <a:blip r:embed="rId3">
+            <a:extLst>
+              <a:ext uri="{28A0092B-C50C-407E-A947-70E740481C1C}">
+                <a14:useLocalDpi xmlns:a14="http://schemas.microsoft.com/office/drawing/2010/main" val="0"/>
+              </a:ext>
+            </a:extLst>
+          </a:blip>
+          <a:srcRect/>
+          <a:stretch>
+            <a:fillRect/>
+          </a:stretch>
+        </p:blipFill>
+        <p:spPr bwMode="auto">
+          <a:xfrm>
+            <a:off x="8701242" y="2242854"/>
+            <a:ext cx="3345944" cy="2177937"/>
+          </a:xfrm>
+          <a:prstGeom prst="rect">
+            <a:avLst/>
+          </a:prstGeom>
+          <a:noFill/>
+          <a:extLst>
+            <a:ext uri="{909E8E84-426E-40DD-AFC4-6F175D3DCCD1}">
+              <a14:hiddenFill xmlns:a14="http://schemas.microsoft.com/office/drawing/2010/main">
+                <a:solidFill>
+                  <a:srgbClr val="FFFFFF"/>
+                </a:solidFill>
+              </a14:hiddenFill>
+            </a:ext>
+          </a:extLst>
+        </p:spPr>
+      </p:pic>
+      <p:pic>
+        <p:nvPicPr>
+          <p:cNvPr id="2054" name="Picture 6">
+            <a:extLst>
+              <a:ext uri="{FF2B5EF4-FFF2-40B4-BE49-F238E27FC236}">
+                <a16:creationId xmlns:a16="http://schemas.microsoft.com/office/drawing/2014/main" id="{771E3DD3-8FE6-448E-AD45-AA980B455AFF}"/>
+              </a:ext>
+            </a:extLst>
+          </p:cNvPr>
+          <p:cNvPicPr>
+            <a:picLocks noChangeAspect="1" noChangeArrowheads="1"/>
+          </p:cNvPicPr>
+          <p:nvPr/>
+        </p:nvPicPr>
+        <p:blipFill>
+          <a:blip r:embed="rId4">
+            <a:extLst>
+              <a:ext uri="{28A0092B-C50C-407E-A947-70E740481C1C}">
+                <a14:useLocalDpi xmlns:a14="http://schemas.microsoft.com/office/drawing/2010/main" val="0"/>
+              </a:ext>
+            </a:extLst>
+          </a:blip>
+          <a:srcRect/>
+          <a:stretch>
+            <a:fillRect/>
+          </a:stretch>
+        </p:blipFill>
+        <p:spPr bwMode="auto">
+          <a:xfrm>
+            <a:off x="8701242" y="4425837"/>
+            <a:ext cx="3345944" cy="2177937"/>
+          </a:xfrm>
+          <a:prstGeom prst="rect">
+            <a:avLst/>
+          </a:prstGeom>
+          <a:noFill/>
+          <a:extLst>
+            <a:ext uri="{909E8E84-426E-40DD-AFC4-6F175D3DCCD1}">
+              <a14:hiddenFill xmlns:a14="http://schemas.microsoft.com/office/drawing/2010/main">
+                <a:solidFill>
+                  <a:srgbClr val="FFFFFF"/>
+                </a:solidFill>
+              </a14:hiddenFill>
+            </a:ext>
+          </a:extLst>
+        </p:spPr>
+      </p:pic>
+    </p:spTree>
+    <p:extLst>
+      <p:ext uri="{BB962C8B-B14F-4D97-AF65-F5344CB8AC3E}">
+        <p14:creationId xmlns:p14="http://schemas.microsoft.com/office/powerpoint/2010/main" val="1817084467"/>
+      </p:ext>
+    </p:extLst>
+  </p:cSld>
+  <p:clrMapOvr>
+    <a:masterClrMapping/>
+  </p:clrMapOvr>
+</p:sld>
+</file>
+
+<file path=ppt/slides/slide17.xml><?xml version="1.0" encoding="utf-8"?>
+<p:sld xmlns:a="http://schemas.openxmlformats.org/drawingml/2006/main" xmlns:r="http://schemas.openxmlformats.org/officeDocument/2006/relationships" xmlns:p="http://schemas.openxmlformats.org/presentationml/2006/main">
+  <p:cSld>
+    <p:spTree>
+      <p:nvGrpSpPr>
+        <p:cNvPr id="1" name=""/>
+        <p:cNvGrpSpPr/>
+        <p:nvPr/>
+      </p:nvGrpSpPr>
+      <p:grpSpPr>
+        <a:xfrm>
+          <a:off x="0" y="0"/>
+          <a:ext cx="0" cy="0"/>
+          <a:chOff x="0" y="0"/>
+          <a:chExt cx="0" cy="0"/>
+        </a:xfrm>
+      </p:grpSpPr>
+      <p:sp>
+        <p:nvSpPr>
+          <p:cNvPr id="2" name="Title 1">
+            <a:extLst>
+              <a:ext uri="{FF2B5EF4-FFF2-40B4-BE49-F238E27FC236}">
+                <a16:creationId xmlns:a16="http://schemas.microsoft.com/office/drawing/2014/main" id="{755168B1-8406-4EBA-AC61-C0DBCDE448DD}"/>
+              </a:ext>
+            </a:extLst>
+          </p:cNvPr>
+          <p:cNvSpPr>
+            <a:spLocks noGrp="1"/>
+          </p:cNvSpPr>
+          <p:nvPr>
+            <p:ph type="title"/>
+          </p:nvPr>
+        </p:nvSpPr>
+        <p:spPr/>
+        <p:txBody>
+          <a:bodyPr/>
+          <a:lstStyle/>
+          <a:p>
+            <a:r>
+              <a:rPr lang="en-US" dirty="0"/>
+              <a:t>Third dimension -- intensity</a:t>
+            </a:r>
+          </a:p>
+        </p:txBody>
+      </p:sp>
+      <p:sp>
+        <p:nvSpPr>
+          <p:cNvPr id="3" name="Content Placeholder 2">
+            <a:extLst>
+              <a:ext uri="{FF2B5EF4-FFF2-40B4-BE49-F238E27FC236}">
+                <a16:creationId xmlns:a16="http://schemas.microsoft.com/office/drawing/2014/main" id="{17CBABC5-1A34-4201-8BE1-E65CA2E3D4B2}"/>
+              </a:ext>
+            </a:extLst>
+          </p:cNvPr>
+          <p:cNvSpPr>
+            <a:spLocks noGrp="1"/>
+          </p:cNvSpPr>
+          <p:nvPr>
+            <p:ph idx="1"/>
+          </p:nvPr>
+        </p:nvSpPr>
+        <p:spPr>
+          <a:xfrm>
+            <a:off x="598714" y="1690688"/>
+            <a:ext cx="10515600" cy="4351338"/>
+          </a:xfrm>
+        </p:spPr>
+        <p:txBody>
+          <a:bodyPr>
+            <a:normAutofit lnSpcReduction="10000"/>
+          </a:bodyPr>
+          <a:lstStyle/>
+          <a:p>
+            <a:r>
+              <a:rPr lang="en-US" dirty="0"/>
+              <a:t>How to generate dummy data? – generating random number from 2D distribution</a:t>
+            </a:r>
+          </a:p>
+          <a:p>
+            <a:pPr lvl="1"/>
+            <a:r>
+              <a:rPr lang="en-US" dirty="0"/>
+              <a:t>Uncertainty from real sample turbulence</a:t>
+            </a:r>
+          </a:p>
+          <a:p>
+            <a:pPr lvl="1"/>
+            <a:r>
+              <a:rPr lang="en-US" dirty="0"/>
+              <a:t>How to use intensity assess the identification (k2_samp?) </a:t>
+            </a:r>
+          </a:p>
+          <a:p>
+            <a:endParaRPr lang="en-US" dirty="0"/>
+          </a:p>
+          <a:p>
+            <a:r>
+              <a:rPr lang="en-US" dirty="0"/>
+              <a:t>Assist identification</a:t>
+            </a:r>
+          </a:p>
+          <a:p>
+            <a:r>
+              <a:rPr lang="en-US" dirty="0"/>
+              <a:t>Quantification</a:t>
+            </a:r>
+          </a:p>
+          <a:p>
+            <a:pPr lvl="1"/>
+            <a:r>
+              <a:rPr lang="en-US" dirty="0"/>
+              <a:t>Need a way to establish LOD for the source</a:t>
+            </a:r>
+          </a:p>
+          <a:p>
+            <a:endParaRPr lang="en-US" dirty="0"/>
+          </a:p>
+          <a:p>
+            <a:r>
+              <a:rPr lang="en-US" dirty="0" err="1"/>
+              <a:t>Realdata</a:t>
+            </a:r>
+            <a:r>
+              <a:rPr lang="en-US" dirty="0"/>
+              <a:t> in hand</a:t>
+            </a:r>
+          </a:p>
+          <a:p>
+            <a:endParaRPr lang="en-US" dirty="0"/>
+          </a:p>
+        </p:txBody>
+      </p:sp>
+      <p:pic>
+        <p:nvPicPr>
+          <p:cNvPr id="3074" name="Picture 2">
+            <a:extLst>
+              <a:ext uri="{FF2B5EF4-FFF2-40B4-BE49-F238E27FC236}">
+                <a16:creationId xmlns:a16="http://schemas.microsoft.com/office/drawing/2014/main" id="{36DED586-0B77-44F5-AAF8-A4F52E961EF2}"/>
+              </a:ext>
+            </a:extLst>
+          </p:cNvPr>
+          <p:cNvPicPr>
+            <a:picLocks noChangeAspect="1" noChangeArrowheads="1"/>
+          </p:cNvPicPr>
+          <p:nvPr/>
+        </p:nvPicPr>
+        <p:blipFill>
+          <a:blip r:embed="rId2">
+            <a:extLst>
+              <a:ext uri="{28A0092B-C50C-407E-A947-70E740481C1C}">
+                <a14:useLocalDpi xmlns:a14="http://schemas.microsoft.com/office/drawing/2010/main" val="0"/>
+              </a:ext>
+            </a:extLst>
+          </a:blip>
+          <a:srcRect/>
+          <a:stretch>
+            <a:fillRect/>
+          </a:stretch>
+        </p:blipFill>
+        <p:spPr bwMode="auto">
+          <a:xfrm>
+            <a:off x="8620125" y="4484914"/>
+            <a:ext cx="3571875" cy="2362200"/>
+          </a:xfrm>
+          <a:prstGeom prst="rect">
+            <a:avLst/>
+          </a:prstGeom>
+          <a:noFill/>
+          <a:extLst>
+            <a:ext uri="{909E8E84-426E-40DD-AFC4-6F175D3DCCD1}">
+              <a14:hiddenFill xmlns:a14="http://schemas.microsoft.com/office/drawing/2010/main">
+                <a:solidFill>
+                  <a:srgbClr val="FFFFFF"/>
+                </a:solidFill>
+              </a14:hiddenFill>
+            </a:ext>
+          </a:extLst>
+        </p:spPr>
+      </p:pic>
+      <p:pic>
+        <p:nvPicPr>
+          <p:cNvPr id="3076" name="Picture 4">
+            <a:extLst>
+              <a:ext uri="{FF2B5EF4-FFF2-40B4-BE49-F238E27FC236}">
+                <a16:creationId xmlns:a16="http://schemas.microsoft.com/office/drawing/2014/main" id="{7B3B6B71-DA3E-49F3-AFB7-3AB4E58F0542}"/>
+              </a:ext>
+            </a:extLst>
+          </p:cNvPr>
+          <p:cNvPicPr>
+            <a:picLocks noChangeAspect="1" noChangeArrowheads="1"/>
+          </p:cNvPicPr>
+          <p:nvPr/>
+        </p:nvPicPr>
+        <p:blipFill>
+          <a:blip r:embed="rId3">
+            <a:extLst>
+              <a:ext uri="{28A0092B-C50C-407E-A947-70E740481C1C}">
+                <a14:useLocalDpi xmlns:a14="http://schemas.microsoft.com/office/drawing/2010/main" val="0"/>
+              </a:ext>
+            </a:extLst>
+          </a:blip>
+          <a:srcRect/>
+          <a:stretch>
+            <a:fillRect/>
+          </a:stretch>
+        </p:blipFill>
+        <p:spPr bwMode="auto">
+          <a:xfrm>
+            <a:off x="8620125" y="2122714"/>
+            <a:ext cx="3571875" cy="2362200"/>
+          </a:xfrm>
+          <a:prstGeom prst="rect">
+            <a:avLst/>
+          </a:prstGeom>
+          <a:noFill/>
+          <a:extLst>
+            <a:ext uri="{909E8E84-426E-40DD-AFC4-6F175D3DCCD1}">
+              <a14:hiddenFill xmlns:a14="http://schemas.microsoft.com/office/drawing/2010/main">
+                <a:solidFill>
+                  <a:srgbClr val="FFFFFF"/>
+                </a:solidFill>
+              </a14:hiddenFill>
+            </a:ext>
+          </a:extLst>
+        </p:spPr>
+      </p:pic>
+    </p:spTree>
+    <p:extLst>
+      <p:ext uri="{BB962C8B-B14F-4D97-AF65-F5344CB8AC3E}">
+        <p14:creationId xmlns:p14="http://schemas.microsoft.com/office/powerpoint/2010/main" val="4140516577"/>
+      </p:ext>
+    </p:extLst>
+  </p:cSld>
+  <p:clrMapOvr>
+    <a:masterClrMapping/>
+  </p:clrMapOvr>
+</p:sld>
+</file>
+
+<file path=ppt/slides/slide18.xml><?xml version="1.0" encoding="utf-8"?>
+<p:sld xmlns:a="http://schemas.openxmlformats.org/drawingml/2006/main" xmlns:r="http://schemas.openxmlformats.org/officeDocument/2006/relationships" xmlns:p="http://schemas.openxmlformats.org/presentationml/2006/main">
+  <p:cSld>
+    <p:spTree>
+      <p:nvGrpSpPr>
+        <p:cNvPr id="1" name=""/>
+        <p:cNvGrpSpPr/>
+        <p:nvPr/>
+      </p:nvGrpSpPr>
+      <p:grpSpPr>
+        <a:xfrm>
+          <a:off x="0" y="0"/>
+          <a:ext cx="0" cy="0"/>
+          <a:chOff x="0" y="0"/>
+          <a:chExt cx="0" cy="0"/>
+        </a:xfrm>
+      </p:grpSpPr>
+      <p:sp>
+        <p:nvSpPr>
+          <p:cNvPr id="2" name="Title 1">
+            <a:extLst>
+              <a:ext uri="{FF2B5EF4-FFF2-40B4-BE49-F238E27FC236}">
+                <a16:creationId xmlns:a16="http://schemas.microsoft.com/office/drawing/2014/main" id="{B8901887-FDC0-4F49-B7A2-69599EAD55C0}"/>
+              </a:ext>
+            </a:extLst>
+          </p:cNvPr>
+          <p:cNvSpPr>
+            <a:spLocks noGrp="1"/>
+          </p:cNvSpPr>
+          <p:nvPr>
+            <p:ph type="title"/>
+          </p:nvPr>
+        </p:nvSpPr>
+        <p:spPr/>
+        <p:txBody>
+          <a:bodyPr/>
+          <a:lstStyle/>
+          <a:p>
+            <a:r>
+              <a:rPr lang="en-US" dirty="0"/>
+              <a:t>Multiple sources</a:t>
+            </a:r>
+          </a:p>
+        </p:txBody>
+      </p:sp>
+      <p:sp>
+        <p:nvSpPr>
+          <p:cNvPr id="3" name="Content Placeholder 2">
+            <a:extLst>
+              <a:ext uri="{FF2B5EF4-FFF2-40B4-BE49-F238E27FC236}">
+                <a16:creationId xmlns:a16="http://schemas.microsoft.com/office/drawing/2014/main" id="{9BCE16D8-AAD8-4B95-B003-AD019C5DB0E3}"/>
+              </a:ext>
+            </a:extLst>
+          </p:cNvPr>
+          <p:cNvSpPr>
+            <a:spLocks noGrp="1"/>
+          </p:cNvSpPr>
+          <p:nvPr>
+            <p:ph idx="1"/>
+          </p:nvPr>
+        </p:nvSpPr>
+        <p:spPr/>
+        <p:txBody>
+          <a:bodyPr/>
+          <a:lstStyle/>
+          <a:p>
+            <a:r>
+              <a:rPr lang="en-US" dirty="0"/>
+              <a:t>Treat as separate single source problem, then do a Venn diagram</a:t>
+            </a:r>
+          </a:p>
+          <a:p>
+            <a:r>
+              <a:rPr lang="en-US" dirty="0"/>
+              <a:t>Quantification strategy awaiting </a:t>
+            </a:r>
+          </a:p>
+        </p:txBody>
+      </p:sp>
+    </p:spTree>
+    <p:extLst>
+      <p:ext uri="{BB962C8B-B14F-4D97-AF65-F5344CB8AC3E}">
+        <p14:creationId xmlns:p14="http://schemas.microsoft.com/office/powerpoint/2010/main" val="40162409"/>
       </p:ext>
     </p:extLst>
   </p:cSld>

--- a/doc/CR-20210202.pptx
+++ b/doc/CR-20210202.pptx
@@ -5,7 +5,7 @@
     <p:sldMasterId id="2147483648" r:id="rId1"/>
   </p:sldMasterIdLst>
   <p:notesMasterIdLst>
-    <p:notesMasterId r:id="rId20"/>
+    <p:notesMasterId r:id="rId21"/>
   </p:notesMasterIdLst>
   <p:sldIdLst>
     <p:sldId id="257" r:id="rId2"/>
@@ -24,8 +24,9 @@
     <p:sldId id="270" r:id="rId15"/>
     <p:sldId id="271" r:id="rId16"/>
     <p:sldId id="272" r:id="rId17"/>
-    <p:sldId id="273" r:id="rId18"/>
-    <p:sldId id="274" r:id="rId19"/>
+    <p:sldId id="275" r:id="rId18"/>
+    <p:sldId id="273" r:id="rId19"/>
+    <p:sldId id="274" r:id="rId20"/>
   </p:sldIdLst>
   <p:sldSz cx="12192000" cy="6858000"/>
   <p:notesSz cx="6858000" cy="9144000"/>
@@ -15882,7 +15883,7 @@
           <a:p>
             <a:fld id="{9F42EE44-86D2-47F2-9C37-987C905F93D9}" type="datetimeFigureOut">
               <a:rPr lang="zh-CN" altLang="en-US" smtClean="0"/>
-              <a:t>2021/3/2</a:t>
+              <a:t>2021/3/3</a:t>
             </a:fld>
             <a:endParaRPr lang="zh-CN" altLang="en-US"/>
           </a:p>
@@ -16467,7 +16468,7 @@
           <a:p>
             <a:fld id="{403374F6-491B-4410-BF99-DF51E2A038AC}" type="datetimeFigureOut">
               <a:rPr lang="zh-CN" altLang="en-US" smtClean="0"/>
-              <a:t>2021/3/2</a:t>
+              <a:t>2021/3/3</a:t>
             </a:fld>
             <a:endParaRPr lang="zh-CN" altLang="en-US"/>
           </a:p>
@@ -16667,7 +16668,7 @@
           <a:p>
             <a:fld id="{403374F6-491B-4410-BF99-DF51E2A038AC}" type="datetimeFigureOut">
               <a:rPr lang="zh-CN" altLang="en-US" smtClean="0"/>
-              <a:t>2021/3/2</a:t>
+              <a:t>2021/3/3</a:t>
             </a:fld>
             <a:endParaRPr lang="zh-CN" altLang="en-US"/>
           </a:p>
@@ -16877,7 +16878,7 @@
           <a:p>
             <a:fld id="{403374F6-491B-4410-BF99-DF51E2A038AC}" type="datetimeFigureOut">
               <a:rPr lang="zh-CN" altLang="en-US" smtClean="0"/>
-              <a:t>2021/3/2</a:t>
+              <a:t>2021/3/3</a:t>
             </a:fld>
             <a:endParaRPr lang="zh-CN" altLang="en-US"/>
           </a:p>
@@ -17077,7 +17078,7 @@
           <a:p>
             <a:fld id="{403374F6-491B-4410-BF99-DF51E2A038AC}" type="datetimeFigureOut">
               <a:rPr lang="zh-CN" altLang="en-US" smtClean="0"/>
-              <a:t>2021/3/2</a:t>
+              <a:t>2021/3/3</a:t>
             </a:fld>
             <a:endParaRPr lang="zh-CN" altLang="en-US"/>
           </a:p>
@@ -17353,7 +17354,7 @@
           <a:p>
             <a:fld id="{403374F6-491B-4410-BF99-DF51E2A038AC}" type="datetimeFigureOut">
               <a:rPr lang="zh-CN" altLang="en-US" smtClean="0"/>
-              <a:t>2021/3/2</a:t>
+              <a:t>2021/3/3</a:t>
             </a:fld>
             <a:endParaRPr lang="zh-CN" altLang="en-US"/>
           </a:p>
@@ -17621,7 +17622,7 @@
           <a:p>
             <a:fld id="{403374F6-491B-4410-BF99-DF51E2A038AC}" type="datetimeFigureOut">
               <a:rPr lang="zh-CN" altLang="en-US" smtClean="0"/>
-              <a:t>2021/3/2</a:t>
+              <a:t>2021/3/3</a:t>
             </a:fld>
             <a:endParaRPr lang="zh-CN" altLang="en-US"/>
           </a:p>
@@ -18036,7 +18037,7 @@
           <a:p>
             <a:fld id="{403374F6-491B-4410-BF99-DF51E2A038AC}" type="datetimeFigureOut">
               <a:rPr lang="zh-CN" altLang="en-US" smtClean="0"/>
-              <a:t>2021/3/2</a:t>
+              <a:t>2021/3/3</a:t>
             </a:fld>
             <a:endParaRPr lang="zh-CN" altLang="en-US"/>
           </a:p>
@@ -18178,7 +18179,7 @@
           <a:p>
             <a:fld id="{403374F6-491B-4410-BF99-DF51E2A038AC}" type="datetimeFigureOut">
               <a:rPr lang="zh-CN" altLang="en-US" smtClean="0"/>
-              <a:t>2021/3/2</a:t>
+              <a:t>2021/3/3</a:t>
             </a:fld>
             <a:endParaRPr lang="zh-CN" altLang="en-US"/>
           </a:p>
@@ -18291,7 +18292,7 @@
           <a:p>
             <a:fld id="{403374F6-491B-4410-BF99-DF51E2A038AC}" type="datetimeFigureOut">
               <a:rPr lang="zh-CN" altLang="en-US" smtClean="0"/>
-              <a:t>2021/3/2</a:t>
+              <a:t>2021/3/3</a:t>
             </a:fld>
             <a:endParaRPr lang="zh-CN" altLang="en-US"/>
           </a:p>
@@ -18604,7 +18605,7 @@
           <a:p>
             <a:fld id="{403374F6-491B-4410-BF99-DF51E2A038AC}" type="datetimeFigureOut">
               <a:rPr lang="zh-CN" altLang="en-US" smtClean="0"/>
-              <a:t>2021/3/2</a:t>
+              <a:t>2021/3/3</a:t>
             </a:fld>
             <a:endParaRPr lang="zh-CN" altLang="en-US"/>
           </a:p>
@@ -18893,7 +18894,7 @@
           <a:p>
             <a:fld id="{403374F6-491B-4410-BF99-DF51E2A038AC}" type="datetimeFigureOut">
               <a:rPr lang="zh-CN" altLang="en-US" smtClean="0"/>
-              <a:t>2021/3/2</a:t>
+              <a:t>2021/3/3</a:t>
             </a:fld>
             <a:endParaRPr lang="zh-CN" altLang="en-US"/>
           </a:p>
@@ -19136,7 +19137,7 @@
           <a:p>
             <a:fld id="{403374F6-491B-4410-BF99-DF51E2A038AC}" type="datetimeFigureOut">
               <a:rPr lang="zh-CN" altLang="en-US" smtClean="0"/>
-              <a:t>2021/3/2</a:t>
+              <a:t>2021/3/3</a:t>
             </a:fld>
             <a:endParaRPr lang="zh-CN" altLang="en-US"/>
           </a:p>
@@ -20334,7 +20335,7 @@
         </p:blipFill>
         <p:spPr>
           <a:xfrm>
-            <a:off x="2805524" y="2362333"/>
+            <a:off x="3057853" y="1819850"/>
             <a:ext cx="6580952" cy="2133333"/>
           </a:xfrm>
           <a:prstGeom prst="rect">
@@ -20476,7 +20477,7 @@
         <p:spPr>
           <a:xfrm>
             <a:off x="7403977" y="103497"/>
-            <a:ext cx="4261282" cy="923330"/>
+            <a:ext cx="4261282" cy="646331"/>
           </a:xfrm>
           <a:prstGeom prst="rect">
             <a:avLst/>
@@ -20489,16 +20490,7 @@
           </a:bodyPr>
           <a:lstStyle/>
           <a:p>
-            <a:r>
-              <a:rPr lang="en-US" altLang="zh-CN" dirty="0"/>
-              <a:t>100</a:t>
-            </a:r>
-          </a:p>
-          <a:p>
-            <a:r>
-              <a:rPr lang="en-US" altLang="zh-CN"/>
-              <a:t>100*(1+1e-6*100)</a:t>
-            </a:r>
+            <a:endParaRPr lang="en-US" altLang="zh-CN" dirty="0"/>
           </a:p>
           <a:p>
             <a:endParaRPr lang="zh-CN" altLang="en-US" dirty="0"/>
@@ -20666,13 +20658,8 @@
           <a:p>
             <a:r>
               <a:rPr lang="en-US" dirty="0"/>
-              <a:t>Dummy source: random 200 </a:t>
+              <a:t>Dummy source: random 200 features</a:t>
             </a:r>
-            <a:r>
-              <a:rPr lang="en-US" dirty="0" err="1"/>
-              <a:t>fea</a:t>
-            </a:r>
-            <a:endParaRPr lang="en-US" dirty="0"/>
           </a:p>
           <a:p>
             <a:r>
@@ -20772,7 +20759,7 @@
         </p:blipFill>
         <p:spPr bwMode="auto">
           <a:xfrm>
-            <a:off x="8780690" y="134030"/>
+            <a:off x="8914720" y="203132"/>
             <a:ext cx="3714750" cy="2533650"/>
           </a:xfrm>
           <a:prstGeom prst="rect">
@@ -20907,7 +20894,9 @@
           </a:xfrm>
         </p:spPr>
         <p:txBody>
-          <a:bodyPr/>
+          <a:bodyPr>
+            <a:normAutofit/>
+          </a:bodyPr>
           <a:lstStyle/>
           <a:p>
             <a:r>
@@ -20956,16 +20945,28 @@
               <a:buAutoNum type="arabicPeriod"/>
             </a:pPr>
             <a:r>
-              <a:rPr lang="en-US" dirty="0"/>
+              <a:rPr lang="en-US" dirty="0">
+                <a:solidFill>
+                  <a:srgbClr val="FF0000"/>
+                </a:solidFill>
+              </a:rPr>
               <a:t>Assess a match score (cos similarity/</a:t>
             </a:r>
             <a:r>
-              <a:rPr lang="en-US" dirty="0" err="1"/>
+              <a:rPr lang="en-US" dirty="0" err="1">
+                <a:solidFill>
+                  <a:srgbClr val="FF0000"/>
+                </a:solidFill>
+              </a:rPr>
               <a:t>msdial</a:t>
             </a:r>
             <a:r>
-              <a:rPr lang="en-US" dirty="0"/>
-              <a:t> algorithm) and coverage</a:t>
+              <a:rPr lang="en-US" dirty="0">
+                <a:solidFill>
+                  <a:srgbClr val="FF0000"/>
+                </a:solidFill>
+              </a:rPr>
+              <a:t> algorithm) and coverage (dot product/Jaccard as baseline) </a:t>
             </a:r>
           </a:p>
           <a:p>
@@ -20974,7 +20975,11 @@
               <a:buAutoNum type="arabicPeriod"/>
             </a:pPr>
             <a:r>
-              <a:rPr lang="en-US" dirty="0"/>
+              <a:rPr lang="en-US" dirty="0">
+                <a:solidFill>
+                  <a:srgbClr val="FF0000"/>
+                </a:solidFill>
+              </a:rPr>
               <a:t>If score/coverage lower than threshold, check for the shift</a:t>
             </a:r>
           </a:p>
@@ -20984,7 +20989,11 @@
               <a:buAutoNum type="arabicPeriod"/>
             </a:pPr>
             <a:r>
-              <a:rPr lang="en-US" dirty="0"/>
+              <a:rPr lang="en-US" dirty="0">
+                <a:solidFill>
+                  <a:srgbClr val="FF0000"/>
+                </a:solidFill>
+              </a:rPr>
               <a:t>Use relative position to reinforce the confidence</a:t>
             </a:r>
           </a:p>
@@ -21020,10 +21029,10 @@
       </p:sp>
       <p:pic>
         <p:nvPicPr>
-          <p:cNvPr id="2050" name="Picture 2">
+          <p:cNvPr id="2052" name="Picture 4">
             <a:extLst>
               <a:ext uri="{FF2B5EF4-FFF2-40B4-BE49-F238E27FC236}">
-                <a16:creationId xmlns:a16="http://schemas.microsoft.com/office/drawing/2014/main" id="{A2CB6021-F0AD-4FE0-8933-02533C0F588C}"/>
+                <a16:creationId xmlns:a16="http://schemas.microsoft.com/office/drawing/2014/main" id="{E13BCA6E-7DA4-4DAC-8640-983DE3D9B9ED}"/>
               </a:ext>
             </a:extLst>
           </p:cNvPr>
@@ -21047,54 +21056,7 @@
         </p:blipFill>
         <p:spPr bwMode="auto">
           <a:xfrm>
-            <a:off x="8701242" y="59871"/>
-            <a:ext cx="3345944" cy="2177937"/>
-          </a:xfrm>
-          <a:prstGeom prst="rect">
-            <a:avLst/>
-          </a:prstGeom>
-          <a:noFill/>
-          <a:extLst>
-            <a:ext uri="{909E8E84-426E-40DD-AFC4-6F175D3DCCD1}">
-              <a14:hiddenFill xmlns:a14="http://schemas.microsoft.com/office/drawing/2010/main">
-                <a:solidFill>
-                  <a:srgbClr val="FFFFFF"/>
-                </a:solidFill>
-              </a14:hiddenFill>
-            </a:ext>
-          </a:extLst>
-        </p:spPr>
-      </p:pic>
-      <p:pic>
-        <p:nvPicPr>
-          <p:cNvPr id="2052" name="Picture 4">
-            <a:extLst>
-              <a:ext uri="{FF2B5EF4-FFF2-40B4-BE49-F238E27FC236}">
-                <a16:creationId xmlns:a16="http://schemas.microsoft.com/office/drawing/2014/main" id="{E13BCA6E-7DA4-4DAC-8640-983DE3D9B9ED}"/>
-              </a:ext>
-            </a:extLst>
-          </p:cNvPr>
-          <p:cNvPicPr>
-            <a:picLocks noChangeAspect="1" noChangeArrowheads="1"/>
-          </p:cNvPicPr>
-          <p:nvPr/>
-        </p:nvPicPr>
-        <p:blipFill>
-          <a:blip r:embed="rId3">
-            <a:extLst>
-              <a:ext uri="{28A0092B-C50C-407E-A947-70E740481C1C}">
-                <a14:useLocalDpi xmlns:a14="http://schemas.microsoft.com/office/drawing/2010/main" val="0"/>
-              </a:ext>
-            </a:extLst>
-          </a:blip>
-          <a:srcRect/>
-          <a:stretch>
-            <a:fillRect/>
-          </a:stretch>
-        </p:blipFill>
-        <p:spPr bwMode="auto">
-          <a:xfrm>
-            <a:off x="8701242" y="2242854"/>
+            <a:off x="8701242" y="2255571"/>
             <a:ext cx="3345944" cy="2177937"/>
           </a:xfrm>
           <a:prstGeom prst="rect">
@@ -21127,6 +21089,135 @@
           <p:nvPr/>
         </p:nvPicPr>
         <p:blipFill>
+          <a:blip r:embed="rId3">
+            <a:extLst>
+              <a:ext uri="{28A0092B-C50C-407E-A947-70E740481C1C}">
+                <a14:useLocalDpi xmlns:a14="http://schemas.microsoft.com/office/drawing/2010/main" val="0"/>
+              </a:ext>
+            </a:extLst>
+          </a:blip>
+          <a:srcRect/>
+          <a:stretch>
+            <a:fillRect/>
+          </a:stretch>
+        </p:blipFill>
+        <p:spPr bwMode="auto">
+          <a:xfrm>
+            <a:off x="8701242" y="4420791"/>
+            <a:ext cx="3345944" cy="2177937"/>
+          </a:xfrm>
+          <a:prstGeom prst="rect">
+            <a:avLst/>
+          </a:prstGeom>
+          <a:noFill/>
+          <a:extLst>
+            <a:ext uri="{909E8E84-426E-40DD-AFC4-6F175D3DCCD1}">
+              <a14:hiddenFill xmlns:a14="http://schemas.microsoft.com/office/drawing/2010/main">
+                <a:solidFill>
+                  <a:srgbClr val="FFFFFF"/>
+                </a:solidFill>
+              </a14:hiddenFill>
+            </a:ext>
+          </a:extLst>
+        </p:spPr>
+      </p:pic>
+      <p:sp>
+        <p:nvSpPr>
+          <p:cNvPr id="4" name="TextBox 3">
+            <a:extLst>
+              <a:ext uri="{FF2B5EF4-FFF2-40B4-BE49-F238E27FC236}">
+                <a16:creationId xmlns:a16="http://schemas.microsoft.com/office/drawing/2014/main" id="{DC72015B-A114-4DA4-8B56-9E2B3015905B}"/>
+              </a:ext>
+            </a:extLst>
+          </p:cNvPr>
+          <p:cNvSpPr txBox="1"/>
+          <p:nvPr/>
+        </p:nvSpPr>
+        <p:spPr>
+          <a:xfrm>
+            <a:off x="276790" y="0"/>
+            <a:ext cx="2626666" cy="646331"/>
+          </a:xfrm>
+          <a:prstGeom prst="rect">
+            <a:avLst/>
+          </a:prstGeom>
+          <a:noFill/>
+        </p:spPr>
+        <p:txBody>
+          <a:bodyPr wrap="square" rtlCol="0">
+            <a:spAutoFit/>
+          </a:bodyPr>
+          <a:lstStyle/>
+          <a:p>
+            <a:r>
+              <a:rPr lang="en-US" dirty="0"/>
+              <a:t>10 100</a:t>
+            </a:r>
+          </a:p>
+          <a:p>
+            <a:r>
+              <a:rPr lang="en-US" dirty="0"/>
+              <a:t>20 200</a:t>
+            </a:r>
+          </a:p>
+        </p:txBody>
+      </p:sp>
+      <p:sp>
+        <p:nvSpPr>
+          <p:cNvPr id="5" name="TextBox 4">
+            <a:extLst>
+              <a:ext uri="{FF2B5EF4-FFF2-40B4-BE49-F238E27FC236}">
+                <a16:creationId xmlns:a16="http://schemas.microsoft.com/office/drawing/2014/main" id="{F2B71FED-8BFC-42F0-9EDC-7571AFD38E71}"/>
+              </a:ext>
+            </a:extLst>
+          </p:cNvPr>
+          <p:cNvSpPr txBox="1"/>
+          <p:nvPr/>
+        </p:nvSpPr>
+        <p:spPr>
+          <a:xfrm>
+            <a:off x="3063711" y="0"/>
+            <a:ext cx="2554664" cy="646331"/>
+          </a:xfrm>
+          <a:prstGeom prst="rect">
+            <a:avLst/>
+          </a:prstGeom>
+          <a:noFill/>
+        </p:spPr>
+        <p:txBody>
+          <a:bodyPr wrap="square" rtlCol="0">
+            <a:spAutoFit/>
+          </a:bodyPr>
+          <a:lstStyle/>
+          <a:p>
+            <a:r>
+              <a:rPr lang="en-US" dirty="0"/>
+              <a:t>15,100</a:t>
+            </a:r>
+          </a:p>
+          <a:p>
+            <a:r>
+              <a:rPr lang="en-US" dirty="0"/>
+              <a:t>25,200</a:t>
+            </a:r>
+          </a:p>
+        </p:txBody>
+      </p:sp>
+      <p:pic>
+        <p:nvPicPr>
+          <p:cNvPr id="9" name="Picture 2">
+            <a:extLst>
+              <a:ext uri="{FF2B5EF4-FFF2-40B4-BE49-F238E27FC236}">
+                <a16:creationId xmlns:a16="http://schemas.microsoft.com/office/drawing/2014/main" id="{E4DEC800-E98B-40F9-92A3-B428A5107DA6}"/>
+              </a:ext>
+            </a:extLst>
+          </p:cNvPr>
+          <p:cNvPicPr>
+            <a:picLocks noChangeAspect="1" noChangeArrowheads="1"/>
+          </p:cNvPicPr>
+          <p:nvPr/>
+        </p:nvPicPr>
+        <p:blipFill>
           <a:blip r:embed="rId4">
             <a:extLst>
               <a:ext uri="{28A0092B-C50C-407E-A947-70E740481C1C}">
@@ -21141,7 +21232,7 @@
         </p:blipFill>
         <p:spPr bwMode="auto">
           <a:xfrm>
-            <a:off x="8701242" y="4425837"/>
+            <a:off x="8007856" y="71276"/>
             <a:ext cx="3345944" cy="2177937"/>
           </a:xfrm>
           <a:prstGeom prst="rect">
@@ -21173,6 +21264,151 @@
 </file>
 
 <file path=ppt/slides/slide17.xml><?xml version="1.0" encoding="utf-8"?>
+<p:sld xmlns:a="http://schemas.openxmlformats.org/drawingml/2006/main" xmlns:r="http://schemas.openxmlformats.org/officeDocument/2006/relationships" xmlns:p="http://schemas.openxmlformats.org/presentationml/2006/main">
+  <p:cSld>
+    <p:spTree>
+      <p:nvGrpSpPr>
+        <p:cNvPr id="1" name=""/>
+        <p:cNvGrpSpPr/>
+        <p:nvPr/>
+      </p:nvGrpSpPr>
+      <p:grpSpPr>
+        <a:xfrm>
+          <a:off x="0" y="0"/>
+          <a:ext cx="0" cy="0"/>
+          <a:chOff x="0" y="0"/>
+          <a:chExt cx="0" cy="0"/>
+        </a:xfrm>
+      </p:grpSpPr>
+      <p:sp>
+        <p:nvSpPr>
+          <p:cNvPr id="2" name="Title 1">
+            <a:extLst>
+              <a:ext uri="{FF2B5EF4-FFF2-40B4-BE49-F238E27FC236}">
+                <a16:creationId xmlns:a16="http://schemas.microsoft.com/office/drawing/2014/main" id="{F36977B3-3CE2-4AC1-A023-F49ABA088025}"/>
+              </a:ext>
+            </a:extLst>
+          </p:cNvPr>
+          <p:cNvSpPr>
+            <a:spLocks noGrp="1"/>
+          </p:cNvSpPr>
+          <p:nvPr>
+            <p:ph type="title"/>
+          </p:nvPr>
+        </p:nvSpPr>
+        <p:spPr/>
+        <p:txBody>
+          <a:bodyPr/>
+          <a:lstStyle/>
+          <a:p>
+            <a:endParaRPr lang="en-US"/>
+          </a:p>
+        </p:txBody>
+      </p:sp>
+      <p:sp>
+        <p:nvSpPr>
+          <p:cNvPr id="3" name="Content Placeholder 2">
+            <a:extLst>
+              <a:ext uri="{FF2B5EF4-FFF2-40B4-BE49-F238E27FC236}">
+                <a16:creationId xmlns:a16="http://schemas.microsoft.com/office/drawing/2014/main" id="{E1C88EE7-2C0B-42C5-B11D-B6CA760B2320}"/>
+              </a:ext>
+            </a:extLst>
+          </p:cNvPr>
+          <p:cNvSpPr>
+            <a:spLocks noGrp="1"/>
+          </p:cNvSpPr>
+          <p:nvPr>
+            <p:ph idx="1"/>
+          </p:nvPr>
+        </p:nvSpPr>
+        <p:spPr/>
+        <p:txBody>
+          <a:bodyPr/>
+          <a:lstStyle/>
+          <a:p>
+            <a:endParaRPr lang="en-US"/>
+          </a:p>
+        </p:txBody>
+      </p:sp>
+      <p:pic>
+        <p:nvPicPr>
+          <p:cNvPr id="5" name="Picture 4">
+            <a:extLst>
+              <a:ext uri="{FF2B5EF4-FFF2-40B4-BE49-F238E27FC236}">
+                <a16:creationId xmlns:a16="http://schemas.microsoft.com/office/drawing/2014/main" id="{28CB49B3-9A75-49D1-B7EF-BB40EB837D0C}"/>
+              </a:ext>
+            </a:extLst>
+          </p:cNvPr>
+          <p:cNvPicPr>
+            <a:picLocks noChangeAspect="1"/>
+          </p:cNvPicPr>
+          <p:nvPr/>
+        </p:nvPicPr>
+        <p:blipFill>
+          <a:blip r:embed="rId2"/>
+          <a:stretch>
+            <a:fillRect/>
+          </a:stretch>
+        </p:blipFill>
+        <p:spPr>
+          <a:xfrm>
+            <a:off x="777916" y="0"/>
+            <a:ext cx="10636167" cy="6858000"/>
+          </a:xfrm>
+          <a:prstGeom prst="rect">
+            <a:avLst/>
+          </a:prstGeom>
+        </p:spPr>
+      </p:pic>
+      <p:sp>
+        <p:nvSpPr>
+          <p:cNvPr id="6" name="TextBox 5">
+            <a:extLst>
+              <a:ext uri="{FF2B5EF4-FFF2-40B4-BE49-F238E27FC236}">
+                <a16:creationId xmlns:a16="http://schemas.microsoft.com/office/drawing/2014/main" id="{8283F5EE-4B6C-4A19-AB28-A34A4CA45C99}"/>
+              </a:ext>
+            </a:extLst>
+          </p:cNvPr>
+          <p:cNvSpPr txBox="1"/>
+          <p:nvPr/>
+        </p:nvSpPr>
+        <p:spPr>
+          <a:xfrm>
+            <a:off x="607367" y="2460395"/>
+            <a:ext cx="461665" cy="2460396"/>
+          </a:xfrm>
+          <a:prstGeom prst="rect">
+            <a:avLst/>
+          </a:prstGeom>
+          <a:noFill/>
+        </p:spPr>
+        <p:txBody>
+          <a:bodyPr vert="eaVert" wrap="square" rtlCol="0">
+            <a:spAutoFit/>
+          </a:bodyPr>
+          <a:lstStyle/>
+          <a:p>
+            <a:r>
+              <a:rPr lang="en-US" dirty="0"/>
+              <a:t>RT</a:t>
+            </a:r>
+          </a:p>
+        </p:txBody>
+      </p:sp>
+    </p:spTree>
+    <p:extLst>
+      <p:ext uri="{BB962C8B-B14F-4D97-AF65-F5344CB8AC3E}">
+        <p14:creationId xmlns:p14="http://schemas.microsoft.com/office/powerpoint/2010/main" val="922521363"/>
+      </p:ext>
+    </p:extLst>
+  </p:cSld>
+  <p:clrMapOvr>
+    <a:masterClrMapping/>
+  </p:clrMapOvr>
+</p:sld>
+</file>
+
+<file path=ppt/slides/slide18.xml><?xml version="1.0" encoding="utf-8"?>
 <p:sld xmlns:a="http://schemas.openxmlformats.org/drawingml/2006/main" xmlns:r="http://schemas.openxmlformats.org/officeDocument/2006/relationships" xmlns:p="http://schemas.openxmlformats.org/presentationml/2006/main">
   <p:cSld>
     <p:spTree>
@@ -21241,7 +21477,7 @@
         </p:spPr>
         <p:txBody>
           <a:bodyPr>
-            <a:normAutofit lnSpcReduction="10000"/>
+            <a:normAutofit fontScale="70000" lnSpcReduction="20000"/>
           </a:bodyPr>
           <a:lstStyle/>
           <a:p>
@@ -21249,6 +21485,44 @@
               <a:rPr lang="en-US" dirty="0"/>
               <a:t>How to generate dummy data? – generating random number from 2D distribution</a:t>
             </a:r>
+          </a:p>
+          <a:p>
+            <a:r>
+              <a:rPr lang="en-US" dirty="0"/>
+              <a:t>Start with distribution comparison(source/field)</a:t>
+            </a:r>
+          </a:p>
+          <a:p>
+            <a:pPr lvl="1"/>
+            <a:r>
+              <a:rPr lang="en-US" dirty="0"/>
+              <a:t>See how it goes, can this comparison have been used assist identification</a:t>
+            </a:r>
+          </a:p>
+          <a:p>
+            <a:pPr lvl="2"/>
+            <a:r>
+              <a:rPr lang="en-US" dirty="0"/>
+              <a:t>Min-max (0-1)</a:t>
+            </a:r>
+          </a:p>
+          <a:p>
+            <a:pPr lvl="2"/>
+            <a:r>
+              <a:rPr lang="en-US" dirty="0"/>
+              <a:t>Z-sore</a:t>
+            </a:r>
+          </a:p>
+          <a:p>
+            <a:pPr lvl="2"/>
+            <a:r>
+              <a:rPr lang="en-US" dirty="0"/>
+              <a:t>Log-trans</a:t>
+            </a:r>
+          </a:p>
+          <a:p>
+            <a:pPr lvl="2"/>
+            <a:endParaRPr lang="en-US" dirty="0"/>
           </a:p>
           <a:p>
             <a:pPr lvl="1"/>
@@ -21380,7 +21654,7 @@
         </p:blipFill>
         <p:spPr bwMode="auto">
           <a:xfrm>
-            <a:off x="8620125" y="2122714"/>
+            <a:off x="8610697" y="2122714"/>
             <a:ext cx="3571875" cy="2362200"/>
           </a:xfrm>
           <a:prstGeom prst="rect">
@@ -21398,6 +21672,41 @@
           </a:extLst>
         </p:spPr>
       </p:pic>
+      <p:sp>
+        <p:nvSpPr>
+          <p:cNvPr id="4" name="TextBox 3">
+            <a:extLst>
+              <a:ext uri="{FF2B5EF4-FFF2-40B4-BE49-F238E27FC236}">
+                <a16:creationId xmlns:a16="http://schemas.microsoft.com/office/drawing/2014/main" id="{17FAAA3F-2B64-45F0-B5D3-7048522829EE}"/>
+              </a:ext>
+            </a:extLst>
+          </p:cNvPr>
+          <p:cNvSpPr txBox="1"/>
+          <p:nvPr/>
+        </p:nvSpPr>
+        <p:spPr>
+          <a:xfrm>
+            <a:off x="2648932" y="216816"/>
+            <a:ext cx="3846136" cy="369332"/>
+          </a:xfrm>
+          <a:prstGeom prst="rect">
+            <a:avLst/>
+          </a:prstGeom>
+          <a:noFill/>
+        </p:spPr>
+        <p:txBody>
+          <a:bodyPr wrap="square" rtlCol="0">
+            <a:spAutoFit/>
+          </a:bodyPr>
+          <a:lstStyle/>
+          <a:p>
+            <a:r>
+              <a:rPr lang="en-US" dirty="0"/>
+              <a:t>1e6,5e5,1e5         1e8</a:t>
+            </a:r>
+          </a:p>
+        </p:txBody>
+      </p:sp>
     </p:spTree>
     <p:extLst>
       <p:ext uri="{BB962C8B-B14F-4D97-AF65-F5344CB8AC3E}">
@@ -21411,7 +21720,7 @@
 </p:sld>
 </file>
 
-<file path=ppt/slides/slide18.xml><?xml version="1.0" encoding="utf-8"?>
+<file path=ppt/slides/slide19.xml><?xml version="1.0" encoding="utf-8"?>
 <p:sld xmlns:a="http://schemas.openxmlformats.org/drawingml/2006/main" xmlns:r="http://schemas.openxmlformats.org/officeDocument/2006/relationships" xmlns:p="http://schemas.openxmlformats.org/presentationml/2006/main">
   <p:cSld>
     <p:spTree>
